--- a/doc/design.pptx
+++ b/doc/design.pptx
@@ -3727,7 +3727,7 @@
             </a:pPr>
             <a:r>
               <a:rPr lang="en-US" altLang="ja-JP" sz="700" dirty="0" err="1" smtClean="0"/>
-              <a:t>self_id</a:t>
+              <a:t>user_id</a:t>
             </a:r>
             <a:endParaRPr lang="en-US" altLang="ja-JP" sz="700" dirty="0" smtClean="0"/>
           </a:p>
@@ -3888,7 +3888,7 @@
             </a:pPr>
             <a:r>
               <a:rPr lang="en-US" altLang="ja-JP" sz="700" dirty="0" err="1" smtClean="0"/>
-              <a:t>self_id</a:t>
+              <a:t>user_id</a:t>
             </a:r>
             <a:endParaRPr kumimoji="1" lang="en-US" altLang="ja-JP" sz="700" dirty="0" smtClean="0"/>
           </a:p>
@@ -3980,7 +3980,7 @@
             </a:pPr>
             <a:r>
               <a:rPr lang="en-US" altLang="ja-JP" sz="700" dirty="0" err="1" smtClean="0"/>
-              <a:t>self_id</a:t>
+              <a:t>user_id</a:t>
             </a:r>
             <a:endParaRPr kumimoji="1" lang="en-US" altLang="ja-JP" sz="700" dirty="0" smtClean="0"/>
           </a:p>
@@ -7530,7 +7530,7 @@
               <a:t>)</a:t>
             </a:r>
             <a:r>
-              <a:rPr kumimoji="1" lang="ja-JP" altLang="en-US" sz="2000" smtClean="0"/>
+              <a:rPr kumimoji="1" lang="ja-JP" altLang="en-US" sz="2000" dirty="0" smtClean="0"/>
               <a:t>」で命名する</a:t>
             </a:r>
             <a:endParaRPr kumimoji="1" lang="ja-JP" altLang="en-US" sz="2000" dirty="0"/>

--- a/doc/design.pptx
+++ b/doc/design.pptx
@@ -5,13 +5,14 @@
     <p:sldMasterId id="2147483648" r:id="rId1"/>
   </p:sldMasterIdLst>
   <p:sldIdLst>
-    <p:sldId id="256" r:id="rId2"/>
-    <p:sldId id="257" r:id="rId3"/>
-    <p:sldId id="258" r:id="rId4"/>
-    <p:sldId id="259" r:id="rId5"/>
-    <p:sldId id="260" r:id="rId6"/>
-    <p:sldId id="261" r:id="rId7"/>
-    <p:sldId id="262" r:id="rId8"/>
+    <p:sldId id="262" r:id="rId2"/>
+    <p:sldId id="256" r:id="rId3"/>
+    <p:sldId id="257" r:id="rId4"/>
+    <p:sldId id="258" r:id="rId5"/>
+    <p:sldId id="259" r:id="rId6"/>
+    <p:sldId id="263" r:id="rId7"/>
+    <p:sldId id="260" r:id="rId8"/>
+    <p:sldId id="261" r:id="rId9"/>
   </p:sldIdLst>
   <p:sldSz cx="9144000" cy="6858000" type="screen4x3"/>
   <p:notesSz cx="6858000" cy="9144000"/>
@@ -295,7 +296,7 @@
             <a:fld id="{498B79AD-8EE5-4954-9813-22C614D5AEFA}" type="datetimeFigureOut">
               <a:rPr kumimoji="1" lang="ja-JP" altLang="en-US" smtClean="0"/>
               <a:pPr/>
-              <a:t>2013/12/22</a:t>
+              <a:t>2014/4/5</a:t>
             </a:fld>
             <a:endParaRPr kumimoji="1" lang="ja-JP" altLang="en-US"/>
           </a:p>
@@ -494,7 +495,7 @@
             <a:fld id="{498B79AD-8EE5-4954-9813-22C614D5AEFA}" type="datetimeFigureOut">
               <a:rPr kumimoji="1" lang="ja-JP" altLang="en-US" smtClean="0"/>
               <a:pPr/>
-              <a:t>2013/12/22</a:t>
+              <a:t>2014/4/5</a:t>
             </a:fld>
             <a:endParaRPr kumimoji="1" lang="ja-JP" altLang="en-US"/>
           </a:p>
@@ -703,7 +704,7 @@
             <a:fld id="{498B79AD-8EE5-4954-9813-22C614D5AEFA}" type="datetimeFigureOut">
               <a:rPr kumimoji="1" lang="ja-JP" altLang="en-US" smtClean="0"/>
               <a:pPr/>
-              <a:t>2013/12/22</a:t>
+              <a:t>2014/4/5</a:t>
             </a:fld>
             <a:endParaRPr kumimoji="1" lang="ja-JP" altLang="en-US"/>
           </a:p>
@@ -902,7 +903,7 @@
             <a:fld id="{498B79AD-8EE5-4954-9813-22C614D5AEFA}" type="datetimeFigureOut">
               <a:rPr kumimoji="1" lang="ja-JP" altLang="en-US" smtClean="0"/>
               <a:pPr/>
-              <a:t>2013/12/22</a:t>
+              <a:t>2014/4/5</a:t>
             </a:fld>
             <a:endParaRPr kumimoji="1" lang="ja-JP" altLang="en-US"/>
           </a:p>
@@ -1145,7 +1146,7 @@
             <a:fld id="{498B79AD-8EE5-4954-9813-22C614D5AEFA}" type="datetimeFigureOut">
               <a:rPr kumimoji="1" lang="ja-JP" altLang="en-US" smtClean="0"/>
               <a:pPr/>
-              <a:t>2013/12/22</a:t>
+              <a:t>2014/4/5</a:t>
             </a:fld>
             <a:endParaRPr kumimoji="1" lang="ja-JP" altLang="en-US"/>
           </a:p>
@@ -1494,7 +1495,7 @@
             <a:fld id="{498B79AD-8EE5-4954-9813-22C614D5AEFA}" type="datetimeFigureOut">
               <a:rPr kumimoji="1" lang="ja-JP" altLang="en-US" smtClean="0"/>
               <a:pPr/>
-              <a:t>2013/12/22</a:t>
+              <a:t>2014/4/5</a:t>
             </a:fld>
             <a:endParaRPr kumimoji="1" lang="ja-JP" altLang="en-US"/>
           </a:p>
@@ -1977,7 +1978,7 @@
             <a:fld id="{498B79AD-8EE5-4954-9813-22C614D5AEFA}" type="datetimeFigureOut">
               <a:rPr kumimoji="1" lang="ja-JP" altLang="en-US" smtClean="0"/>
               <a:pPr/>
-              <a:t>2013/12/22</a:t>
+              <a:t>2014/4/5</a:t>
             </a:fld>
             <a:endParaRPr kumimoji="1" lang="ja-JP" altLang="en-US"/>
           </a:p>
@@ -2092,7 +2093,7 @@
             <a:fld id="{498B79AD-8EE5-4954-9813-22C614D5AEFA}" type="datetimeFigureOut">
               <a:rPr kumimoji="1" lang="ja-JP" altLang="en-US" smtClean="0"/>
               <a:pPr/>
-              <a:t>2013/12/22</a:t>
+              <a:t>2014/4/5</a:t>
             </a:fld>
             <a:endParaRPr kumimoji="1" lang="ja-JP" altLang="en-US"/>
           </a:p>
@@ -2184,7 +2185,7 @@
             <a:fld id="{498B79AD-8EE5-4954-9813-22C614D5AEFA}" type="datetimeFigureOut">
               <a:rPr kumimoji="1" lang="ja-JP" altLang="en-US" smtClean="0"/>
               <a:pPr/>
-              <a:t>2013/12/22</a:t>
+              <a:t>2014/4/5</a:t>
             </a:fld>
             <a:endParaRPr kumimoji="1" lang="ja-JP" altLang="en-US"/>
           </a:p>
@@ -2490,7 +2491,7 @@
             <a:fld id="{498B79AD-8EE5-4954-9813-22C614D5AEFA}" type="datetimeFigureOut">
               <a:rPr kumimoji="1" lang="ja-JP" altLang="en-US" smtClean="0"/>
               <a:pPr/>
-              <a:t>2013/12/22</a:t>
+              <a:t>2014/4/5</a:t>
             </a:fld>
             <a:endParaRPr kumimoji="1" lang="ja-JP" altLang="en-US"/>
           </a:p>
@@ -2740,7 +2741,7 @@
             <a:fld id="{498B79AD-8EE5-4954-9813-22C614D5AEFA}" type="datetimeFigureOut">
               <a:rPr kumimoji="1" lang="ja-JP" altLang="en-US" smtClean="0"/>
               <a:pPr/>
-              <a:t>2013/12/22</a:t>
+              <a:t>2014/4/5</a:t>
             </a:fld>
             <a:endParaRPr kumimoji="1" lang="ja-JP" altLang="en-US"/>
           </a:p>
@@ -2982,7 +2983,7 @@
             <a:fld id="{498B79AD-8EE5-4954-9813-22C614D5AEFA}" type="datetimeFigureOut">
               <a:rPr kumimoji="1" lang="ja-JP" altLang="en-US" smtClean="0"/>
               <a:pPr/>
-              <a:t>2013/12/22</a:t>
+              <a:t>2014/4/5</a:t>
             </a:fld>
             <a:endParaRPr kumimoji="1" lang="ja-JP" altLang="en-US"/>
           </a:p>
@@ -3355,173 +3356,619 @@
       </p:grpSpPr>
       <p:sp>
         <p:nvSpPr>
-          <p:cNvPr id="4" name="円/楕円 3"/>
+          <p:cNvPr id="30" name="正方形/長方形 29"/>
           <p:cNvSpPr/>
           <p:nvPr/>
         </p:nvSpPr>
         <p:spPr>
-          <a:xfrm flipH="1">
-            <a:off x="1259632" y="620688"/>
-            <a:ext cx="864096" cy="864096"/>
-          </a:xfrm>
-          <a:prstGeom prst="ellipse">
-            <a:avLst/>
-          </a:prstGeom>
-        </p:spPr>
-        <p:style>
-          <a:lnRef idx="1">
-            <a:schemeClr val="dk1"/>
-          </a:lnRef>
-          <a:fillRef idx="2">
-            <a:schemeClr val="dk1"/>
-          </a:fillRef>
-          <a:effectRef idx="1">
-            <a:schemeClr val="dk1"/>
-          </a:effectRef>
-          <a:fontRef idx="minor">
-            <a:schemeClr val="dk1"/>
-          </a:fontRef>
-        </p:style>
-        <p:txBody>
-          <a:bodyPr wrap="none" rtlCol="0" anchor="ctr"/>
+          <a:xfrm>
+            <a:off x="899592" y="2852936"/>
+            <a:ext cx="2160240" cy="1512168"/>
+          </a:xfrm>
+          <a:prstGeom prst="rect">
+            <a:avLst/>
+          </a:prstGeom>
+          <a:ln w="9525">
+            <a:prstDash val="sysDot"/>
+          </a:ln>
+        </p:spPr>
+        <p:style>
+          <a:lnRef idx="2">
+            <a:schemeClr val="dk1"/>
+          </a:lnRef>
+          <a:fillRef idx="1">
+            <a:schemeClr val="lt1"/>
+          </a:fillRef>
+          <a:effectRef idx="0">
+            <a:schemeClr val="dk1"/>
+          </a:effectRef>
+          <a:fontRef idx="minor">
+            <a:schemeClr val="dk1"/>
+          </a:fontRef>
+        </p:style>
+        <p:txBody>
+          <a:bodyPr wrap="none" rtlCol="0" anchor="t"/>
           <a:lstStyle/>
           <a:p>
             <a:pPr algn="ctr"/>
             <a:r>
-              <a:rPr kumimoji="1" lang="ja-JP" altLang="en-US" sz="1100" dirty="0" smtClean="0"/>
-              <a:t>ルーム選択</a:t>
-            </a:r>
-            <a:endParaRPr kumimoji="1" lang="en-US" altLang="ja-JP" sz="1100" dirty="0" smtClean="0"/>
+              <a:rPr kumimoji="1" lang="en-US" altLang="ja-JP" sz="900" dirty="0" smtClean="0"/>
+              <a:t>&lt;&lt;Group&gt;&gt;</a:t>
+            </a:r>
           </a:p>
           <a:p>
             <a:pPr algn="ctr"/>
             <a:r>
-              <a:rPr lang="en-US" altLang="ja-JP" sz="1100" dirty="0" smtClean="0"/>
-              <a:t>/</a:t>
-            </a:r>
-            <a:endParaRPr kumimoji="1" lang="ja-JP" altLang="en-US" sz="1100" dirty="0"/>
-          </a:p>
-        </p:txBody>
-      </p:sp>
-      <p:sp>
-        <p:nvSpPr>
-          <p:cNvPr id="5" name="円/楕円 4"/>
+              <a:rPr lang="en-US" altLang="ja-JP" sz="900" dirty="0" err="1" smtClean="0"/>
+              <a:t>UserList</a:t>
+            </a:r>
+            <a:endParaRPr kumimoji="1" lang="ja-JP" altLang="en-US" sz="900" dirty="0"/>
+          </a:p>
+        </p:txBody>
+      </p:sp>
+      <p:sp>
+        <p:nvSpPr>
+          <p:cNvPr id="21" name="正方形/長方形 20"/>
           <p:cNvSpPr/>
           <p:nvPr/>
         </p:nvSpPr>
         <p:spPr>
-          <a:xfrm flipH="1">
-            <a:off x="2699792" y="620688"/>
-            <a:ext cx="864096" cy="864096"/>
-          </a:xfrm>
-          <a:prstGeom prst="ellipse">
-            <a:avLst/>
-          </a:prstGeom>
-        </p:spPr>
-        <p:style>
-          <a:lnRef idx="1">
-            <a:schemeClr val="dk1"/>
-          </a:lnRef>
-          <a:fillRef idx="2">
-            <a:schemeClr val="dk1"/>
-          </a:fillRef>
-          <a:effectRef idx="1">
-            <a:schemeClr val="dk1"/>
-          </a:effectRef>
-          <a:fontRef idx="minor">
-            <a:schemeClr val="dk1"/>
-          </a:fontRef>
-        </p:style>
-        <p:txBody>
-          <a:bodyPr wrap="none" rtlCol="0" anchor="ctr"/>
+          <a:xfrm>
+            <a:off x="4283968" y="1484784"/>
+            <a:ext cx="4464496" cy="2592288"/>
+          </a:xfrm>
+          <a:prstGeom prst="rect">
+            <a:avLst/>
+          </a:prstGeom>
+          <a:ln w="9525">
+            <a:prstDash val="sysDot"/>
+          </a:ln>
+        </p:spPr>
+        <p:style>
+          <a:lnRef idx="2">
+            <a:schemeClr val="dk1"/>
+          </a:lnRef>
+          <a:fillRef idx="1">
+            <a:schemeClr val="lt1"/>
+          </a:fillRef>
+          <a:effectRef idx="0">
+            <a:schemeClr val="dk1"/>
+          </a:effectRef>
+          <a:fontRef idx="minor">
+            <a:schemeClr val="dk1"/>
+          </a:fontRef>
+        </p:style>
+        <p:txBody>
+          <a:bodyPr wrap="none" rtlCol="0" anchor="t"/>
           <a:lstStyle/>
           <a:p>
             <a:pPr algn="ctr"/>
             <a:r>
-              <a:rPr kumimoji="1" lang="ja-JP" altLang="en-US" sz="1100" dirty="0" smtClean="0"/>
-              <a:t>ゲーム設定</a:t>
-            </a:r>
-            <a:endParaRPr kumimoji="1" lang="en-US" altLang="ja-JP" sz="1100" dirty="0" smtClean="0"/>
+              <a:rPr kumimoji="1" lang="en-US" altLang="ja-JP" sz="900" dirty="0" smtClean="0"/>
+              <a:t>&lt;&lt;Group&gt;&gt;</a:t>
+            </a:r>
           </a:p>
           <a:p>
             <a:pPr algn="ctr"/>
             <a:r>
-              <a:rPr lang="en-US" altLang="ja-JP" sz="1100" dirty="0" smtClean="0"/>
-              <a:t>/room</a:t>
-            </a:r>
-            <a:endParaRPr kumimoji="1" lang="ja-JP" altLang="en-US" sz="1100" dirty="0"/>
-          </a:p>
-        </p:txBody>
-      </p:sp>
-      <p:sp>
-        <p:nvSpPr>
-          <p:cNvPr id="6" name="円/楕円 5"/>
+              <a:rPr lang="en-US" altLang="ja-JP" sz="900" dirty="0" err="1" smtClean="0"/>
+              <a:t>CardArea</a:t>
+            </a:r>
+            <a:endParaRPr kumimoji="1" lang="ja-JP" altLang="en-US" sz="900" dirty="0"/>
+          </a:p>
+        </p:txBody>
+      </p:sp>
+      <p:sp>
+        <p:nvSpPr>
+          <p:cNvPr id="20" name="正方形/長方形 19"/>
           <p:cNvSpPr/>
           <p:nvPr/>
         </p:nvSpPr>
         <p:spPr>
-          <a:xfrm flipH="1">
-            <a:off x="4139952" y="620688"/>
-            <a:ext cx="864096" cy="864096"/>
-          </a:xfrm>
-          <a:prstGeom prst="ellipse">
-            <a:avLst/>
-          </a:prstGeom>
-        </p:spPr>
-        <p:style>
-          <a:lnRef idx="1">
-            <a:schemeClr val="dk1"/>
-          </a:lnRef>
-          <a:fillRef idx="2">
-            <a:schemeClr val="dk1"/>
-          </a:fillRef>
-          <a:effectRef idx="1">
-            <a:schemeClr val="dk1"/>
-          </a:effectRef>
-          <a:fontRef idx="minor">
-            <a:schemeClr val="dk1"/>
-          </a:fontRef>
-        </p:style>
-        <p:txBody>
-          <a:bodyPr wrap="none" rtlCol="0" anchor="ctr"/>
+          <a:xfrm>
+            <a:off x="3851920" y="1340768"/>
+            <a:ext cx="4464496" cy="2592288"/>
+          </a:xfrm>
+          <a:prstGeom prst="rect">
+            <a:avLst/>
+          </a:prstGeom>
+          <a:ln w="9525">
+            <a:prstDash val="sysDot"/>
+          </a:ln>
+        </p:spPr>
+        <p:style>
+          <a:lnRef idx="2">
+            <a:schemeClr val="dk1"/>
+          </a:lnRef>
+          <a:fillRef idx="1">
+            <a:schemeClr val="lt1"/>
+          </a:fillRef>
+          <a:effectRef idx="0">
+            <a:schemeClr val="dk1"/>
+          </a:effectRef>
+          <a:fontRef idx="minor">
+            <a:schemeClr val="dk1"/>
+          </a:fontRef>
+        </p:style>
+        <p:txBody>
+          <a:bodyPr wrap="none" rtlCol="0" anchor="t"/>
           <a:lstStyle/>
           <a:p>
             <a:pPr algn="ctr"/>
             <a:r>
-              <a:rPr kumimoji="1" lang="ja-JP" altLang="en-US" sz="1100" dirty="0" smtClean="0"/>
-              <a:t>プレイ中</a:t>
-            </a:r>
-            <a:endParaRPr kumimoji="1" lang="en-US" altLang="ja-JP" sz="1100" dirty="0" smtClean="0"/>
+              <a:rPr kumimoji="1" lang="en-US" altLang="ja-JP" sz="900" dirty="0" smtClean="0"/>
+              <a:t>&lt;&lt;Group&gt;&gt;</a:t>
+            </a:r>
           </a:p>
           <a:p>
             <a:pPr algn="ctr"/>
             <a:r>
-              <a:rPr lang="en-US" altLang="ja-JP" sz="1100" dirty="0" smtClean="0"/>
-              <a:t>/play</a:t>
-            </a:r>
-            <a:endParaRPr kumimoji="1" lang="ja-JP" altLang="en-US" sz="1100" dirty="0"/>
+              <a:rPr lang="en-US" altLang="ja-JP" sz="900" dirty="0" err="1" smtClean="0"/>
+              <a:t>CardArea</a:t>
+            </a:r>
+            <a:endParaRPr kumimoji="1" lang="ja-JP" altLang="en-US" sz="900" dirty="0"/>
+          </a:p>
+        </p:txBody>
+      </p:sp>
+      <p:sp>
+        <p:nvSpPr>
+          <p:cNvPr id="19" name="正方形/長方形 18"/>
+          <p:cNvSpPr/>
+          <p:nvPr/>
+        </p:nvSpPr>
+        <p:spPr>
+          <a:xfrm>
+            <a:off x="3419872" y="1196752"/>
+            <a:ext cx="4464496" cy="2592288"/>
+          </a:xfrm>
+          <a:prstGeom prst="rect">
+            <a:avLst/>
+          </a:prstGeom>
+          <a:ln w="9525">
+            <a:prstDash val="sysDot"/>
+          </a:ln>
+        </p:spPr>
+        <p:style>
+          <a:lnRef idx="2">
+            <a:schemeClr val="dk1"/>
+          </a:lnRef>
+          <a:fillRef idx="1">
+            <a:schemeClr val="lt1"/>
+          </a:fillRef>
+          <a:effectRef idx="0">
+            <a:schemeClr val="dk1"/>
+          </a:effectRef>
+          <a:fontRef idx="minor">
+            <a:schemeClr val="dk1"/>
+          </a:fontRef>
+        </p:style>
+        <p:txBody>
+          <a:bodyPr wrap="none" rtlCol="0" anchor="t"/>
+          <a:lstStyle/>
+          <a:p>
+            <a:pPr algn="ctr"/>
+            <a:r>
+              <a:rPr kumimoji="1" lang="en-US" altLang="ja-JP" sz="900" dirty="0" smtClean="0"/>
+              <a:t>&lt;&lt;Group&gt;&gt;</a:t>
+            </a:r>
+          </a:p>
+          <a:p>
+            <a:pPr algn="ctr"/>
+            <a:r>
+              <a:rPr lang="en-US" altLang="ja-JP" sz="900" dirty="0" err="1" smtClean="0"/>
+              <a:t>CardArea</a:t>
+            </a:r>
+            <a:endParaRPr kumimoji="1" lang="ja-JP" altLang="en-US" sz="900" dirty="0"/>
+          </a:p>
+        </p:txBody>
+      </p:sp>
+      <p:sp>
+        <p:nvSpPr>
+          <p:cNvPr id="4" name="正方形/長方形 3"/>
+          <p:cNvSpPr/>
+          <p:nvPr/>
+        </p:nvSpPr>
+        <p:spPr>
+          <a:xfrm>
+            <a:off x="5004048" y="332656"/>
+            <a:ext cx="864096" cy="432048"/>
+          </a:xfrm>
+          <a:prstGeom prst="rect">
+            <a:avLst/>
+          </a:prstGeom>
+          <a:ln w="9525"/>
+        </p:spPr>
+        <p:style>
+          <a:lnRef idx="2">
+            <a:schemeClr val="dk1"/>
+          </a:lnRef>
+          <a:fillRef idx="1">
+            <a:schemeClr val="lt1"/>
+          </a:fillRef>
+          <a:effectRef idx="0">
+            <a:schemeClr val="dk1"/>
+          </a:effectRef>
+          <a:fontRef idx="minor">
+            <a:schemeClr val="dk1"/>
+          </a:fontRef>
+        </p:style>
+        <p:txBody>
+          <a:bodyPr wrap="none" rtlCol="0" anchor="t"/>
+          <a:lstStyle/>
+          <a:p>
+            <a:pPr algn="ctr"/>
+            <a:r>
+              <a:rPr kumimoji="1" lang="en-US" altLang="ja-JP" sz="900" dirty="0" smtClean="0"/>
+              <a:t>&lt;&lt;Scene&gt;&gt;</a:t>
+            </a:r>
+          </a:p>
+          <a:p>
+            <a:pPr algn="ctr"/>
+            <a:r>
+              <a:rPr lang="en-US" altLang="ja-JP" sz="900" dirty="0" err="1" smtClean="0"/>
+              <a:t>GameScene</a:t>
+            </a:r>
+            <a:endParaRPr kumimoji="1" lang="ja-JP" altLang="en-US" sz="900" dirty="0"/>
+          </a:p>
+        </p:txBody>
+      </p:sp>
+      <p:sp>
+        <p:nvSpPr>
+          <p:cNvPr id="5" name="正方形/長方形 4"/>
+          <p:cNvSpPr/>
+          <p:nvPr/>
+        </p:nvSpPr>
+        <p:spPr>
+          <a:xfrm>
+            <a:off x="1835696" y="332656"/>
+            <a:ext cx="864096" cy="432048"/>
+          </a:xfrm>
+          <a:prstGeom prst="rect">
+            <a:avLst/>
+          </a:prstGeom>
+          <a:ln w="9525"/>
+        </p:spPr>
+        <p:style>
+          <a:lnRef idx="2">
+            <a:schemeClr val="dk1"/>
+          </a:lnRef>
+          <a:fillRef idx="1">
+            <a:schemeClr val="lt1"/>
+          </a:fillRef>
+          <a:effectRef idx="0">
+            <a:schemeClr val="dk1"/>
+          </a:effectRef>
+          <a:fontRef idx="minor">
+            <a:schemeClr val="dk1"/>
+          </a:fontRef>
+        </p:style>
+        <p:txBody>
+          <a:bodyPr wrap="none" rtlCol="0" anchor="t"/>
+          <a:lstStyle/>
+          <a:p>
+            <a:pPr algn="ctr"/>
+            <a:r>
+              <a:rPr kumimoji="1" lang="en-US" altLang="ja-JP" sz="900" dirty="0" smtClean="0"/>
+              <a:t>&lt;&lt;Scene&gt;&gt;</a:t>
+            </a:r>
+          </a:p>
+          <a:p>
+            <a:pPr algn="ctr"/>
+            <a:r>
+              <a:rPr lang="en-US" altLang="ja-JP" sz="900" dirty="0" err="1" smtClean="0"/>
+              <a:t>RoomScene</a:t>
+            </a:r>
+            <a:endParaRPr kumimoji="1" lang="ja-JP" altLang="en-US" sz="900" dirty="0"/>
+          </a:p>
+        </p:txBody>
+      </p:sp>
+      <p:sp>
+        <p:nvSpPr>
+          <p:cNvPr id="6" name="正方形/長方形 5"/>
+          <p:cNvSpPr/>
+          <p:nvPr/>
+        </p:nvSpPr>
+        <p:spPr>
+          <a:xfrm>
+            <a:off x="467544" y="332656"/>
+            <a:ext cx="864096" cy="432048"/>
+          </a:xfrm>
+          <a:prstGeom prst="rect">
+            <a:avLst/>
+          </a:prstGeom>
+          <a:ln w="9525"/>
+        </p:spPr>
+        <p:style>
+          <a:lnRef idx="2">
+            <a:schemeClr val="dk1"/>
+          </a:lnRef>
+          <a:fillRef idx="1">
+            <a:schemeClr val="lt1"/>
+          </a:fillRef>
+          <a:effectRef idx="0">
+            <a:schemeClr val="dk1"/>
+          </a:effectRef>
+          <a:fontRef idx="minor">
+            <a:schemeClr val="dk1"/>
+          </a:fontRef>
+        </p:style>
+        <p:txBody>
+          <a:bodyPr wrap="none" rtlCol="0" anchor="t"/>
+          <a:lstStyle/>
+          <a:p>
+            <a:pPr algn="ctr"/>
+            <a:r>
+              <a:rPr kumimoji="1" lang="en-US" altLang="ja-JP" sz="900" dirty="0" smtClean="0"/>
+              <a:t>&lt;&lt;Scene&gt;&gt;</a:t>
+            </a:r>
+          </a:p>
+          <a:p>
+            <a:pPr algn="ctr"/>
+            <a:r>
+              <a:rPr lang="en-US" altLang="ja-JP" sz="900" dirty="0" err="1" smtClean="0"/>
+              <a:t>EntranceScene</a:t>
+            </a:r>
+            <a:endParaRPr kumimoji="1" lang="ja-JP" altLang="en-US" sz="900" dirty="0"/>
+          </a:p>
+        </p:txBody>
+      </p:sp>
+      <p:sp>
+        <p:nvSpPr>
+          <p:cNvPr id="7" name="正方形/長方形 6"/>
+          <p:cNvSpPr/>
+          <p:nvPr/>
+        </p:nvSpPr>
+        <p:spPr>
+          <a:xfrm>
+            <a:off x="467544" y="1268760"/>
+            <a:ext cx="864096" cy="432048"/>
+          </a:xfrm>
+          <a:prstGeom prst="rect">
+            <a:avLst/>
+          </a:prstGeom>
+          <a:ln w="9525"/>
+        </p:spPr>
+        <p:style>
+          <a:lnRef idx="2">
+            <a:schemeClr val="dk1"/>
+          </a:lnRef>
+          <a:fillRef idx="1">
+            <a:schemeClr val="lt1"/>
+          </a:fillRef>
+          <a:effectRef idx="0">
+            <a:schemeClr val="dk1"/>
+          </a:effectRef>
+          <a:fontRef idx="minor">
+            <a:schemeClr val="dk1"/>
+          </a:fontRef>
+        </p:style>
+        <p:txBody>
+          <a:bodyPr wrap="none" rtlCol="0" anchor="t"/>
+          <a:lstStyle/>
+          <a:p>
+            <a:pPr algn="ctr"/>
+            <a:r>
+              <a:rPr kumimoji="1" lang="en-US" altLang="ja-JP" sz="900" dirty="0" smtClean="0"/>
+              <a:t>&lt;&lt;Label&gt;&gt;</a:t>
+            </a:r>
+          </a:p>
+          <a:p>
+            <a:pPr algn="ctr"/>
+            <a:r>
+              <a:rPr lang="en-US" altLang="ja-JP" sz="900" dirty="0" smtClean="0"/>
+              <a:t>form, input</a:t>
+            </a:r>
+            <a:endParaRPr kumimoji="1" lang="ja-JP" altLang="en-US" sz="900" dirty="0"/>
           </a:p>
         </p:txBody>
       </p:sp>
       <p:cxnSp>
         <p:nvCxnSpPr>
-          <p:cNvPr id="8" name="直線矢印コネクタ 7"/>
+          <p:cNvPr id="9" name="直線矢印コネクタ 8"/>
+          <p:cNvCxnSpPr>
+            <a:stCxn id="6" idx="2"/>
+            <a:endCxn id="7" idx="0"/>
+          </p:cNvCxnSpPr>
+          <p:nvPr/>
+        </p:nvCxnSpPr>
+        <p:spPr>
+          <a:xfrm>
+            <a:off x="899592" y="764704"/>
+            <a:ext cx="0" cy="504056"/>
+          </a:xfrm>
+          <a:prstGeom prst="straightConnector1">
+            <a:avLst/>
+          </a:prstGeom>
+          <a:ln>
+            <a:headEnd type="diamond"/>
+            <a:tailEnd type="none"/>
+          </a:ln>
+        </p:spPr>
+        <p:style>
+          <a:lnRef idx="1">
+            <a:schemeClr val="accent1"/>
+          </a:lnRef>
+          <a:fillRef idx="0">
+            <a:schemeClr val="accent1"/>
+          </a:fillRef>
+          <a:effectRef idx="0">
+            <a:schemeClr val="accent1"/>
+          </a:effectRef>
+          <a:fontRef idx="minor">
+            <a:schemeClr val="tx1"/>
+          </a:fontRef>
+        </p:style>
+      </p:cxnSp>
+      <p:sp>
+        <p:nvSpPr>
+          <p:cNvPr id="16" name="正方形/長方形 15"/>
+          <p:cNvSpPr/>
+          <p:nvPr/>
+        </p:nvSpPr>
+        <p:spPr>
+          <a:xfrm>
+            <a:off x="3491880" y="1556792"/>
+            <a:ext cx="4320480" cy="2160240"/>
+          </a:xfrm>
+          <a:prstGeom prst="rect">
+            <a:avLst/>
+          </a:prstGeom>
+          <a:ln w="9525"/>
+        </p:spPr>
+        <p:style>
+          <a:lnRef idx="2">
+            <a:schemeClr val="dk1"/>
+          </a:lnRef>
+          <a:fillRef idx="1">
+            <a:schemeClr val="lt1"/>
+          </a:fillRef>
+          <a:effectRef idx="0">
+            <a:schemeClr val="dk1"/>
+          </a:effectRef>
+          <a:fontRef idx="minor">
+            <a:schemeClr val="dk1"/>
+          </a:fontRef>
+        </p:style>
+        <p:txBody>
+          <a:bodyPr wrap="none" rtlCol="0" anchor="t"/>
+          <a:lstStyle/>
+          <a:p>
+            <a:pPr algn="ctr"/>
+            <a:r>
+              <a:rPr kumimoji="1" lang="en-US" altLang="ja-JP" sz="900" dirty="0" smtClean="0"/>
+              <a:t>&lt;&lt;Sprite&gt;&gt;</a:t>
+            </a:r>
+          </a:p>
+          <a:p>
+            <a:pPr algn="ctr"/>
+            <a:r>
+              <a:rPr lang="en-US" altLang="ja-JP" sz="900" dirty="0" err="1" smtClean="0"/>
+              <a:t>CardAreaBackground</a:t>
+            </a:r>
+            <a:endParaRPr kumimoji="1" lang="ja-JP" altLang="en-US" sz="900" dirty="0"/>
+          </a:p>
+        </p:txBody>
+      </p:sp>
+      <p:sp>
+        <p:nvSpPr>
+          <p:cNvPr id="17" name="正方形/長方形 16"/>
+          <p:cNvSpPr/>
+          <p:nvPr/>
+        </p:nvSpPr>
+        <p:spPr>
+          <a:xfrm>
+            <a:off x="5364088" y="2780928"/>
+            <a:ext cx="864096" cy="432048"/>
+          </a:xfrm>
+          <a:prstGeom prst="rect">
+            <a:avLst/>
+          </a:prstGeom>
+          <a:ln w="9525"/>
+        </p:spPr>
+        <p:style>
+          <a:lnRef idx="2">
+            <a:schemeClr val="dk1"/>
+          </a:lnRef>
+          <a:fillRef idx="1">
+            <a:schemeClr val="lt1"/>
+          </a:fillRef>
+          <a:effectRef idx="0">
+            <a:schemeClr val="dk1"/>
+          </a:effectRef>
+          <a:fontRef idx="minor">
+            <a:schemeClr val="dk1"/>
+          </a:fontRef>
+        </p:style>
+        <p:txBody>
+          <a:bodyPr wrap="none" rtlCol="0" anchor="t"/>
+          <a:lstStyle/>
+          <a:p>
+            <a:pPr algn="ctr"/>
+            <a:r>
+              <a:rPr kumimoji="1" lang="en-US" altLang="ja-JP" sz="900" dirty="0" smtClean="0"/>
+              <a:t>&lt;&lt;Sprite&gt;&gt;</a:t>
+            </a:r>
+          </a:p>
+          <a:p>
+            <a:pPr algn="ctr"/>
+            <a:r>
+              <a:rPr lang="en-US" altLang="ja-JP" sz="900" dirty="0" smtClean="0"/>
+              <a:t>card</a:t>
+            </a:r>
+            <a:endParaRPr kumimoji="1" lang="ja-JP" altLang="en-US" sz="900" dirty="0"/>
+          </a:p>
+        </p:txBody>
+      </p:sp>
+      <p:sp>
+        <p:nvSpPr>
+          <p:cNvPr id="18" name="正方形/長方形 17"/>
+          <p:cNvSpPr/>
+          <p:nvPr/>
+        </p:nvSpPr>
+        <p:spPr>
+          <a:xfrm>
+            <a:off x="5292080" y="2708920"/>
+            <a:ext cx="864096" cy="432048"/>
+          </a:xfrm>
+          <a:prstGeom prst="rect">
+            <a:avLst/>
+          </a:prstGeom>
+          <a:ln w="9525"/>
+        </p:spPr>
+        <p:style>
+          <a:lnRef idx="2">
+            <a:schemeClr val="dk1"/>
+          </a:lnRef>
+          <a:fillRef idx="1">
+            <a:schemeClr val="lt1"/>
+          </a:fillRef>
+          <a:effectRef idx="0">
+            <a:schemeClr val="dk1"/>
+          </a:effectRef>
+          <a:fontRef idx="minor">
+            <a:schemeClr val="dk1"/>
+          </a:fontRef>
+        </p:style>
+        <p:txBody>
+          <a:bodyPr wrap="none" rtlCol="0" anchor="t"/>
+          <a:lstStyle/>
+          <a:p>
+            <a:pPr algn="ctr"/>
+            <a:r>
+              <a:rPr kumimoji="1" lang="en-US" altLang="ja-JP" sz="900" dirty="0" smtClean="0"/>
+              <a:t>&lt;&lt;Sprite&gt;&gt;</a:t>
+            </a:r>
+          </a:p>
+          <a:p>
+            <a:pPr algn="ctr"/>
+            <a:r>
+              <a:rPr lang="en-US" altLang="ja-JP" sz="900" dirty="0" smtClean="0"/>
+              <a:t>card</a:t>
+            </a:r>
+            <a:endParaRPr kumimoji="1" lang="ja-JP" altLang="en-US" sz="900" dirty="0"/>
+          </a:p>
+        </p:txBody>
+      </p:sp>
+      <p:cxnSp>
+        <p:nvCxnSpPr>
+          <p:cNvPr id="22" name="直線矢印コネクタ 21"/>
           <p:cNvCxnSpPr>
             <a:stCxn id="4" idx="2"/>
-            <a:endCxn id="5" idx="6"/>
+            <a:endCxn id="19" idx="0"/>
           </p:cNvCxnSpPr>
           <p:nvPr/>
         </p:nvCxnSpPr>
         <p:spPr>
           <a:xfrm>
-            <a:off x="2123728" y="1052736"/>
-            <a:ext cx="576064" cy="0"/>
+            <a:off x="5436096" y="764704"/>
+            <a:ext cx="216024" cy="432048"/>
           </a:xfrm>
           <a:prstGeom prst="straightConnector1">
             <a:avLst/>
           </a:prstGeom>
           <a:ln>
-            <a:tailEnd type="arrow"/>
+            <a:headEnd type="diamond"/>
+            <a:tailEnd type="none"/>
           </a:ln>
         </p:spPr>
         <p:style>
@@ -3539,223 +3986,6 @@
           </a:fontRef>
         </p:style>
       </p:cxnSp>
-      <p:cxnSp>
-        <p:nvCxnSpPr>
-          <p:cNvPr id="11" name="直線矢印コネクタ 10"/>
-          <p:cNvCxnSpPr>
-            <a:stCxn id="5" idx="1"/>
-            <a:endCxn id="6" idx="7"/>
-          </p:cNvCxnSpPr>
-          <p:nvPr/>
-        </p:nvCxnSpPr>
-        <p:spPr>
-          <a:xfrm>
-            <a:off x="3437344" y="747232"/>
-            <a:ext cx="829152" cy="0"/>
-          </a:xfrm>
-          <a:prstGeom prst="straightConnector1">
-            <a:avLst/>
-          </a:prstGeom>
-          <a:ln>
-            <a:tailEnd type="arrow"/>
-          </a:ln>
-        </p:spPr>
-        <p:style>
-          <a:lnRef idx="1">
-            <a:schemeClr val="accent1"/>
-          </a:lnRef>
-          <a:fillRef idx="0">
-            <a:schemeClr val="accent1"/>
-          </a:fillRef>
-          <a:effectRef idx="0">
-            <a:schemeClr val="accent1"/>
-          </a:effectRef>
-          <a:fontRef idx="minor">
-            <a:schemeClr val="tx1"/>
-          </a:fontRef>
-        </p:style>
-      </p:cxnSp>
-      <p:cxnSp>
-        <p:nvCxnSpPr>
-          <p:cNvPr id="14" name="直線矢印コネクタ 13"/>
-          <p:cNvCxnSpPr>
-            <a:stCxn id="6" idx="5"/>
-            <a:endCxn id="5" idx="3"/>
-          </p:cNvCxnSpPr>
-          <p:nvPr/>
-        </p:nvCxnSpPr>
-        <p:spPr>
-          <a:xfrm flipH="1">
-            <a:off x="3437344" y="1358240"/>
-            <a:ext cx="829152" cy="0"/>
-          </a:xfrm>
-          <a:prstGeom prst="straightConnector1">
-            <a:avLst/>
-          </a:prstGeom>
-          <a:ln>
-            <a:tailEnd type="arrow"/>
-          </a:ln>
-        </p:spPr>
-        <p:style>
-          <a:lnRef idx="1">
-            <a:schemeClr val="accent1"/>
-          </a:lnRef>
-          <a:fillRef idx="0">
-            <a:schemeClr val="accent1"/>
-          </a:fillRef>
-          <a:effectRef idx="0">
-            <a:schemeClr val="accent1"/>
-          </a:effectRef>
-          <a:fontRef idx="minor">
-            <a:schemeClr val="tx1"/>
-          </a:fontRef>
-        </p:style>
-      </p:cxnSp>
-      <p:cxnSp>
-        <p:nvCxnSpPr>
-          <p:cNvPr id="18" name="曲線コネクタ 17"/>
-          <p:cNvCxnSpPr>
-            <a:stCxn id="5" idx="0"/>
-            <a:endCxn id="4" idx="1"/>
-          </p:cNvCxnSpPr>
-          <p:nvPr/>
-        </p:nvCxnSpPr>
-        <p:spPr>
-          <a:xfrm rot="16200000" flipH="1" flipV="1">
-            <a:off x="2501240" y="116632"/>
-            <a:ext cx="126544" cy="1134656"/>
-          </a:xfrm>
-          <a:prstGeom prst="curvedConnector3">
-            <a:avLst>
-              <a:gd name="adj1" fmla="val -180649"/>
-            </a:avLst>
-          </a:prstGeom>
-          <a:ln>
-            <a:tailEnd type="arrow"/>
-          </a:ln>
-        </p:spPr>
-        <p:style>
-          <a:lnRef idx="1">
-            <a:schemeClr val="accent1"/>
-          </a:lnRef>
-          <a:fillRef idx="0">
-            <a:schemeClr val="accent1"/>
-          </a:fillRef>
-          <a:effectRef idx="0">
-            <a:schemeClr val="accent1"/>
-          </a:effectRef>
-          <a:fontRef idx="minor">
-            <a:schemeClr val="tx1"/>
-          </a:fontRef>
-        </p:style>
-      </p:cxnSp>
-      <p:cxnSp>
-        <p:nvCxnSpPr>
-          <p:cNvPr id="19" name="曲線コネクタ 18"/>
-          <p:cNvCxnSpPr>
-            <a:stCxn id="6" idx="0"/>
-            <a:endCxn id="4" idx="1"/>
-          </p:cNvCxnSpPr>
-          <p:nvPr/>
-        </p:nvCxnSpPr>
-        <p:spPr>
-          <a:xfrm rot="16200000" flipH="1" flipV="1">
-            <a:off x="3221320" y="-603448"/>
-            <a:ext cx="126544" cy="2574816"/>
-          </a:xfrm>
-          <a:prstGeom prst="curvedConnector3">
-            <a:avLst>
-              <a:gd name="adj1" fmla="val -416496"/>
-            </a:avLst>
-          </a:prstGeom>
-          <a:ln>
-            <a:tailEnd type="arrow"/>
-          </a:ln>
-        </p:spPr>
-        <p:style>
-          <a:lnRef idx="1">
-            <a:schemeClr val="accent1"/>
-          </a:lnRef>
-          <a:fillRef idx="0">
-            <a:schemeClr val="accent1"/>
-          </a:fillRef>
-          <a:effectRef idx="0">
-            <a:schemeClr val="accent1"/>
-          </a:effectRef>
-          <a:fontRef idx="minor">
-            <a:schemeClr val="tx1"/>
-          </a:fontRef>
-        </p:style>
-      </p:cxnSp>
-      <p:sp>
-        <p:nvSpPr>
-          <p:cNvPr id="25" name="正方形/長方形 24"/>
-          <p:cNvSpPr/>
-          <p:nvPr/>
-        </p:nvSpPr>
-        <p:spPr>
-          <a:xfrm>
-            <a:off x="2123728" y="1124744"/>
-            <a:ext cx="576064" cy="360040"/>
-          </a:xfrm>
-          <a:prstGeom prst="rect">
-            <a:avLst/>
-          </a:prstGeom>
-        </p:spPr>
-        <p:style>
-          <a:lnRef idx="1">
-            <a:schemeClr val="accent1"/>
-          </a:lnRef>
-          <a:fillRef idx="2">
-            <a:schemeClr val="accent1"/>
-          </a:fillRef>
-          <a:effectRef idx="1">
-            <a:schemeClr val="accent1"/>
-          </a:effectRef>
-          <a:fontRef idx="minor">
-            <a:schemeClr val="dk1"/>
-          </a:fontRef>
-        </p:style>
-        <p:txBody>
-          <a:bodyPr wrap="none" rtlCol="0" anchor="ctr"/>
-          <a:lstStyle/>
-          <a:p>
-            <a:pPr>
-              <a:lnSpc>
-                <a:spcPts val="800"/>
-              </a:lnSpc>
-            </a:pPr>
-            <a:r>
-              <a:rPr lang="en-US" altLang="ja-JP" sz="700" dirty="0" err="1" smtClean="0"/>
-              <a:t>user_id</a:t>
-            </a:r>
-            <a:endParaRPr lang="en-US" altLang="ja-JP" sz="700" dirty="0" smtClean="0"/>
-          </a:p>
-          <a:p>
-            <a:pPr>
-              <a:lnSpc>
-                <a:spcPts val="800"/>
-              </a:lnSpc>
-            </a:pPr>
-            <a:r>
-              <a:rPr kumimoji="1" lang="en-US" altLang="ja-JP" sz="700" dirty="0" smtClean="0"/>
-              <a:t>nickname</a:t>
-            </a:r>
-          </a:p>
-          <a:p>
-            <a:pPr>
-              <a:lnSpc>
-                <a:spcPts val="800"/>
-              </a:lnSpc>
-            </a:pPr>
-            <a:r>
-              <a:rPr lang="en-US" altLang="ja-JP" sz="700" dirty="0" err="1" smtClean="0"/>
-              <a:t>room_id</a:t>
-            </a:r>
-            <a:endParaRPr kumimoji="1" lang="en-US" altLang="ja-JP" sz="700" dirty="0" smtClean="0"/>
-          </a:p>
-        </p:txBody>
-      </p:sp>
       <p:sp>
         <p:nvSpPr>
           <p:cNvPr id="27" name="正方形/長方形 26"/>
@@ -3764,41 +3994,95 @@
         </p:nvSpPr>
         <p:spPr>
           <a:xfrm>
-            <a:off x="2123728" y="836712"/>
-            <a:ext cx="432048" cy="144016"/>
+            <a:off x="971600" y="3212976"/>
+            <a:ext cx="2016224" cy="1080120"/>
           </a:xfrm>
           <a:prstGeom prst="rect">
             <a:avLst/>
           </a:prstGeom>
-        </p:spPr>
-        <p:style>
-          <a:lnRef idx="1">
-            <a:schemeClr val="accent2"/>
-          </a:lnRef>
-          <a:fillRef idx="2">
-            <a:schemeClr val="accent2"/>
-          </a:fillRef>
-          <a:effectRef idx="1">
-            <a:schemeClr val="accent2"/>
-          </a:effectRef>
-          <a:fontRef idx="minor">
-            <a:schemeClr val="dk1"/>
-          </a:fontRef>
-        </p:style>
-        <p:txBody>
-          <a:bodyPr wrap="none" rtlCol="0" anchor="ctr"/>
-          <a:lstStyle/>
-          <a:p>
-            <a:pPr>
-              <a:lnSpc>
-                <a:spcPts val="800"/>
-              </a:lnSpc>
-            </a:pPr>
-            <a:r>
-              <a:rPr lang="en-US" altLang="ja-JP" sz="700" dirty="0" smtClean="0"/>
-              <a:t>enter</a:t>
-            </a:r>
-            <a:endParaRPr kumimoji="1" lang="en-US" altLang="ja-JP" sz="700" dirty="0" smtClean="0"/>
+          <a:ln w="9525"/>
+        </p:spPr>
+        <p:style>
+          <a:lnRef idx="2">
+            <a:schemeClr val="dk1"/>
+          </a:lnRef>
+          <a:fillRef idx="1">
+            <a:schemeClr val="lt1"/>
+          </a:fillRef>
+          <a:effectRef idx="0">
+            <a:schemeClr val="dk1"/>
+          </a:effectRef>
+          <a:fontRef idx="minor">
+            <a:schemeClr val="dk1"/>
+          </a:fontRef>
+        </p:style>
+        <p:txBody>
+          <a:bodyPr wrap="none" rtlCol="0" anchor="t"/>
+          <a:lstStyle/>
+          <a:p>
+            <a:pPr algn="ctr"/>
+            <a:r>
+              <a:rPr kumimoji="1" lang="en-US" altLang="ja-JP" sz="900" dirty="0" smtClean="0"/>
+              <a:t>&lt;&lt;Sprite&gt;&gt;</a:t>
+            </a:r>
+          </a:p>
+          <a:p>
+            <a:pPr algn="ctr"/>
+            <a:r>
+              <a:rPr lang="en-US" altLang="ja-JP" sz="900" dirty="0" err="1" smtClean="0"/>
+              <a:t>UserListBackground</a:t>
+            </a:r>
+            <a:endParaRPr kumimoji="1" lang="ja-JP" altLang="en-US" sz="900" dirty="0"/>
+          </a:p>
+        </p:txBody>
+      </p:sp>
+      <p:sp>
+        <p:nvSpPr>
+          <p:cNvPr id="31" name="正方形/長方形 30"/>
+          <p:cNvSpPr/>
+          <p:nvPr/>
+        </p:nvSpPr>
+        <p:spPr>
+          <a:xfrm>
+            <a:off x="1115616" y="3717032"/>
+            <a:ext cx="864096" cy="432048"/>
+          </a:xfrm>
+          <a:prstGeom prst="rect">
+            <a:avLst/>
+          </a:prstGeom>
+          <a:ln w="9525"/>
+        </p:spPr>
+        <p:style>
+          <a:lnRef idx="2">
+            <a:schemeClr val="dk1"/>
+          </a:lnRef>
+          <a:fillRef idx="1">
+            <a:schemeClr val="lt1"/>
+          </a:fillRef>
+          <a:effectRef idx="0">
+            <a:schemeClr val="dk1"/>
+          </a:effectRef>
+          <a:fontRef idx="minor">
+            <a:schemeClr val="dk1"/>
+          </a:fontRef>
+        </p:style>
+        <p:txBody>
+          <a:bodyPr wrap="none" rtlCol="0" anchor="t"/>
+          <a:lstStyle/>
+          <a:p>
+            <a:pPr algn="ctr"/>
+            <a:r>
+              <a:rPr kumimoji="1" lang="en-US" altLang="ja-JP" sz="900" dirty="0" smtClean="0"/>
+              <a:t>&lt;&lt;Sprite&gt;&gt;</a:t>
+            </a:r>
+          </a:p>
+          <a:p>
+            <a:pPr algn="ctr"/>
+            <a:r>
+              <a:rPr lang="en-US" altLang="ja-JP" sz="900" dirty="0" smtClean="0"/>
+              <a:t>User</a:t>
+            </a:r>
+            <a:endParaRPr kumimoji="1" lang="ja-JP" altLang="en-US" sz="900" dirty="0"/>
           </a:p>
         </p:txBody>
       </p:sp>
@@ -3810,1067 +4094,48 @@
         </p:nvSpPr>
         <p:spPr>
           <a:xfrm>
-            <a:off x="3563888" y="404664"/>
-            <a:ext cx="432048" cy="144016"/>
+            <a:off x="1043608" y="3645024"/>
+            <a:ext cx="864096" cy="432048"/>
           </a:xfrm>
           <a:prstGeom prst="rect">
             <a:avLst/>
           </a:prstGeom>
-        </p:spPr>
-        <p:style>
-          <a:lnRef idx="1">
-            <a:schemeClr val="accent2"/>
-          </a:lnRef>
-          <a:fillRef idx="2">
-            <a:schemeClr val="accent2"/>
-          </a:fillRef>
-          <a:effectRef idx="1">
-            <a:schemeClr val="accent2"/>
-          </a:effectRef>
-          <a:fontRef idx="minor">
-            <a:schemeClr val="dk1"/>
-          </a:fontRef>
-        </p:style>
-        <p:txBody>
-          <a:bodyPr wrap="none" rtlCol="0" anchor="ctr"/>
-          <a:lstStyle/>
-          <a:p>
-            <a:pPr>
-              <a:lnSpc>
-                <a:spcPts val="800"/>
-              </a:lnSpc>
-            </a:pPr>
-            <a:r>
-              <a:rPr lang="en-US" altLang="ja-JP" sz="700" dirty="0" smtClean="0"/>
-              <a:t>play</a:t>
-            </a:r>
-            <a:endParaRPr kumimoji="1" lang="en-US" altLang="ja-JP" sz="700" dirty="0" smtClean="0"/>
-          </a:p>
-        </p:txBody>
-      </p:sp>
-      <p:sp>
-        <p:nvSpPr>
-          <p:cNvPr id="26" name="正方形/長方形 25"/>
-          <p:cNvSpPr/>
-          <p:nvPr/>
-        </p:nvSpPr>
-        <p:spPr>
-          <a:xfrm>
-            <a:off x="3563888" y="548680"/>
-            <a:ext cx="576064" cy="144016"/>
-          </a:xfrm>
-          <a:prstGeom prst="rect">
-            <a:avLst/>
-          </a:prstGeom>
-        </p:spPr>
-        <p:style>
-          <a:lnRef idx="1">
-            <a:schemeClr val="accent1"/>
-          </a:lnRef>
-          <a:fillRef idx="2">
-            <a:schemeClr val="accent1"/>
-          </a:fillRef>
-          <a:effectRef idx="1">
-            <a:schemeClr val="accent1"/>
-          </a:effectRef>
-          <a:fontRef idx="minor">
-            <a:schemeClr val="dk1"/>
-          </a:fontRef>
-        </p:style>
-        <p:txBody>
-          <a:bodyPr wrap="none" rtlCol="0" anchor="ctr"/>
-          <a:lstStyle/>
-          <a:p>
-            <a:pPr>
-              <a:lnSpc>
-                <a:spcPts val="800"/>
-              </a:lnSpc>
-            </a:pPr>
-            <a:r>
-              <a:rPr lang="en-US" altLang="ja-JP" sz="700" dirty="0" err="1" smtClean="0"/>
-              <a:t>user_id</a:t>
-            </a:r>
-            <a:endParaRPr kumimoji="1" lang="en-US" altLang="ja-JP" sz="700" dirty="0" smtClean="0"/>
-          </a:p>
-        </p:txBody>
-      </p:sp>
-      <p:sp>
-        <p:nvSpPr>
-          <p:cNvPr id="30" name="正方形/長方形 29"/>
-          <p:cNvSpPr/>
-          <p:nvPr/>
-        </p:nvSpPr>
-        <p:spPr>
-          <a:xfrm>
-            <a:off x="3563888" y="1412776"/>
-            <a:ext cx="432048" cy="144016"/>
-          </a:xfrm>
-          <a:prstGeom prst="rect">
-            <a:avLst/>
-          </a:prstGeom>
-        </p:spPr>
-        <p:style>
-          <a:lnRef idx="1">
-            <a:schemeClr val="accent2"/>
-          </a:lnRef>
-          <a:fillRef idx="2">
-            <a:schemeClr val="accent2"/>
-          </a:fillRef>
-          <a:effectRef idx="1">
-            <a:schemeClr val="accent2"/>
-          </a:effectRef>
-          <a:fontRef idx="minor">
-            <a:schemeClr val="dk1"/>
-          </a:fontRef>
-        </p:style>
-        <p:txBody>
-          <a:bodyPr wrap="none" rtlCol="0" anchor="ctr"/>
-          <a:lstStyle/>
-          <a:p>
-            <a:pPr>
-              <a:lnSpc>
-                <a:spcPts val="800"/>
-              </a:lnSpc>
-            </a:pPr>
-            <a:r>
-              <a:rPr lang="en-US" altLang="ja-JP" sz="700" dirty="0" smtClean="0"/>
-              <a:t>reset</a:t>
-            </a:r>
-            <a:endParaRPr kumimoji="1" lang="en-US" altLang="ja-JP" sz="700" dirty="0" smtClean="0"/>
-          </a:p>
-        </p:txBody>
-      </p:sp>
-      <p:sp>
-        <p:nvSpPr>
-          <p:cNvPr id="29" name="正方形/長方形 28"/>
-          <p:cNvSpPr/>
-          <p:nvPr/>
-        </p:nvSpPr>
-        <p:spPr>
-          <a:xfrm>
-            <a:off x="3563888" y="1556792"/>
-            <a:ext cx="576064" cy="144016"/>
-          </a:xfrm>
-          <a:prstGeom prst="rect">
-            <a:avLst/>
-          </a:prstGeom>
-        </p:spPr>
-        <p:style>
-          <a:lnRef idx="1">
-            <a:schemeClr val="accent1"/>
-          </a:lnRef>
-          <a:fillRef idx="2">
-            <a:schemeClr val="accent1"/>
-          </a:fillRef>
-          <a:effectRef idx="1">
-            <a:schemeClr val="accent1"/>
-          </a:effectRef>
-          <a:fontRef idx="minor">
-            <a:schemeClr val="dk1"/>
-          </a:fontRef>
-        </p:style>
-        <p:txBody>
-          <a:bodyPr wrap="none" rtlCol="0" anchor="ctr"/>
-          <a:lstStyle/>
-          <a:p>
-            <a:pPr>
-              <a:lnSpc>
-                <a:spcPts val="800"/>
-              </a:lnSpc>
-            </a:pPr>
-            <a:r>
-              <a:rPr lang="en-US" altLang="ja-JP" sz="700" dirty="0" err="1" smtClean="0"/>
-              <a:t>user_id</a:t>
-            </a:r>
-            <a:endParaRPr kumimoji="1" lang="en-US" altLang="ja-JP" sz="700" dirty="0" smtClean="0"/>
-          </a:p>
-        </p:txBody>
-      </p:sp>
-      <p:sp>
-        <p:nvSpPr>
-          <p:cNvPr id="31" name="正方形/長方形 30"/>
-          <p:cNvSpPr/>
-          <p:nvPr/>
-        </p:nvSpPr>
-        <p:spPr>
-          <a:xfrm>
-            <a:off x="1979712" y="404664"/>
-            <a:ext cx="432048" cy="144016"/>
-          </a:xfrm>
-          <a:prstGeom prst="rect">
-            <a:avLst/>
-          </a:prstGeom>
-        </p:spPr>
-        <p:style>
-          <a:lnRef idx="1">
-            <a:schemeClr val="accent2"/>
-          </a:lnRef>
-          <a:fillRef idx="2">
-            <a:schemeClr val="accent2"/>
-          </a:fillRef>
-          <a:effectRef idx="1">
-            <a:schemeClr val="accent2"/>
-          </a:effectRef>
-          <a:fontRef idx="minor">
-            <a:schemeClr val="dk1"/>
-          </a:fontRef>
-        </p:style>
-        <p:txBody>
-          <a:bodyPr wrap="none" rtlCol="0" anchor="ctr"/>
-          <a:lstStyle/>
-          <a:p>
-            <a:pPr>
-              <a:lnSpc>
-                <a:spcPts val="800"/>
-              </a:lnSpc>
-            </a:pPr>
-            <a:r>
-              <a:rPr lang="en-US" altLang="ja-JP" sz="700" dirty="0" smtClean="0"/>
-              <a:t>leave</a:t>
-            </a:r>
-            <a:endParaRPr kumimoji="1" lang="en-US" altLang="ja-JP" sz="700" dirty="0" smtClean="0"/>
-          </a:p>
-        </p:txBody>
-      </p:sp>
-      <p:cxnSp>
-        <p:nvCxnSpPr>
-          <p:cNvPr id="40" name="直線矢印コネクタ 39"/>
-          <p:cNvCxnSpPr>
-            <a:endCxn id="34" idx="3"/>
-          </p:cNvCxnSpPr>
-          <p:nvPr/>
-        </p:nvCxnSpPr>
-        <p:spPr>
-          <a:xfrm flipH="1">
-            <a:off x="2339752" y="2708920"/>
-            <a:ext cx="504056" cy="288032"/>
-          </a:xfrm>
-          <a:prstGeom prst="straightConnector1">
-            <a:avLst/>
-          </a:prstGeom>
-          <a:ln>
-            <a:headEnd type="diamond" w="lg" len="lg"/>
-            <a:tailEnd type="none"/>
-          </a:ln>
-        </p:spPr>
-        <p:style>
-          <a:lnRef idx="1">
-            <a:schemeClr val="accent1"/>
-          </a:lnRef>
-          <a:fillRef idx="0">
-            <a:schemeClr val="accent1"/>
+          <a:ln w="9525"/>
+        </p:spPr>
+        <p:style>
+          <a:lnRef idx="2">
+            <a:schemeClr val="dk1"/>
+          </a:lnRef>
+          <a:fillRef idx="1">
+            <a:schemeClr val="lt1"/>
           </a:fillRef>
           <a:effectRef idx="0">
-            <a:schemeClr val="accent1"/>
-          </a:effectRef>
-          <a:fontRef idx="minor">
-            <a:schemeClr val="tx1"/>
-          </a:fontRef>
-        </p:style>
-      </p:cxnSp>
-      <p:cxnSp>
-        <p:nvCxnSpPr>
-          <p:cNvPr id="48" name="直線矢印コネクタ 47"/>
-          <p:cNvCxnSpPr>
-            <a:stCxn id="52" idx="3"/>
-            <a:endCxn id="38" idx="3"/>
-          </p:cNvCxnSpPr>
-          <p:nvPr/>
-        </p:nvCxnSpPr>
-        <p:spPr>
-          <a:xfrm flipV="1">
-            <a:off x="3419872" y="2852936"/>
-            <a:ext cx="504056" cy="576064"/>
-          </a:xfrm>
-          <a:prstGeom prst="bentConnector3">
-            <a:avLst>
-              <a:gd name="adj1" fmla="val 145352"/>
-            </a:avLst>
-          </a:prstGeom>
-          <a:ln>
-            <a:headEnd type="none" w="lg" len="lg"/>
-            <a:tailEnd type="none"/>
-          </a:ln>
-        </p:spPr>
-        <p:style>
-          <a:lnRef idx="1">
-            <a:schemeClr val="accent1"/>
-          </a:lnRef>
-          <a:fillRef idx="0">
-            <a:schemeClr val="accent1"/>
-          </a:fillRef>
-          <a:effectRef idx="0">
-            <a:schemeClr val="accent1"/>
-          </a:effectRef>
-          <a:fontRef idx="minor">
-            <a:schemeClr val="tx1"/>
-          </a:fontRef>
-        </p:style>
-      </p:cxnSp>
-      <p:sp>
-        <p:nvSpPr>
-          <p:cNvPr id="49" name="正方形/長方形 48"/>
-          <p:cNvSpPr/>
-          <p:nvPr/>
-        </p:nvSpPr>
-        <p:spPr>
-          <a:xfrm>
-            <a:off x="2915816" y="2636912"/>
-            <a:ext cx="504056" cy="144016"/>
-          </a:xfrm>
-          <a:prstGeom prst="rect">
-            <a:avLst/>
-          </a:prstGeom>
-        </p:spPr>
-        <p:style>
-          <a:lnRef idx="1">
-            <a:schemeClr val="accent1"/>
-          </a:lnRef>
-          <a:fillRef idx="2">
-            <a:schemeClr val="accent1"/>
-          </a:fillRef>
-          <a:effectRef idx="1">
-            <a:schemeClr val="accent1"/>
-          </a:effectRef>
-          <a:fontRef idx="minor">
-            <a:schemeClr val="dk1"/>
-          </a:fontRef>
-        </p:style>
-        <p:txBody>
-          <a:bodyPr wrap="none" rtlCol="0" anchor="ctr"/>
-          <a:lstStyle/>
-          <a:p>
-            <a:pPr>
-              <a:lnSpc>
-                <a:spcPts val="800"/>
-              </a:lnSpc>
-            </a:pPr>
-            <a:r>
-              <a:rPr lang="en-US" altLang="ja-JP" sz="700" i="1" dirty="0" err="1" smtClean="0"/>
-              <a:t>RoomInfo</a:t>
-            </a:r>
-            <a:endParaRPr kumimoji="1" lang="en-US" altLang="ja-JP" sz="700" i="1" dirty="0" smtClean="0"/>
-          </a:p>
-        </p:txBody>
-      </p:sp>
-      <p:sp>
-        <p:nvSpPr>
-          <p:cNvPr id="38" name="正方形/長方形 37"/>
-          <p:cNvSpPr/>
-          <p:nvPr/>
-        </p:nvSpPr>
-        <p:spPr>
-          <a:xfrm>
-            <a:off x="2915816" y="2780928"/>
-            <a:ext cx="1008112" cy="144016"/>
-          </a:xfrm>
-          <a:prstGeom prst="rect">
-            <a:avLst/>
-          </a:prstGeom>
-        </p:spPr>
-        <p:style>
-          <a:lnRef idx="1">
-            <a:schemeClr val="accent1"/>
-          </a:lnRef>
-          <a:fillRef idx="2">
-            <a:schemeClr val="accent1"/>
-          </a:fillRef>
-          <a:effectRef idx="1">
-            <a:schemeClr val="accent1"/>
-          </a:effectRef>
-          <a:fontRef idx="minor">
-            <a:schemeClr val="dk1"/>
-          </a:fontRef>
-        </p:style>
-        <p:txBody>
-          <a:bodyPr wrap="none" rtlCol="0" anchor="ctr"/>
-          <a:lstStyle/>
-          <a:p>
-            <a:pPr>
-              <a:lnSpc>
-                <a:spcPts val="800"/>
-              </a:lnSpc>
-            </a:pPr>
-            <a:r>
-              <a:rPr lang="en-US" altLang="ja-JP" sz="700" dirty="0" smtClean="0"/>
-              <a:t>users[</a:t>
-            </a:r>
-            <a:r>
-              <a:rPr lang="en-US" altLang="ja-JP" sz="700" dirty="0" err="1" smtClean="0"/>
-              <a:t>user_id</a:t>
-            </a:r>
-            <a:r>
-              <a:rPr lang="en-US" altLang="ja-JP" sz="700" dirty="0" smtClean="0"/>
-              <a:t>] : </a:t>
-            </a:r>
-            <a:r>
-              <a:rPr lang="en-US" altLang="ja-JP" sz="700" dirty="0" err="1" smtClean="0"/>
-              <a:t>Dict</a:t>
-            </a:r>
-            <a:endParaRPr kumimoji="1" lang="en-US" altLang="ja-JP" sz="700" dirty="0" smtClean="0"/>
-          </a:p>
-        </p:txBody>
-      </p:sp>
-      <p:sp>
-        <p:nvSpPr>
-          <p:cNvPr id="52" name="正方形/長方形 51"/>
-          <p:cNvSpPr/>
-          <p:nvPr/>
-        </p:nvSpPr>
-        <p:spPr>
-          <a:xfrm>
-            <a:off x="2915816" y="3356992"/>
-            <a:ext cx="504056" cy="144016"/>
-          </a:xfrm>
-          <a:prstGeom prst="rect">
-            <a:avLst/>
-          </a:prstGeom>
-        </p:spPr>
-        <p:style>
-          <a:lnRef idx="1">
-            <a:schemeClr val="accent1"/>
-          </a:lnRef>
-          <a:fillRef idx="2">
-            <a:schemeClr val="accent1"/>
-          </a:fillRef>
-          <a:effectRef idx="1">
-            <a:schemeClr val="accent1"/>
-          </a:effectRef>
-          <a:fontRef idx="minor">
-            <a:schemeClr val="dk1"/>
-          </a:fontRef>
-        </p:style>
-        <p:txBody>
-          <a:bodyPr wrap="none" rtlCol="0" anchor="ctr"/>
-          <a:lstStyle/>
-          <a:p>
-            <a:pPr>
-              <a:lnSpc>
-                <a:spcPts val="800"/>
-              </a:lnSpc>
-            </a:pPr>
-            <a:r>
-              <a:rPr lang="en-US" altLang="ja-JP" sz="700" i="1" dirty="0" err="1" smtClean="0"/>
-              <a:t>UserInfo</a:t>
-            </a:r>
-            <a:endParaRPr kumimoji="1" lang="en-US" altLang="ja-JP" sz="700" i="1" dirty="0" smtClean="0"/>
-          </a:p>
-        </p:txBody>
-      </p:sp>
-      <p:sp>
-        <p:nvSpPr>
-          <p:cNvPr id="47" name="正方形/長方形 46"/>
-          <p:cNvSpPr/>
-          <p:nvPr/>
-        </p:nvSpPr>
-        <p:spPr>
-          <a:xfrm>
-            <a:off x="2915816" y="3501008"/>
-            <a:ext cx="1008112" cy="144016"/>
-          </a:xfrm>
-          <a:prstGeom prst="rect">
-            <a:avLst/>
-          </a:prstGeom>
-        </p:spPr>
-        <p:style>
-          <a:lnRef idx="1">
-            <a:schemeClr val="accent1"/>
-          </a:lnRef>
-          <a:fillRef idx="2">
-            <a:schemeClr val="accent1"/>
-          </a:fillRef>
-          <a:effectRef idx="1">
-            <a:schemeClr val="accent1"/>
-          </a:effectRef>
-          <a:fontRef idx="minor">
-            <a:schemeClr val="dk1"/>
-          </a:fontRef>
-        </p:style>
-        <p:txBody>
-          <a:bodyPr wrap="none" rtlCol="0" anchor="ctr"/>
-          <a:lstStyle/>
-          <a:p>
-            <a:pPr>
-              <a:lnSpc>
-                <a:spcPts val="800"/>
-              </a:lnSpc>
-            </a:pPr>
-            <a:r>
-              <a:rPr lang="en-US" altLang="ja-JP" sz="700" dirty="0" smtClean="0"/>
-              <a:t>nickname</a:t>
-            </a:r>
-            <a:endParaRPr kumimoji="1" lang="en-US" altLang="ja-JP" sz="700" dirty="0" smtClean="0"/>
-          </a:p>
-        </p:txBody>
-      </p:sp>
-      <p:sp>
-        <p:nvSpPr>
-          <p:cNvPr id="53" name="正方形/長方形 52"/>
-          <p:cNvSpPr/>
-          <p:nvPr/>
-        </p:nvSpPr>
-        <p:spPr>
-          <a:xfrm>
-            <a:off x="2915816" y="3645024"/>
-            <a:ext cx="1008112" cy="144016"/>
-          </a:xfrm>
-          <a:prstGeom prst="rect">
-            <a:avLst/>
-          </a:prstGeom>
-        </p:spPr>
-        <p:style>
-          <a:lnRef idx="1">
-            <a:schemeClr val="accent1"/>
-          </a:lnRef>
-          <a:fillRef idx="2">
-            <a:schemeClr val="accent1"/>
-          </a:fillRef>
-          <a:effectRef idx="1">
-            <a:schemeClr val="accent1"/>
-          </a:effectRef>
-          <a:fontRef idx="minor">
-            <a:schemeClr val="dk1"/>
-          </a:fontRef>
-        </p:style>
-        <p:txBody>
-          <a:bodyPr wrap="none" rtlCol="0" anchor="ctr"/>
-          <a:lstStyle/>
-          <a:p>
-            <a:pPr>
-              <a:lnSpc>
-                <a:spcPts val="800"/>
-              </a:lnSpc>
-            </a:pPr>
-            <a:r>
-              <a:rPr lang="en-US" altLang="ja-JP" sz="700" dirty="0" err="1" smtClean="0"/>
-              <a:t>user_id</a:t>
-            </a:r>
-            <a:endParaRPr kumimoji="1" lang="en-US" altLang="ja-JP" sz="700" dirty="0" smtClean="0"/>
-          </a:p>
-        </p:txBody>
-      </p:sp>
-      <p:sp>
-        <p:nvSpPr>
-          <p:cNvPr id="55" name="正方形/長方形 54"/>
-          <p:cNvSpPr/>
-          <p:nvPr/>
-        </p:nvSpPr>
-        <p:spPr>
-          <a:xfrm>
-            <a:off x="2915816" y="3789040"/>
-            <a:ext cx="1008112" cy="144016"/>
-          </a:xfrm>
-          <a:prstGeom prst="rect">
-            <a:avLst/>
-          </a:prstGeom>
-        </p:spPr>
-        <p:style>
-          <a:lnRef idx="1">
-            <a:schemeClr val="accent1"/>
-          </a:lnRef>
-          <a:fillRef idx="2">
-            <a:schemeClr val="accent1"/>
-          </a:fillRef>
-          <a:effectRef idx="1">
-            <a:schemeClr val="accent1"/>
-          </a:effectRef>
-          <a:fontRef idx="minor">
-            <a:schemeClr val="dk1"/>
-          </a:fontRef>
-        </p:style>
-        <p:txBody>
-          <a:bodyPr wrap="none" rtlCol="0" anchor="ctr"/>
-          <a:lstStyle/>
-          <a:p>
-            <a:pPr>
-              <a:lnSpc>
-                <a:spcPts val="800"/>
-              </a:lnSpc>
-            </a:pPr>
-            <a:r>
-              <a:rPr lang="en-US" altLang="ja-JP" sz="700" dirty="0" err="1" smtClean="0"/>
-              <a:t>room_id</a:t>
-            </a:r>
-            <a:endParaRPr kumimoji="1" lang="en-US" altLang="ja-JP" sz="700" dirty="0" smtClean="0"/>
-          </a:p>
-        </p:txBody>
-      </p:sp>
-      <p:sp>
-        <p:nvSpPr>
-          <p:cNvPr id="56" name="正方形/長方形 55"/>
-          <p:cNvSpPr/>
-          <p:nvPr/>
-        </p:nvSpPr>
-        <p:spPr>
-          <a:xfrm>
-            <a:off x="1259632" y="2780928"/>
-            <a:ext cx="504056" cy="144016"/>
-          </a:xfrm>
-          <a:prstGeom prst="rect">
-            <a:avLst/>
-          </a:prstGeom>
-        </p:spPr>
-        <p:style>
-          <a:lnRef idx="1">
-            <a:schemeClr val="accent1"/>
-          </a:lnRef>
-          <a:fillRef idx="2">
-            <a:schemeClr val="accent1"/>
-          </a:fillRef>
-          <a:effectRef idx="1">
-            <a:schemeClr val="accent1"/>
-          </a:effectRef>
-          <a:fontRef idx="minor">
-            <a:schemeClr val="dk1"/>
-          </a:fontRef>
-        </p:style>
-        <p:txBody>
-          <a:bodyPr wrap="none" rtlCol="0" anchor="ctr"/>
-          <a:lstStyle/>
-          <a:p>
-            <a:pPr>
-              <a:lnSpc>
-                <a:spcPts val="800"/>
-              </a:lnSpc>
-            </a:pPr>
-            <a:r>
-              <a:rPr lang="en-US" altLang="ja-JP" sz="700" i="1" dirty="0" smtClean="0"/>
-              <a:t>Server DB</a:t>
-            </a:r>
-            <a:endParaRPr kumimoji="1" lang="en-US" altLang="ja-JP" sz="700" i="1" dirty="0" smtClean="0"/>
-          </a:p>
-        </p:txBody>
-      </p:sp>
-      <p:sp>
-        <p:nvSpPr>
-          <p:cNvPr id="34" name="正方形/長方形 33"/>
-          <p:cNvSpPr/>
-          <p:nvPr/>
-        </p:nvSpPr>
-        <p:spPr>
-          <a:xfrm>
-            <a:off x="1259632" y="2924944"/>
-            <a:ext cx="1080120" cy="144016"/>
-          </a:xfrm>
-          <a:prstGeom prst="rect">
-            <a:avLst/>
-          </a:prstGeom>
-        </p:spPr>
-        <p:style>
-          <a:lnRef idx="1">
-            <a:schemeClr val="accent1"/>
-          </a:lnRef>
-          <a:fillRef idx="2">
-            <a:schemeClr val="accent1"/>
-          </a:fillRef>
-          <a:effectRef idx="1">
-            <a:schemeClr val="accent1"/>
-          </a:effectRef>
-          <a:fontRef idx="minor">
-            <a:schemeClr val="dk1"/>
-          </a:fontRef>
-        </p:style>
-        <p:txBody>
-          <a:bodyPr wrap="none" rtlCol="0" anchor="ctr"/>
-          <a:lstStyle/>
-          <a:p>
-            <a:pPr>
-              <a:lnSpc>
-                <a:spcPts val="800"/>
-              </a:lnSpc>
-            </a:pPr>
-            <a:r>
-              <a:rPr lang="en-US" altLang="ja-JP" sz="700" dirty="0" smtClean="0"/>
-              <a:t>rooms[</a:t>
-            </a:r>
-            <a:r>
-              <a:rPr lang="en-US" altLang="ja-JP" sz="700" dirty="0" err="1" smtClean="0"/>
-              <a:t>room_id</a:t>
-            </a:r>
-            <a:r>
-              <a:rPr lang="en-US" altLang="ja-JP" sz="700" dirty="0" smtClean="0"/>
-              <a:t>] : </a:t>
-            </a:r>
-            <a:r>
-              <a:rPr lang="en-US" altLang="ja-JP" sz="700" dirty="0" err="1" smtClean="0"/>
-              <a:t>Dict</a:t>
-            </a:r>
-            <a:endParaRPr kumimoji="1" lang="en-US" altLang="ja-JP" sz="700" dirty="0" smtClean="0"/>
-          </a:p>
-        </p:txBody>
-      </p:sp>
-      <p:sp>
-        <p:nvSpPr>
-          <p:cNvPr id="60" name="正方形/長方形 59"/>
-          <p:cNvSpPr/>
-          <p:nvPr/>
-        </p:nvSpPr>
-        <p:spPr>
-          <a:xfrm>
-            <a:off x="2915816" y="2924944"/>
-            <a:ext cx="1008112" cy="144016"/>
-          </a:xfrm>
-          <a:prstGeom prst="rect">
-            <a:avLst/>
-          </a:prstGeom>
-        </p:spPr>
-        <p:style>
-          <a:lnRef idx="1">
-            <a:schemeClr val="accent1"/>
-          </a:lnRef>
-          <a:fillRef idx="2">
-            <a:schemeClr val="accent1"/>
-          </a:fillRef>
-          <a:effectRef idx="1">
-            <a:schemeClr val="accent1"/>
-          </a:effectRef>
-          <a:fontRef idx="minor">
-            <a:schemeClr val="dk1"/>
-          </a:fontRef>
-        </p:style>
-        <p:txBody>
-          <a:bodyPr wrap="none" rtlCol="0" anchor="ctr"/>
-          <a:lstStyle/>
-          <a:p>
-            <a:pPr>
-              <a:lnSpc>
-                <a:spcPts val="800"/>
-              </a:lnSpc>
-            </a:pPr>
-            <a:r>
-              <a:rPr lang="en-US" altLang="ja-JP" sz="700" dirty="0" smtClean="0"/>
-              <a:t>game : </a:t>
-            </a:r>
-            <a:r>
-              <a:rPr lang="en-US" altLang="ja-JP" sz="700" dirty="0" err="1" smtClean="0"/>
-              <a:t>Dict</a:t>
-            </a:r>
-            <a:endParaRPr kumimoji="1" lang="en-US" altLang="ja-JP" sz="700" dirty="0" smtClean="0"/>
-          </a:p>
-        </p:txBody>
-      </p:sp>
-      <p:sp>
-        <p:nvSpPr>
-          <p:cNvPr id="62" name="正方形/長方形 61"/>
-          <p:cNvSpPr/>
-          <p:nvPr/>
-        </p:nvSpPr>
-        <p:spPr>
-          <a:xfrm>
-            <a:off x="4499992" y="3356992"/>
-            <a:ext cx="504056" cy="144016"/>
-          </a:xfrm>
-          <a:prstGeom prst="rect">
-            <a:avLst/>
-          </a:prstGeom>
-        </p:spPr>
-        <p:style>
-          <a:lnRef idx="1">
-            <a:schemeClr val="accent1"/>
-          </a:lnRef>
-          <a:fillRef idx="2">
-            <a:schemeClr val="accent1"/>
-          </a:fillRef>
-          <a:effectRef idx="1">
-            <a:schemeClr val="accent1"/>
-          </a:effectRef>
-          <a:fontRef idx="minor">
-            <a:schemeClr val="dk1"/>
-          </a:fontRef>
-        </p:style>
-        <p:txBody>
-          <a:bodyPr wrap="none" rtlCol="0" anchor="ctr"/>
-          <a:lstStyle/>
-          <a:p>
-            <a:pPr>
-              <a:lnSpc>
-                <a:spcPts val="800"/>
-              </a:lnSpc>
-            </a:pPr>
-            <a:r>
-              <a:rPr lang="en-US" altLang="ja-JP" sz="700" i="1" dirty="0" err="1" smtClean="0"/>
-              <a:t>GameInfo</a:t>
-            </a:r>
-            <a:endParaRPr kumimoji="1" lang="en-US" altLang="ja-JP" sz="700" i="1" dirty="0" smtClean="0"/>
-          </a:p>
-        </p:txBody>
-      </p:sp>
-      <p:sp>
-        <p:nvSpPr>
-          <p:cNvPr id="39" name="正方形/長方形 38"/>
-          <p:cNvSpPr/>
-          <p:nvPr/>
-        </p:nvSpPr>
-        <p:spPr>
-          <a:xfrm>
-            <a:off x="4499992" y="3501008"/>
-            <a:ext cx="1008112" cy="144016"/>
-          </a:xfrm>
-          <a:prstGeom prst="rect">
-            <a:avLst/>
-          </a:prstGeom>
-        </p:spPr>
-        <p:style>
-          <a:lnRef idx="1">
-            <a:schemeClr val="accent1"/>
-          </a:lnRef>
-          <a:fillRef idx="2">
-            <a:schemeClr val="accent1"/>
-          </a:fillRef>
-          <a:effectRef idx="1">
-            <a:schemeClr val="accent1"/>
-          </a:effectRef>
-          <a:fontRef idx="minor">
-            <a:schemeClr val="dk1"/>
-          </a:fontRef>
-        </p:style>
-        <p:txBody>
-          <a:bodyPr wrap="none" rtlCol="0" anchor="ctr"/>
-          <a:lstStyle/>
-          <a:p>
-            <a:pPr>
-              <a:lnSpc>
-                <a:spcPts val="800"/>
-              </a:lnSpc>
-            </a:pPr>
-            <a:r>
-              <a:rPr lang="en-US" altLang="ja-JP" sz="700" dirty="0" smtClean="0"/>
-              <a:t>policies : </a:t>
-            </a:r>
-            <a:r>
-              <a:rPr lang="en-US" altLang="ja-JP" sz="700" dirty="0" err="1" smtClean="0"/>
-              <a:t>Dict</a:t>
-            </a:r>
-            <a:endParaRPr kumimoji="1" lang="en-US" altLang="ja-JP" sz="700" dirty="0" smtClean="0"/>
-          </a:p>
-        </p:txBody>
-      </p:sp>
-      <p:sp>
-        <p:nvSpPr>
-          <p:cNvPr id="61" name="正方形/長方形 60"/>
-          <p:cNvSpPr/>
-          <p:nvPr/>
-        </p:nvSpPr>
-        <p:spPr>
-          <a:xfrm>
-            <a:off x="4499992" y="3645024"/>
-            <a:ext cx="1008112" cy="144016"/>
-          </a:xfrm>
-          <a:prstGeom prst="rect">
-            <a:avLst/>
-          </a:prstGeom>
-        </p:spPr>
-        <p:style>
-          <a:lnRef idx="1">
-            <a:schemeClr val="accent1"/>
-          </a:lnRef>
-          <a:fillRef idx="2">
-            <a:schemeClr val="accent1"/>
-          </a:fillRef>
-          <a:effectRef idx="1">
-            <a:schemeClr val="accent1"/>
-          </a:effectRef>
-          <a:fontRef idx="minor">
-            <a:schemeClr val="dk1"/>
-          </a:fontRef>
-        </p:style>
-        <p:txBody>
-          <a:bodyPr wrap="none" rtlCol="0" anchor="ctr"/>
-          <a:lstStyle/>
-          <a:p>
-            <a:pPr>
-              <a:lnSpc>
-                <a:spcPts val="800"/>
-              </a:lnSpc>
-            </a:pPr>
-            <a:r>
-              <a:rPr lang="en-US" altLang="ja-JP" sz="700" dirty="0" smtClean="0"/>
-              <a:t>context : </a:t>
-            </a:r>
-            <a:r>
-              <a:rPr lang="en-US" altLang="ja-JP" sz="700" dirty="0" err="1" smtClean="0"/>
-              <a:t>Dict</a:t>
-            </a:r>
-            <a:endParaRPr kumimoji="1" lang="en-US" altLang="ja-JP" sz="700" dirty="0" smtClean="0"/>
-          </a:p>
-        </p:txBody>
-      </p:sp>
-      <p:sp>
-        <p:nvSpPr>
-          <p:cNvPr id="67" name="正方形/長方形 66"/>
-          <p:cNvSpPr/>
-          <p:nvPr/>
-        </p:nvSpPr>
-        <p:spPr>
-          <a:xfrm>
-            <a:off x="2915816" y="3933056"/>
-            <a:ext cx="1008112" cy="144016"/>
-          </a:xfrm>
-          <a:prstGeom prst="rect">
-            <a:avLst/>
-          </a:prstGeom>
-        </p:spPr>
-        <p:style>
-          <a:lnRef idx="1">
-            <a:schemeClr val="accent1"/>
-          </a:lnRef>
-          <a:fillRef idx="2">
-            <a:schemeClr val="accent1"/>
-          </a:fillRef>
-          <a:effectRef idx="1">
-            <a:schemeClr val="accent1"/>
-          </a:effectRef>
-          <a:fontRef idx="minor">
-            <a:schemeClr val="dk1"/>
-          </a:fontRef>
-        </p:style>
-        <p:txBody>
-          <a:bodyPr wrap="none" rtlCol="0" anchor="ctr"/>
-          <a:lstStyle/>
-          <a:p>
-            <a:pPr>
-              <a:lnSpc>
-                <a:spcPts val="800"/>
-              </a:lnSpc>
-            </a:pPr>
-            <a:r>
-              <a:rPr lang="en-US" altLang="ja-JP" sz="700" dirty="0" smtClean="0"/>
-              <a:t>state</a:t>
-            </a:r>
-            <a:endParaRPr kumimoji="1" lang="en-US" altLang="ja-JP" sz="700" dirty="0" smtClean="0"/>
-          </a:p>
-        </p:txBody>
-      </p:sp>
-      <p:cxnSp>
-        <p:nvCxnSpPr>
-          <p:cNvPr id="68" name="直線矢印コネクタ 67"/>
-          <p:cNvCxnSpPr>
-            <a:endCxn id="60" idx="3"/>
-          </p:cNvCxnSpPr>
-          <p:nvPr/>
-        </p:nvCxnSpPr>
-        <p:spPr>
-          <a:xfrm flipH="1" flipV="1">
-            <a:off x="3923928" y="2996952"/>
-            <a:ext cx="504056" cy="432048"/>
-          </a:xfrm>
-          <a:prstGeom prst="straightConnector1">
-            <a:avLst/>
-          </a:prstGeom>
-          <a:ln>
-            <a:headEnd type="diamond" w="lg" len="lg"/>
-            <a:tailEnd type="none"/>
-          </a:ln>
-        </p:spPr>
-        <p:style>
-          <a:lnRef idx="1">
-            <a:schemeClr val="accent1"/>
-          </a:lnRef>
-          <a:fillRef idx="0">
-            <a:schemeClr val="accent1"/>
-          </a:fillRef>
-          <a:effectRef idx="0">
-            <a:schemeClr val="accent1"/>
-          </a:effectRef>
-          <a:fontRef idx="minor">
-            <a:schemeClr val="tx1"/>
-          </a:fontRef>
-        </p:style>
-      </p:cxnSp>
-      <p:sp>
-        <p:nvSpPr>
-          <p:cNvPr id="35" name="正方形/長方形 34"/>
-          <p:cNvSpPr/>
-          <p:nvPr/>
-        </p:nvSpPr>
-        <p:spPr>
-          <a:xfrm>
-            <a:off x="1259632" y="3068960"/>
-            <a:ext cx="1080120" cy="144016"/>
-          </a:xfrm>
-          <a:prstGeom prst="rect">
-            <a:avLst/>
-          </a:prstGeom>
-        </p:spPr>
-        <p:style>
-          <a:lnRef idx="1">
-            <a:schemeClr val="accent1"/>
-          </a:lnRef>
-          <a:fillRef idx="2">
-            <a:schemeClr val="accent1"/>
-          </a:fillRef>
-          <a:effectRef idx="1">
-            <a:schemeClr val="accent1"/>
-          </a:effectRef>
-          <a:fontRef idx="minor">
-            <a:schemeClr val="dk1"/>
-          </a:fontRef>
-        </p:style>
-        <p:txBody>
-          <a:bodyPr wrap="none" rtlCol="0" anchor="ctr"/>
-          <a:lstStyle/>
-          <a:p>
-            <a:pPr>
-              <a:lnSpc>
-                <a:spcPts val="800"/>
-              </a:lnSpc>
-            </a:pPr>
-            <a:r>
-              <a:rPr lang="en-US" altLang="ja-JP" sz="700" dirty="0" smtClean="0"/>
-              <a:t>users[</a:t>
-            </a:r>
-            <a:r>
-              <a:rPr lang="en-US" altLang="ja-JP" sz="700" dirty="0" err="1" smtClean="0"/>
-              <a:t>user_id</a:t>
-            </a:r>
-            <a:r>
-              <a:rPr lang="en-US" altLang="ja-JP" sz="700" dirty="0" smtClean="0"/>
-              <a:t>] : </a:t>
-            </a:r>
-            <a:r>
-              <a:rPr lang="en-US" altLang="ja-JP" sz="700" dirty="0" err="1" smtClean="0"/>
-              <a:t>Dict</a:t>
-            </a:r>
-            <a:endParaRPr kumimoji="1" lang="en-US" altLang="ja-JP" sz="700" dirty="0" smtClean="0"/>
-          </a:p>
-        </p:txBody>
-      </p:sp>
-      <p:cxnSp>
-        <p:nvCxnSpPr>
-          <p:cNvPr id="36" name="直線矢印コネクタ 35"/>
-          <p:cNvCxnSpPr>
-            <a:endCxn id="35" idx="3"/>
-          </p:cNvCxnSpPr>
-          <p:nvPr/>
-        </p:nvCxnSpPr>
-        <p:spPr>
-          <a:xfrm flipH="1" flipV="1">
-            <a:off x="2339752" y="3140968"/>
-            <a:ext cx="504056" cy="216024"/>
-          </a:xfrm>
-          <a:prstGeom prst="straightConnector1">
-            <a:avLst/>
-          </a:prstGeom>
-          <a:ln>
-            <a:headEnd type="diamond" w="lg" len="lg"/>
-            <a:tailEnd type="none"/>
-          </a:ln>
-        </p:spPr>
-        <p:style>
-          <a:lnRef idx="1">
-            <a:schemeClr val="accent1"/>
-          </a:lnRef>
-          <a:fillRef idx="0">
-            <a:schemeClr val="accent1"/>
-          </a:fillRef>
-          <a:effectRef idx="0">
-            <a:schemeClr val="accent1"/>
-          </a:effectRef>
-          <a:fontRef idx="minor">
-            <a:schemeClr val="tx1"/>
-          </a:fontRef>
-        </p:style>
-      </p:cxnSp>
+            <a:schemeClr val="dk1"/>
+          </a:effectRef>
+          <a:fontRef idx="minor">
+            <a:schemeClr val="dk1"/>
+          </a:fontRef>
+        </p:style>
+        <p:txBody>
+          <a:bodyPr wrap="none" rtlCol="0" anchor="t"/>
+          <a:lstStyle/>
+          <a:p>
+            <a:pPr algn="ctr"/>
+            <a:r>
+              <a:rPr kumimoji="1" lang="en-US" altLang="ja-JP" sz="900" dirty="0" smtClean="0"/>
+              <a:t>&lt;&lt;Sprite&gt;&gt;</a:t>
+            </a:r>
+          </a:p>
+          <a:p>
+            <a:pPr algn="ctr"/>
+            <a:r>
+              <a:rPr lang="en-US" altLang="ja-JP" sz="900" dirty="0" smtClean="0"/>
+              <a:t>User</a:t>
+            </a:r>
+            <a:endParaRPr kumimoji="1" lang="ja-JP" altLang="en-US" sz="900" dirty="0"/>
+          </a:p>
+        </p:txBody>
+      </p:sp>
     </p:spTree>
   </p:cSld>
   <p:clrMapOvr>
@@ -4898,384 +4163,1592 @@
       </p:grpSpPr>
       <p:sp>
         <p:nvSpPr>
-          <p:cNvPr id="10" name="正方形/長方形 9"/>
+          <p:cNvPr id="4" name="円/楕円 3"/>
           <p:cNvSpPr/>
           <p:nvPr/>
         </p:nvSpPr>
         <p:spPr>
-          <a:xfrm>
-            <a:off x="5364088" y="1340768"/>
-            <a:ext cx="3528392" cy="2088232"/>
+          <a:xfrm flipH="1">
+            <a:off x="1259632" y="620688"/>
+            <a:ext cx="864096" cy="864096"/>
+          </a:xfrm>
+          <a:prstGeom prst="ellipse">
+            <a:avLst/>
+          </a:prstGeom>
+        </p:spPr>
+        <p:style>
+          <a:lnRef idx="1">
+            <a:schemeClr val="dk1"/>
+          </a:lnRef>
+          <a:fillRef idx="2">
+            <a:schemeClr val="dk1"/>
+          </a:fillRef>
+          <a:effectRef idx="1">
+            <a:schemeClr val="dk1"/>
+          </a:effectRef>
+          <a:fontRef idx="minor">
+            <a:schemeClr val="dk1"/>
+          </a:fontRef>
+        </p:style>
+        <p:txBody>
+          <a:bodyPr wrap="none" rtlCol="0" anchor="ctr"/>
+          <a:lstStyle/>
+          <a:p>
+            <a:pPr algn="ctr"/>
+            <a:r>
+              <a:rPr kumimoji="1" lang="ja-JP" altLang="en-US" sz="1100" dirty="0" smtClean="0"/>
+              <a:t>ルーム選択</a:t>
+            </a:r>
+            <a:endParaRPr kumimoji="1" lang="en-US" altLang="ja-JP" sz="1100" dirty="0" smtClean="0"/>
+          </a:p>
+          <a:p>
+            <a:pPr algn="ctr"/>
+            <a:r>
+              <a:rPr lang="en-US" altLang="ja-JP" sz="1100" dirty="0" smtClean="0"/>
+              <a:t>/</a:t>
+            </a:r>
+            <a:endParaRPr kumimoji="1" lang="ja-JP" altLang="en-US" sz="1100" dirty="0"/>
+          </a:p>
+        </p:txBody>
+      </p:sp>
+      <p:sp>
+        <p:nvSpPr>
+          <p:cNvPr id="5" name="円/楕円 4"/>
+          <p:cNvSpPr/>
+          <p:nvPr/>
+        </p:nvSpPr>
+        <p:spPr>
+          <a:xfrm flipH="1">
+            <a:off x="2699792" y="620688"/>
+            <a:ext cx="864096" cy="864096"/>
+          </a:xfrm>
+          <a:prstGeom prst="ellipse">
+            <a:avLst/>
+          </a:prstGeom>
+        </p:spPr>
+        <p:style>
+          <a:lnRef idx="1">
+            <a:schemeClr val="dk1"/>
+          </a:lnRef>
+          <a:fillRef idx="2">
+            <a:schemeClr val="dk1"/>
+          </a:fillRef>
+          <a:effectRef idx="1">
+            <a:schemeClr val="dk1"/>
+          </a:effectRef>
+          <a:fontRef idx="minor">
+            <a:schemeClr val="dk1"/>
+          </a:fontRef>
+        </p:style>
+        <p:txBody>
+          <a:bodyPr wrap="none" rtlCol="0" anchor="ctr"/>
+          <a:lstStyle/>
+          <a:p>
+            <a:pPr algn="ctr"/>
+            <a:r>
+              <a:rPr kumimoji="1" lang="ja-JP" altLang="en-US" sz="1100" dirty="0" smtClean="0"/>
+              <a:t>ゲーム設定</a:t>
+            </a:r>
+            <a:endParaRPr kumimoji="1" lang="en-US" altLang="ja-JP" sz="1100" dirty="0" smtClean="0"/>
+          </a:p>
+          <a:p>
+            <a:pPr algn="ctr"/>
+            <a:r>
+              <a:rPr lang="en-US" altLang="ja-JP" sz="1100" dirty="0" smtClean="0"/>
+              <a:t>/room</a:t>
+            </a:r>
+            <a:endParaRPr kumimoji="1" lang="ja-JP" altLang="en-US" sz="1100" dirty="0"/>
+          </a:p>
+        </p:txBody>
+      </p:sp>
+      <p:sp>
+        <p:nvSpPr>
+          <p:cNvPr id="6" name="円/楕円 5"/>
+          <p:cNvSpPr/>
+          <p:nvPr/>
+        </p:nvSpPr>
+        <p:spPr>
+          <a:xfrm flipH="1">
+            <a:off x="4139952" y="620688"/>
+            <a:ext cx="864096" cy="864096"/>
+          </a:xfrm>
+          <a:prstGeom prst="ellipse">
+            <a:avLst/>
+          </a:prstGeom>
+        </p:spPr>
+        <p:style>
+          <a:lnRef idx="1">
+            <a:schemeClr val="dk1"/>
+          </a:lnRef>
+          <a:fillRef idx="2">
+            <a:schemeClr val="dk1"/>
+          </a:fillRef>
+          <a:effectRef idx="1">
+            <a:schemeClr val="dk1"/>
+          </a:effectRef>
+          <a:fontRef idx="minor">
+            <a:schemeClr val="dk1"/>
+          </a:fontRef>
+        </p:style>
+        <p:txBody>
+          <a:bodyPr wrap="none" rtlCol="0" anchor="ctr"/>
+          <a:lstStyle/>
+          <a:p>
+            <a:pPr algn="ctr"/>
+            <a:r>
+              <a:rPr kumimoji="1" lang="ja-JP" altLang="en-US" sz="1100" dirty="0" smtClean="0"/>
+              <a:t>プレイ中</a:t>
+            </a:r>
+            <a:endParaRPr kumimoji="1" lang="en-US" altLang="ja-JP" sz="1100" dirty="0" smtClean="0"/>
+          </a:p>
+          <a:p>
+            <a:pPr algn="ctr"/>
+            <a:r>
+              <a:rPr lang="en-US" altLang="ja-JP" sz="1100" dirty="0" smtClean="0"/>
+              <a:t>/play</a:t>
+            </a:r>
+            <a:endParaRPr kumimoji="1" lang="ja-JP" altLang="en-US" sz="1100" dirty="0"/>
+          </a:p>
+        </p:txBody>
+      </p:sp>
+      <p:cxnSp>
+        <p:nvCxnSpPr>
+          <p:cNvPr id="8" name="直線矢印コネクタ 7"/>
+          <p:cNvCxnSpPr>
+            <a:stCxn id="4" idx="2"/>
+            <a:endCxn id="5" idx="6"/>
+          </p:cNvCxnSpPr>
+          <p:nvPr/>
+        </p:nvCxnSpPr>
+        <p:spPr>
+          <a:xfrm>
+            <a:off x="2123728" y="1052736"/>
+            <a:ext cx="576064" cy="0"/>
+          </a:xfrm>
+          <a:prstGeom prst="straightConnector1">
+            <a:avLst/>
+          </a:prstGeom>
+          <a:ln>
+            <a:tailEnd type="arrow"/>
+          </a:ln>
+        </p:spPr>
+        <p:style>
+          <a:lnRef idx="1">
+            <a:schemeClr val="accent1"/>
+          </a:lnRef>
+          <a:fillRef idx="0">
+            <a:schemeClr val="accent1"/>
+          </a:fillRef>
+          <a:effectRef idx="0">
+            <a:schemeClr val="accent1"/>
+          </a:effectRef>
+          <a:fontRef idx="minor">
+            <a:schemeClr val="tx1"/>
+          </a:fontRef>
+        </p:style>
+      </p:cxnSp>
+      <p:cxnSp>
+        <p:nvCxnSpPr>
+          <p:cNvPr id="11" name="直線矢印コネクタ 10"/>
+          <p:cNvCxnSpPr>
+            <a:stCxn id="5" idx="1"/>
+            <a:endCxn id="6" idx="7"/>
+          </p:cNvCxnSpPr>
+          <p:nvPr/>
+        </p:nvCxnSpPr>
+        <p:spPr>
+          <a:xfrm>
+            <a:off x="3437344" y="747232"/>
+            <a:ext cx="829152" cy="0"/>
+          </a:xfrm>
+          <a:prstGeom prst="straightConnector1">
+            <a:avLst/>
+          </a:prstGeom>
+          <a:ln>
+            <a:tailEnd type="arrow"/>
+          </a:ln>
+        </p:spPr>
+        <p:style>
+          <a:lnRef idx="1">
+            <a:schemeClr val="accent1"/>
+          </a:lnRef>
+          <a:fillRef idx="0">
+            <a:schemeClr val="accent1"/>
+          </a:fillRef>
+          <a:effectRef idx="0">
+            <a:schemeClr val="accent1"/>
+          </a:effectRef>
+          <a:fontRef idx="minor">
+            <a:schemeClr val="tx1"/>
+          </a:fontRef>
+        </p:style>
+      </p:cxnSp>
+      <p:cxnSp>
+        <p:nvCxnSpPr>
+          <p:cNvPr id="14" name="直線矢印コネクタ 13"/>
+          <p:cNvCxnSpPr>
+            <a:stCxn id="6" idx="5"/>
+            <a:endCxn id="5" idx="3"/>
+          </p:cNvCxnSpPr>
+          <p:nvPr/>
+        </p:nvCxnSpPr>
+        <p:spPr>
+          <a:xfrm flipH="1">
+            <a:off x="3437344" y="1358240"/>
+            <a:ext cx="829152" cy="0"/>
+          </a:xfrm>
+          <a:prstGeom prst="straightConnector1">
+            <a:avLst/>
+          </a:prstGeom>
+          <a:ln>
+            <a:tailEnd type="arrow"/>
+          </a:ln>
+        </p:spPr>
+        <p:style>
+          <a:lnRef idx="1">
+            <a:schemeClr val="accent1"/>
+          </a:lnRef>
+          <a:fillRef idx="0">
+            <a:schemeClr val="accent1"/>
+          </a:fillRef>
+          <a:effectRef idx="0">
+            <a:schemeClr val="accent1"/>
+          </a:effectRef>
+          <a:fontRef idx="minor">
+            <a:schemeClr val="tx1"/>
+          </a:fontRef>
+        </p:style>
+      </p:cxnSp>
+      <p:cxnSp>
+        <p:nvCxnSpPr>
+          <p:cNvPr id="18" name="曲線コネクタ 17"/>
+          <p:cNvCxnSpPr>
+            <a:stCxn id="5" idx="0"/>
+            <a:endCxn id="4" idx="1"/>
+          </p:cNvCxnSpPr>
+          <p:nvPr/>
+        </p:nvCxnSpPr>
+        <p:spPr>
+          <a:xfrm rot="16200000" flipH="1" flipV="1">
+            <a:off x="2501240" y="116632"/>
+            <a:ext cx="126544" cy="1134656"/>
+          </a:xfrm>
+          <a:prstGeom prst="curvedConnector3">
+            <a:avLst>
+              <a:gd name="adj1" fmla="val -180649"/>
+            </a:avLst>
+          </a:prstGeom>
+          <a:ln>
+            <a:tailEnd type="arrow"/>
+          </a:ln>
+        </p:spPr>
+        <p:style>
+          <a:lnRef idx="1">
+            <a:schemeClr val="accent1"/>
+          </a:lnRef>
+          <a:fillRef idx="0">
+            <a:schemeClr val="accent1"/>
+          </a:fillRef>
+          <a:effectRef idx="0">
+            <a:schemeClr val="accent1"/>
+          </a:effectRef>
+          <a:fontRef idx="minor">
+            <a:schemeClr val="tx1"/>
+          </a:fontRef>
+        </p:style>
+      </p:cxnSp>
+      <p:cxnSp>
+        <p:nvCxnSpPr>
+          <p:cNvPr id="19" name="曲線コネクタ 18"/>
+          <p:cNvCxnSpPr>
+            <a:stCxn id="6" idx="0"/>
+            <a:endCxn id="4" idx="1"/>
+          </p:cNvCxnSpPr>
+          <p:nvPr/>
+        </p:nvCxnSpPr>
+        <p:spPr>
+          <a:xfrm rot="16200000" flipH="1" flipV="1">
+            <a:off x="3221320" y="-603448"/>
+            <a:ext cx="126544" cy="2574816"/>
+          </a:xfrm>
+          <a:prstGeom prst="curvedConnector3">
+            <a:avLst>
+              <a:gd name="adj1" fmla="val -416496"/>
+            </a:avLst>
+          </a:prstGeom>
+          <a:ln>
+            <a:tailEnd type="arrow"/>
+          </a:ln>
+        </p:spPr>
+        <p:style>
+          <a:lnRef idx="1">
+            <a:schemeClr val="accent1"/>
+          </a:lnRef>
+          <a:fillRef idx="0">
+            <a:schemeClr val="accent1"/>
+          </a:fillRef>
+          <a:effectRef idx="0">
+            <a:schemeClr val="accent1"/>
+          </a:effectRef>
+          <a:fontRef idx="minor">
+            <a:schemeClr val="tx1"/>
+          </a:fontRef>
+        </p:style>
+      </p:cxnSp>
+      <p:sp>
+        <p:nvSpPr>
+          <p:cNvPr id="25" name="正方形/長方形 24"/>
+          <p:cNvSpPr/>
+          <p:nvPr/>
+        </p:nvSpPr>
+        <p:spPr>
+          <a:xfrm>
+            <a:off x="2123728" y="1124744"/>
+            <a:ext cx="576064" cy="360040"/>
           </a:xfrm>
           <a:prstGeom prst="rect">
             <a:avLst/>
           </a:prstGeom>
-          <a:solidFill>
-            <a:schemeClr val="bg2"/>
-          </a:solidFill>
-        </p:spPr>
-        <p:style>
-          <a:lnRef idx="2">
-            <a:schemeClr val="dk1"/>
-          </a:lnRef>
-          <a:fillRef idx="1">
-            <a:schemeClr val="lt1"/>
+        </p:spPr>
+        <p:style>
+          <a:lnRef idx="1">
+            <a:schemeClr val="accent1"/>
+          </a:lnRef>
+          <a:fillRef idx="2">
+            <a:schemeClr val="accent1"/>
+          </a:fillRef>
+          <a:effectRef idx="1">
+            <a:schemeClr val="accent1"/>
+          </a:effectRef>
+          <a:fontRef idx="minor">
+            <a:schemeClr val="dk1"/>
+          </a:fontRef>
+        </p:style>
+        <p:txBody>
+          <a:bodyPr wrap="none" rtlCol="0" anchor="ctr"/>
+          <a:lstStyle/>
+          <a:p>
+            <a:pPr>
+              <a:lnSpc>
+                <a:spcPts val="800"/>
+              </a:lnSpc>
+            </a:pPr>
+            <a:r>
+              <a:rPr lang="en-US" altLang="ja-JP" sz="700" dirty="0" err="1" smtClean="0"/>
+              <a:t>user_id</a:t>
+            </a:r>
+            <a:endParaRPr lang="en-US" altLang="ja-JP" sz="700" dirty="0" smtClean="0"/>
+          </a:p>
+          <a:p>
+            <a:pPr>
+              <a:lnSpc>
+                <a:spcPts val="800"/>
+              </a:lnSpc>
+            </a:pPr>
+            <a:r>
+              <a:rPr kumimoji="1" lang="en-US" altLang="ja-JP" sz="700" dirty="0" smtClean="0"/>
+              <a:t>nickname</a:t>
+            </a:r>
+          </a:p>
+          <a:p>
+            <a:pPr>
+              <a:lnSpc>
+                <a:spcPts val="800"/>
+              </a:lnSpc>
+            </a:pPr>
+            <a:r>
+              <a:rPr lang="en-US" altLang="ja-JP" sz="700" dirty="0" err="1" smtClean="0"/>
+              <a:t>room_id</a:t>
+            </a:r>
+            <a:endParaRPr kumimoji="1" lang="en-US" altLang="ja-JP" sz="700" dirty="0" smtClean="0"/>
+          </a:p>
+        </p:txBody>
+      </p:sp>
+      <p:sp>
+        <p:nvSpPr>
+          <p:cNvPr id="27" name="正方形/長方形 26"/>
+          <p:cNvSpPr/>
+          <p:nvPr/>
+        </p:nvSpPr>
+        <p:spPr>
+          <a:xfrm>
+            <a:off x="2123728" y="836712"/>
+            <a:ext cx="432048" cy="144016"/>
+          </a:xfrm>
+          <a:prstGeom prst="rect">
+            <a:avLst/>
+          </a:prstGeom>
+        </p:spPr>
+        <p:style>
+          <a:lnRef idx="1">
+            <a:schemeClr val="accent2"/>
+          </a:lnRef>
+          <a:fillRef idx="2">
+            <a:schemeClr val="accent2"/>
+          </a:fillRef>
+          <a:effectRef idx="1">
+            <a:schemeClr val="accent2"/>
+          </a:effectRef>
+          <a:fontRef idx="minor">
+            <a:schemeClr val="dk1"/>
+          </a:fontRef>
+        </p:style>
+        <p:txBody>
+          <a:bodyPr wrap="none" rtlCol="0" anchor="ctr"/>
+          <a:lstStyle/>
+          <a:p>
+            <a:pPr>
+              <a:lnSpc>
+                <a:spcPts val="800"/>
+              </a:lnSpc>
+            </a:pPr>
+            <a:r>
+              <a:rPr lang="en-US" altLang="ja-JP" sz="700" dirty="0" smtClean="0"/>
+              <a:t>enter</a:t>
+            </a:r>
+            <a:endParaRPr kumimoji="1" lang="en-US" altLang="ja-JP" sz="700" dirty="0" smtClean="0"/>
+          </a:p>
+        </p:txBody>
+      </p:sp>
+      <p:sp>
+        <p:nvSpPr>
+          <p:cNvPr id="28" name="正方形/長方形 27"/>
+          <p:cNvSpPr/>
+          <p:nvPr/>
+        </p:nvSpPr>
+        <p:spPr>
+          <a:xfrm>
+            <a:off x="3563888" y="404664"/>
+            <a:ext cx="432048" cy="144016"/>
+          </a:xfrm>
+          <a:prstGeom prst="rect">
+            <a:avLst/>
+          </a:prstGeom>
+        </p:spPr>
+        <p:style>
+          <a:lnRef idx="1">
+            <a:schemeClr val="accent2"/>
+          </a:lnRef>
+          <a:fillRef idx="2">
+            <a:schemeClr val="accent2"/>
+          </a:fillRef>
+          <a:effectRef idx="1">
+            <a:schemeClr val="accent2"/>
+          </a:effectRef>
+          <a:fontRef idx="minor">
+            <a:schemeClr val="dk1"/>
+          </a:fontRef>
+        </p:style>
+        <p:txBody>
+          <a:bodyPr wrap="none" rtlCol="0" anchor="ctr"/>
+          <a:lstStyle/>
+          <a:p>
+            <a:pPr>
+              <a:lnSpc>
+                <a:spcPts val="800"/>
+              </a:lnSpc>
+            </a:pPr>
+            <a:r>
+              <a:rPr lang="en-US" altLang="ja-JP" sz="700" dirty="0" smtClean="0"/>
+              <a:t>play</a:t>
+            </a:r>
+            <a:endParaRPr kumimoji="1" lang="en-US" altLang="ja-JP" sz="700" dirty="0" smtClean="0"/>
+          </a:p>
+        </p:txBody>
+      </p:sp>
+      <p:sp>
+        <p:nvSpPr>
+          <p:cNvPr id="26" name="正方形/長方形 25"/>
+          <p:cNvSpPr/>
+          <p:nvPr/>
+        </p:nvSpPr>
+        <p:spPr>
+          <a:xfrm>
+            <a:off x="3563888" y="548680"/>
+            <a:ext cx="576064" cy="144016"/>
+          </a:xfrm>
+          <a:prstGeom prst="rect">
+            <a:avLst/>
+          </a:prstGeom>
+        </p:spPr>
+        <p:style>
+          <a:lnRef idx="1">
+            <a:schemeClr val="accent1"/>
+          </a:lnRef>
+          <a:fillRef idx="2">
+            <a:schemeClr val="accent1"/>
+          </a:fillRef>
+          <a:effectRef idx="1">
+            <a:schemeClr val="accent1"/>
+          </a:effectRef>
+          <a:fontRef idx="minor">
+            <a:schemeClr val="dk1"/>
+          </a:fontRef>
+        </p:style>
+        <p:txBody>
+          <a:bodyPr wrap="none" rtlCol="0" anchor="ctr"/>
+          <a:lstStyle/>
+          <a:p>
+            <a:pPr>
+              <a:lnSpc>
+                <a:spcPts val="800"/>
+              </a:lnSpc>
+            </a:pPr>
+            <a:r>
+              <a:rPr lang="en-US" altLang="ja-JP" sz="700" dirty="0" err="1" smtClean="0"/>
+              <a:t>user_id</a:t>
+            </a:r>
+            <a:endParaRPr kumimoji="1" lang="en-US" altLang="ja-JP" sz="700" dirty="0" smtClean="0"/>
+          </a:p>
+        </p:txBody>
+      </p:sp>
+      <p:sp>
+        <p:nvSpPr>
+          <p:cNvPr id="30" name="正方形/長方形 29"/>
+          <p:cNvSpPr/>
+          <p:nvPr/>
+        </p:nvSpPr>
+        <p:spPr>
+          <a:xfrm>
+            <a:off x="3563888" y="1412776"/>
+            <a:ext cx="432048" cy="144016"/>
+          </a:xfrm>
+          <a:prstGeom prst="rect">
+            <a:avLst/>
+          </a:prstGeom>
+        </p:spPr>
+        <p:style>
+          <a:lnRef idx="1">
+            <a:schemeClr val="accent2"/>
+          </a:lnRef>
+          <a:fillRef idx="2">
+            <a:schemeClr val="accent2"/>
+          </a:fillRef>
+          <a:effectRef idx="1">
+            <a:schemeClr val="accent2"/>
+          </a:effectRef>
+          <a:fontRef idx="minor">
+            <a:schemeClr val="dk1"/>
+          </a:fontRef>
+        </p:style>
+        <p:txBody>
+          <a:bodyPr wrap="none" rtlCol="0" anchor="ctr"/>
+          <a:lstStyle/>
+          <a:p>
+            <a:pPr>
+              <a:lnSpc>
+                <a:spcPts val="800"/>
+              </a:lnSpc>
+            </a:pPr>
+            <a:r>
+              <a:rPr lang="en-US" altLang="ja-JP" sz="700" dirty="0" smtClean="0"/>
+              <a:t>reset</a:t>
+            </a:r>
+            <a:endParaRPr kumimoji="1" lang="en-US" altLang="ja-JP" sz="700" dirty="0" smtClean="0"/>
+          </a:p>
+        </p:txBody>
+      </p:sp>
+      <p:sp>
+        <p:nvSpPr>
+          <p:cNvPr id="29" name="正方形/長方形 28"/>
+          <p:cNvSpPr/>
+          <p:nvPr/>
+        </p:nvSpPr>
+        <p:spPr>
+          <a:xfrm>
+            <a:off x="3563888" y="1556792"/>
+            <a:ext cx="576064" cy="144016"/>
+          </a:xfrm>
+          <a:prstGeom prst="rect">
+            <a:avLst/>
+          </a:prstGeom>
+        </p:spPr>
+        <p:style>
+          <a:lnRef idx="1">
+            <a:schemeClr val="accent1"/>
+          </a:lnRef>
+          <a:fillRef idx="2">
+            <a:schemeClr val="accent1"/>
+          </a:fillRef>
+          <a:effectRef idx="1">
+            <a:schemeClr val="accent1"/>
+          </a:effectRef>
+          <a:fontRef idx="minor">
+            <a:schemeClr val="dk1"/>
+          </a:fontRef>
+        </p:style>
+        <p:txBody>
+          <a:bodyPr wrap="none" rtlCol="0" anchor="ctr"/>
+          <a:lstStyle/>
+          <a:p>
+            <a:pPr>
+              <a:lnSpc>
+                <a:spcPts val="800"/>
+              </a:lnSpc>
+            </a:pPr>
+            <a:r>
+              <a:rPr lang="en-US" altLang="ja-JP" sz="700" dirty="0" err="1" smtClean="0"/>
+              <a:t>user_id</a:t>
+            </a:r>
+            <a:endParaRPr kumimoji="1" lang="en-US" altLang="ja-JP" sz="700" dirty="0" smtClean="0"/>
+          </a:p>
+        </p:txBody>
+      </p:sp>
+      <p:sp>
+        <p:nvSpPr>
+          <p:cNvPr id="31" name="正方形/長方形 30"/>
+          <p:cNvSpPr/>
+          <p:nvPr/>
+        </p:nvSpPr>
+        <p:spPr>
+          <a:xfrm>
+            <a:off x="1979712" y="404664"/>
+            <a:ext cx="432048" cy="144016"/>
+          </a:xfrm>
+          <a:prstGeom prst="rect">
+            <a:avLst/>
+          </a:prstGeom>
+        </p:spPr>
+        <p:style>
+          <a:lnRef idx="1">
+            <a:schemeClr val="accent2"/>
+          </a:lnRef>
+          <a:fillRef idx="2">
+            <a:schemeClr val="accent2"/>
+          </a:fillRef>
+          <a:effectRef idx="1">
+            <a:schemeClr val="accent2"/>
+          </a:effectRef>
+          <a:fontRef idx="minor">
+            <a:schemeClr val="dk1"/>
+          </a:fontRef>
+        </p:style>
+        <p:txBody>
+          <a:bodyPr wrap="none" rtlCol="0" anchor="ctr"/>
+          <a:lstStyle/>
+          <a:p>
+            <a:pPr>
+              <a:lnSpc>
+                <a:spcPts val="800"/>
+              </a:lnSpc>
+            </a:pPr>
+            <a:r>
+              <a:rPr lang="en-US" altLang="ja-JP" sz="700" dirty="0" smtClean="0"/>
+              <a:t>leave</a:t>
+            </a:r>
+            <a:endParaRPr kumimoji="1" lang="en-US" altLang="ja-JP" sz="700" dirty="0" smtClean="0"/>
+          </a:p>
+        </p:txBody>
+      </p:sp>
+      <p:cxnSp>
+        <p:nvCxnSpPr>
+          <p:cNvPr id="40" name="直線矢印コネクタ 39"/>
+          <p:cNvCxnSpPr>
+            <a:endCxn id="34" idx="3"/>
+          </p:cNvCxnSpPr>
+          <p:nvPr/>
+        </p:nvCxnSpPr>
+        <p:spPr>
+          <a:xfrm flipH="1">
+            <a:off x="2339752" y="2708920"/>
+            <a:ext cx="504056" cy="288032"/>
+          </a:xfrm>
+          <a:prstGeom prst="straightConnector1">
+            <a:avLst/>
+          </a:prstGeom>
+          <a:ln>
+            <a:headEnd type="diamond" w="lg" len="lg"/>
+            <a:tailEnd type="none"/>
+          </a:ln>
+        </p:spPr>
+        <p:style>
+          <a:lnRef idx="1">
+            <a:schemeClr val="accent1"/>
+          </a:lnRef>
+          <a:fillRef idx="0">
+            <a:schemeClr val="accent1"/>
           </a:fillRef>
           <a:effectRef idx="0">
-            <a:schemeClr val="dk1"/>
-          </a:effectRef>
-          <a:fontRef idx="minor">
-            <a:schemeClr val="dk1"/>
-          </a:fontRef>
-        </p:style>
-        <p:txBody>
-          <a:bodyPr rtlCol="0" anchor="t"/>
-          <a:lstStyle/>
-          <a:p>
-            <a:r>
-              <a:rPr lang="en-US" altLang="ja-JP" dirty="0" err="1" smtClean="0"/>
-              <a:t>SharedYama</a:t>
-            </a:r>
-            <a:r>
-              <a:rPr lang="en-US" altLang="ja-JP" dirty="0" smtClean="0"/>
-              <a:t> = </a:t>
-            </a:r>
-            <a:r>
-              <a:rPr lang="en-US" altLang="ja-JP" dirty="0" err="1" smtClean="0"/>
-              <a:t>CardGroup.new</a:t>
-            </a:r>
-            <a:endParaRPr lang="en-US" altLang="ja-JP" dirty="0" smtClean="0"/>
-          </a:p>
-          <a:p>
-            <a:r>
-              <a:rPr lang="en-US" altLang="ja-JP" dirty="0" err="1" smtClean="0"/>
-              <a:t>SharedYama.user</a:t>
-            </a:r>
-            <a:r>
-              <a:rPr lang="en-US" altLang="ja-JP" dirty="0" smtClean="0"/>
-              <a:t> = everyone</a:t>
-            </a:r>
-          </a:p>
-          <a:p>
-            <a:r>
-              <a:rPr lang="ja-JP" altLang="en-US" dirty="0" smtClean="0"/>
-              <a:t>全員のユーザで同じ内容が表示される</a:t>
-            </a:r>
-            <a:endParaRPr lang="en-US" altLang="ja-JP" dirty="0" smtClean="0"/>
-          </a:p>
-          <a:p>
-            <a:endParaRPr lang="en-US" altLang="ja-JP" dirty="0" smtClean="0"/>
-          </a:p>
-          <a:p>
-            <a:r>
-              <a:rPr lang="en-US" altLang="ja-JP" dirty="0" smtClean="0"/>
-              <a:t>TODO: </a:t>
-            </a:r>
-            <a:r>
-              <a:rPr lang="ja-JP" altLang="en-US" dirty="0" smtClean="0"/>
-              <a:t>見ている方向を考慮して向きを変える？</a:t>
-            </a:r>
-            <a:endParaRPr lang="en-US" altLang="ja-JP" dirty="0" smtClean="0"/>
-          </a:p>
-          <a:p>
-            <a:endParaRPr lang="en-US" altLang="ja-JP" dirty="0" smtClean="0"/>
-          </a:p>
-          <a:p>
-            <a:endParaRPr lang="en-US" altLang="ja-JP" dirty="0" smtClean="0"/>
-          </a:p>
-          <a:p>
-            <a:endParaRPr lang="en-US" altLang="ja-JP" dirty="0" smtClean="0"/>
-          </a:p>
-          <a:p>
-            <a:endParaRPr lang="en-US" altLang="ja-JP" dirty="0" smtClean="0"/>
-          </a:p>
-          <a:p>
-            <a:endParaRPr lang="en-US" altLang="ja-JP" dirty="0" smtClean="0"/>
-          </a:p>
-        </p:txBody>
-      </p:sp>
-      <p:sp>
-        <p:nvSpPr>
-          <p:cNvPr id="2" name="正方形/長方形 1"/>
+            <a:schemeClr val="accent1"/>
+          </a:effectRef>
+          <a:fontRef idx="minor">
+            <a:schemeClr val="tx1"/>
+          </a:fontRef>
+        </p:style>
+      </p:cxnSp>
+      <p:cxnSp>
+        <p:nvCxnSpPr>
+          <p:cNvPr id="48" name="直線矢印コネクタ 47"/>
+          <p:cNvCxnSpPr>
+            <a:stCxn id="52" idx="3"/>
+            <a:endCxn id="38" idx="3"/>
+          </p:cNvCxnSpPr>
+          <p:nvPr/>
+        </p:nvCxnSpPr>
+        <p:spPr>
+          <a:xfrm flipV="1">
+            <a:off x="3419872" y="2852936"/>
+            <a:ext cx="504056" cy="576064"/>
+          </a:xfrm>
+          <a:prstGeom prst="bentConnector3">
+            <a:avLst>
+              <a:gd name="adj1" fmla="val 145352"/>
+            </a:avLst>
+          </a:prstGeom>
+          <a:ln>
+            <a:headEnd type="none" w="lg" len="lg"/>
+            <a:tailEnd type="none"/>
+          </a:ln>
+        </p:spPr>
+        <p:style>
+          <a:lnRef idx="1">
+            <a:schemeClr val="accent1"/>
+          </a:lnRef>
+          <a:fillRef idx="0">
+            <a:schemeClr val="accent1"/>
+          </a:fillRef>
+          <a:effectRef idx="0">
+            <a:schemeClr val="accent1"/>
+          </a:effectRef>
+          <a:fontRef idx="minor">
+            <a:schemeClr val="tx1"/>
+          </a:fontRef>
+        </p:style>
+      </p:cxnSp>
+      <p:sp>
+        <p:nvSpPr>
+          <p:cNvPr id="49" name="正方形/長方形 48"/>
           <p:cNvSpPr/>
           <p:nvPr/>
         </p:nvSpPr>
         <p:spPr>
           <a:xfrm>
-            <a:off x="827584" y="908720"/>
-            <a:ext cx="4176464" cy="4248472"/>
+            <a:off x="2915816" y="2636912"/>
+            <a:ext cx="504056" cy="144016"/>
           </a:xfrm>
           <a:prstGeom prst="rect">
             <a:avLst/>
           </a:prstGeom>
-          <a:solidFill>
-            <a:schemeClr val="bg2"/>
-          </a:solidFill>
-        </p:spPr>
-        <p:style>
-          <a:lnRef idx="2">
-            <a:schemeClr val="dk1"/>
-          </a:lnRef>
-          <a:fillRef idx="1">
-            <a:schemeClr val="lt1"/>
+        </p:spPr>
+        <p:style>
+          <a:lnRef idx="1">
+            <a:schemeClr val="accent1"/>
+          </a:lnRef>
+          <a:fillRef idx="2">
+            <a:schemeClr val="accent1"/>
+          </a:fillRef>
+          <a:effectRef idx="1">
+            <a:schemeClr val="accent1"/>
+          </a:effectRef>
+          <a:fontRef idx="minor">
+            <a:schemeClr val="dk1"/>
+          </a:fontRef>
+        </p:style>
+        <p:txBody>
+          <a:bodyPr wrap="none" rtlCol="0" anchor="ctr"/>
+          <a:lstStyle/>
+          <a:p>
+            <a:pPr>
+              <a:lnSpc>
+                <a:spcPts val="800"/>
+              </a:lnSpc>
+            </a:pPr>
+            <a:r>
+              <a:rPr lang="en-US" altLang="ja-JP" sz="700" i="1" dirty="0" err="1" smtClean="0"/>
+              <a:t>RoomInfo</a:t>
+            </a:r>
+            <a:endParaRPr kumimoji="1" lang="en-US" altLang="ja-JP" sz="700" i="1" dirty="0" smtClean="0"/>
+          </a:p>
+        </p:txBody>
+      </p:sp>
+      <p:sp>
+        <p:nvSpPr>
+          <p:cNvPr id="38" name="正方形/長方形 37"/>
+          <p:cNvSpPr/>
+          <p:nvPr/>
+        </p:nvSpPr>
+        <p:spPr>
+          <a:xfrm>
+            <a:off x="2915816" y="2780928"/>
+            <a:ext cx="1008112" cy="144016"/>
+          </a:xfrm>
+          <a:prstGeom prst="rect">
+            <a:avLst/>
+          </a:prstGeom>
+        </p:spPr>
+        <p:style>
+          <a:lnRef idx="1">
+            <a:schemeClr val="accent1"/>
+          </a:lnRef>
+          <a:fillRef idx="2">
+            <a:schemeClr val="accent1"/>
+          </a:fillRef>
+          <a:effectRef idx="1">
+            <a:schemeClr val="accent1"/>
+          </a:effectRef>
+          <a:fontRef idx="minor">
+            <a:schemeClr val="dk1"/>
+          </a:fontRef>
+        </p:style>
+        <p:txBody>
+          <a:bodyPr wrap="none" rtlCol="0" anchor="ctr"/>
+          <a:lstStyle/>
+          <a:p>
+            <a:pPr>
+              <a:lnSpc>
+                <a:spcPts val="800"/>
+              </a:lnSpc>
+            </a:pPr>
+            <a:r>
+              <a:rPr lang="en-US" altLang="ja-JP" sz="700" dirty="0" smtClean="0"/>
+              <a:t>users[</a:t>
+            </a:r>
+            <a:r>
+              <a:rPr lang="en-US" altLang="ja-JP" sz="700" dirty="0" err="1" smtClean="0"/>
+              <a:t>user_id</a:t>
+            </a:r>
+            <a:r>
+              <a:rPr lang="en-US" altLang="ja-JP" sz="700" dirty="0" smtClean="0"/>
+              <a:t>] : </a:t>
+            </a:r>
+            <a:r>
+              <a:rPr lang="en-US" altLang="ja-JP" sz="700" dirty="0" err="1" smtClean="0"/>
+              <a:t>Dict</a:t>
+            </a:r>
+            <a:endParaRPr kumimoji="1" lang="en-US" altLang="ja-JP" sz="700" dirty="0" smtClean="0"/>
+          </a:p>
+        </p:txBody>
+      </p:sp>
+      <p:sp>
+        <p:nvSpPr>
+          <p:cNvPr id="52" name="正方形/長方形 51"/>
+          <p:cNvSpPr/>
+          <p:nvPr/>
+        </p:nvSpPr>
+        <p:spPr>
+          <a:xfrm>
+            <a:off x="2915816" y="3356992"/>
+            <a:ext cx="504056" cy="144016"/>
+          </a:xfrm>
+          <a:prstGeom prst="rect">
+            <a:avLst/>
+          </a:prstGeom>
+        </p:spPr>
+        <p:style>
+          <a:lnRef idx="1">
+            <a:schemeClr val="accent1"/>
+          </a:lnRef>
+          <a:fillRef idx="2">
+            <a:schemeClr val="accent1"/>
+          </a:fillRef>
+          <a:effectRef idx="1">
+            <a:schemeClr val="accent1"/>
+          </a:effectRef>
+          <a:fontRef idx="minor">
+            <a:schemeClr val="dk1"/>
+          </a:fontRef>
+        </p:style>
+        <p:txBody>
+          <a:bodyPr wrap="none" rtlCol="0" anchor="ctr"/>
+          <a:lstStyle/>
+          <a:p>
+            <a:pPr>
+              <a:lnSpc>
+                <a:spcPts val="800"/>
+              </a:lnSpc>
+            </a:pPr>
+            <a:r>
+              <a:rPr lang="en-US" altLang="ja-JP" sz="700" i="1" dirty="0" err="1" smtClean="0"/>
+              <a:t>UserInfo</a:t>
+            </a:r>
+            <a:endParaRPr kumimoji="1" lang="en-US" altLang="ja-JP" sz="700" i="1" dirty="0" smtClean="0"/>
+          </a:p>
+        </p:txBody>
+      </p:sp>
+      <p:sp>
+        <p:nvSpPr>
+          <p:cNvPr id="47" name="正方形/長方形 46"/>
+          <p:cNvSpPr/>
+          <p:nvPr/>
+        </p:nvSpPr>
+        <p:spPr>
+          <a:xfrm>
+            <a:off x="2915816" y="3501008"/>
+            <a:ext cx="1008112" cy="144016"/>
+          </a:xfrm>
+          <a:prstGeom prst="rect">
+            <a:avLst/>
+          </a:prstGeom>
+        </p:spPr>
+        <p:style>
+          <a:lnRef idx="1">
+            <a:schemeClr val="accent1"/>
+          </a:lnRef>
+          <a:fillRef idx="2">
+            <a:schemeClr val="accent1"/>
+          </a:fillRef>
+          <a:effectRef idx="1">
+            <a:schemeClr val="accent1"/>
+          </a:effectRef>
+          <a:fontRef idx="minor">
+            <a:schemeClr val="dk1"/>
+          </a:fontRef>
+        </p:style>
+        <p:txBody>
+          <a:bodyPr wrap="none" rtlCol="0" anchor="ctr"/>
+          <a:lstStyle/>
+          <a:p>
+            <a:pPr>
+              <a:lnSpc>
+                <a:spcPts val="800"/>
+              </a:lnSpc>
+            </a:pPr>
+            <a:r>
+              <a:rPr lang="en-US" altLang="ja-JP" sz="700" dirty="0" smtClean="0"/>
+              <a:t>nickname</a:t>
+            </a:r>
+            <a:endParaRPr kumimoji="1" lang="en-US" altLang="ja-JP" sz="700" dirty="0" smtClean="0"/>
+          </a:p>
+        </p:txBody>
+      </p:sp>
+      <p:sp>
+        <p:nvSpPr>
+          <p:cNvPr id="53" name="正方形/長方形 52"/>
+          <p:cNvSpPr/>
+          <p:nvPr/>
+        </p:nvSpPr>
+        <p:spPr>
+          <a:xfrm>
+            <a:off x="2915816" y="3645024"/>
+            <a:ext cx="1008112" cy="144016"/>
+          </a:xfrm>
+          <a:prstGeom prst="rect">
+            <a:avLst/>
+          </a:prstGeom>
+        </p:spPr>
+        <p:style>
+          <a:lnRef idx="1">
+            <a:schemeClr val="accent1"/>
+          </a:lnRef>
+          <a:fillRef idx="2">
+            <a:schemeClr val="accent1"/>
+          </a:fillRef>
+          <a:effectRef idx="1">
+            <a:schemeClr val="accent1"/>
+          </a:effectRef>
+          <a:fontRef idx="minor">
+            <a:schemeClr val="dk1"/>
+          </a:fontRef>
+        </p:style>
+        <p:txBody>
+          <a:bodyPr wrap="none" rtlCol="0" anchor="ctr"/>
+          <a:lstStyle/>
+          <a:p>
+            <a:pPr>
+              <a:lnSpc>
+                <a:spcPts val="800"/>
+              </a:lnSpc>
+            </a:pPr>
+            <a:r>
+              <a:rPr lang="en-US" altLang="ja-JP" sz="700" dirty="0" err="1" smtClean="0"/>
+              <a:t>user_id</a:t>
+            </a:r>
+            <a:endParaRPr kumimoji="1" lang="en-US" altLang="ja-JP" sz="700" dirty="0" smtClean="0"/>
+          </a:p>
+        </p:txBody>
+      </p:sp>
+      <p:sp>
+        <p:nvSpPr>
+          <p:cNvPr id="55" name="正方形/長方形 54"/>
+          <p:cNvSpPr/>
+          <p:nvPr/>
+        </p:nvSpPr>
+        <p:spPr>
+          <a:xfrm>
+            <a:off x="2915816" y="3789040"/>
+            <a:ext cx="1008112" cy="144016"/>
+          </a:xfrm>
+          <a:prstGeom prst="rect">
+            <a:avLst/>
+          </a:prstGeom>
+        </p:spPr>
+        <p:style>
+          <a:lnRef idx="1">
+            <a:schemeClr val="accent1"/>
+          </a:lnRef>
+          <a:fillRef idx="2">
+            <a:schemeClr val="accent1"/>
+          </a:fillRef>
+          <a:effectRef idx="1">
+            <a:schemeClr val="accent1"/>
+          </a:effectRef>
+          <a:fontRef idx="minor">
+            <a:schemeClr val="dk1"/>
+          </a:fontRef>
+        </p:style>
+        <p:txBody>
+          <a:bodyPr wrap="none" rtlCol="0" anchor="ctr"/>
+          <a:lstStyle/>
+          <a:p>
+            <a:pPr>
+              <a:lnSpc>
+                <a:spcPts val="800"/>
+              </a:lnSpc>
+            </a:pPr>
+            <a:r>
+              <a:rPr lang="en-US" altLang="ja-JP" sz="700" dirty="0" err="1" smtClean="0"/>
+              <a:t>room_id</a:t>
+            </a:r>
+            <a:endParaRPr kumimoji="1" lang="en-US" altLang="ja-JP" sz="700" dirty="0" smtClean="0"/>
+          </a:p>
+        </p:txBody>
+      </p:sp>
+      <p:sp>
+        <p:nvSpPr>
+          <p:cNvPr id="56" name="正方形/長方形 55"/>
+          <p:cNvSpPr/>
+          <p:nvPr/>
+        </p:nvSpPr>
+        <p:spPr>
+          <a:xfrm>
+            <a:off x="1259632" y="2780928"/>
+            <a:ext cx="504056" cy="144016"/>
+          </a:xfrm>
+          <a:prstGeom prst="rect">
+            <a:avLst/>
+          </a:prstGeom>
+        </p:spPr>
+        <p:style>
+          <a:lnRef idx="1">
+            <a:schemeClr val="accent1"/>
+          </a:lnRef>
+          <a:fillRef idx="2">
+            <a:schemeClr val="accent1"/>
+          </a:fillRef>
+          <a:effectRef idx="1">
+            <a:schemeClr val="accent1"/>
+          </a:effectRef>
+          <a:fontRef idx="minor">
+            <a:schemeClr val="dk1"/>
+          </a:fontRef>
+        </p:style>
+        <p:txBody>
+          <a:bodyPr wrap="none" rtlCol="0" anchor="ctr"/>
+          <a:lstStyle/>
+          <a:p>
+            <a:pPr>
+              <a:lnSpc>
+                <a:spcPts val="800"/>
+              </a:lnSpc>
+            </a:pPr>
+            <a:r>
+              <a:rPr lang="en-US" altLang="ja-JP" sz="700" i="1" dirty="0" smtClean="0"/>
+              <a:t>Server DB</a:t>
+            </a:r>
+            <a:endParaRPr kumimoji="1" lang="en-US" altLang="ja-JP" sz="700" i="1" dirty="0" smtClean="0"/>
+          </a:p>
+        </p:txBody>
+      </p:sp>
+      <p:sp>
+        <p:nvSpPr>
+          <p:cNvPr id="34" name="正方形/長方形 33"/>
+          <p:cNvSpPr/>
+          <p:nvPr/>
+        </p:nvSpPr>
+        <p:spPr>
+          <a:xfrm>
+            <a:off x="1259632" y="2924944"/>
+            <a:ext cx="1080120" cy="144016"/>
+          </a:xfrm>
+          <a:prstGeom prst="rect">
+            <a:avLst/>
+          </a:prstGeom>
+        </p:spPr>
+        <p:style>
+          <a:lnRef idx="1">
+            <a:schemeClr val="accent1"/>
+          </a:lnRef>
+          <a:fillRef idx="2">
+            <a:schemeClr val="accent1"/>
+          </a:fillRef>
+          <a:effectRef idx="1">
+            <a:schemeClr val="accent1"/>
+          </a:effectRef>
+          <a:fontRef idx="minor">
+            <a:schemeClr val="dk1"/>
+          </a:fontRef>
+        </p:style>
+        <p:txBody>
+          <a:bodyPr wrap="none" rtlCol="0" anchor="ctr"/>
+          <a:lstStyle/>
+          <a:p>
+            <a:pPr>
+              <a:lnSpc>
+                <a:spcPts val="800"/>
+              </a:lnSpc>
+            </a:pPr>
+            <a:r>
+              <a:rPr lang="en-US" altLang="ja-JP" sz="700" dirty="0" smtClean="0"/>
+              <a:t>rooms[</a:t>
+            </a:r>
+            <a:r>
+              <a:rPr lang="en-US" altLang="ja-JP" sz="700" dirty="0" err="1" smtClean="0"/>
+              <a:t>room_id</a:t>
+            </a:r>
+            <a:r>
+              <a:rPr lang="en-US" altLang="ja-JP" sz="700" dirty="0" smtClean="0"/>
+              <a:t>] : </a:t>
+            </a:r>
+            <a:r>
+              <a:rPr lang="en-US" altLang="ja-JP" sz="700" dirty="0" err="1" smtClean="0"/>
+              <a:t>Dict</a:t>
+            </a:r>
+            <a:endParaRPr kumimoji="1" lang="en-US" altLang="ja-JP" sz="700" dirty="0" smtClean="0"/>
+          </a:p>
+        </p:txBody>
+      </p:sp>
+      <p:sp>
+        <p:nvSpPr>
+          <p:cNvPr id="60" name="正方形/長方形 59"/>
+          <p:cNvSpPr/>
+          <p:nvPr/>
+        </p:nvSpPr>
+        <p:spPr>
+          <a:xfrm>
+            <a:off x="2915816" y="2924944"/>
+            <a:ext cx="1008112" cy="144016"/>
+          </a:xfrm>
+          <a:prstGeom prst="rect">
+            <a:avLst/>
+          </a:prstGeom>
+        </p:spPr>
+        <p:style>
+          <a:lnRef idx="1">
+            <a:schemeClr val="accent1"/>
+          </a:lnRef>
+          <a:fillRef idx="2">
+            <a:schemeClr val="accent1"/>
+          </a:fillRef>
+          <a:effectRef idx="1">
+            <a:schemeClr val="accent1"/>
+          </a:effectRef>
+          <a:fontRef idx="minor">
+            <a:schemeClr val="dk1"/>
+          </a:fontRef>
+        </p:style>
+        <p:txBody>
+          <a:bodyPr wrap="none" rtlCol="0" anchor="ctr"/>
+          <a:lstStyle/>
+          <a:p>
+            <a:pPr>
+              <a:lnSpc>
+                <a:spcPts val="800"/>
+              </a:lnSpc>
+            </a:pPr>
+            <a:r>
+              <a:rPr lang="en-US" altLang="ja-JP" sz="700" dirty="0" smtClean="0"/>
+              <a:t>game : </a:t>
+            </a:r>
+            <a:r>
+              <a:rPr lang="en-US" altLang="ja-JP" sz="700" dirty="0" err="1" smtClean="0"/>
+              <a:t>Dict</a:t>
+            </a:r>
+            <a:endParaRPr kumimoji="1" lang="en-US" altLang="ja-JP" sz="700" dirty="0" smtClean="0"/>
+          </a:p>
+        </p:txBody>
+      </p:sp>
+      <p:sp>
+        <p:nvSpPr>
+          <p:cNvPr id="62" name="正方形/長方形 61"/>
+          <p:cNvSpPr/>
+          <p:nvPr/>
+        </p:nvSpPr>
+        <p:spPr>
+          <a:xfrm>
+            <a:off x="4499992" y="3356992"/>
+            <a:ext cx="504056" cy="144016"/>
+          </a:xfrm>
+          <a:prstGeom prst="rect">
+            <a:avLst/>
+          </a:prstGeom>
+        </p:spPr>
+        <p:style>
+          <a:lnRef idx="1">
+            <a:schemeClr val="accent1"/>
+          </a:lnRef>
+          <a:fillRef idx="2">
+            <a:schemeClr val="accent1"/>
+          </a:fillRef>
+          <a:effectRef idx="1">
+            <a:schemeClr val="accent1"/>
+          </a:effectRef>
+          <a:fontRef idx="minor">
+            <a:schemeClr val="dk1"/>
+          </a:fontRef>
+        </p:style>
+        <p:txBody>
+          <a:bodyPr wrap="none" rtlCol="0" anchor="ctr"/>
+          <a:lstStyle/>
+          <a:p>
+            <a:pPr>
+              <a:lnSpc>
+                <a:spcPts val="800"/>
+              </a:lnSpc>
+            </a:pPr>
+            <a:r>
+              <a:rPr lang="en-US" altLang="ja-JP" sz="700" i="1" dirty="0" err="1" smtClean="0"/>
+              <a:t>GameInfo</a:t>
+            </a:r>
+            <a:endParaRPr kumimoji="1" lang="en-US" altLang="ja-JP" sz="700" i="1" dirty="0" smtClean="0"/>
+          </a:p>
+        </p:txBody>
+      </p:sp>
+      <p:sp>
+        <p:nvSpPr>
+          <p:cNvPr id="39" name="正方形/長方形 38"/>
+          <p:cNvSpPr/>
+          <p:nvPr/>
+        </p:nvSpPr>
+        <p:spPr>
+          <a:xfrm>
+            <a:off x="4499992" y="3501008"/>
+            <a:ext cx="1008112" cy="144016"/>
+          </a:xfrm>
+          <a:prstGeom prst="rect">
+            <a:avLst/>
+          </a:prstGeom>
+        </p:spPr>
+        <p:style>
+          <a:lnRef idx="1">
+            <a:schemeClr val="accent1"/>
+          </a:lnRef>
+          <a:fillRef idx="2">
+            <a:schemeClr val="accent1"/>
+          </a:fillRef>
+          <a:effectRef idx="1">
+            <a:schemeClr val="accent1"/>
+          </a:effectRef>
+          <a:fontRef idx="minor">
+            <a:schemeClr val="dk1"/>
+          </a:fontRef>
+        </p:style>
+        <p:txBody>
+          <a:bodyPr wrap="none" rtlCol="0" anchor="ctr"/>
+          <a:lstStyle/>
+          <a:p>
+            <a:pPr>
+              <a:lnSpc>
+                <a:spcPts val="800"/>
+              </a:lnSpc>
+            </a:pPr>
+            <a:r>
+              <a:rPr lang="en-US" altLang="ja-JP" sz="700" dirty="0" smtClean="0"/>
+              <a:t>policies : </a:t>
+            </a:r>
+            <a:r>
+              <a:rPr lang="en-US" altLang="ja-JP" sz="700" dirty="0" err="1" smtClean="0"/>
+              <a:t>Dict</a:t>
+            </a:r>
+            <a:endParaRPr kumimoji="1" lang="en-US" altLang="ja-JP" sz="700" dirty="0" smtClean="0"/>
+          </a:p>
+        </p:txBody>
+      </p:sp>
+      <p:sp>
+        <p:nvSpPr>
+          <p:cNvPr id="61" name="正方形/長方形 60"/>
+          <p:cNvSpPr/>
+          <p:nvPr/>
+        </p:nvSpPr>
+        <p:spPr>
+          <a:xfrm>
+            <a:off x="4499992" y="3645024"/>
+            <a:ext cx="1008112" cy="144016"/>
+          </a:xfrm>
+          <a:prstGeom prst="rect">
+            <a:avLst/>
+          </a:prstGeom>
+        </p:spPr>
+        <p:style>
+          <a:lnRef idx="1">
+            <a:schemeClr val="accent1"/>
+          </a:lnRef>
+          <a:fillRef idx="2">
+            <a:schemeClr val="accent1"/>
+          </a:fillRef>
+          <a:effectRef idx="1">
+            <a:schemeClr val="accent1"/>
+          </a:effectRef>
+          <a:fontRef idx="minor">
+            <a:schemeClr val="dk1"/>
+          </a:fontRef>
+        </p:style>
+        <p:txBody>
+          <a:bodyPr wrap="none" rtlCol="0" anchor="ctr"/>
+          <a:lstStyle/>
+          <a:p>
+            <a:pPr>
+              <a:lnSpc>
+                <a:spcPts val="800"/>
+              </a:lnSpc>
+            </a:pPr>
+            <a:r>
+              <a:rPr lang="en-US" altLang="ja-JP" sz="700" dirty="0" smtClean="0"/>
+              <a:t>context : </a:t>
+            </a:r>
+            <a:r>
+              <a:rPr lang="en-US" altLang="ja-JP" sz="700" dirty="0" err="1" smtClean="0"/>
+              <a:t>Dict</a:t>
+            </a:r>
+            <a:endParaRPr kumimoji="1" lang="en-US" altLang="ja-JP" sz="700" dirty="0" smtClean="0"/>
+          </a:p>
+        </p:txBody>
+      </p:sp>
+      <p:sp>
+        <p:nvSpPr>
+          <p:cNvPr id="67" name="正方形/長方形 66"/>
+          <p:cNvSpPr/>
+          <p:nvPr/>
+        </p:nvSpPr>
+        <p:spPr>
+          <a:xfrm>
+            <a:off x="2915816" y="3933056"/>
+            <a:ext cx="1008112" cy="144016"/>
+          </a:xfrm>
+          <a:prstGeom prst="rect">
+            <a:avLst/>
+          </a:prstGeom>
+        </p:spPr>
+        <p:style>
+          <a:lnRef idx="1">
+            <a:schemeClr val="accent1"/>
+          </a:lnRef>
+          <a:fillRef idx="2">
+            <a:schemeClr val="accent1"/>
+          </a:fillRef>
+          <a:effectRef idx="1">
+            <a:schemeClr val="accent1"/>
+          </a:effectRef>
+          <a:fontRef idx="minor">
+            <a:schemeClr val="dk1"/>
+          </a:fontRef>
+        </p:style>
+        <p:txBody>
+          <a:bodyPr wrap="none" rtlCol="0" anchor="ctr"/>
+          <a:lstStyle/>
+          <a:p>
+            <a:pPr>
+              <a:lnSpc>
+                <a:spcPts val="800"/>
+              </a:lnSpc>
+            </a:pPr>
+            <a:r>
+              <a:rPr lang="en-US" altLang="ja-JP" sz="700" dirty="0" smtClean="0"/>
+              <a:t>state</a:t>
+            </a:r>
+            <a:endParaRPr kumimoji="1" lang="en-US" altLang="ja-JP" sz="700" dirty="0" smtClean="0"/>
+          </a:p>
+        </p:txBody>
+      </p:sp>
+      <p:cxnSp>
+        <p:nvCxnSpPr>
+          <p:cNvPr id="68" name="直線矢印コネクタ 67"/>
+          <p:cNvCxnSpPr>
+            <a:endCxn id="60" idx="3"/>
+          </p:cNvCxnSpPr>
+          <p:nvPr/>
+        </p:nvCxnSpPr>
+        <p:spPr>
+          <a:xfrm flipH="1" flipV="1">
+            <a:off x="3923928" y="2996952"/>
+            <a:ext cx="504056" cy="432048"/>
+          </a:xfrm>
+          <a:prstGeom prst="straightConnector1">
+            <a:avLst/>
+          </a:prstGeom>
+          <a:ln>
+            <a:headEnd type="diamond" w="lg" len="lg"/>
+            <a:tailEnd type="none"/>
+          </a:ln>
+        </p:spPr>
+        <p:style>
+          <a:lnRef idx="1">
+            <a:schemeClr val="accent1"/>
+          </a:lnRef>
+          <a:fillRef idx="0">
+            <a:schemeClr val="accent1"/>
           </a:fillRef>
           <a:effectRef idx="0">
-            <a:schemeClr val="dk1"/>
-          </a:effectRef>
-          <a:fontRef idx="minor">
-            <a:schemeClr val="dk1"/>
-          </a:fontRef>
-        </p:style>
-        <p:txBody>
-          <a:bodyPr rtlCol="0" anchor="t"/>
-          <a:lstStyle/>
-          <a:p>
-            <a:r>
-              <a:rPr lang="en-US" altLang="ja-JP" dirty="0" smtClean="0"/>
-              <a:t>Field = </a:t>
-            </a:r>
-            <a:r>
-              <a:rPr lang="en-US" altLang="ja-JP" dirty="0" err="1" smtClean="0"/>
-              <a:t>CardGroup.new</a:t>
-            </a:r>
-            <a:endParaRPr lang="en-US" altLang="ja-JP" dirty="0" smtClean="0"/>
-          </a:p>
-          <a:p>
-            <a:r>
-              <a:rPr lang="en-US" altLang="ja-JP" dirty="0" err="1" smtClean="0"/>
-              <a:t>Field.user</a:t>
-            </a:r>
-            <a:r>
-              <a:rPr lang="en-US" altLang="ja-JP" dirty="0" smtClean="0"/>
-              <a:t> = everyone</a:t>
-            </a:r>
-          </a:p>
-          <a:p>
-            <a:r>
-              <a:rPr lang="ja-JP" altLang="en-US" dirty="0" smtClean="0"/>
-              <a:t>全員のユーザで同じ内容が表示される</a:t>
-            </a:r>
-            <a:endParaRPr lang="en-US" altLang="ja-JP" dirty="0" smtClean="0"/>
-          </a:p>
-          <a:p>
-            <a:endParaRPr lang="en-US" altLang="ja-JP" dirty="0" smtClean="0"/>
-          </a:p>
-          <a:p>
-            <a:r>
-              <a:rPr lang="en-US" altLang="ja-JP" dirty="0" smtClean="0"/>
-              <a:t>TODO: </a:t>
-            </a:r>
-            <a:r>
-              <a:rPr lang="ja-JP" altLang="en-US" dirty="0" smtClean="0"/>
-              <a:t>見ている方向を考慮して向きを変える？</a:t>
-            </a:r>
-            <a:endParaRPr lang="en-US" altLang="ja-JP" dirty="0" smtClean="0"/>
-          </a:p>
-          <a:p>
-            <a:endParaRPr lang="en-US" altLang="ja-JP" dirty="0" smtClean="0"/>
-          </a:p>
-          <a:p>
-            <a:endParaRPr lang="en-US" altLang="ja-JP" dirty="0" smtClean="0"/>
-          </a:p>
-          <a:p>
-            <a:endParaRPr lang="en-US" altLang="ja-JP" dirty="0" smtClean="0"/>
-          </a:p>
-          <a:p>
-            <a:endParaRPr lang="en-US" altLang="ja-JP" dirty="0" smtClean="0"/>
-          </a:p>
-          <a:p>
-            <a:endParaRPr lang="en-US" altLang="ja-JP" dirty="0" smtClean="0"/>
-          </a:p>
-        </p:txBody>
-      </p:sp>
-      <p:sp>
-        <p:nvSpPr>
-          <p:cNvPr id="3" name="正方形/長方形 2"/>
+            <a:schemeClr val="accent1"/>
+          </a:effectRef>
+          <a:fontRef idx="minor">
+            <a:schemeClr val="tx1"/>
+          </a:fontRef>
+        </p:style>
+      </p:cxnSp>
+      <p:sp>
+        <p:nvSpPr>
+          <p:cNvPr id="35" name="正方形/長方形 34"/>
           <p:cNvSpPr/>
           <p:nvPr/>
         </p:nvSpPr>
         <p:spPr>
           <a:xfrm>
-            <a:off x="1259632" y="5445224"/>
-            <a:ext cx="5040560" cy="1008112"/>
+            <a:off x="1259632" y="3068960"/>
+            <a:ext cx="1080120" cy="144016"/>
           </a:xfrm>
           <a:prstGeom prst="rect">
             <a:avLst/>
           </a:prstGeom>
-          <a:solidFill>
-            <a:schemeClr val="accent2">
-              <a:lumMod val="20000"/>
-              <a:lumOff val="80000"/>
-            </a:schemeClr>
-          </a:solidFill>
-        </p:spPr>
-        <p:style>
-          <a:lnRef idx="2">
-            <a:schemeClr val="dk1"/>
-          </a:lnRef>
-          <a:fillRef idx="1">
-            <a:schemeClr val="lt1"/>
+        </p:spPr>
+        <p:style>
+          <a:lnRef idx="1">
+            <a:schemeClr val="accent1"/>
+          </a:lnRef>
+          <a:fillRef idx="2">
+            <a:schemeClr val="accent1"/>
+          </a:fillRef>
+          <a:effectRef idx="1">
+            <a:schemeClr val="accent1"/>
+          </a:effectRef>
+          <a:fontRef idx="minor">
+            <a:schemeClr val="dk1"/>
+          </a:fontRef>
+        </p:style>
+        <p:txBody>
+          <a:bodyPr wrap="none" rtlCol="0" anchor="ctr"/>
+          <a:lstStyle/>
+          <a:p>
+            <a:pPr>
+              <a:lnSpc>
+                <a:spcPts val="800"/>
+              </a:lnSpc>
+            </a:pPr>
+            <a:r>
+              <a:rPr lang="en-US" altLang="ja-JP" sz="700" dirty="0" smtClean="0"/>
+              <a:t>users[</a:t>
+            </a:r>
+            <a:r>
+              <a:rPr lang="en-US" altLang="ja-JP" sz="700" dirty="0" err="1" smtClean="0"/>
+              <a:t>user_id</a:t>
+            </a:r>
+            <a:r>
+              <a:rPr lang="en-US" altLang="ja-JP" sz="700" dirty="0" smtClean="0"/>
+              <a:t>] : </a:t>
+            </a:r>
+            <a:r>
+              <a:rPr lang="en-US" altLang="ja-JP" sz="700" dirty="0" err="1" smtClean="0"/>
+              <a:t>Dict</a:t>
+            </a:r>
+            <a:endParaRPr kumimoji="1" lang="en-US" altLang="ja-JP" sz="700" dirty="0" smtClean="0"/>
+          </a:p>
+        </p:txBody>
+      </p:sp>
+      <p:cxnSp>
+        <p:nvCxnSpPr>
+          <p:cNvPr id="36" name="直線矢印コネクタ 35"/>
+          <p:cNvCxnSpPr>
+            <a:endCxn id="35" idx="3"/>
+          </p:cNvCxnSpPr>
+          <p:nvPr/>
+        </p:nvCxnSpPr>
+        <p:spPr>
+          <a:xfrm flipH="1" flipV="1">
+            <a:off x="2339752" y="3140968"/>
+            <a:ext cx="504056" cy="216024"/>
+          </a:xfrm>
+          <a:prstGeom prst="straightConnector1">
+            <a:avLst/>
+          </a:prstGeom>
+          <a:ln>
+            <a:headEnd type="diamond" w="lg" len="lg"/>
+            <a:tailEnd type="none"/>
+          </a:ln>
+        </p:spPr>
+        <p:style>
+          <a:lnRef idx="1">
+            <a:schemeClr val="accent1"/>
+          </a:lnRef>
+          <a:fillRef idx="0">
+            <a:schemeClr val="accent1"/>
           </a:fillRef>
           <a:effectRef idx="0">
-            <a:schemeClr val="dk1"/>
-          </a:effectRef>
-          <a:fontRef idx="minor">
-            <a:schemeClr val="dk1"/>
-          </a:fontRef>
-        </p:style>
-        <p:txBody>
-          <a:bodyPr rtlCol="0" anchor="t"/>
-          <a:lstStyle/>
-          <a:p>
-            <a:r>
-              <a:rPr lang="en-US" altLang="ja-JP" dirty="0" smtClean="0"/>
-              <a:t>Hand = </a:t>
-            </a:r>
-            <a:r>
-              <a:rPr lang="en-US" altLang="ja-JP" dirty="0" err="1" smtClean="0"/>
-              <a:t>CardGroup.new</a:t>
-            </a:r>
-            <a:endParaRPr lang="en-US" altLang="ja-JP" dirty="0" smtClean="0"/>
-          </a:p>
-          <a:p>
-            <a:r>
-              <a:rPr kumimoji="1" lang="en-US" altLang="ja-JP" dirty="0" err="1" smtClean="0"/>
-              <a:t>Hand.user</a:t>
-            </a:r>
-            <a:r>
-              <a:rPr kumimoji="1" lang="en-US" altLang="ja-JP" dirty="0" smtClean="0"/>
-              <a:t> = xxx</a:t>
-            </a:r>
-          </a:p>
-          <a:p>
-            <a:r>
-              <a:rPr lang="ja-JP" altLang="en-US" dirty="0" smtClean="0"/>
-              <a:t>各ユーザの手札</a:t>
-            </a:r>
-            <a:r>
-              <a:rPr lang="en-US" altLang="ja-JP" dirty="0" smtClean="0"/>
-              <a:t>(</a:t>
-            </a:r>
-            <a:r>
-              <a:rPr lang="ja-JP" altLang="en-US" dirty="0" smtClean="0"/>
-              <a:t>表向き</a:t>
-            </a:r>
-            <a:r>
-              <a:rPr lang="en-US" altLang="ja-JP" dirty="0" smtClean="0"/>
-              <a:t>)</a:t>
-            </a:r>
-            <a:r>
-              <a:rPr lang="ja-JP" altLang="en-US" dirty="0" smtClean="0"/>
-              <a:t>が表示される</a:t>
-            </a:r>
-            <a:endParaRPr kumimoji="1" lang="ja-JP" altLang="en-US" dirty="0"/>
-          </a:p>
-        </p:txBody>
-      </p:sp>
-      <p:sp>
-        <p:nvSpPr>
-          <p:cNvPr id="4" name="正方形/長方形 3"/>
+            <a:schemeClr val="accent1"/>
+          </a:effectRef>
+          <a:fontRef idx="minor">
+            <a:schemeClr val="tx1"/>
+          </a:fontRef>
+        </p:style>
+      </p:cxnSp>
+      <p:cxnSp>
+        <p:nvCxnSpPr>
+          <p:cNvPr id="37" name="直線コネクタ 36"/>
+          <p:cNvCxnSpPr/>
+          <p:nvPr/>
+        </p:nvCxnSpPr>
+        <p:spPr>
+          <a:xfrm>
+            <a:off x="0" y="0"/>
+            <a:ext cx="9144000" cy="6858000"/>
+          </a:xfrm>
+          <a:prstGeom prst="line">
+            <a:avLst/>
+          </a:prstGeom>
+        </p:spPr>
+        <p:style>
+          <a:lnRef idx="1">
+            <a:schemeClr val="accent1"/>
+          </a:lnRef>
+          <a:fillRef idx="0">
+            <a:schemeClr val="accent1"/>
+          </a:fillRef>
+          <a:effectRef idx="0">
+            <a:schemeClr val="accent1"/>
+          </a:effectRef>
+          <a:fontRef idx="minor">
+            <a:schemeClr val="tx1"/>
+          </a:fontRef>
+        </p:style>
+      </p:cxnSp>
+      <p:cxnSp>
+        <p:nvCxnSpPr>
+          <p:cNvPr id="41" name="直線コネクタ 40"/>
+          <p:cNvCxnSpPr/>
+          <p:nvPr/>
+        </p:nvCxnSpPr>
+        <p:spPr>
+          <a:xfrm flipV="1">
+            <a:off x="0" y="0"/>
+            <a:ext cx="9144000" cy="6858000"/>
+          </a:xfrm>
+          <a:prstGeom prst="line">
+            <a:avLst/>
+          </a:prstGeom>
+        </p:spPr>
+        <p:style>
+          <a:lnRef idx="1">
+            <a:schemeClr val="accent1"/>
+          </a:lnRef>
+          <a:fillRef idx="0">
+            <a:schemeClr val="accent1"/>
+          </a:fillRef>
+          <a:effectRef idx="0">
+            <a:schemeClr val="accent1"/>
+          </a:effectRef>
+          <a:fontRef idx="minor">
+            <a:schemeClr val="tx1"/>
+          </a:fontRef>
+        </p:style>
+      </p:cxnSp>
+      <p:sp>
+        <p:nvSpPr>
+          <p:cNvPr id="42" name="正方形/長方形 41"/>
           <p:cNvSpPr/>
           <p:nvPr/>
         </p:nvSpPr>
         <p:spPr>
           <a:xfrm>
-            <a:off x="0" y="2420888"/>
-            <a:ext cx="3456384" cy="1584176"/>
-          </a:xfrm>
-          <a:prstGeom prst="rect">
-            <a:avLst/>
-          </a:prstGeom>
-          <a:solidFill>
-            <a:schemeClr val="accent2">
-              <a:lumMod val="20000"/>
-              <a:lumOff val="80000"/>
-            </a:schemeClr>
-          </a:solidFill>
-        </p:spPr>
-        <p:style>
-          <a:lnRef idx="2">
-            <a:schemeClr val="dk1"/>
-          </a:lnRef>
-          <a:fillRef idx="1">
-            <a:schemeClr val="lt1"/>
-          </a:fillRef>
-          <a:effectRef idx="0">
-            <a:schemeClr val="dk1"/>
-          </a:effectRef>
-          <a:fontRef idx="minor">
-            <a:schemeClr val="dk1"/>
-          </a:fontRef>
-        </p:style>
-        <p:txBody>
-          <a:bodyPr rtlCol="0" anchor="t"/>
-          <a:lstStyle/>
-          <a:p>
-            <a:r>
-              <a:rPr kumimoji="1" lang="en-US" altLang="ja-JP" dirty="0" smtClean="0"/>
-              <a:t>&lt;</a:t>
-            </a:r>
-            <a:r>
-              <a:rPr kumimoji="1" lang="ja-JP" altLang="en-US" dirty="0" smtClean="0"/>
-              <a:t>札置き場</a:t>
-            </a:r>
-            <a:r>
-              <a:rPr kumimoji="1" lang="en-US" altLang="ja-JP" dirty="0" smtClean="0"/>
-              <a:t>:</a:t>
-            </a:r>
-            <a:r>
-              <a:rPr lang="en-US" altLang="ja-JP" dirty="0" smtClean="0"/>
-              <a:t> </a:t>
-            </a:r>
-            <a:r>
-              <a:rPr lang="en-US" altLang="ja-JP" dirty="0" err="1" smtClean="0"/>
-              <a:t>CardGroup</a:t>
-            </a:r>
-            <a:r>
-              <a:rPr kumimoji="1" lang="en-US" altLang="ja-JP" dirty="0" smtClean="0"/>
-              <a:t>&gt;</a:t>
-            </a:r>
-          </a:p>
-          <a:p>
-            <a:r>
-              <a:rPr lang="en-US" altLang="ja-JP" dirty="0" smtClean="0"/>
-              <a:t>User: </a:t>
-            </a:r>
-            <a:r>
-              <a:rPr lang="ja-JP" altLang="en-US" dirty="0" smtClean="0"/>
-              <a:t>所属ユーザ</a:t>
-            </a:r>
-            <a:r>
-              <a:rPr lang="en-US" altLang="ja-JP" dirty="0" smtClean="0"/>
-              <a:t>or</a:t>
-            </a:r>
-            <a:r>
-              <a:rPr lang="ja-JP" altLang="en-US" dirty="0" smtClean="0"/>
-              <a:t>共有</a:t>
-            </a:r>
-            <a:endParaRPr lang="en-US" altLang="ja-JP" dirty="0" smtClean="0"/>
-          </a:p>
-          <a:p>
-            <a:endParaRPr lang="en-US" altLang="ja-JP" dirty="0" smtClean="0"/>
-          </a:p>
-          <a:p>
-            <a:endParaRPr lang="en-US" altLang="ja-JP" dirty="0" smtClean="0"/>
-          </a:p>
-          <a:p>
-            <a:endParaRPr lang="en-US" altLang="ja-JP" dirty="0" smtClean="0"/>
-          </a:p>
-        </p:txBody>
-      </p:sp>
-      <p:sp>
-        <p:nvSpPr>
-          <p:cNvPr id="5" name="正方形/長方形 4"/>
-          <p:cNvSpPr/>
-          <p:nvPr/>
-        </p:nvSpPr>
-        <p:spPr>
-          <a:xfrm>
-            <a:off x="5220072" y="5733256"/>
-            <a:ext cx="792088" cy="360040"/>
+            <a:off x="5868144" y="2348880"/>
+            <a:ext cx="2808312" cy="792088"/>
           </a:xfrm>
           <a:prstGeom prst="rect">
             <a:avLst/>
@@ -5303,369 +5776,32 @@
           <a:p>
             <a:pPr algn="ctr"/>
             <a:r>
-              <a:rPr kumimoji="1" lang="en-US" altLang="ja-JP" dirty="0" smtClean="0"/>
-              <a:t>Card1</a:t>
-            </a:r>
-          </a:p>
-        </p:txBody>
-      </p:sp>
-      <p:sp>
-        <p:nvSpPr>
-          <p:cNvPr id="6" name="正方形/長方形 5"/>
-          <p:cNvSpPr/>
-          <p:nvPr/>
-        </p:nvSpPr>
-        <p:spPr>
-          <a:xfrm>
-            <a:off x="1907704" y="2420888"/>
-            <a:ext cx="792088" cy="360040"/>
-          </a:xfrm>
-          <a:prstGeom prst="rect">
-            <a:avLst/>
-          </a:prstGeom>
-        </p:spPr>
-        <p:style>
-          <a:lnRef idx="2">
-            <a:schemeClr val="accent1">
-              <a:shade val="50000"/>
-            </a:schemeClr>
-          </a:lnRef>
-          <a:fillRef idx="1">
-            <a:schemeClr val="accent1"/>
-          </a:fillRef>
-          <a:effectRef idx="0">
-            <a:schemeClr val="accent1"/>
-          </a:effectRef>
-          <a:fontRef idx="minor">
-            <a:schemeClr val="lt1"/>
-          </a:fontRef>
-        </p:style>
-        <p:txBody>
-          <a:bodyPr rtlCol="0" anchor="ctr"/>
-          <a:lstStyle/>
+              <a:rPr lang="en-US" altLang="ja-JP" sz="1050" dirty="0" smtClean="0"/>
+              <a:t>2014/04/05</a:t>
+            </a:r>
+          </a:p>
           <a:p>
             <a:pPr algn="ctr"/>
             <a:r>
-              <a:rPr kumimoji="1" lang="en-US" altLang="ja-JP" dirty="0" smtClean="0"/>
-              <a:t>Card2</a:t>
-            </a:r>
-          </a:p>
-        </p:txBody>
-      </p:sp>
-      <p:sp>
-        <p:nvSpPr>
-          <p:cNvPr id="7" name="正方形/長方形 6"/>
-          <p:cNvSpPr/>
-          <p:nvPr/>
-        </p:nvSpPr>
-        <p:spPr>
-          <a:xfrm>
-            <a:off x="2915816" y="2420888"/>
-            <a:ext cx="792088" cy="360040"/>
-          </a:xfrm>
-          <a:prstGeom prst="rect">
-            <a:avLst/>
-          </a:prstGeom>
-        </p:spPr>
-        <p:style>
-          <a:lnRef idx="2">
-            <a:schemeClr val="accent1">
-              <a:shade val="50000"/>
-            </a:schemeClr>
-          </a:lnRef>
-          <a:fillRef idx="1">
-            <a:schemeClr val="accent1"/>
-          </a:fillRef>
-          <a:effectRef idx="0">
-            <a:schemeClr val="accent1"/>
-          </a:effectRef>
-          <a:fontRef idx="minor">
-            <a:schemeClr val="lt1"/>
-          </a:fontRef>
-        </p:style>
-        <p:txBody>
-          <a:bodyPr rtlCol="0" anchor="ctr"/>
-          <a:lstStyle/>
-          <a:p>
-            <a:pPr algn="ctr"/>
-            <a:r>
-              <a:rPr kumimoji="1" lang="en-US" altLang="ja-JP" dirty="0" smtClean="0"/>
-              <a:t>Card3</a:t>
-            </a:r>
-          </a:p>
-        </p:txBody>
-      </p:sp>
-      <p:sp>
-        <p:nvSpPr>
-          <p:cNvPr id="8" name="正方形/長方形 7"/>
-          <p:cNvSpPr/>
-          <p:nvPr/>
-        </p:nvSpPr>
-        <p:spPr>
-          <a:xfrm>
-            <a:off x="7668344" y="2996952"/>
-            <a:ext cx="792088" cy="360040"/>
-          </a:xfrm>
-          <a:prstGeom prst="rect">
-            <a:avLst/>
-          </a:prstGeom>
-        </p:spPr>
-        <p:style>
-          <a:lnRef idx="2">
-            <a:schemeClr val="accent1">
-              <a:shade val="50000"/>
-            </a:schemeClr>
-          </a:lnRef>
-          <a:fillRef idx="1">
-            <a:schemeClr val="accent1"/>
-          </a:fillRef>
-          <a:effectRef idx="0">
-            <a:schemeClr val="accent1"/>
-          </a:effectRef>
-          <a:fontRef idx="minor">
-            <a:schemeClr val="lt1"/>
-          </a:fontRef>
-        </p:style>
-        <p:txBody>
-          <a:bodyPr rtlCol="0" anchor="ctr"/>
-          <a:lstStyle/>
-          <a:p>
-            <a:pPr algn="ctr"/>
-            <a:r>
-              <a:rPr kumimoji="1" lang="en-US" altLang="ja-JP" dirty="0" smtClean="0"/>
-              <a:t>Card4</a:t>
-            </a:r>
-          </a:p>
-        </p:txBody>
-      </p:sp>
-      <p:sp>
-        <p:nvSpPr>
-          <p:cNvPr id="9" name="正方形/長方形 8"/>
-          <p:cNvSpPr/>
-          <p:nvPr/>
-        </p:nvSpPr>
-        <p:spPr>
-          <a:xfrm>
-            <a:off x="7452320" y="2852936"/>
-            <a:ext cx="792088" cy="360040"/>
-          </a:xfrm>
-          <a:prstGeom prst="rect">
-            <a:avLst/>
-          </a:prstGeom>
-        </p:spPr>
-        <p:style>
-          <a:lnRef idx="2">
-            <a:schemeClr val="accent1">
-              <a:shade val="50000"/>
-            </a:schemeClr>
-          </a:lnRef>
-          <a:fillRef idx="1">
-            <a:schemeClr val="accent1"/>
-          </a:fillRef>
-          <a:effectRef idx="0">
-            <a:schemeClr val="accent1"/>
-          </a:effectRef>
-          <a:fontRef idx="minor">
-            <a:schemeClr val="lt1"/>
-          </a:fontRef>
-        </p:style>
-        <p:txBody>
-          <a:bodyPr rtlCol="0" anchor="ctr"/>
-          <a:lstStyle/>
-          <a:p>
-            <a:pPr algn="ctr"/>
-            <a:r>
-              <a:rPr kumimoji="1" lang="en-US" altLang="ja-JP" dirty="0" smtClean="0"/>
-              <a:t>Card5</a:t>
-            </a:r>
-          </a:p>
-        </p:txBody>
-      </p:sp>
-      <p:sp>
-        <p:nvSpPr>
-          <p:cNvPr id="11" name="正方形/長方形 10"/>
-          <p:cNvSpPr/>
-          <p:nvPr/>
-        </p:nvSpPr>
-        <p:spPr>
-          <a:xfrm>
-            <a:off x="9324528" y="908720"/>
-            <a:ext cx="1512168" cy="648072"/>
-          </a:xfrm>
-          <a:prstGeom prst="rect">
-            <a:avLst/>
-          </a:prstGeom>
-        </p:spPr>
-        <p:style>
-          <a:lnRef idx="2">
-            <a:schemeClr val="accent1">
-              <a:shade val="50000"/>
-            </a:schemeClr>
-          </a:lnRef>
-          <a:fillRef idx="1">
-            <a:schemeClr val="accent1"/>
-          </a:fillRef>
-          <a:effectRef idx="0">
-            <a:schemeClr val="accent1"/>
-          </a:effectRef>
-          <a:fontRef idx="minor">
-            <a:schemeClr val="lt1"/>
-          </a:fontRef>
-        </p:style>
-        <p:txBody>
-          <a:bodyPr rtlCol="0" anchor="ctr"/>
-          <a:lstStyle/>
-          <a:p>
-            <a:pPr algn="ctr"/>
-            <a:endParaRPr kumimoji="1" lang="ja-JP" altLang="en-US"/>
-          </a:p>
-        </p:txBody>
-      </p:sp>
-      <p:sp>
-        <p:nvSpPr>
-          <p:cNvPr id="12" name="正方形/長方形 11"/>
-          <p:cNvSpPr/>
-          <p:nvPr/>
-        </p:nvSpPr>
-        <p:spPr>
-          <a:xfrm>
-            <a:off x="9324528" y="1556792"/>
-            <a:ext cx="1512168" cy="648072"/>
-          </a:xfrm>
-          <a:prstGeom prst="rect">
-            <a:avLst/>
-          </a:prstGeom>
-        </p:spPr>
-        <p:style>
-          <a:lnRef idx="2">
-            <a:schemeClr val="accent1">
-              <a:shade val="50000"/>
-            </a:schemeClr>
-          </a:lnRef>
-          <a:fillRef idx="1">
-            <a:schemeClr val="accent1"/>
-          </a:fillRef>
-          <a:effectRef idx="0">
-            <a:schemeClr val="accent1"/>
-          </a:effectRef>
-          <a:fontRef idx="minor">
-            <a:schemeClr val="lt1"/>
-          </a:fontRef>
-        </p:style>
-        <p:txBody>
-          <a:bodyPr rtlCol="0" anchor="ctr"/>
-          <a:lstStyle/>
-          <a:p>
-            <a:pPr algn="ctr"/>
-            <a:endParaRPr kumimoji="1" lang="ja-JP" altLang="en-US"/>
-          </a:p>
-        </p:txBody>
-      </p:sp>
-      <p:sp>
-        <p:nvSpPr>
-          <p:cNvPr id="13" name="正方形/長方形 12"/>
-          <p:cNvSpPr/>
-          <p:nvPr/>
-        </p:nvSpPr>
-        <p:spPr>
-          <a:xfrm>
-            <a:off x="251520" y="332656"/>
-            <a:ext cx="3744416" cy="504056"/>
-          </a:xfrm>
-          <a:prstGeom prst="rect">
-            <a:avLst/>
-          </a:prstGeom>
-          <a:ln>
-            <a:noFill/>
-          </a:ln>
-        </p:spPr>
-        <p:style>
-          <a:lnRef idx="2">
-            <a:schemeClr val="dk1"/>
-          </a:lnRef>
-          <a:fillRef idx="1">
-            <a:schemeClr val="lt1"/>
-          </a:fillRef>
-          <a:effectRef idx="0">
-            <a:schemeClr val="dk1"/>
-          </a:effectRef>
-          <a:fontRef idx="minor">
-            <a:schemeClr val="dk1"/>
-          </a:fontRef>
-        </p:style>
-        <p:txBody>
-          <a:bodyPr rtlCol="0" anchor="ctr"/>
-          <a:lstStyle/>
-          <a:p>
-            <a:pPr algn="ctr"/>
-            <a:r>
-              <a:rPr kumimoji="1" lang="ja-JP" altLang="en-US" dirty="0" smtClean="0"/>
-              <a:t>ルールをシステムが意識する</a:t>
-            </a:r>
-            <a:endParaRPr kumimoji="1" lang="ja-JP" altLang="en-US" dirty="0"/>
-          </a:p>
-        </p:txBody>
-      </p:sp>
-      <p:cxnSp>
-        <p:nvCxnSpPr>
-          <p:cNvPr id="15" name="直線コネクタ 14"/>
-          <p:cNvCxnSpPr/>
-          <p:nvPr/>
-        </p:nvCxnSpPr>
-        <p:spPr>
-          <a:xfrm>
-            <a:off x="0" y="0"/>
-            <a:ext cx="9144000" cy="6858000"/>
-          </a:xfrm>
-          <a:prstGeom prst="line">
-            <a:avLst/>
-          </a:prstGeom>
-        </p:spPr>
-        <p:style>
-          <a:lnRef idx="1">
-            <a:schemeClr val="accent1"/>
-          </a:lnRef>
-          <a:fillRef idx="0">
-            <a:schemeClr val="accent1"/>
-          </a:fillRef>
-          <a:effectRef idx="0">
-            <a:schemeClr val="accent1"/>
-          </a:effectRef>
-          <a:fontRef idx="minor">
-            <a:schemeClr val="tx1"/>
-          </a:fontRef>
-        </p:style>
-      </p:cxnSp>
-      <p:cxnSp>
-        <p:nvCxnSpPr>
-          <p:cNvPr id="17" name="直線コネクタ 16"/>
-          <p:cNvCxnSpPr/>
-          <p:nvPr/>
-        </p:nvCxnSpPr>
-        <p:spPr>
-          <a:xfrm flipV="1">
-            <a:off x="0" y="0"/>
-            <a:ext cx="9144000" cy="6858000"/>
-          </a:xfrm>
-          <a:prstGeom prst="line">
-            <a:avLst/>
-          </a:prstGeom>
-        </p:spPr>
-        <p:style>
-          <a:lnRef idx="1">
-            <a:schemeClr val="accent1"/>
-          </a:lnRef>
-          <a:fillRef idx="0">
-            <a:schemeClr val="accent1"/>
-          </a:fillRef>
-          <a:effectRef idx="0">
-            <a:schemeClr val="accent1"/>
-          </a:effectRef>
-          <a:fontRef idx="minor">
-            <a:schemeClr val="tx1"/>
-          </a:fontRef>
-        </p:style>
-      </p:cxnSp>
+              <a:rPr kumimoji="1" lang="en-US" altLang="ja-JP" sz="1050" dirty="0" smtClean="0"/>
+              <a:t>Enchant</a:t>
+            </a:r>
+            <a:r>
+              <a:rPr kumimoji="1" lang="ja-JP" altLang="en-US" sz="1050" dirty="0" smtClean="0"/>
+              <a:t>導入に伴い</a:t>
+            </a:r>
+            <a:r>
+              <a:rPr kumimoji="1" lang="en-US" altLang="ja-JP" sz="1050" dirty="0" err="1" smtClean="0"/>
+              <a:t>obsolute</a:t>
+            </a:r>
+            <a:r>
+              <a:rPr kumimoji="1" lang="ja-JP" altLang="en-US" sz="1050" dirty="0" smtClean="0"/>
+              <a:t>に</a:t>
+            </a:r>
+            <a:endParaRPr kumimoji="1" lang="ja-JP" altLang="en-US" sz="1050" dirty="0"/>
+          </a:p>
+        </p:txBody>
+      </p:sp>
     </p:spTree>
   </p:cSld>
   <p:clrMapOvr>
@@ -5693,54 +5829,14 @@
       </p:grpSpPr>
       <p:sp>
         <p:nvSpPr>
-          <p:cNvPr id="13" name="爆発 2 12"/>
+          <p:cNvPr id="10" name="正方形/長方形 9"/>
           <p:cNvSpPr/>
           <p:nvPr/>
         </p:nvSpPr>
         <p:spPr>
           <a:xfrm>
-            <a:off x="7740352" y="692696"/>
-            <a:ext cx="1403648" cy="936104"/>
-          </a:xfrm>
-          <a:prstGeom prst="irregularSeal2">
-            <a:avLst/>
-          </a:prstGeom>
-        </p:spPr>
-        <p:style>
-          <a:lnRef idx="2">
-            <a:schemeClr val="accent1">
-              <a:shade val="50000"/>
-            </a:schemeClr>
-          </a:lnRef>
-          <a:fillRef idx="1">
-            <a:schemeClr val="accent1"/>
-          </a:fillRef>
-          <a:effectRef idx="0">
-            <a:schemeClr val="accent1"/>
-          </a:effectRef>
-          <a:fontRef idx="minor">
-            <a:schemeClr val="lt1"/>
-          </a:fontRef>
-        </p:style>
-        <p:txBody>
-          <a:bodyPr rtlCol="0" anchor="ctr"/>
-          <a:lstStyle/>
-          <a:p>
-            <a:pPr algn="ctr"/>
-            <a:endParaRPr kumimoji="1" lang="ja-JP" altLang="en-US"/>
-          </a:p>
-        </p:txBody>
-      </p:sp>
-      <p:sp>
-        <p:nvSpPr>
-          <p:cNvPr id="3" name="正方形/長方形 2"/>
-          <p:cNvSpPr/>
-          <p:nvPr/>
-        </p:nvSpPr>
-        <p:spPr>
-          <a:xfrm>
-            <a:off x="827584" y="980728"/>
-            <a:ext cx="6912768" cy="4248472"/>
+            <a:off x="5364088" y="1340768"/>
+            <a:ext cx="3528392" cy="2088232"/>
           </a:xfrm>
           <a:prstGeom prst="rect">
             <a:avLst/>
@@ -5768,8 +5864,33 @@
           <a:lstStyle/>
           <a:p>
             <a:r>
+              <a:rPr lang="en-US" altLang="ja-JP" dirty="0" err="1" smtClean="0"/>
+              <a:t>SharedYama</a:t>
+            </a:r>
+            <a:r>
+              <a:rPr lang="en-US" altLang="ja-JP" dirty="0" smtClean="0"/>
+              <a:t> = </a:t>
+            </a:r>
+            <a:r>
+              <a:rPr lang="en-US" altLang="ja-JP" dirty="0" err="1" smtClean="0"/>
+              <a:t>CardGroup.new</a:t>
+            </a:r>
+            <a:endParaRPr lang="en-US" altLang="ja-JP" dirty="0" smtClean="0"/>
+          </a:p>
+          <a:p>
+            <a:r>
+              <a:rPr lang="en-US" altLang="ja-JP" dirty="0" err="1" smtClean="0"/>
+              <a:t>SharedYama.user</a:t>
+            </a:r>
+            <a:r>
+              <a:rPr lang="en-US" altLang="ja-JP" dirty="0" smtClean="0"/>
+              <a:t> = everyone</a:t>
+            </a:r>
+          </a:p>
+          <a:p>
+            <a:r>
               <a:rPr lang="ja-JP" altLang="en-US" dirty="0" smtClean="0"/>
-              <a:t>共有</a:t>
+              <a:t>全員のユーザで同じ内容が表示される</a:t>
             </a:r>
             <a:endParaRPr lang="en-US" altLang="ja-JP" dirty="0" smtClean="0"/>
           </a:p>
@@ -5777,6 +5898,14 @@
             <a:endParaRPr lang="en-US" altLang="ja-JP" dirty="0" smtClean="0"/>
           </a:p>
           <a:p>
+            <a:r>
+              <a:rPr lang="en-US" altLang="ja-JP" dirty="0" smtClean="0"/>
+              <a:t>TODO: </a:t>
+            </a:r>
+            <a:r>
+              <a:rPr lang="ja-JP" altLang="en-US" dirty="0" smtClean="0"/>
+              <a:t>見ている方向を考慮して向きを変える？</a:t>
+            </a:r>
             <a:endParaRPr lang="en-US" altLang="ja-JP" dirty="0" smtClean="0"/>
           </a:p>
           <a:p>
@@ -5788,22 +5917,31 @@
           <a:p>
             <a:endParaRPr lang="en-US" altLang="ja-JP" dirty="0" smtClean="0"/>
           </a:p>
-        </p:txBody>
-      </p:sp>
-      <p:sp>
-        <p:nvSpPr>
-          <p:cNvPr id="7" name="正方形/長方形 6"/>
+          <a:p>
+            <a:endParaRPr lang="en-US" altLang="ja-JP" dirty="0" smtClean="0"/>
+          </a:p>
+          <a:p>
+            <a:endParaRPr lang="en-US" altLang="ja-JP" dirty="0" smtClean="0"/>
+          </a:p>
+        </p:txBody>
+      </p:sp>
+      <p:sp>
+        <p:nvSpPr>
+          <p:cNvPr id="2" name="正方形/長方形 1"/>
           <p:cNvSpPr/>
           <p:nvPr/>
         </p:nvSpPr>
         <p:spPr>
           <a:xfrm>
-            <a:off x="1475656" y="1340768"/>
-            <a:ext cx="1152128" cy="2088232"/>
+            <a:off x="827584" y="908720"/>
+            <a:ext cx="4176464" cy="4248472"/>
           </a:xfrm>
           <a:prstGeom prst="rect">
             <a:avLst/>
           </a:prstGeom>
+          <a:solidFill>
+            <a:schemeClr val="bg2"/>
+          </a:solidFill>
         </p:spPr>
         <p:style>
           <a:lnRef idx="2">
@@ -5823,130 +5961,74 @@
           <a:bodyPr rtlCol="0" anchor="t"/>
           <a:lstStyle/>
           <a:p>
-            <a:pPr algn="ctr"/>
-            <a:r>
-              <a:rPr kumimoji="1" lang="en-US" altLang="ja-JP" dirty="0" smtClean="0"/>
-              <a:t>Group</a:t>
-            </a:r>
-          </a:p>
-          <a:p>
-            <a:pPr algn="ctr"/>
+            <a:r>
+              <a:rPr lang="en-US" altLang="ja-JP" dirty="0" smtClean="0"/>
+              <a:t>Field = </a:t>
+            </a:r>
+            <a:r>
+              <a:rPr lang="en-US" altLang="ja-JP" dirty="0" err="1" smtClean="0"/>
+              <a:t>CardGroup.new</a:t>
+            </a:r>
             <a:endParaRPr lang="en-US" altLang="ja-JP" dirty="0" smtClean="0"/>
           </a:p>
           <a:p>
-            <a:pPr algn="ctr"/>
-            <a:endParaRPr kumimoji="1" lang="en-US" altLang="ja-JP" dirty="0" smtClean="0"/>
-          </a:p>
-          <a:p>
-            <a:endParaRPr kumimoji="1" lang="en-US" altLang="ja-JP" sz="900" dirty="0" smtClean="0"/>
-          </a:p>
-          <a:p>
-            <a:r>
-              <a:rPr kumimoji="1" lang="en-US" altLang="ja-JP" sz="900" dirty="0" smtClean="0"/>
-              <a:t>1</a:t>
-            </a:r>
-            <a:r>
-              <a:rPr lang="ja-JP" altLang="en-US" sz="900" dirty="0" smtClean="0"/>
-              <a:t>番上のカード操作</a:t>
-            </a:r>
-            <a:endParaRPr lang="en-US" altLang="ja-JP" sz="900" dirty="0" smtClean="0"/>
-          </a:p>
-          <a:p>
-            <a:r>
-              <a:rPr kumimoji="1" lang="ja-JP" altLang="en-US" sz="900" dirty="0" smtClean="0"/>
-              <a:t>配る</a:t>
-            </a:r>
-            <a:endParaRPr kumimoji="1" lang="en-US" altLang="ja-JP" sz="900" dirty="0" smtClean="0"/>
-          </a:p>
-          <a:p>
-            <a:r>
-              <a:rPr lang="ja-JP" altLang="en-US" sz="900" dirty="0" smtClean="0"/>
-              <a:t>ランダムに広げる</a:t>
-            </a:r>
-            <a:endParaRPr lang="en-US" altLang="ja-JP" sz="900" dirty="0" smtClean="0"/>
-          </a:p>
-          <a:p>
-            <a:r>
-              <a:rPr kumimoji="1" lang="ja-JP" altLang="en-US" sz="900" dirty="0" smtClean="0"/>
-              <a:t>グループ内のシャッフル</a:t>
-            </a:r>
-            <a:endParaRPr kumimoji="1" lang="en-US" altLang="ja-JP" sz="900" dirty="0" smtClean="0"/>
-          </a:p>
-          <a:p>
-            <a:r>
-              <a:rPr kumimoji="1" lang="ja-JP" altLang="en-US" sz="900" dirty="0" smtClean="0"/>
-              <a:t>グループ内移動</a:t>
-            </a:r>
-            <a:endParaRPr kumimoji="1" lang="en-US" altLang="ja-JP" sz="900" dirty="0" smtClean="0"/>
-          </a:p>
-          <a:p>
-            <a:r>
-              <a:rPr lang="ja-JP" altLang="en-US" sz="900" dirty="0" smtClean="0"/>
-              <a:t>グループごと移動</a:t>
-            </a:r>
-            <a:endParaRPr kumimoji="1" lang="ja-JP" altLang="en-US" sz="900" dirty="0"/>
-          </a:p>
-        </p:txBody>
-      </p:sp>
-      <p:sp>
-        <p:nvSpPr>
-          <p:cNvPr id="2" name="正方形/長方形 1"/>
+            <a:r>
+              <a:rPr lang="en-US" altLang="ja-JP" dirty="0" err="1" smtClean="0"/>
+              <a:t>Field.user</a:t>
+            </a:r>
+            <a:r>
+              <a:rPr lang="en-US" altLang="ja-JP" dirty="0" smtClean="0"/>
+              <a:t> = everyone</a:t>
+            </a:r>
+          </a:p>
+          <a:p>
+            <a:r>
+              <a:rPr lang="ja-JP" altLang="en-US" dirty="0" smtClean="0"/>
+              <a:t>全員のユーザで同じ内容が表示される</a:t>
+            </a:r>
+            <a:endParaRPr lang="en-US" altLang="ja-JP" dirty="0" smtClean="0"/>
+          </a:p>
+          <a:p>
+            <a:endParaRPr lang="en-US" altLang="ja-JP" dirty="0" smtClean="0"/>
+          </a:p>
+          <a:p>
+            <a:r>
+              <a:rPr lang="en-US" altLang="ja-JP" dirty="0" smtClean="0"/>
+              <a:t>TODO: </a:t>
+            </a:r>
+            <a:r>
+              <a:rPr lang="ja-JP" altLang="en-US" dirty="0" smtClean="0"/>
+              <a:t>見ている方向を考慮して向きを変える？</a:t>
+            </a:r>
+            <a:endParaRPr lang="en-US" altLang="ja-JP" dirty="0" smtClean="0"/>
+          </a:p>
+          <a:p>
+            <a:endParaRPr lang="en-US" altLang="ja-JP" dirty="0" smtClean="0"/>
+          </a:p>
+          <a:p>
+            <a:endParaRPr lang="en-US" altLang="ja-JP" dirty="0" smtClean="0"/>
+          </a:p>
+          <a:p>
+            <a:endParaRPr lang="en-US" altLang="ja-JP" dirty="0" smtClean="0"/>
+          </a:p>
+          <a:p>
+            <a:endParaRPr lang="en-US" altLang="ja-JP" dirty="0" smtClean="0"/>
+          </a:p>
+          <a:p>
+            <a:endParaRPr lang="en-US" altLang="ja-JP" dirty="0" smtClean="0"/>
+          </a:p>
+        </p:txBody>
+      </p:sp>
+      <p:sp>
+        <p:nvSpPr>
+          <p:cNvPr id="3" name="正方形/長方形 2"/>
           <p:cNvSpPr/>
           <p:nvPr/>
         </p:nvSpPr>
         <p:spPr>
           <a:xfrm>
-            <a:off x="251520" y="332656"/>
-            <a:ext cx="3744416" cy="504056"/>
-          </a:xfrm>
-          <a:prstGeom prst="rect">
-            <a:avLst/>
-          </a:prstGeom>
-          <a:ln>
-            <a:noFill/>
-          </a:ln>
-        </p:spPr>
-        <p:style>
-          <a:lnRef idx="2">
-            <a:schemeClr val="dk1"/>
-          </a:lnRef>
-          <a:fillRef idx="1">
-            <a:schemeClr val="lt1"/>
-          </a:fillRef>
-          <a:effectRef idx="0">
-            <a:schemeClr val="dk1"/>
-          </a:effectRef>
-          <a:fontRef idx="minor">
-            <a:schemeClr val="dk1"/>
-          </a:fontRef>
-        </p:style>
-        <p:txBody>
-          <a:bodyPr rtlCol="0" anchor="ctr"/>
-          <a:lstStyle/>
-          <a:p>
-            <a:pPr algn="ctr"/>
-            <a:r>
-              <a:rPr kumimoji="1" lang="ja-JP" altLang="en-US" dirty="0" smtClean="0"/>
-              <a:t>ルールをシステムが意識</a:t>
-            </a:r>
-            <a:r>
-              <a:rPr lang="ja-JP" altLang="en-US" dirty="0" smtClean="0"/>
-              <a:t>しない</a:t>
-            </a:r>
-            <a:endParaRPr kumimoji="1" lang="ja-JP" altLang="en-US" dirty="0"/>
-          </a:p>
-        </p:txBody>
-      </p:sp>
-      <p:sp>
-        <p:nvSpPr>
-          <p:cNvPr id="4" name="正方形/長方形 3"/>
-          <p:cNvSpPr/>
-          <p:nvPr/>
-        </p:nvSpPr>
-        <p:spPr>
-          <a:xfrm>
-            <a:off x="827584" y="5229200"/>
-            <a:ext cx="6912768" cy="1368152"/>
+            <a:off x="1259632" y="5445224"/>
+            <a:ext cx="5040560" cy="1008112"/>
           </a:xfrm>
           <a:prstGeom prst="rect">
             <a:avLst/>
@@ -5977,8 +6059,45 @@
           <a:lstStyle/>
           <a:p>
             <a:r>
-              <a:rPr kumimoji="1" lang="ja-JP" altLang="en-US" dirty="0" smtClean="0"/>
-              <a:t>固有</a:t>
+              <a:rPr lang="en-US" altLang="ja-JP" dirty="0" smtClean="0"/>
+              <a:t>Hand = </a:t>
+            </a:r>
+            <a:r>
+              <a:rPr lang="en-US" altLang="ja-JP" dirty="0" err="1" smtClean="0"/>
+              <a:t>CardGroup.new</a:t>
+            </a:r>
+            <a:endParaRPr lang="en-US" altLang="ja-JP" dirty="0" smtClean="0"/>
+          </a:p>
+          <a:p>
+            <a:r>
+              <a:rPr kumimoji="1" lang="en-US" altLang="ja-JP" dirty="0" err="1" smtClean="0"/>
+              <a:t>Hand.user</a:t>
+            </a:r>
+            <a:r>
+              <a:rPr kumimoji="1" lang="en-US" altLang="ja-JP" dirty="0" smtClean="0"/>
+              <a:t> = xxx</a:t>
+            </a:r>
+          </a:p>
+          <a:p>
+            <a:r>
+              <a:rPr lang="ja-JP" altLang="en-US" dirty="0" smtClean="0"/>
+              <a:t>各ユーザの手札</a:t>
+            </a:r>
+            <a:r>
+              <a:rPr lang="en-US" altLang="ja-JP" dirty="0" smtClean="0"/>
+              <a:t>(</a:t>
+            </a:r>
+            <a:r>
+              <a:rPr lang="ja-JP" altLang="en-US" dirty="0" smtClean="0"/>
+              <a:t>表向き</a:t>
+            </a:r>
+            <a:r>
+              <a:rPr lang="en-US" altLang="ja-JP" dirty="0" smtClean="0"/>
+              <a:t>)</a:t>
+            </a:r>
+            <a:r>
+              <a:rPr lang="ja-JP" altLang="en-US" dirty="0" smtClean="0"/>
+              <a:t>が表示される</a:t>
             </a:r>
             <a:endParaRPr kumimoji="1" lang="ja-JP" altLang="en-US" dirty="0"/>
           </a:p>
@@ -5986,220 +6105,14 @@
       </p:sp>
       <p:sp>
         <p:nvSpPr>
-          <p:cNvPr id="5" name="正方形/長方形 4"/>
+          <p:cNvPr id="4" name="正方形/長方形 3"/>
           <p:cNvSpPr/>
           <p:nvPr/>
         </p:nvSpPr>
         <p:spPr>
           <a:xfrm>
-            <a:off x="1619672" y="1772816"/>
-            <a:ext cx="792088" cy="360040"/>
-          </a:xfrm>
-          <a:prstGeom prst="rect">
-            <a:avLst/>
-          </a:prstGeom>
-        </p:spPr>
-        <p:style>
-          <a:lnRef idx="2">
-            <a:schemeClr val="accent1">
-              <a:shade val="50000"/>
-            </a:schemeClr>
-          </a:lnRef>
-          <a:fillRef idx="1">
-            <a:schemeClr val="accent1"/>
-          </a:fillRef>
-          <a:effectRef idx="0">
-            <a:schemeClr val="accent1"/>
-          </a:effectRef>
-          <a:fontRef idx="minor">
-            <a:schemeClr val="lt1"/>
-          </a:fontRef>
-        </p:style>
-        <p:txBody>
-          <a:bodyPr rtlCol="0" anchor="ctr"/>
-          <a:lstStyle/>
-          <a:p>
-            <a:pPr algn="ctr"/>
-            <a:r>
-              <a:rPr kumimoji="1" lang="en-US" altLang="ja-JP" dirty="0" err="1" smtClean="0"/>
-              <a:t>CardN</a:t>
-            </a:r>
-            <a:endParaRPr kumimoji="1" lang="en-US" altLang="ja-JP" dirty="0" smtClean="0"/>
-          </a:p>
-        </p:txBody>
-      </p:sp>
-      <p:sp>
-        <p:nvSpPr>
-          <p:cNvPr id="6" name="正方形/長方形 5"/>
-          <p:cNvSpPr/>
-          <p:nvPr/>
-        </p:nvSpPr>
-        <p:spPr>
-          <a:xfrm>
-            <a:off x="1691680" y="1844824"/>
-            <a:ext cx="792088" cy="360040"/>
-          </a:xfrm>
-          <a:prstGeom prst="rect">
-            <a:avLst/>
-          </a:prstGeom>
-        </p:spPr>
-        <p:style>
-          <a:lnRef idx="2">
-            <a:schemeClr val="accent1">
-              <a:shade val="50000"/>
-            </a:schemeClr>
-          </a:lnRef>
-          <a:fillRef idx="1">
-            <a:schemeClr val="accent1"/>
-          </a:fillRef>
-          <a:effectRef idx="0">
-            <a:schemeClr val="accent1"/>
-          </a:effectRef>
-          <a:fontRef idx="minor">
-            <a:schemeClr val="lt1"/>
-          </a:fontRef>
-        </p:style>
-        <p:txBody>
-          <a:bodyPr rtlCol="0" anchor="ctr"/>
-          <a:lstStyle/>
-          <a:p>
-            <a:pPr algn="ctr"/>
-            <a:r>
-              <a:rPr kumimoji="1" lang="en-US" altLang="ja-JP" dirty="0" err="1" smtClean="0"/>
-              <a:t>CardN</a:t>
-            </a:r>
-            <a:endParaRPr kumimoji="1" lang="en-US" altLang="ja-JP" dirty="0" smtClean="0"/>
-          </a:p>
-        </p:txBody>
-      </p:sp>
-      <p:sp>
-        <p:nvSpPr>
-          <p:cNvPr id="8" name="正方形/長方形 7"/>
-          <p:cNvSpPr/>
-          <p:nvPr/>
-        </p:nvSpPr>
-        <p:spPr>
-          <a:xfrm>
-            <a:off x="3275856" y="1844824"/>
-            <a:ext cx="792088" cy="360040"/>
-          </a:xfrm>
-          <a:prstGeom prst="rect">
-            <a:avLst/>
-          </a:prstGeom>
-        </p:spPr>
-        <p:style>
-          <a:lnRef idx="2">
-            <a:schemeClr val="accent1">
-              <a:shade val="50000"/>
-            </a:schemeClr>
-          </a:lnRef>
-          <a:fillRef idx="1">
-            <a:schemeClr val="accent1"/>
-          </a:fillRef>
-          <a:effectRef idx="0">
-            <a:schemeClr val="accent1"/>
-          </a:effectRef>
-          <a:fontRef idx="minor">
-            <a:schemeClr val="lt1"/>
-          </a:fontRef>
-        </p:style>
-        <p:txBody>
-          <a:bodyPr rtlCol="0" anchor="ctr"/>
-          <a:lstStyle/>
-          <a:p>
-            <a:pPr algn="ctr"/>
-            <a:r>
-              <a:rPr kumimoji="1" lang="en-US" altLang="ja-JP" dirty="0" err="1" smtClean="0"/>
-              <a:t>CardN</a:t>
-            </a:r>
-            <a:endParaRPr kumimoji="1" lang="en-US" altLang="ja-JP" dirty="0" smtClean="0"/>
-          </a:p>
-        </p:txBody>
-      </p:sp>
-      <p:sp>
-        <p:nvSpPr>
-          <p:cNvPr id="9" name="正方形/長方形 8"/>
-          <p:cNvSpPr/>
-          <p:nvPr/>
-        </p:nvSpPr>
-        <p:spPr>
-          <a:xfrm>
-            <a:off x="3131840" y="1340768"/>
-            <a:ext cx="1080120" cy="1872208"/>
-          </a:xfrm>
-          <a:prstGeom prst="rect">
-            <a:avLst/>
-          </a:prstGeom>
-          <a:noFill/>
-          <a:ln>
-            <a:noFill/>
-          </a:ln>
-        </p:spPr>
-        <p:style>
-          <a:lnRef idx="2">
-            <a:schemeClr val="dk1"/>
-          </a:lnRef>
-          <a:fillRef idx="1">
-            <a:schemeClr val="lt1"/>
-          </a:fillRef>
-          <a:effectRef idx="0">
-            <a:schemeClr val="dk1"/>
-          </a:effectRef>
-          <a:fontRef idx="minor">
-            <a:schemeClr val="dk1"/>
-          </a:fontRef>
-        </p:style>
-        <p:txBody>
-          <a:bodyPr rtlCol="0" anchor="t"/>
-          <a:lstStyle/>
-          <a:p>
-            <a:pPr algn="ctr"/>
-            <a:endParaRPr kumimoji="1" lang="en-US" altLang="ja-JP" dirty="0" smtClean="0"/>
-          </a:p>
-          <a:p>
-            <a:pPr algn="ctr"/>
-            <a:endParaRPr lang="en-US" altLang="ja-JP" dirty="0" smtClean="0"/>
-          </a:p>
-          <a:p>
-            <a:pPr algn="ctr"/>
-            <a:endParaRPr kumimoji="1" lang="en-US" altLang="ja-JP" dirty="0" smtClean="0"/>
-          </a:p>
-          <a:p>
-            <a:endParaRPr kumimoji="1" lang="en-US" altLang="ja-JP" sz="900" dirty="0" smtClean="0"/>
-          </a:p>
-          <a:p>
-            <a:r>
-              <a:rPr kumimoji="1" lang="ja-JP" altLang="en-US" sz="900" dirty="0" smtClean="0"/>
-              <a:t>ひっくり返す</a:t>
-            </a:r>
-            <a:endParaRPr kumimoji="1" lang="en-US" altLang="ja-JP" sz="900" dirty="0" smtClean="0"/>
-          </a:p>
-          <a:p>
-            <a:r>
-              <a:rPr lang="ja-JP" altLang="en-US" sz="900" dirty="0" smtClean="0"/>
-              <a:t>移動</a:t>
-            </a:r>
-            <a:endParaRPr lang="en-US" altLang="ja-JP" sz="900" dirty="0" smtClean="0"/>
-          </a:p>
-          <a:p>
-            <a:r>
-              <a:rPr lang="ja-JP" altLang="en-US" sz="900" dirty="0" smtClean="0"/>
-              <a:t>特定の誰かに見せる</a:t>
-            </a:r>
-            <a:endParaRPr lang="en-US" altLang="ja-JP" sz="900" dirty="0" smtClean="0"/>
-          </a:p>
-        </p:txBody>
-      </p:sp>
-      <p:sp>
-        <p:nvSpPr>
-          <p:cNvPr id="10" name="正方形/長方形 9"/>
-          <p:cNvSpPr/>
-          <p:nvPr/>
-        </p:nvSpPr>
-        <p:spPr>
-          <a:xfrm>
-            <a:off x="7956376" y="908720"/>
-            <a:ext cx="936104" cy="648072"/>
+            <a:off x="0" y="2420888"/>
+            <a:ext cx="3456384" cy="1584176"/>
           </a:xfrm>
           <a:prstGeom prst="rect">
             <a:avLst/>
@@ -6230,25 +6143,272 @@
           <a:lstStyle/>
           <a:p>
             <a:r>
+              <a:rPr kumimoji="1" lang="en-US" altLang="ja-JP" dirty="0" smtClean="0"/>
+              <a:t>&lt;</a:t>
+            </a:r>
+            <a:r>
               <a:rPr kumimoji="1" lang="ja-JP" altLang="en-US" dirty="0" smtClean="0"/>
-              <a:t>固有</a:t>
-            </a:r>
-            <a:endParaRPr kumimoji="1" lang="en-US" altLang="ja-JP" dirty="0" smtClean="0"/>
-          </a:p>
-          <a:p>
-            <a:r>
-              <a:rPr lang="en-US" altLang="ja-JP" sz="1200" dirty="0" smtClean="0"/>
-              <a:t>(</a:t>
-            </a:r>
-            <a:r>
-              <a:rPr lang="ja-JP" altLang="en-US" sz="1200" dirty="0" smtClean="0"/>
-              <a:t>他ユーザ</a:t>
-            </a:r>
-            <a:r>
-              <a:rPr lang="en-US" altLang="ja-JP" sz="1200" dirty="0" smtClean="0"/>
-              <a:t>)</a:t>
-            </a:r>
-            <a:endParaRPr kumimoji="1" lang="ja-JP" altLang="en-US" dirty="0"/>
+              <a:t>札置き場</a:t>
+            </a:r>
+            <a:r>
+              <a:rPr kumimoji="1" lang="en-US" altLang="ja-JP" dirty="0" smtClean="0"/>
+              <a:t>:</a:t>
+            </a:r>
+            <a:r>
+              <a:rPr lang="en-US" altLang="ja-JP" dirty="0" smtClean="0"/>
+              <a:t> </a:t>
+            </a:r>
+            <a:r>
+              <a:rPr lang="en-US" altLang="ja-JP" dirty="0" err="1" smtClean="0"/>
+              <a:t>CardGroup</a:t>
+            </a:r>
+            <a:r>
+              <a:rPr kumimoji="1" lang="en-US" altLang="ja-JP" dirty="0" smtClean="0"/>
+              <a:t>&gt;</a:t>
+            </a:r>
+          </a:p>
+          <a:p>
+            <a:r>
+              <a:rPr lang="en-US" altLang="ja-JP" dirty="0" smtClean="0"/>
+              <a:t>User: </a:t>
+            </a:r>
+            <a:r>
+              <a:rPr lang="ja-JP" altLang="en-US" dirty="0" smtClean="0"/>
+              <a:t>所属ユーザ</a:t>
+            </a:r>
+            <a:r>
+              <a:rPr lang="en-US" altLang="ja-JP" dirty="0" smtClean="0"/>
+              <a:t>or</a:t>
+            </a:r>
+            <a:r>
+              <a:rPr lang="ja-JP" altLang="en-US" dirty="0" smtClean="0"/>
+              <a:t>共有</a:t>
+            </a:r>
+            <a:endParaRPr lang="en-US" altLang="ja-JP" dirty="0" smtClean="0"/>
+          </a:p>
+          <a:p>
+            <a:endParaRPr lang="en-US" altLang="ja-JP" dirty="0" smtClean="0"/>
+          </a:p>
+          <a:p>
+            <a:endParaRPr lang="en-US" altLang="ja-JP" dirty="0" smtClean="0"/>
+          </a:p>
+          <a:p>
+            <a:endParaRPr lang="en-US" altLang="ja-JP" dirty="0" smtClean="0"/>
+          </a:p>
+        </p:txBody>
+      </p:sp>
+      <p:sp>
+        <p:nvSpPr>
+          <p:cNvPr id="5" name="正方形/長方形 4"/>
+          <p:cNvSpPr/>
+          <p:nvPr/>
+        </p:nvSpPr>
+        <p:spPr>
+          <a:xfrm>
+            <a:off x="5220072" y="5733256"/>
+            <a:ext cx="792088" cy="360040"/>
+          </a:xfrm>
+          <a:prstGeom prst="rect">
+            <a:avLst/>
+          </a:prstGeom>
+        </p:spPr>
+        <p:style>
+          <a:lnRef idx="2">
+            <a:schemeClr val="accent1">
+              <a:shade val="50000"/>
+            </a:schemeClr>
+          </a:lnRef>
+          <a:fillRef idx="1">
+            <a:schemeClr val="accent1"/>
+          </a:fillRef>
+          <a:effectRef idx="0">
+            <a:schemeClr val="accent1"/>
+          </a:effectRef>
+          <a:fontRef idx="minor">
+            <a:schemeClr val="lt1"/>
+          </a:fontRef>
+        </p:style>
+        <p:txBody>
+          <a:bodyPr rtlCol="0" anchor="ctr"/>
+          <a:lstStyle/>
+          <a:p>
+            <a:pPr algn="ctr"/>
+            <a:r>
+              <a:rPr kumimoji="1" lang="en-US" altLang="ja-JP" dirty="0" smtClean="0"/>
+              <a:t>Card1</a:t>
+            </a:r>
+          </a:p>
+        </p:txBody>
+      </p:sp>
+      <p:sp>
+        <p:nvSpPr>
+          <p:cNvPr id="6" name="正方形/長方形 5"/>
+          <p:cNvSpPr/>
+          <p:nvPr/>
+        </p:nvSpPr>
+        <p:spPr>
+          <a:xfrm>
+            <a:off x="1907704" y="2420888"/>
+            <a:ext cx="792088" cy="360040"/>
+          </a:xfrm>
+          <a:prstGeom prst="rect">
+            <a:avLst/>
+          </a:prstGeom>
+        </p:spPr>
+        <p:style>
+          <a:lnRef idx="2">
+            <a:schemeClr val="accent1">
+              <a:shade val="50000"/>
+            </a:schemeClr>
+          </a:lnRef>
+          <a:fillRef idx="1">
+            <a:schemeClr val="accent1"/>
+          </a:fillRef>
+          <a:effectRef idx="0">
+            <a:schemeClr val="accent1"/>
+          </a:effectRef>
+          <a:fontRef idx="minor">
+            <a:schemeClr val="lt1"/>
+          </a:fontRef>
+        </p:style>
+        <p:txBody>
+          <a:bodyPr rtlCol="0" anchor="ctr"/>
+          <a:lstStyle/>
+          <a:p>
+            <a:pPr algn="ctr"/>
+            <a:r>
+              <a:rPr kumimoji="1" lang="en-US" altLang="ja-JP" dirty="0" smtClean="0"/>
+              <a:t>Card2</a:t>
+            </a:r>
+          </a:p>
+        </p:txBody>
+      </p:sp>
+      <p:sp>
+        <p:nvSpPr>
+          <p:cNvPr id="7" name="正方形/長方形 6"/>
+          <p:cNvSpPr/>
+          <p:nvPr/>
+        </p:nvSpPr>
+        <p:spPr>
+          <a:xfrm>
+            <a:off x="2915816" y="2420888"/>
+            <a:ext cx="792088" cy="360040"/>
+          </a:xfrm>
+          <a:prstGeom prst="rect">
+            <a:avLst/>
+          </a:prstGeom>
+        </p:spPr>
+        <p:style>
+          <a:lnRef idx="2">
+            <a:schemeClr val="accent1">
+              <a:shade val="50000"/>
+            </a:schemeClr>
+          </a:lnRef>
+          <a:fillRef idx="1">
+            <a:schemeClr val="accent1"/>
+          </a:fillRef>
+          <a:effectRef idx="0">
+            <a:schemeClr val="accent1"/>
+          </a:effectRef>
+          <a:fontRef idx="minor">
+            <a:schemeClr val="lt1"/>
+          </a:fontRef>
+        </p:style>
+        <p:txBody>
+          <a:bodyPr rtlCol="0" anchor="ctr"/>
+          <a:lstStyle/>
+          <a:p>
+            <a:pPr algn="ctr"/>
+            <a:r>
+              <a:rPr kumimoji="1" lang="en-US" altLang="ja-JP" dirty="0" smtClean="0"/>
+              <a:t>Card3</a:t>
+            </a:r>
+          </a:p>
+        </p:txBody>
+      </p:sp>
+      <p:sp>
+        <p:nvSpPr>
+          <p:cNvPr id="8" name="正方形/長方形 7"/>
+          <p:cNvSpPr/>
+          <p:nvPr/>
+        </p:nvSpPr>
+        <p:spPr>
+          <a:xfrm>
+            <a:off x="7668344" y="2996952"/>
+            <a:ext cx="792088" cy="360040"/>
+          </a:xfrm>
+          <a:prstGeom prst="rect">
+            <a:avLst/>
+          </a:prstGeom>
+        </p:spPr>
+        <p:style>
+          <a:lnRef idx="2">
+            <a:schemeClr val="accent1">
+              <a:shade val="50000"/>
+            </a:schemeClr>
+          </a:lnRef>
+          <a:fillRef idx="1">
+            <a:schemeClr val="accent1"/>
+          </a:fillRef>
+          <a:effectRef idx="0">
+            <a:schemeClr val="accent1"/>
+          </a:effectRef>
+          <a:fontRef idx="minor">
+            <a:schemeClr val="lt1"/>
+          </a:fontRef>
+        </p:style>
+        <p:txBody>
+          <a:bodyPr rtlCol="0" anchor="ctr"/>
+          <a:lstStyle/>
+          <a:p>
+            <a:pPr algn="ctr"/>
+            <a:r>
+              <a:rPr kumimoji="1" lang="en-US" altLang="ja-JP" dirty="0" smtClean="0"/>
+              <a:t>Card4</a:t>
+            </a:r>
+          </a:p>
+        </p:txBody>
+      </p:sp>
+      <p:sp>
+        <p:nvSpPr>
+          <p:cNvPr id="9" name="正方形/長方形 8"/>
+          <p:cNvSpPr/>
+          <p:nvPr/>
+        </p:nvSpPr>
+        <p:spPr>
+          <a:xfrm>
+            <a:off x="7452320" y="2852936"/>
+            <a:ext cx="792088" cy="360040"/>
+          </a:xfrm>
+          <a:prstGeom prst="rect">
+            <a:avLst/>
+          </a:prstGeom>
+        </p:spPr>
+        <p:style>
+          <a:lnRef idx="2">
+            <a:schemeClr val="accent1">
+              <a:shade val="50000"/>
+            </a:schemeClr>
+          </a:lnRef>
+          <a:fillRef idx="1">
+            <a:schemeClr val="accent1"/>
+          </a:fillRef>
+          <a:effectRef idx="0">
+            <a:schemeClr val="accent1"/>
+          </a:effectRef>
+          <a:fontRef idx="minor">
+            <a:schemeClr val="lt1"/>
+          </a:fontRef>
+        </p:style>
+        <p:txBody>
+          <a:bodyPr rtlCol="0" anchor="ctr"/>
+          <a:lstStyle/>
+          <a:p>
+            <a:pPr algn="ctr"/>
+            <a:r>
+              <a:rPr kumimoji="1" lang="en-US" altLang="ja-JP" dirty="0" smtClean="0"/>
+              <a:t>Card5</a:t>
+            </a:r>
           </a:p>
         </p:txBody>
       </p:sp>
@@ -6260,18 +6420,95 @@
         </p:nvSpPr>
         <p:spPr>
           <a:xfrm>
-            <a:off x="7956376" y="1628800"/>
-            <a:ext cx="936104" cy="648072"/>
+            <a:off x="9324528" y="908720"/>
+            <a:ext cx="1512168" cy="648072"/>
           </a:xfrm>
           <a:prstGeom prst="rect">
             <a:avLst/>
           </a:prstGeom>
-          <a:solidFill>
-            <a:schemeClr val="accent2">
-              <a:lumMod val="20000"/>
-              <a:lumOff val="80000"/>
+        </p:spPr>
+        <p:style>
+          <a:lnRef idx="2">
+            <a:schemeClr val="accent1">
+              <a:shade val="50000"/>
             </a:schemeClr>
-          </a:solidFill>
+          </a:lnRef>
+          <a:fillRef idx="1">
+            <a:schemeClr val="accent1"/>
+          </a:fillRef>
+          <a:effectRef idx="0">
+            <a:schemeClr val="accent1"/>
+          </a:effectRef>
+          <a:fontRef idx="minor">
+            <a:schemeClr val="lt1"/>
+          </a:fontRef>
+        </p:style>
+        <p:txBody>
+          <a:bodyPr rtlCol="0" anchor="ctr"/>
+          <a:lstStyle/>
+          <a:p>
+            <a:pPr algn="ctr"/>
+            <a:endParaRPr kumimoji="1" lang="ja-JP" altLang="en-US"/>
+          </a:p>
+        </p:txBody>
+      </p:sp>
+      <p:sp>
+        <p:nvSpPr>
+          <p:cNvPr id="12" name="正方形/長方形 11"/>
+          <p:cNvSpPr/>
+          <p:nvPr/>
+        </p:nvSpPr>
+        <p:spPr>
+          <a:xfrm>
+            <a:off x="9324528" y="1556792"/>
+            <a:ext cx="1512168" cy="648072"/>
+          </a:xfrm>
+          <a:prstGeom prst="rect">
+            <a:avLst/>
+          </a:prstGeom>
+        </p:spPr>
+        <p:style>
+          <a:lnRef idx="2">
+            <a:schemeClr val="accent1">
+              <a:shade val="50000"/>
+            </a:schemeClr>
+          </a:lnRef>
+          <a:fillRef idx="1">
+            <a:schemeClr val="accent1"/>
+          </a:fillRef>
+          <a:effectRef idx="0">
+            <a:schemeClr val="accent1"/>
+          </a:effectRef>
+          <a:fontRef idx="minor">
+            <a:schemeClr val="lt1"/>
+          </a:fontRef>
+        </p:style>
+        <p:txBody>
+          <a:bodyPr rtlCol="0" anchor="ctr"/>
+          <a:lstStyle/>
+          <a:p>
+            <a:pPr algn="ctr"/>
+            <a:endParaRPr kumimoji="1" lang="ja-JP" altLang="en-US"/>
+          </a:p>
+        </p:txBody>
+      </p:sp>
+      <p:sp>
+        <p:nvSpPr>
+          <p:cNvPr id="13" name="正方形/長方形 12"/>
+          <p:cNvSpPr/>
+          <p:nvPr/>
+        </p:nvSpPr>
+        <p:spPr>
+          <a:xfrm>
+            <a:off x="251520" y="332656"/>
+            <a:ext cx="3744416" cy="504056"/>
+          </a:xfrm>
+          <a:prstGeom prst="rect">
+            <a:avLst/>
+          </a:prstGeom>
+          <a:ln>
+            <a:noFill/>
+          </a:ln>
         </p:spPr>
         <p:style>
           <a:lnRef idx="2">
@@ -6288,94 +6525,78 @@
           </a:fontRef>
         </p:style>
         <p:txBody>
-          <a:bodyPr rtlCol="0" anchor="t"/>
-          <a:lstStyle/>
-          <a:p>
+          <a:bodyPr rtlCol="0" anchor="ctr"/>
+          <a:lstStyle/>
+          <a:p>
+            <a:pPr algn="ctr"/>
             <a:r>
               <a:rPr kumimoji="1" lang="ja-JP" altLang="en-US" dirty="0" smtClean="0"/>
-              <a:t>固有</a:t>
-            </a:r>
-            <a:endParaRPr kumimoji="1" lang="en-US" altLang="ja-JP" dirty="0" smtClean="0"/>
-          </a:p>
-          <a:p>
-            <a:r>
-              <a:rPr lang="en-US" altLang="ja-JP" sz="1200" dirty="0" smtClean="0"/>
-              <a:t>(</a:t>
-            </a:r>
-            <a:r>
-              <a:rPr lang="ja-JP" altLang="en-US" sz="1200" dirty="0" smtClean="0"/>
-              <a:t>他ユーザ</a:t>
-            </a:r>
-            <a:r>
-              <a:rPr lang="en-US" altLang="ja-JP" sz="1200" dirty="0" smtClean="0"/>
-              <a:t>)</a:t>
+              <a:t>ルールをシステムが意識する</a:t>
             </a:r>
             <a:endParaRPr kumimoji="1" lang="ja-JP" altLang="en-US" dirty="0"/>
           </a:p>
         </p:txBody>
       </p:sp>
-      <p:sp>
-        <p:nvSpPr>
-          <p:cNvPr id="12" name="正方形/長方形 11"/>
-          <p:cNvSpPr/>
-          <p:nvPr/>
-        </p:nvSpPr>
-        <p:spPr>
-          <a:xfrm>
-            <a:off x="7956376" y="2348880"/>
-            <a:ext cx="936104" cy="648072"/>
-          </a:xfrm>
-          <a:prstGeom prst="rect">
-            <a:avLst/>
-          </a:prstGeom>
-          <a:solidFill>
-            <a:schemeClr val="accent2">
-              <a:lumMod val="20000"/>
-              <a:lumOff val="80000"/>
-            </a:schemeClr>
-          </a:solidFill>
-        </p:spPr>
-        <p:style>
-          <a:lnRef idx="2">
-            <a:schemeClr val="dk1"/>
-          </a:lnRef>
-          <a:fillRef idx="1">
-            <a:schemeClr val="lt1"/>
+      <p:cxnSp>
+        <p:nvCxnSpPr>
+          <p:cNvPr id="15" name="直線コネクタ 14"/>
+          <p:cNvCxnSpPr/>
+          <p:nvPr/>
+        </p:nvCxnSpPr>
+        <p:spPr>
+          <a:xfrm>
+            <a:off x="0" y="0"/>
+            <a:ext cx="9144000" cy="6858000"/>
+          </a:xfrm>
+          <a:prstGeom prst="line">
+            <a:avLst/>
+          </a:prstGeom>
+        </p:spPr>
+        <p:style>
+          <a:lnRef idx="1">
+            <a:schemeClr val="accent1"/>
+          </a:lnRef>
+          <a:fillRef idx="0">
+            <a:schemeClr val="accent1"/>
           </a:fillRef>
           <a:effectRef idx="0">
-            <a:schemeClr val="dk1"/>
-          </a:effectRef>
-          <a:fontRef idx="minor">
-            <a:schemeClr val="dk1"/>
-          </a:fontRef>
-        </p:style>
-        <p:txBody>
-          <a:bodyPr rtlCol="0" anchor="t"/>
-          <a:lstStyle/>
-          <a:p>
-            <a:r>
-              <a:rPr kumimoji="1" lang="ja-JP" altLang="en-US" dirty="0" smtClean="0"/>
-              <a:t>固有</a:t>
-            </a:r>
-            <a:endParaRPr kumimoji="1" lang="en-US" altLang="ja-JP" dirty="0" smtClean="0"/>
-          </a:p>
-          <a:p>
-            <a:r>
-              <a:rPr lang="en-US" altLang="ja-JP" sz="1200" dirty="0" smtClean="0"/>
-              <a:t>(</a:t>
-            </a:r>
-            <a:r>
-              <a:rPr lang="ja-JP" altLang="en-US" sz="1200" dirty="0" smtClean="0"/>
-              <a:t>他ユーザ</a:t>
-            </a:r>
-            <a:r>
-              <a:rPr lang="en-US" altLang="ja-JP" sz="1200" dirty="0" smtClean="0"/>
-              <a:t>)</a:t>
-            </a:r>
-            <a:endParaRPr kumimoji="1" lang="ja-JP" altLang="en-US" dirty="0"/>
-          </a:p>
-        </p:txBody>
-      </p:sp>
+            <a:schemeClr val="accent1"/>
+          </a:effectRef>
+          <a:fontRef idx="minor">
+            <a:schemeClr val="tx1"/>
+          </a:fontRef>
+        </p:style>
+      </p:cxnSp>
+      <p:cxnSp>
+        <p:nvCxnSpPr>
+          <p:cNvPr id="17" name="直線コネクタ 16"/>
+          <p:cNvCxnSpPr/>
+          <p:nvPr/>
+        </p:nvCxnSpPr>
+        <p:spPr>
+          <a:xfrm flipV="1">
+            <a:off x="0" y="0"/>
+            <a:ext cx="9144000" cy="6858000"/>
+          </a:xfrm>
+          <a:prstGeom prst="line">
+            <a:avLst/>
+          </a:prstGeom>
+        </p:spPr>
+        <p:style>
+          <a:lnRef idx="1">
+            <a:schemeClr val="accent1"/>
+          </a:lnRef>
+          <a:fillRef idx="0">
+            <a:schemeClr val="accent1"/>
+          </a:fillRef>
+          <a:effectRef idx="0">
+            <a:schemeClr val="accent1"/>
+          </a:effectRef>
+          <a:fontRef idx="minor">
+            <a:schemeClr val="tx1"/>
+          </a:fontRef>
+        </p:style>
+      </p:cxnSp>
     </p:spTree>
   </p:cSld>
   <p:clrMapOvr>
@@ -6403,28 +6624,280 @@
       </p:grpSpPr>
       <p:sp>
         <p:nvSpPr>
+          <p:cNvPr id="13" name="爆発 2 12"/>
+          <p:cNvSpPr/>
+          <p:nvPr/>
+        </p:nvSpPr>
+        <p:spPr>
+          <a:xfrm>
+            <a:off x="7740352" y="692696"/>
+            <a:ext cx="1403648" cy="936104"/>
+          </a:xfrm>
+          <a:prstGeom prst="irregularSeal2">
+            <a:avLst/>
+          </a:prstGeom>
+        </p:spPr>
+        <p:style>
+          <a:lnRef idx="2">
+            <a:schemeClr val="accent1">
+              <a:shade val="50000"/>
+            </a:schemeClr>
+          </a:lnRef>
+          <a:fillRef idx="1">
+            <a:schemeClr val="accent1"/>
+          </a:fillRef>
+          <a:effectRef idx="0">
+            <a:schemeClr val="accent1"/>
+          </a:effectRef>
+          <a:fontRef idx="minor">
+            <a:schemeClr val="lt1"/>
+          </a:fontRef>
+        </p:style>
+        <p:txBody>
+          <a:bodyPr rtlCol="0" anchor="ctr"/>
+          <a:lstStyle/>
+          <a:p>
+            <a:pPr algn="ctr"/>
+            <a:endParaRPr kumimoji="1" lang="ja-JP" altLang="en-US"/>
+          </a:p>
+        </p:txBody>
+      </p:sp>
+      <p:sp>
+        <p:nvSpPr>
+          <p:cNvPr id="3" name="正方形/長方形 2"/>
+          <p:cNvSpPr/>
+          <p:nvPr/>
+        </p:nvSpPr>
+        <p:spPr>
+          <a:xfrm>
+            <a:off x="827584" y="980728"/>
+            <a:ext cx="6912768" cy="4248472"/>
+          </a:xfrm>
+          <a:prstGeom prst="rect">
+            <a:avLst/>
+          </a:prstGeom>
+          <a:solidFill>
+            <a:schemeClr val="bg2"/>
+          </a:solidFill>
+        </p:spPr>
+        <p:style>
+          <a:lnRef idx="2">
+            <a:schemeClr val="dk1"/>
+          </a:lnRef>
+          <a:fillRef idx="1">
+            <a:schemeClr val="lt1"/>
+          </a:fillRef>
+          <a:effectRef idx="0">
+            <a:schemeClr val="dk1"/>
+          </a:effectRef>
+          <a:fontRef idx="minor">
+            <a:schemeClr val="dk1"/>
+          </a:fontRef>
+        </p:style>
+        <p:txBody>
+          <a:bodyPr rtlCol="0" anchor="t"/>
+          <a:lstStyle/>
+          <a:p>
+            <a:r>
+              <a:rPr lang="ja-JP" altLang="en-US" dirty="0" smtClean="0"/>
+              <a:t>共有</a:t>
+            </a:r>
+            <a:endParaRPr lang="en-US" altLang="ja-JP" dirty="0" smtClean="0"/>
+          </a:p>
+          <a:p>
+            <a:endParaRPr lang="en-US" altLang="ja-JP" dirty="0" smtClean="0"/>
+          </a:p>
+          <a:p>
+            <a:endParaRPr lang="en-US" altLang="ja-JP" dirty="0" smtClean="0"/>
+          </a:p>
+          <a:p>
+            <a:endParaRPr lang="en-US" altLang="ja-JP" dirty="0" smtClean="0"/>
+          </a:p>
+          <a:p>
+            <a:endParaRPr lang="en-US" altLang="ja-JP" dirty="0" smtClean="0"/>
+          </a:p>
+          <a:p>
+            <a:endParaRPr lang="en-US" altLang="ja-JP" dirty="0" smtClean="0"/>
+          </a:p>
+        </p:txBody>
+      </p:sp>
+      <p:sp>
+        <p:nvSpPr>
+          <p:cNvPr id="7" name="正方形/長方形 6"/>
+          <p:cNvSpPr/>
+          <p:nvPr/>
+        </p:nvSpPr>
+        <p:spPr>
+          <a:xfrm>
+            <a:off x="1475656" y="1340768"/>
+            <a:ext cx="1152128" cy="2088232"/>
+          </a:xfrm>
+          <a:prstGeom prst="rect">
+            <a:avLst/>
+          </a:prstGeom>
+        </p:spPr>
+        <p:style>
+          <a:lnRef idx="2">
+            <a:schemeClr val="dk1"/>
+          </a:lnRef>
+          <a:fillRef idx="1">
+            <a:schemeClr val="lt1"/>
+          </a:fillRef>
+          <a:effectRef idx="0">
+            <a:schemeClr val="dk1"/>
+          </a:effectRef>
+          <a:fontRef idx="minor">
+            <a:schemeClr val="dk1"/>
+          </a:fontRef>
+        </p:style>
+        <p:txBody>
+          <a:bodyPr rtlCol="0" anchor="t"/>
+          <a:lstStyle/>
+          <a:p>
+            <a:pPr algn="ctr"/>
+            <a:r>
+              <a:rPr kumimoji="1" lang="en-US" altLang="ja-JP" dirty="0" smtClean="0"/>
+              <a:t>Group</a:t>
+            </a:r>
+          </a:p>
+          <a:p>
+            <a:pPr algn="ctr"/>
+            <a:endParaRPr lang="en-US" altLang="ja-JP" dirty="0" smtClean="0"/>
+          </a:p>
+          <a:p>
+            <a:pPr algn="ctr"/>
+            <a:endParaRPr kumimoji="1" lang="en-US" altLang="ja-JP" dirty="0" smtClean="0"/>
+          </a:p>
+          <a:p>
+            <a:endParaRPr kumimoji="1" lang="en-US" altLang="ja-JP" sz="900" dirty="0" smtClean="0"/>
+          </a:p>
+          <a:p>
+            <a:r>
+              <a:rPr kumimoji="1" lang="en-US" altLang="ja-JP" sz="900" dirty="0" smtClean="0"/>
+              <a:t>1</a:t>
+            </a:r>
+            <a:r>
+              <a:rPr lang="ja-JP" altLang="en-US" sz="900" dirty="0" smtClean="0"/>
+              <a:t>番上のカード操作</a:t>
+            </a:r>
+            <a:endParaRPr lang="en-US" altLang="ja-JP" sz="900" dirty="0" smtClean="0"/>
+          </a:p>
+          <a:p>
+            <a:r>
+              <a:rPr kumimoji="1" lang="ja-JP" altLang="en-US" sz="900" dirty="0" smtClean="0"/>
+              <a:t>配る</a:t>
+            </a:r>
+            <a:endParaRPr kumimoji="1" lang="en-US" altLang="ja-JP" sz="900" dirty="0" smtClean="0"/>
+          </a:p>
+          <a:p>
+            <a:r>
+              <a:rPr lang="ja-JP" altLang="en-US" sz="900" dirty="0" smtClean="0"/>
+              <a:t>ランダムに広げる</a:t>
+            </a:r>
+            <a:endParaRPr lang="en-US" altLang="ja-JP" sz="900" dirty="0" smtClean="0"/>
+          </a:p>
+          <a:p>
+            <a:r>
+              <a:rPr kumimoji="1" lang="ja-JP" altLang="en-US" sz="900" dirty="0" smtClean="0"/>
+              <a:t>グループ内のシャッフル</a:t>
+            </a:r>
+            <a:endParaRPr kumimoji="1" lang="en-US" altLang="ja-JP" sz="900" dirty="0" smtClean="0"/>
+          </a:p>
+          <a:p>
+            <a:r>
+              <a:rPr kumimoji="1" lang="ja-JP" altLang="en-US" sz="900" dirty="0" smtClean="0"/>
+              <a:t>グループ内移動</a:t>
+            </a:r>
+            <a:endParaRPr kumimoji="1" lang="en-US" altLang="ja-JP" sz="900" dirty="0" smtClean="0"/>
+          </a:p>
+          <a:p>
+            <a:r>
+              <a:rPr lang="ja-JP" altLang="en-US" sz="900" dirty="0" smtClean="0"/>
+              <a:t>グループごと移動</a:t>
+            </a:r>
+            <a:endParaRPr kumimoji="1" lang="ja-JP" altLang="en-US" sz="900" dirty="0"/>
+          </a:p>
+        </p:txBody>
+      </p:sp>
+      <p:sp>
+        <p:nvSpPr>
           <p:cNvPr id="2" name="正方形/長方形 1"/>
           <p:cNvSpPr/>
           <p:nvPr/>
         </p:nvSpPr>
         <p:spPr>
           <a:xfrm>
-            <a:off x="611560" y="764704"/>
-            <a:ext cx="3600400" cy="1872208"/>
+            <a:off x="251520" y="332656"/>
+            <a:ext cx="3744416" cy="504056"/>
           </a:xfrm>
           <a:prstGeom prst="rect">
             <a:avLst/>
           </a:prstGeom>
-        </p:spPr>
-        <p:style>
-          <a:lnRef idx="1">
-            <a:schemeClr val="accent1"/>
-          </a:lnRef>
-          <a:fillRef idx="2">
-            <a:schemeClr val="accent1"/>
-          </a:fillRef>
-          <a:effectRef idx="1">
-            <a:schemeClr val="accent1"/>
+          <a:ln>
+            <a:noFill/>
+          </a:ln>
+        </p:spPr>
+        <p:style>
+          <a:lnRef idx="2">
+            <a:schemeClr val="dk1"/>
+          </a:lnRef>
+          <a:fillRef idx="1">
+            <a:schemeClr val="lt1"/>
+          </a:fillRef>
+          <a:effectRef idx="0">
+            <a:schemeClr val="dk1"/>
+          </a:effectRef>
+          <a:fontRef idx="minor">
+            <a:schemeClr val="dk1"/>
+          </a:fontRef>
+        </p:style>
+        <p:txBody>
+          <a:bodyPr rtlCol="0" anchor="ctr"/>
+          <a:lstStyle/>
+          <a:p>
+            <a:pPr algn="ctr"/>
+            <a:r>
+              <a:rPr kumimoji="1" lang="ja-JP" altLang="en-US" dirty="0" smtClean="0"/>
+              <a:t>ルールをシステムが意識</a:t>
+            </a:r>
+            <a:r>
+              <a:rPr lang="ja-JP" altLang="en-US" dirty="0" smtClean="0"/>
+              <a:t>しない</a:t>
+            </a:r>
+            <a:endParaRPr kumimoji="1" lang="ja-JP" altLang="en-US" dirty="0"/>
+          </a:p>
+        </p:txBody>
+      </p:sp>
+      <p:sp>
+        <p:nvSpPr>
+          <p:cNvPr id="4" name="正方形/長方形 3"/>
+          <p:cNvSpPr/>
+          <p:nvPr/>
+        </p:nvSpPr>
+        <p:spPr>
+          <a:xfrm>
+            <a:off x="827584" y="5229200"/>
+            <a:ext cx="6912768" cy="1368152"/>
+          </a:xfrm>
+          <a:prstGeom prst="rect">
+            <a:avLst/>
+          </a:prstGeom>
+          <a:solidFill>
+            <a:schemeClr val="accent2">
+              <a:lumMod val="20000"/>
+              <a:lumOff val="80000"/>
+            </a:schemeClr>
+          </a:solidFill>
+        </p:spPr>
+        <p:style>
+          <a:lnRef idx="2">
+            <a:schemeClr val="dk1"/>
+          </a:lnRef>
+          <a:fillRef idx="1">
+            <a:schemeClr val="lt1"/>
+          </a:fillRef>
+          <a:effectRef idx="0">
+            <a:schemeClr val="dk1"/>
           </a:effectRef>
           <a:fontRef idx="minor">
             <a:schemeClr val="dk1"/>
@@ -6435,164 +6908,402 @@
           <a:lstStyle/>
           <a:p>
             <a:r>
-              <a:rPr kumimoji="1" lang="en-US" altLang="ja-JP" dirty="0" smtClean="0"/>
-              <a:t>Card</a:t>
-            </a:r>
-          </a:p>
-          <a:p>
-            <a:r>
-              <a:rPr lang="en-US" altLang="ja-JP" sz="1200" dirty="0" err="1" smtClean="0"/>
-              <a:t>card_id</a:t>
-            </a:r>
+              <a:rPr kumimoji="1" lang="ja-JP" altLang="en-US" dirty="0" smtClean="0"/>
+              <a:t>固有</a:t>
+            </a:r>
+            <a:endParaRPr kumimoji="1" lang="ja-JP" altLang="en-US" dirty="0"/>
+          </a:p>
+        </p:txBody>
+      </p:sp>
+      <p:sp>
+        <p:nvSpPr>
+          <p:cNvPr id="5" name="正方形/長方形 4"/>
+          <p:cNvSpPr/>
+          <p:nvPr/>
+        </p:nvSpPr>
+        <p:spPr>
+          <a:xfrm>
+            <a:off x="1619672" y="1772816"/>
+            <a:ext cx="792088" cy="360040"/>
+          </a:xfrm>
+          <a:prstGeom prst="rect">
+            <a:avLst/>
+          </a:prstGeom>
+        </p:spPr>
+        <p:style>
+          <a:lnRef idx="2">
+            <a:schemeClr val="accent1">
+              <a:shade val="50000"/>
+            </a:schemeClr>
+          </a:lnRef>
+          <a:fillRef idx="1">
+            <a:schemeClr val="accent1"/>
+          </a:fillRef>
+          <a:effectRef idx="0">
+            <a:schemeClr val="accent1"/>
+          </a:effectRef>
+          <a:fontRef idx="minor">
+            <a:schemeClr val="lt1"/>
+          </a:fontRef>
+        </p:style>
+        <p:txBody>
+          <a:bodyPr rtlCol="0" anchor="ctr"/>
+          <a:lstStyle/>
+          <a:p>
+            <a:pPr algn="ctr"/>
+            <a:r>
+              <a:rPr kumimoji="1" lang="en-US" altLang="ja-JP" dirty="0" err="1" smtClean="0"/>
+              <a:t>CardN</a:t>
+            </a:r>
+            <a:endParaRPr kumimoji="1" lang="en-US" altLang="ja-JP" dirty="0" smtClean="0"/>
+          </a:p>
+        </p:txBody>
+      </p:sp>
+      <p:sp>
+        <p:nvSpPr>
+          <p:cNvPr id="6" name="正方形/長方形 5"/>
+          <p:cNvSpPr/>
+          <p:nvPr/>
+        </p:nvSpPr>
+        <p:spPr>
+          <a:xfrm>
+            <a:off x="1691680" y="1844824"/>
+            <a:ext cx="792088" cy="360040"/>
+          </a:xfrm>
+          <a:prstGeom prst="rect">
+            <a:avLst/>
+          </a:prstGeom>
+        </p:spPr>
+        <p:style>
+          <a:lnRef idx="2">
+            <a:schemeClr val="accent1">
+              <a:shade val="50000"/>
+            </a:schemeClr>
+          </a:lnRef>
+          <a:fillRef idx="1">
+            <a:schemeClr val="accent1"/>
+          </a:fillRef>
+          <a:effectRef idx="0">
+            <a:schemeClr val="accent1"/>
+          </a:effectRef>
+          <a:fontRef idx="minor">
+            <a:schemeClr val="lt1"/>
+          </a:fontRef>
+        </p:style>
+        <p:txBody>
+          <a:bodyPr rtlCol="0" anchor="ctr"/>
+          <a:lstStyle/>
+          <a:p>
+            <a:pPr algn="ctr"/>
+            <a:r>
+              <a:rPr kumimoji="1" lang="en-US" altLang="ja-JP" dirty="0" err="1" smtClean="0"/>
+              <a:t>CardN</a:t>
+            </a:r>
+            <a:endParaRPr kumimoji="1" lang="en-US" altLang="ja-JP" dirty="0" smtClean="0"/>
+          </a:p>
+        </p:txBody>
+      </p:sp>
+      <p:sp>
+        <p:nvSpPr>
+          <p:cNvPr id="8" name="正方形/長方形 7"/>
+          <p:cNvSpPr/>
+          <p:nvPr/>
+        </p:nvSpPr>
+        <p:spPr>
+          <a:xfrm>
+            <a:off x="3275856" y="1844824"/>
+            <a:ext cx="792088" cy="360040"/>
+          </a:xfrm>
+          <a:prstGeom prst="rect">
+            <a:avLst/>
+          </a:prstGeom>
+        </p:spPr>
+        <p:style>
+          <a:lnRef idx="2">
+            <a:schemeClr val="accent1">
+              <a:shade val="50000"/>
+            </a:schemeClr>
+          </a:lnRef>
+          <a:fillRef idx="1">
+            <a:schemeClr val="accent1"/>
+          </a:fillRef>
+          <a:effectRef idx="0">
+            <a:schemeClr val="accent1"/>
+          </a:effectRef>
+          <a:fontRef idx="minor">
+            <a:schemeClr val="lt1"/>
+          </a:fontRef>
+        </p:style>
+        <p:txBody>
+          <a:bodyPr rtlCol="0" anchor="ctr"/>
+          <a:lstStyle/>
+          <a:p>
+            <a:pPr algn="ctr"/>
+            <a:r>
+              <a:rPr kumimoji="1" lang="en-US" altLang="ja-JP" dirty="0" err="1" smtClean="0"/>
+              <a:t>CardN</a:t>
+            </a:r>
+            <a:endParaRPr kumimoji="1" lang="en-US" altLang="ja-JP" dirty="0" smtClean="0"/>
+          </a:p>
+        </p:txBody>
+      </p:sp>
+      <p:sp>
+        <p:nvSpPr>
+          <p:cNvPr id="9" name="正方形/長方形 8"/>
+          <p:cNvSpPr/>
+          <p:nvPr/>
+        </p:nvSpPr>
+        <p:spPr>
+          <a:xfrm>
+            <a:off x="3131840" y="1340768"/>
+            <a:ext cx="1080120" cy="1872208"/>
+          </a:xfrm>
+          <a:prstGeom prst="rect">
+            <a:avLst/>
+          </a:prstGeom>
+          <a:noFill/>
+          <a:ln>
+            <a:noFill/>
+          </a:ln>
+        </p:spPr>
+        <p:style>
+          <a:lnRef idx="2">
+            <a:schemeClr val="dk1"/>
+          </a:lnRef>
+          <a:fillRef idx="1">
+            <a:schemeClr val="lt1"/>
+          </a:fillRef>
+          <a:effectRef idx="0">
+            <a:schemeClr val="dk1"/>
+          </a:effectRef>
+          <a:fontRef idx="minor">
+            <a:schemeClr val="dk1"/>
+          </a:fontRef>
+        </p:style>
+        <p:txBody>
+          <a:bodyPr rtlCol="0" anchor="t"/>
+          <a:lstStyle/>
+          <a:p>
+            <a:pPr algn="ctr"/>
+            <a:endParaRPr kumimoji="1" lang="en-US" altLang="ja-JP" dirty="0" smtClean="0"/>
+          </a:p>
+          <a:p>
+            <a:pPr algn="ctr"/>
+            <a:endParaRPr lang="en-US" altLang="ja-JP" dirty="0" smtClean="0"/>
+          </a:p>
+          <a:p>
+            <a:pPr algn="ctr"/>
+            <a:endParaRPr kumimoji="1" lang="en-US" altLang="ja-JP" dirty="0" smtClean="0"/>
+          </a:p>
+          <a:p>
+            <a:endParaRPr kumimoji="1" lang="en-US" altLang="ja-JP" sz="900" dirty="0" smtClean="0"/>
+          </a:p>
+          <a:p>
+            <a:r>
+              <a:rPr kumimoji="1" lang="ja-JP" altLang="en-US" sz="900" dirty="0" smtClean="0"/>
+              <a:t>ひっくり返す</a:t>
+            </a:r>
+            <a:endParaRPr kumimoji="1" lang="en-US" altLang="ja-JP" sz="900" dirty="0" smtClean="0"/>
+          </a:p>
+          <a:p>
+            <a:r>
+              <a:rPr lang="ja-JP" altLang="en-US" sz="900" dirty="0" smtClean="0"/>
+              <a:t>移動</a:t>
+            </a:r>
+            <a:endParaRPr lang="en-US" altLang="ja-JP" sz="900" dirty="0" smtClean="0"/>
+          </a:p>
+          <a:p>
+            <a:r>
+              <a:rPr lang="ja-JP" altLang="en-US" sz="900" dirty="0" smtClean="0"/>
+              <a:t>特定の誰かに見せる</a:t>
+            </a:r>
+            <a:endParaRPr lang="en-US" altLang="ja-JP" sz="900" dirty="0" smtClean="0"/>
+          </a:p>
+        </p:txBody>
+      </p:sp>
+      <p:sp>
+        <p:nvSpPr>
+          <p:cNvPr id="10" name="正方形/長方形 9"/>
+          <p:cNvSpPr/>
+          <p:nvPr/>
+        </p:nvSpPr>
+        <p:spPr>
+          <a:xfrm>
+            <a:off x="7956376" y="908720"/>
+            <a:ext cx="936104" cy="648072"/>
+          </a:xfrm>
+          <a:prstGeom prst="rect">
+            <a:avLst/>
+          </a:prstGeom>
+          <a:solidFill>
+            <a:schemeClr val="accent2">
+              <a:lumMod val="20000"/>
+              <a:lumOff val="80000"/>
+            </a:schemeClr>
+          </a:solidFill>
+        </p:spPr>
+        <p:style>
+          <a:lnRef idx="2">
+            <a:schemeClr val="dk1"/>
+          </a:lnRef>
+          <a:fillRef idx="1">
+            <a:schemeClr val="lt1"/>
+          </a:fillRef>
+          <a:effectRef idx="0">
+            <a:schemeClr val="dk1"/>
+          </a:effectRef>
+          <a:fontRef idx="minor">
+            <a:schemeClr val="dk1"/>
+          </a:fontRef>
+        </p:style>
+        <p:txBody>
+          <a:bodyPr rtlCol="0" anchor="t"/>
+          <a:lstStyle/>
+          <a:p>
+            <a:r>
+              <a:rPr kumimoji="1" lang="ja-JP" altLang="en-US" dirty="0" smtClean="0"/>
+              <a:t>固有</a:t>
+            </a:r>
+            <a:endParaRPr kumimoji="1" lang="en-US" altLang="ja-JP" dirty="0" smtClean="0"/>
+          </a:p>
+          <a:p>
             <a:r>
               <a:rPr lang="en-US" altLang="ja-JP" sz="1200" dirty="0" smtClean="0"/>
-              <a:t>:</a:t>
+              <a:t>(</a:t>
             </a:r>
             <a:r>
               <a:rPr lang="ja-JP" altLang="en-US" sz="1200" dirty="0" smtClean="0"/>
-              <a:t>カード固有</a:t>
-            </a:r>
-            <a:r>
-              <a:rPr lang="en-US" altLang="ja-JP" sz="1200" dirty="0" smtClean="0"/>
-              <a:t>ID (</a:t>
-            </a:r>
-            <a:r>
-              <a:rPr lang="ja-JP" altLang="en-US" sz="1200" dirty="0" smtClean="0"/>
-              <a:t>同じカード</a:t>
-            </a:r>
-            <a:r>
-              <a:rPr lang="en-US" altLang="ja-JP" sz="1200" dirty="0" smtClean="0"/>
-              <a:t>2</a:t>
-            </a:r>
-            <a:r>
-              <a:rPr lang="ja-JP" altLang="en-US" sz="1200" dirty="0" smtClean="0"/>
-              <a:t>枚でも別番号</a:t>
+              <a:t>他ユーザ</a:t>
             </a:r>
             <a:r>
               <a:rPr lang="en-US" altLang="ja-JP" sz="1200" dirty="0" smtClean="0"/>
               <a:t>)</a:t>
             </a:r>
-          </a:p>
-          <a:p>
-            <a:r>
-              <a:rPr lang="en-US" altLang="ja-JP" sz="1200" dirty="0" err="1" smtClean="0"/>
-              <a:t>image_ids</a:t>
-            </a:r>
-            <a:r>
-              <a:rPr lang="en-US" altLang="ja-JP" sz="1200" dirty="0" smtClean="0"/>
-              <a:t>:[closed</a:t>
-            </a:r>
-            <a:r>
-              <a:rPr lang="ja-JP" altLang="en-US" sz="1200" dirty="0" smtClean="0"/>
-              <a:t>状態の</a:t>
-            </a:r>
-            <a:r>
-              <a:rPr lang="en-US" altLang="ja-JP" sz="1200" dirty="0" err="1" smtClean="0"/>
-              <a:t>ID,opened</a:t>
-            </a:r>
-            <a:r>
-              <a:rPr lang="ja-JP" altLang="en-US" sz="1200" dirty="0" smtClean="0"/>
-              <a:t>状態の</a:t>
-            </a:r>
-            <a:r>
-              <a:rPr lang="en-US" altLang="ja-JP" sz="1200" dirty="0" smtClean="0"/>
-              <a:t>ID]</a:t>
-            </a:r>
-          </a:p>
-          <a:p>
-            <a:r>
-              <a:rPr lang="en-US" altLang="ja-JP" sz="1200" dirty="0" err="1" smtClean="0"/>
-              <a:t>x,y</a:t>
-            </a:r>
-            <a:r>
-              <a:rPr lang="en-US" altLang="ja-JP" sz="1200" dirty="0" smtClean="0"/>
-              <a:t>:</a:t>
-            </a:r>
-            <a:r>
-              <a:rPr lang="ja-JP" altLang="en-US" sz="1200" dirty="0" smtClean="0"/>
-              <a:t>座標</a:t>
-            </a:r>
+            <a:endParaRPr kumimoji="1" lang="ja-JP" altLang="en-US" dirty="0"/>
+          </a:p>
+        </p:txBody>
+      </p:sp>
+      <p:sp>
+        <p:nvSpPr>
+          <p:cNvPr id="11" name="正方形/長方形 10"/>
+          <p:cNvSpPr/>
+          <p:nvPr/>
+        </p:nvSpPr>
+        <p:spPr>
+          <a:xfrm>
+            <a:off x="7956376" y="1628800"/>
+            <a:ext cx="936104" cy="648072"/>
+          </a:xfrm>
+          <a:prstGeom prst="rect">
+            <a:avLst/>
+          </a:prstGeom>
+          <a:solidFill>
+            <a:schemeClr val="accent2">
+              <a:lumMod val="20000"/>
+              <a:lumOff val="80000"/>
+            </a:schemeClr>
+          </a:solidFill>
+        </p:spPr>
+        <p:style>
+          <a:lnRef idx="2">
+            <a:schemeClr val="dk1"/>
+          </a:lnRef>
+          <a:fillRef idx="1">
+            <a:schemeClr val="lt1"/>
+          </a:fillRef>
+          <a:effectRef idx="0">
+            <a:schemeClr val="dk1"/>
+          </a:effectRef>
+          <a:fontRef idx="minor">
+            <a:schemeClr val="dk1"/>
+          </a:fontRef>
+        </p:style>
+        <p:txBody>
+          <a:bodyPr rtlCol="0" anchor="t"/>
+          <a:lstStyle/>
+          <a:p>
+            <a:r>
+              <a:rPr kumimoji="1" lang="ja-JP" altLang="en-US" dirty="0" smtClean="0"/>
+              <a:t>固有</a:t>
+            </a:r>
+            <a:endParaRPr kumimoji="1" lang="en-US" altLang="ja-JP" dirty="0" smtClean="0"/>
+          </a:p>
+          <a:p>
             <a:r>
               <a:rPr lang="en-US" altLang="ja-JP" sz="1200" dirty="0" smtClean="0"/>
               <a:t>(</a:t>
             </a:r>
             <a:r>
               <a:rPr lang="ja-JP" altLang="en-US" sz="1200" dirty="0" smtClean="0"/>
-              <a:t>ピクセル</a:t>
+              <a:t>他ユーザ</a:t>
             </a:r>
             <a:r>
               <a:rPr lang="en-US" altLang="ja-JP" sz="1200" dirty="0" smtClean="0"/>
               <a:t>)</a:t>
             </a:r>
-          </a:p>
-          <a:p>
-            <a:r>
-              <a:rPr lang="en-US" altLang="ja-JP" sz="1200" dirty="0" smtClean="0"/>
-              <a:t>z:</a:t>
-            </a:r>
-            <a:r>
-              <a:rPr lang="ja-JP" altLang="en-US" sz="1200" dirty="0" smtClean="0"/>
-              <a:t>表示順</a:t>
-            </a:r>
+            <a:endParaRPr kumimoji="1" lang="ja-JP" altLang="en-US" dirty="0"/>
+          </a:p>
+        </p:txBody>
+      </p:sp>
+      <p:sp>
+        <p:nvSpPr>
+          <p:cNvPr id="12" name="正方形/長方形 11"/>
+          <p:cNvSpPr/>
+          <p:nvPr/>
+        </p:nvSpPr>
+        <p:spPr>
+          <a:xfrm>
+            <a:off x="7956376" y="2348880"/>
+            <a:ext cx="936104" cy="648072"/>
+          </a:xfrm>
+          <a:prstGeom prst="rect">
+            <a:avLst/>
+          </a:prstGeom>
+          <a:solidFill>
+            <a:schemeClr val="accent2">
+              <a:lumMod val="20000"/>
+              <a:lumOff val="80000"/>
+            </a:schemeClr>
+          </a:solidFill>
+        </p:spPr>
+        <p:style>
+          <a:lnRef idx="2">
+            <a:schemeClr val="dk1"/>
+          </a:lnRef>
+          <a:fillRef idx="1">
+            <a:schemeClr val="lt1"/>
+          </a:fillRef>
+          <a:effectRef idx="0">
+            <a:schemeClr val="dk1"/>
+          </a:effectRef>
+          <a:fontRef idx="minor">
+            <a:schemeClr val="dk1"/>
+          </a:fontRef>
+        </p:style>
+        <p:txBody>
+          <a:bodyPr rtlCol="0" anchor="t"/>
+          <a:lstStyle/>
+          <a:p>
+            <a:r>
+              <a:rPr kumimoji="1" lang="ja-JP" altLang="en-US" dirty="0" smtClean="0"/>
+              <a:t>固有</a:t>
+            </a:r>
+            <a:endParaRPr kumimoji="1" lang="en-US" altLang="ja-JP" dirty="0" smtClean="0"/>
+          </a:p>
+          <a:p>
             <a:r>
               <a:rPr lang="en-US" altLang="ja-JP" sz="1200" dirty="0" smtClean="0"/>
               <a:t>(</a:t>
             </a:r>
             <a:r>
               <a:rPr lang="ja-JP" altLang="en-US" sz="1200" dirty="0" smtClean="0"/>
-              <a:t>大きいほど手前</a:t>
+              <a:t>他ユーザ</a:t>
             </a:r>
             <a:r>
               <a:rPr lang="en-US" altLang="ja-JP" sz="1200" dirty="0" smtClean="0"/>
               <a:t>)</a:t>
             </a:r>
-          </a:p>
-          <a:p>
-            <a:r>
-              <a:rPr lang="en-US" altLang="ja-JP" sz="1200" dirty="0" smtClean="0"/>
-              <a:t>opened:</a:t>
-            </a:r>
-            <a:r>
-              <a:rPr lang="ja-JP" altLang="en-US" sz="1200" dirty="0" smtClean="0"/>
-              <a:t>開いた状態かどうか</a:t>
-            </a:r>
-            <a:endParaRPr lang="en-US" altLang="ja-JP" sz="1200" dirty="0" smtClean="0"/>
-          </a:p>
-          <a:p>
-            <a:r>
-              <a:rPr lang="en-US" altLang="ja-JP" sz="1200" dirty="0" smtClean="0"/>
-              <a:t>user:</a:t>
-            </a:r>
-            <a:r>
-              <a:rPr lang="ja-JP" altLang="en-US" sz="1200" dirty="0" smtClean="0"/>
-              <a:t>所有ユーザ</a:t>
-            </a:r>
-            <a:r>
-              <a:rPr lang="en-US" altLang="ja-JP" sz="1200" dirty="0" smtClean="0"/>
-              <a:t>(null</a:t>
-            </a:r>
-            <a:r>
-              <a:rPr lang="ja-JP" altLang="en-US" sz="1200" dirty="0" smtClean="0"/>
-              <a:t>なら共有</a:t>
-            </a:r>
-            <a:r>
-              <a:rPr lang="en-US" altLang="ja-JP" sz="1200" dirty="0" smtClean="0"/>
-              <a:t>)</a:t>
-            </a:r>
-          </a:p>
-          <a:p>
-            <a:r>
-              <a:rPr lang="en-US" altLang="ja-JP" sz="1200" dirty="0" err="1" smtClean="0"/>
-              <a:t>group:TODO</a:t>
-            </a:r>
-            <a:endParaRPr lang="en-US" altLang="ja-JP" sz="1200" dirty="0" smtClean="0"/>
-          </a:p>
-          <a:p>
-            <a:r>
-              <a:rPr lang="en-US" altLang="ja-JP" sz="1200" dirty="0" err="1" smtClean="0"/>
-              <a:t>zgroup:TODO</a:t>
-            </a:r>
-            <a:endParaRPr lang="en-US" altLang="ja-JP" sz="1200" dirty="0" smtClean="0"/>
+            <a:endParaRPr kumimoji="1" lang="ja-JP" altLang="en-US" dirty="0"/>
           </a:p>
         </p:txBody>
       </p:sp>
@@ -6629,794 +7340,190 @@
         </p:nvSpPr>
         <p:spPr>
           <a:xfrm>
-            <a:off x="1115616" y="1268760"/>
-            <a:ext cx="4968552" cy="3096344"/>
+            <a:off x="611560" y="764704"/>
+            <a:ext cx="3600400" cy="1872208"/>
           </a:xfrm>
           <a:prstGeom prst="rect">
             <a:avLst/>
           </a:prstGeom>
-          <a:solidFill>
-            <a:srgbClr val="00B050"/>
-          </a:solidFill>
-        </p:spPr>
-        <p:style>
-          <a:lnRef idx="2">
-            <a:schemeClr val="accent1">
-              <a:shade val="50000"/>
-            </a:schemeClr>
-          </a:lnRef>
-          <a:fillRef idx="1">
-            <a:schemeClr val="accent1"/>
-          </a:fillRef>
-          <a:effectRef idx="0">
-            <a:schemeClr val="accent1"/>
-          </a:effectRef>
-          <a:fontRef idx="minor">
-            <a:schemeClr val="lt1"/>
-          </a:fontRef>
-        </p:style>
-        <p:txBody>
-          <a:bodyPr rtlCol="0" anchor="ctr"/>
-          <a:lstStyle/>
-          <a:p>
-            <a:pPr algn="ctr"/>
-            <a:endParaRPr kumimoji="1" lang="ja-JP" altLang="en-US"/>
-          </a:p>
-        </p:txBody>
-      </p:sp>
-      <p:sp>
-        <p:nvSpPr>
-          <p:cNvPr id="3" name="正方形/長方形 2"/>
-          <p:cNvSpPr/>
-          <p:nvPr/>
-        </p:nvSpPr>
-        <p:spPr>
-          <a:xfrm>
-            <a:off x="1547664" y="4365104"/>
-            <a:ext cx="4536504" cy="648072"/>
-          </a:xfrm>
-          <a:prstGeom prst="rect">
-            <a:avLst/>
-          </a:prstGeom>
-        </p:spPr>
-        <p:style>
-          <a:lnRef idx="2">
-            <a:schemeClr val="accent1">
-              <a:shade val="50000"/>
-            </a:schemeClr>
-          </a:lnRef>
-          <a:fillRef idx="1">
-            <a:schemeClr val="accent1"/>
-          </a:fillRef>
-          <a:effectRef idx="0">
-            <a:schemeClr val="accent1"/>
-          </a:effectRef>
-          <a:fontRef idx="minor">
-            <a:schemeClr val="lt1"/>
-          </a:fontRef>
-        </p:style>
-        <p:txBody>
-          <a:bodyPr rtlCol="0" anchor="ctr"/>
-          <a:lstStyle/>
-          <a:p>
-            <a:pPr algn="ctr"/>
+        </p:spPr>
+        <p:style>
+          <a:lnRef idx="1">
+            <a:schemeClr val="accent1"/>
+          </a:lnRef>
+          <a:fillRef idx="2">
+            <a:schemeClr val="accent1"/>
+          </a:fillRef>
+          <a:effectRef idx="1">
+            <a:schemeClr val="accent1"/>
+          </a:effectRef>
+          <a:fontRef idx="minor">
+            <a:schemeClr val="dk1"/>
+          </a:fontRef>
+        </p:style>
+        <p:txBody>
+          <a:bodyPr rtlCol="0" anchor="t"/>
+          <a:lstStyle/>
+          <a:p>
             <a:r>
               <a:rPr kumimoji="1" lang="en-US" altLang="ja-JP" dirty="0" smtClean="0"/>
-              <a:t>My cards</a:t>
-            </a:r>
-            <a:endParaRPr kumimoji="1" lang="ja-JP" altLang="en-US" dirty="0"/>
-          </a:p>
-        </p:txBody>
-      </p:sp>
-      <p:sp>
-        <p:nvSpPr>
-          <p:cNvPr id="4" name="正方形/長方形 3"/>
-          <p:cNvSpPr/>
-          <p:nvPr/>
-        </p:nvSpPr>
-        <p:spPr>
-          <a:xfrm>
-            <a:off x="6084168" y="1268760"/>
-            <a:ext cx="648072" cy="1512168"/>
-          </a:xfrm>
-          <a:prstGeom prst="rect">
-            <a:avLst/>
-          </a:prstGeom>
-          <a:solidFill>
-            <a:srgbClr val="FFC000"/>
-          </a:solidFill>
-        </p:spPr>
-        <p:style>
-          <a:lnRef idx="2">
-            <a:schemeClr val="accent1">
-              <a:shade val="50000"/>
-            </a:schemeClr>
-          </a:lnRef>
-          <a:fillRef idx="1">
-            <a:schemeClr val="accent1"/>
-          </a:fillRef>
-          <a:effectRef idx="0">
-            <a:schemeClr val="accent1"/>
-          </a:effectRef>
-          <a:fontRef idx="minor">
-            <a:schemeClr val="lt1"/>
-          </a:fontRef>
-        </p:style>
-        <p:txBody>
-          <a:bodyPr rtlCol="0" anchor="ctr"/>
-          <a:lstStyle/>
-          <a:p>
-            <a:pPr algn="ctr"/>
-            <a:r>
-              <a:rPr kumimoji="1" lang="en-US" altLang="ja-JP" dirty="0" smtClean="0"/>
-              <a:t>Users</a:t>
-            </a:r>
-            <a:endParaRPr kumimoji="1" lang="ja-JP" altLang="en-US" dirty="0"/>
-          </a:p>
-        </p:txBody>
-      </p:sp>
-      <p:sp>
-        <p:nvSpPr>
-          <p:cNvPr id="10" name="正方形/長方形 9"/>
-          <p:cNvSpPr/>
-          <p:nvPr/>
-        </p:nvSpPr>
-        <p:spPr>
-          <a:xfrm>
-            <a:off x="1115616" y="4365104"/>
-            <a:ext cx="432048" cy="648072"/>
-          </a:xfrm>
-          <a:prstGeom prst="rect">
-            <a:avLst/>
-          </a:prstGeom>
-          <a:solidFill>
-            <a:schemeClr val="bg1">
-              <a:lumMod val="65000"/>
-            </a:schemeClr>
-          </a:solidFill>
-        </p:spPr>
-        <p:style>
-          <a:lnRef idx="2">
-            <a:schemeClr val="accent1">
-              <a:shade val="50000"/>
-            </a:schemeClr>
-          </a:lnRef>
-          <a:fillRef idx="1">
-            <a:schemeClr val="accent1"/>
-          </a:fillRef>
-          <a:effectRef idx="0">
-            <a:schemeClr val="accent1"/>
-          </a:effectRef>
-          <a:fontRef idx="minor">
-            <a:schemeClr val="lt1"/>
-          </a:fontRef>
-        </p:style>
-        <p:txBody>
-          <a:bodyPr rtlCol="0" anchor="ctr"/>
-          <a:lstStyle/>
-          <a:p>
-            <a:pPr algn="ctr"/>
-            <a:r>
-              <a:rPr kumimoji="1" lang="en-US" altLang="ja-JP" sz="700" dirty="0" smtClean="0"/>
-              <a:t>myself</a:t>
-            </a:r>
-            <a:endParaRPr kumimoji="1" lang="ja-JP" altLang="en-US" sz="700" dirty="0"/>
-          </a:p>
-        </p:txBody>
-      </p:sp>
-      <p:sp>
-        <p:nvSpPr>
-          <p:cNvPr id="11" name="上下矢印 10"/>
-          <p:cNvSpPr/>
-          <p:nvPr/>
-        </p:nvSpPr>
-        <p:spPr>
-          <a:xfrm>
-            <a:off x="6588224" y="1268760"/>
-            <a:ext cx="144016" cy="1512168"/>
-          </a:xfrm>
-          <a:prstGeom prst="upDownArrow">
-            <a:avLst/>
-          </a:prstGeom>
-        </p:spPr>
-        <p:style>
-          <a:lnRef idx="2">
-            <a:schemeClr val="accent1">
-              <a:shade val="50000"/>
-            </a:schemeClr>
-          </a:lnRef>
-          <a:fillRef idx="1">
-            <a:schemeClr val="accent1"/>
-          </a:fillRef>
-          <a:effectRef idx="0">
-            <a:schemeClr val="accent1"/>
-          </a:effectRef>
-          <a:fontRef idx="minor">
-            <a:schemeClr val="lt1"/>
-          </a:fontRef>
-        </p:style>
-        <p:txBody>
-          <a:bodyPr rtlCol="0" anchor="ctr"/>
-          <a:lstStyle/>
-          <a:p>
-            <a:pPr algn="ctr"/>
-            <a:endParaRPr kumimoji="1" lang="ja-JP" altLang="en-US"/>
-          </a:p>
-        </p:txBody>
-      </p:sp>
-      <p:pic>
-        <p:nvPicPr>
-          <p:cNvPr id="1026" name="Picture 2" descr="G:\vim_kim.png"/>
-          <p:cNvPicPr>
-            <a:picLocks noChangeAspect="1" noChangeArrowheads="1"/>
-          </p:cNvPicPr>
-          <p:nvPr/>
-        </p:nvPicPr>
-        <p:blipFill>
-          <a:blip r:embed="rId2" cstate="print"/>
-          <a:srcRect/>
-          <a:stretch>
-            <a:fillRect/>
-          </a:stretch>
-        </p:blipFill>
-        <p:spPr bwMode="auto">
-          <a:xfrm>
-            <a:off x="1187624" y="4365104"/>
-            <a:ext cx="288032" cy="288032"/>
-          </a:xfrm>
-          <a:prstGeom prst="rect">
-            <a:avLst/>
-          </a:prstGeom>
-          <a:noFill/>
-        </p:spPr>
-      </p:pic>
-      <p:sp>
-        <p:nvSpPr>
-          <p:cNvPr id="13" name="左大かっこ 12"/>
-          <p:cNvSpPr/>
-          <p:nvPr/>
-        </p:nvSpPr>
-        <p:spPr>
-          <a:xfrm>
-            <a:off x="899592" y="1268760"/>
-            <a:ext cx="144016" cy="3744416"/>
-          </a:xfrm>
-          <a:prstGeom prst="leftBracket">
-            <a:avLst>
-              <a:gd name="adj" fmla="val 229897"/>
-            </a:avLst>
-          </a:prstGeom>
-        </p:spPr>
-        <p:style>
-          <a:lnRef idx="1">
-            <a:schemeClr val="accent1"/>
-          </a:lnRef>
-          <a:fillRef idx="0">
-            <a:schemeClr val="accent1"/>
-          </a:fillRef>
-          <a:effectRef idx="0">
-            <a:schemeClr val="accent1"/>
-          </a:effectRef>
-          <a:fontRef idx="minor">
-            <a:schemeClr val="tx1"/>
-          </a:fontRef>
-        </p:style>
-        <p:txBody>
-          <a:bodyPr rtlCol="0" anchor="ctr"/>
-          <a:lstStyle/>
-          <a:p>
-            <a:pPr algn="ctr"/>
-            <a:endParaRPr kumimoji="1" lang="ja-JP" altLang="en-US"/>
-          </a:p>
-        </p:txBody>
-      </p:sp>
-      <p:sp>
-        <p:nvSpPr>
-          <p:cNvPr id="14" name="左大かっこ 13"/>
-          <p:cNvSpPr/>
-          <p:nvPr/>
-        </p:nvSpPr>
-        <p:spPr>
-          <a:xfrm rot="5400000">
-            <a:off x="3851920" y="-1683568"/>
-            <a:ext cx="144016" cy="5616624"/>
-          </a:xfrm>
-          <a:prstGeom prst="leftBracket">
-            <a:avLst>
-              <a:gd name="adj" fmla="val 229897"/>
-            </a:avLst>
-          </a:prstGeom>
-        </p:spPr>
-        <p:style>
-          <a:lnRef idx="1">
-            <a:schemeClr val="accent1"/>
-          </a:lnRef>
-          <a:fillRef idx="0">
-            <a:schemeClr val="accent1"/>
-          </a:fillRef>
-          <a:effectRef idx="0">
-            <a:schemeClr val="accent1"/>
-          </a:effectRef>
-          <a:fontRef idx="minor">
-            <a:schemeClr val="tx1"/>
-          </a:fontRef>
-        </p:style>
-        <p:txBody>
-          <a:bodyPr rtlCol="0" anchor="ctr"/>
-          <a:lstStyle/>
-          <a:p>
-            <a:pPr algn="ctr"/>
-            <a:endParaRPr kumimoji="1" lang="ja-JP" altLang="en-US"/>
-          </a:p>
-        </p:txBody>
-      </p:sp>
-      <p:sp>
-        <p:nvSpPr>
-          <p:cNvPr id="15" name="正方形/長方形 14"/>
-          <p:cNvSpPr/>
-          <p:nvPr/>
-        </p:nvSpPr>
-        <p:spPr>
-          <a:xfrm>
-            <a:off x="1115616" y="836712"/>
-            <a:ext cx="5616624" cy="216024"/>
-          </a:xfrm>
-          <a:prstGeom prst="rect">
-            <a:avLst/>
-          </a:prstGeom>
-          <a:noFill/>
-          <a:ln>
-            <a:noFill/>
-          </a:ln>
-        </p:spPr>
-        <p:style>
-          <a:lnRef idx="2">
-            <a:schemeClr val="dk1"/>
-          </a:lnRef>
-          <a:fillRef idx="1">
-            <a:schemeClr val="lt1"/>
-          </a:fillRef>
-          <a:effectRef idx="0">
-            <a:schemeClr val="dk1"/>
-          </a:effectRef>
-          <a:fontRef idx="minor">
-            <a:schemeClr val="dk1"/>
-          </a:fontRef>
-        </p:style>
-        <p:txBody>
-          <a:bodyPr rtlCol="0" anchor="ctr"/>
-          <a:lstStyle/>
-          <a:p>
-            <a:pPr algn="ctr"/>
-            <a:r>
-              <a:rPr kumimoji="1" lang="en-US" altLang="ja-JP" dirty="0" smtClean="0"/>
-              <a:t>16</a:t>
-            </a:r>
-            <a:endParaRPr kumimoji="1" lang="ja-JP" altLang="en-US" dirty="0"/>
-          </a:p>
-        </p:txBody>
-      </p:sp>
-      <p:sp>
-        <p:nvSpPr>
-          <p:cNvPr id="16" name="正方形/長方形 15"/>
-          <p:cNvSpPr/>
-          <p:nvPr/>
-        </p:nvSpPr>
-        <p:spPr>
-          <a:xfrm>
-            <a:off x="683568" y="1268760"/>
-            <a:ext cx="216024" cy="3744416"/>
-          </a:xfrm>
-          <a:prstGeom prst="rect">
-            <a:avLst/>
-          </a:prstGeom>
-          <a:noFill/>
-          <a:ln>
-            <a:noFill/>
-          </a:ln>
-        </p:spPr>
-        <p:style>
-          <a:lnRef idx="2">
-            <a:schemeClr val="dk1"/>
-          </a:lnRef>
-          <a:fillRef idx="1">
-            <a:schemeClr val="lt1"/>
-          </a:fillRef>
-          <a:effectRef idx="0">
-            <a:schemeClr val="dk1"/>
-          </a:effectRef>
-          <a:fontRef idx="minor">
-            <a:schemeClr val="dk1"/>
-          </a:fontRef>
-        </p:style>
-        <p:txBody>
-          <a:bodyPr rtlCol="0" anchor="ctr"/>
-          <a:lstStyle/>
-          <a:p>
-            <a:pPr algn="ctr"/>
-            <a:r>
-              <a:rPr kumimoji="1" lang="en-US" altLang="ja-JP" dirty="0" smtClean="0"/>
-              <a:t>9</a:t>
-            </a:r>
-            <a:endParaRPr kumimoji="1" lang="ja-JP" altLang="en-US" dirty="0"/>
-          </a:p>
-        </p:txBody>
-      </p:sp>
-      <p:pic>
-        <p:nvPicPr>
-          <p:cNvPr id="1027" name="Picture 3" descr="G:\logo_white.png"/>
-          <p:cNvPicPr>
-            <a:picLocks noChangeAspect="1" noChangeArrowheads="1"/>
-          </p:cNvPicPr>
-          <p:nvPr/>
-        </p:nvPicPr>
-        <p:blipFill>
-          <a:blip r:embed="rId3" cstate="print"/>
-          <a:srcRect/>
-          <a:stretch>
-            <a:fillRect/>
-          </a:stretch>
-        </p:blipFill>
-        <p:spPr bwMode="auto">
-          <a:xfrm>
-            <a:off x="6228184" y="1340768"/>
-            <a:ext cx="304975" cy="288032"/>
-          </a:xfrm>
-          <a:prstGeom prst="rect">
-            <a:avLst/>
-          </a:prstGeom>
-          <a:noFill/>
-        </p:spPr>
-      </p:pic>
-      <p:pic>
-        <p:nvPicPr>
-          <p:cNvPr id="1028" name="Picture 4" descr="G:\hoge.png"/>
-          <p:cNvPicPr>
-            <a:picLocks noChangeAspect="1" noChangeArrowheads="1"/>
-          </p:cNvPicPr>
-          <p:nvPr/>
-        </p:nvPicPr>
-        <p:blipFill>
-          <a:blip r:embed="rId4" cstate="print"/>
-          <a:srcRect/>
-          <a:stretch>
-            <a:fillRect/>
-          </a:stretch>
-        </p:blipFill>
-        <p:spPr bwMode="auto">
-          <a:xfrm>
-            <a:off x="6228184" y="1628800"/>
-            <a:ext cx="288032" cy="288032"/>
-          </a:xfrm>
-          <a:prstGeom prst="rect">
-            <a:avLst/>
-          </a:prstGeom>
-          <a:noFill/>
-        </p:spPr>
-      </p:pic>
-      <p:pic>
-        <p:nvPicPr>
-          <p:cNvPr id="1029" name="Picture 5" descr="C:\Program Files (x86)\Cards.2005.01\Regular 79x123 Gifs\1.gif"/>
-          <p:cNvPicPr>
-            <a:picLocks noChangeAspect="1" noChangeArrowheads="1"/>
-          </p:cNvPicPr>
-          <p:nvPr/>
-        </p:nvPicPr>
-        <p:blipFill>
-          <a:blip r:embed="rId5" cstate="print"/>
-          <a:srcRect/>
-          <a:stretch>
-            <a:fillRect/>
-          </a:stretch>
-        </p:blipFill>
-        <p:spPr bwMode="auto">
-          <a:xfrm>
-            <a:off x="4788024" y="4437112"/>
-            <a:ext cx="349122" cy="543570"/>
-          </a:xfrm>
-          <a:prstGeom prst="rect">
-            <a:avLst/>
-          </a:prstGeom>
-          <a:noFill/>
-          <a:ln>
-            <a:solidFill>
-              <a:schemeClr val="tx1"/>
-            </a:solidFill>
-          </a:ln>
-        </p:spPr>
-      </p:pic>
-      <p:sp>
-        <p:nvSpPr>
-          <p:cNvPr id="23" name="正方形/長方形 22"/>
-          <p:cNvSpPr/>
-          <p:nvPr/>
-        </p:nvSpPr>
-        <p:spPr>
-          <a:xfrm>
-            <a:off x="6084168" y="2780928"/>
-            <a:ext cx="648072" cy="2232248"/>
-          </a:xfrm>
-          <a:prstGeom prst="rect">
-            <a:avLst/>
-          </a:prstGeom>
-          <a:solidFill>
-            <a:schemeClr val="bg1">
-              <a:lumMod val="65000"/>
-            </a:schemeClr>
-          </a:solidFill>
-        </p:spPr>
-        <p:style>
-          <a:lnRef idx="2">
-            <a:schemeClr val="accent1">
-              <a:shade val="50000"/>
-            </a:schemeClr>
-          </a:lnRef>
-          <a:fillRef idx="1">
-            <a:schemeClr val="accent1"/>
-          </a:fillRef>
-          <a:effectRef idx="0">
-            <a:schemeClr val="accent1"/>
-          </a:effectRef>
-          <a:fontRef idx="minor">
-            <a:schemeClr val="lt1"/>
-          </a:fontRef>
-        </p:style>
-        <p:txBody>
-          <a:bodyPr rtlCol="0" anchor="ctr"/>
-          <a:lstStyle/>
-          <a:p>
-            <a:pPr algn="ctr"/>
-            <a:r>
-              <a:rPr kumimoji="1" lang="en-US" altLang="ja-JP" dirty="0" smtClean="0"/>
-              <a:t>?</a:t>
-            </a:r>
-            <a:endParaRPr kumimoji="1" lang="ja-JP" altLang="en-US" dirty="0"/>
-          </a:p>
-        </p:txBody>
-      </p:sp>
-      <p:sp>
-        <p:nvSpPr>
-          <p:cNvPr id="25" name="四角形吹き出し 24"/>
-          <p:cNvSpPr/>
-          <p:nvPr/>
-        </p:nvSpPr>
-        <p:spPr>
-          <a:xfrm>
-            <a:off x="1331640" y="1412776"/>
-            <a:ext cx="4536504" cy="648072"/>
-          </a:xfrm>
-          <a:prstGeom prst="wedgeRectCallout">
-            <a:avLst>
-              <a:gd name="adj1" fmla="val 61460"/>
-              <a:gd name="adj2" fmla="val -24068"/>
-            </a:avLst>
-          </a:prstGeom>
-        </p:spPr>
-        <p:style>
-          <a:lnRef idx="2">
-            <a:schemeClr val="accent1">
-              <a:shade val="50000"/>
-            </a:schemeClr>
-          </a:lnRef>
-          <a:fillRef idx="1">
-            <a:schemeClr val="accent1"/>
-          </a:fillRef>
-          <a:effectRef idx="0">
-            <a:schemeClr val="accent1"/>
-          </a:effectRef>
-          <a:fontRef idx="minor">
-            <a:schemeClr val="lt1"/>
-          </a:fontRef>
-        </p:style>
-        <p:txBody>
-          <a:bodyPr rtlCol="0" anchor="ctr"/>
-          <a:lstStyle/>
-          <a:p>
-            <a:pPr algn="ctr"/>
-            <a:r>
-              <a:rPr lang="en-US" altLang="ja-JP" dirty="0" err="1" smtClean="0"/>
-              <a:t>Kimu’s</a:t>
-            </a:r>
-            <a:r>
-              <a:rPr lang="en-US" altLang="ja-JP" dirty="0" smtClean="0"/>
-              <a:t> cards</a:t>
-            </a:r>
-            <a:endParaRPr lang="ja-JP" altLang="en-US" dirty="0"/>
-          </a:p>
-        </p:txBody>
-      </p:sp>
-      <p:sp>
-        <p:nvSpPr>
-          <p:cNvPr id="26" name="正方形/長方形 25"/>
-          <p:cNvSpPr/>
-          <p:nvPr/>
-        </p:nvSpPr>
-        <p:spPr>
-          <a:xfrm>
-            <a:off x="4644008" y="2060848"/>
-            <a:ext cx="1224136" cy="206484"/>
-          </a:xfrm>
-          <a:prstGeom prst="rect">
-            <a:avLst/>
-          </a:prstGeom>
-          <a:solidFill>
-            <a:schemeClr val="bg1">
-              <a:lumMod val="65000"/>
-            </a:schemeClr>
-          </a:solidFill>
-        </p:spPr>
-        <p:style>
-          <a:lnRef idx="2">
-            <a:schemeClr val="accent1">
-              <a:shade val="50000"/>
-            </a:schemeClr>
-          </a:lnRef>
-          <a:fillRef idx="1">
-            <a:schemeClr val="accent1"/>
-          </a:fillRef>
-          <a:effectRef idx="0">
-            <a:schemeClr val="accent1"/>
-          </a:effectRef>
-          <a:fontRef idx="minor">
-            <a:schemeClr val="lt1"/>
-          </a:fontRef>
-        </p:style>
-        <p:txBody>
-          <a:bodyPr rtlCol="0" anchor="ctr"/>
-          <a:lstStyle/>
-          <a:p>
-            <a:pPr algn="ctr"/>
-            <a:endParaRPr lang="ja-JP" altLang="en-US" dirty="0"/>
-          </a:p>
-        </p:txBody>
-      </p:sp>
-      <p:pic>
-        <p:nvPicPr>
-          <p:cNvPr id="1030" name="Picture 6" descr="R:\shoes.png"/>
-          <p:cNvPicPr>
-            <a:picLocks noChangeAspect="1" noChangeArrowheads="1"/>
-          </p:cNvPicPr>
-          <p:nvPr/>
-        </p:nvPicPr>
-        <p:blipFill>
-          <a:blip r:embed="rId6" cstate="print"/>
-          <a:srcRect/>
-          <a:stretch>
-            <a:fillRect/>
-          </a:stretch>
-        </p:blipFill>
-        <p:spPr bwMode="auto">
-          <a:xfrm>
-            <a:off x="6012160" y="4509120"/>
-            <a:ext cx="297033" cy="360040"/>
-          </a:xfrm>
-          <a:prstGeom prst="rect">
-            <a:avLst/>
-          </a:prstGeom>
-          <a:noFill/>
-        </p:spPr>
-      </p:pic>
-      <p:pic>
-        <p:nvPicPr>
-          <p:cNvPr id="28" name="Picture 3" descr="G:\logo_white.png"/>
-          <p:cNvPicPr>
-            <a:picLocks noChangeAspect="1" noChangeArrowheads="1"/>
-          </p:cNvPicPr>
-          <p:nvPr/>
-        </p:nvPicPr>
-        <p:blipFill>
-          <a:blip r:embed="rId3" cstate="print"/>
-          <a:srcRect/>
-          <a:stretch>
-            <a:fillRect/>
-          </a:stretch>
-        </p:blipFill>
-        <p:spPr bwMode="auto">
-          <a:xfrm rot="16200000">
-            <a:off x="4718252" y="2058613"/>
-            <a:ext cx="224496" cy="212024"/>
-          </a:xfrm>
-          <a:prstGeom prst="rect">
-            <a:avLst/>
-          </a:prstGeom>
-          <a:noFill/>
-        </p:spPr>
-      </p:pic>
-      <p:pic>
-        <p:nvPicPr>
-          <p:cNvPr id="29" name="Picture 3" descr="G:\logo_white.png"/>
-          <p:cNvPicPr>
-            <a:picLocks noChangeAspect="1" noChangeArrowheads="1"/>
-          </p:cNvPicPr>
-          <p:nvPr/>
-        </p:nvPicPr>
-        <p:blipFill>
-          <a:blip r:embed="rId3" cstate="print"/>
-          <a:srcRect/>
-          <a:stretch>
-            <a:fillRect/>
-          </a:stretch>
-        </p:blipFill>
-        <p:spPr bwMode="auto">
-          <a:xfrm rot="10800000">
-            <a:off x="5004048" y="2060848"/>
-            <a:ext cx="224496" cy="212024"/>
-          </a:xfrm>
-          <a:prstGeom prst="rect">
-            <a:avLst/>
-          </a:prstGeom>
-          <a:noFill/>
-        </p:spPr>
-      </p:pic>
-      <p:pic>
-        <p:nvPicPr>
-          <p:cNvPr id="30" name="Picture 3" descr="G:\logo_white.png"/>
-          <p:cNvPicPr>
-            <a:picLocks noChangeAspect="1" noChangeArrowheads="1"/>
-          </p:cNvPicPr>
-          <p:nvPr/>
-        </p:nvPicPr>
-        <p:blipFill>
-          <a:blip r:embed="rId3" cstate="print"/>
-          <a:srcRect/>
-          <a:stretch>
-            <a:fillRect/>
-          </a:stretch>
-        </p:blipFill>
-        <p:spPr bwMode="auto">
-          <a:xfrm rot="5400000">
-            <a:off x="5285844" y="2058613"/>
-            <a:ext cx="224497" cy="212025"/>
-          </a:xfrm>
-          <a:prstGeom prst="rect">
-            <a:avLst/>
-          </a:prstGeom>
-          <a:noFill/>
-        </p:spPr>
-      </p:pic>
-      <p:sp>
-        <p:nvSpPr>
-          <p:cNvPr id="31" name="正方形/長方形 30"/>
-          <p:cNvSpPr/>
-          <p:nvPr/>
-        </p:nvSpPr>
-        <p:spPr>
-          <a:xfrm>
-            <a:off x="6372200" y="1484784"/>
-            <a:ext cx="144016" cy="144016"/>
-          </a:xfrm>
-          <a:prstGeom prst="rect">
-            <a:avLst/>
-          </a:prstGeom>
-          <a:noFill/>
-          <a:ln>
-            <a:noFill/>
-          </a:ln>
-        </p:spPr>
-        <p:style>
-          <a:lnRef idx="2">
-            <a:schemeClr val="dk1"/>
-          </a:lnRef>
-          <a:fillRef idx="1">
-            <a:schemeClr val="lt1"/>
-          </a:fillRef>
-          <a:effectRef idx="0">
-            <a:schemeClr val="dk1"/>
-          </a:effectRef>
-          <a:fontRef idx="minor">
-            <a:schemeClr val="dk1"/>
-          </a:fontRef>
-        </p:style>
-        <p:txBody>
-          <a:bodyPr wrap="none" rtlCol="0" anchor="ctr"/>
-          <a:lstStyle/>
-          <a:p>
-            <a:pPr algn="ctr"/>
-            <a:r>
-              <a:rPr kumimoji="1" lang="en-US" altLang="ja-JP" sz="800" i="1" dirty="0" smtClean="0"/>
-              <a:t>12</a:t>
-            </a:r>
-            <a:endParaRPr kumimoji="1" lang="ja-JP" altLang="en-US" sz="800" i="1" dirty="0"/>
+              <a:t>Card</a:t>
+            </a:r>
+          </a:p>
+          <a:p>
+            <a:r>
+              <a:rPr lang="en-US" altLang="ja-JP" sz="1200" dirty="0" err="1" smtClean="0"/>
+              <a:t>card_id</a:t>
+            </a:r>
+            <a:r>
+              <a:rPr lang="en-US" altLang="ja-JP" sz="1200" dirty="0" smtClean="0"/>
+              <a:t>:</a:t>
+            </a:r>
+            <a:r>
+              <a:rPr lang="ja-JP" altLang="en-US" sz="1200" dirty="0" smtClean="0"/>
+              <a:t>カード固有</a:t>
+            </a:r>
+            <a:r>
+              <a:rPr lang="en-US" altLang="ja-JP" sz="1200" dirty="0" smtClean="0"/>
+              <a:t>ID (</a:t>
+            </a:r>
+            <a:r>
+              <a:rPr lang="ja-JP" altLang="en-US" sz="1200" dirty="0" smtClean="0"/>
+              <a:t>同じカード</a:t>
+            </a:r>
+            <a:r>
+              <a:rPr lang="en-US" altLang="ja-JP" sz="1200" dirty="0" smtClean="0"/>
+              <a:t>2</a:t>
+            </a:r>
+            <a:r>
+              <a:rPr lang="ja-JP" altLang="en-US" sz="1200" dirty="0" smtClean="0"/>
+              <a:t>枚でも別番号</a:t>
+            </a:r>
+            <a:r>
+              <a:rPr lang="en-US" altLang="ja-JP" sz="1200" dirty="0" smtClean="0"/>
+              <a:t>)</a:t>
+            </a:r>
+          </a:p>
+          <a:p>
+            <a:r>
+              <a:rPr lang="en-US" altLang="ja-JP" sz="1200" dirty="0" err="1" smtClean="0"/>
+              <a:t>image_ids</a:t>
+            </a:r>
+            <a:r>
+              <a:rPr lang="en-US" altLang="ja-JP" sz="1200" dirty="0" smtClean="0"/>
+              <a:t>:[closed</a:t>
+            </a:r>
+            <a:r>
+              <a:rPr lang="ja-JP" altLang="en-US" sz="1200" dirty="0" smtClean="0"/>
+              <a:t>状態の</a:t>
+            </a:r>
+            <a:r>
+              <a:rPr lang="en-US" altLang="ja-JP" sz="1200" dirty="0" err="1" smtClean="0"/>
+              <a:t>ID,opened</a:t>
+            </a:r>
+            <a:r>
+              <a:rPr lang="ja-JP" altLang="en-US" sz="1200" dirty="0" smtClean="0"/>
+              <a:t>状態の</a:t>
+            </a:r>
+            <a:r>
+              <a:rPr lang="en-US" altLang="ja-JP" sz="1200" dirty="0" smtClean="0"/>
+              <a:t>ID]</a:t>
+            </a:r>
+          </a:p>
+          <a:p>
+            <a:r>
+              <a:rPr lang="en-US" altLang="ja-JP" sz="1200" dirty="0" err="1" smtClean="0"/>
+              <a:t>x,y</a:t>
+            </a:r>
+            <a:r>
+              <a:rPr lang="en-US" altLang="ja-JP" sz="1200" dirty="0" smtClean="0"/>
+              <a:t>:</a:t>
+            </a:r>
+            <a:r>
+              <a:rPr lang="ja-JP" altLang="en-US" sz="1200" dirty="0" smtClean="0"/>
+              <a:t>座標</a:t>
+            </a:r>
+            <a:r>
+              <a:rPr lang="en-US" altLang="ja-JP" sz="1200" dirty="0" smtClean="0"/>
+              <a:t>(</a:t>
+            </a:r>
+            <a:r>
+              <a:rPr lang="ja-JP" altLang="en-US" sz="1200" dirty="0" smtClean="0"/>
+              <a:t>ピクセル</a:t>
+            </a:r>
+            <a:r>
+              <a:rPr lang="en-US" altLang="ja-JP" sz="1200" dirty="0" smtClean="0"/>
+              <a:t>)</a:t>
+            </a:r>
+          </a:p>
+          <a:p>
+            <a:r>
+              <a:rPr lang="en-US" altLang="ja-JP" sz="1200" dirty="0" smtClean="0"/>
+              <a:t>z:</a:t>
+            </a:r>
+            <a:r>
+              <a:rPr lang="ja-JP" altLang="en-US" sz="1200" dirty="0" smtClean="0"/>
+              <a:t>表示順</a:t>
+            </a:r>
+            <a:r>
+              <a:rPr lang="en-US" altLang="ja-JP" sz="1200" dirty="0" smtClean="0"/>
+              <a:t>(</a:t>
+            </a:r>
+            <a:r>
+              <a:rPr lang="ja-JP" altLang="en-US" sz="1200" dirty="0" smtClean="0"/>
+              <a:t>大きいほど手前</a:t>
+            </a:r>
+            <a:r>
+              <a:rPr lang="en-US" altLang="ja-JP" sz="1200" dirty="0" smtClean="0"/>
+              <a:t>)</a:t>
+            </a:r>
+          </a:p>
+          <a:p>
+            <a:r>
+              <a:rPr lang="en-US" altLang="ja-JP" sz="1200" dirty="0" smtClean="0"/>
+              <a:t>opened:</a:t>
+            </a:r>
+            <a:r>
+              <a:rPr lang="ja-JP" altLang="en-US" sz="1200" dirty="0" smtClean="0"/>
+              <a:t>開いた状態かどうか</a:t>
+            </a:r>
+            <a:endParaRPr lang="en-US" altLang="ja-JP" sz="1200" dirty="0" smtClean="0"/>
+          </a:p>
+          <a:p>
+            <a:r>
+              <a:rPr lang="en-US" altLang="ja-JP" sz="1200" dirty="0" smtClean="0"/>
+              <a:t>user:</a:t>
+            </a:r>
+            <a:r>
+              <a:rPr lang="ja-JP" altLang="en-US" sz="1200" dirty="0" smtClean="0"/>
+              <a:t>所有ユーザ</a:t>
+            </a:r>
+            <a:r>
+              <a:rPr lang="en-US" altLang="ja-JP" sz="1200" dirty="0" smtClean="0"/>
+              <a:t>(null</a:t>
+            </a:r>
+            <a:r>
+              <a:rPr lang="ja-JP" altLang="en-US" sz="1200" dirty="0" smtClean="0"/>
+              <a:t>なら共有</a:t>
+            </a:r>
+            <a:r>
+              <a:rPr lang="en-US" altLang="ja-JP" sz="1200" dirty="0" smtClean="0"/>
+              <a:t>)</a:t>
+            </a:r>
+          </a:p>
+          <a:p>
+            <a:r>
+              <a:rPr lang="en-US" altLang="ja-JP" sz="1200" dirty="0" err="1" smtClean="0"/>
+              <a:t>group:TODO</a:t>
+            </a:r>
+            <a:endParaRPr lang="en-US" altLang="ja-JP" sz="1200" dirty="0" smtClean="0"/>
+          </a:p>
+          <a:p>
+            <a:r>
+              <a:rPr lang="en-US" altLang="ja-JP" sz="1200" dirty="0" err="1" smtClean="0"/>
+              <a:t>zgroup:TODO</a:t>
+            </a:r>
+            <a:endParaRPr lang="en-US" altLang="ja-JP" sz="1200" dirty="0" smtClean="0"/>
           </a:p>
         </p:txBody>
       </p:sp>
@@ -7445,98 +7552,6 @@
           <a:chExt cx="0" cy="0"/>
         </a:xfrm>
       </p:grpSpPr>
-      <p:sp>
-        <p:nvSpPr>
-          <p:cNvPr id="2" name="タイトル 1"/>
-          <p:cNvSpPr>
-            <a:spLocks noGrp="1"/>
-          </p:cNvSpPr>
-          <p:nvPr>
-            <p:ph type="title"/>
-          </p:nvPr>
-        </p:nvSpPr>
-        <p:spPr>
-          <a:xfrm>
-            <a:off x="457200" y="274638"/>
-            <a:ext cx="8229600" cy="706090"/>
-          </a:xfrm>
-        </p:spPr>
-        <p:txBody>
-          <a:bodyPr>
-            <a:normAutofit/>
-          </a:bodyPr>
-          <a:lstStyle/>
-          <a:p>
-            <a:r>
-              <a:rPr kumimoji="1" lang="ja-JP" altLang="en-US" sz="3600" dirty="0" smtClean="0"/>
-              <a:t>命名規則</a:t>
-            </a:r>
-            <a:endParaRPr kumimoji="1" lang="ja-JP" altLang="en-US" sz="3600" dirty="0"/>
-          </a:p>
-        </p:txBody>
-      </p:sp>
-      <p:sp>
-        <p:nvSpPr>
-          <p:cNvPr id="3" name="コンテンツ プレースホルダ 2"/>
-          <p:cNvSpPr>
-            <a:spLocks noGrp="1"/>
-          </p:cNvSpPr>
-          <p:nvPr>
-            <p:ph idx="1"/>
-          </p:nvPr>
-        </p:nvSpPr>
-        <p:spPr>
-          <a:xfrm>
-            <a:off x="457200" y="1196752"/>
-            <a:ext cx="8229600" cy="4929411"/>
-          </a:xfrm>
-        </p:spPr>
-        <p:txBody>
-          <a:bodyPr>
-            <a:normAutofit/>
-          </a:bodyPr>
-          <a:lstStyle/>
-          <a:p>
-            <a:r>
-              <a:rPr kumimoji="1" lang="en-US" altLang="ja-JP" sz="2400" dirty="0" smtClean="0"/>
-              <a:t>Socket</a:t>
-            </a:r>
-            <a:r>
-              <a:rPr kumimoji="1" lang="ja-JP" altLang="en-US" sz="2400" dirty="0" smtClean="0"/>
-              <a:t>のメッセージ名</a:t>
-            </a:r>
-            <a:endParaRPr kumimoji="1" lang="en-US" altLang="ja-JP" sz="2400" dirty="0" smtClean="0"/>
-          </a:p>
-          <a:p>
-            <a:pPr lvl="1"/>
-            <a:r>
-              <a:rPr kumimoji="1" lang="en-US" altLang="ja-JP" sz="2000" dirty="0" smtClean="0"/>
-              <a:t>emit</a:t>
-            </a:r>
-            <a:r>
-              <a:rPr kumimoji="1" lang="ja-JP" altLang="en-US" sz="2000" dirty="0" smtClean="0"/>
-              <a:t>する側から見て、「動詞</a:t>
-            </a:r>
-            <a:r>
-              <a:rPr kumimoji="1" lang="en-US" altLang="ja-JP" sz="2000" dirty="0" smtClean="0"/>
-              <a:t>(+</a:t>
-            </a:r>
-            <a:r>
-              <a:rPr kumimoji="1" lang="ja-JP" altLang="en-US" sz="2000" dirty="0" smtClean="0"/>
-              <a:t>目的語</a:t>
-            </a:r>
-            <a:r>
-              <a:rPr kumimoji="1" lang="en-US" altLang="ja-JP" sz="2000" dirty="0" smtClean="0"/>
-              <a:t>)</a:t>
-            </a:r>
-            <a:r>
-              <a:rPr kumimoji="1" lang="ja-JP" altLang="en-US" sz="2000" dirty="0" smtClean="0"/>
-              <a:t>」で命名する</a:t>
-            </a:r>
-            <a:endParaRPr kumimoji="1" lang="ja-JP" altLang="en-US" sz="2000" dirty="0"/>
-          </a:p>
-        </p:txBody>
-      </p:sp>
     </p:spTree>
   </p:cSld>
   <p:clrMapOvr>
@@ -7564,6 +7579,830 @@
       </p:grpSpPr>
       <p:sp>
         <p:nvSpPr>
+          <p:cNvPr id="2" name="正方形/長方形 1"/>
+          <p:cNvSpPr/>
+          <p:nvPr/>
+        </p:nvSpPr>
+        <p:spPr>
+          <a:xfrm>
+            <a:off x="1115616" y="1268760"/>
+            <a:ext cx="4968552" cy="3096344"/>
+          </a:xfrm>
+          <a:prstGeom prst="rect">
+            <a:avLst/>
+          </a:prstGeom>
+          <a:solidFill>
+            <a:srgbClr val="00B050"/>
+          </a:solidFill>
+        </p:spPr>
+        <p:style>
+          <a:lnRef idx="2">
+            <a:schemeClr val="accent1">
+              <a:shade val="50000"/>
+            </a:schemeClr>
+          </a:lnRef>
+          <a:fillRef idx="1">
+            <a:schemeClr val="accent1"/>
+          </a:fillRef>
+          <a:effectRef idx="0">
+            <a:schemeClr val="accent1"/>
+          </a:effectRef>
+          <a:fontRef idx="minor">
+            <a:schemeClr val="lt1"/>
+          </a:fontRef>
+        </p:style>
+        <p:txBody>
+          <a:bodyPr rtlCol="0" anchor="ctr"/>
+          <a:lstStyle/>
+          <a:p>
+            <a:pPr algn="ctr"/>
+            <a:endParaRPr kumimoji="1" lang="ja-JP" altLang="en-US"/>
+          </a:p>
+        </p:txBody>
+      </p:sp>
+      <p:sp>
+        <p:nvSpPr>
+          <p:cNvPr id="3" name="正方形/長方形 2"/>
+          <p:cNvSpPr/>
+          <p:nvPr/>
+        </p:nvSpPr>
+        <p:spPr>
+          <a:xfrm>
+            <a:off x="1547664" y="4365104"/>
+            <a:ext cx="4536504" cy="648072"/>
+          </a:xfrm>
+          <a:prstGeom prst="rect">
+            <a:avLst/>
+          </a:prstGeom>
+        </p:spPr>
+        <p:style>
+          <a:lnRef idx="2">
+            <a:schemeClr val="accent1">
+              <a:shade val="50000"/>
+            </a:schemeClr>
+          </a:lnRef>
+          <a:fillRef idx="1">
+            <a:schemeClr val="accent1"/>
+          </a:fillRef>
+          <a:effectRef idx="0">
+            <a:schemeClr val="accent1"/>
+          </a:effectRef>
+          <a:fontRef idx="minor">
+            <a:schemeClr val="lt1"/>
+          </a:fontRef>
+        </p:style>
+        <p:txBody>
+          <a:bodyPr rtlCol="0" anchor="ctr"/>
+          <a:lstStyle/>
+          <a:p>
+            <a:pPr algn="ctr"/>
+            <a:r>
+              <a:rPr kumimoji="1" lang="en-US" altLang="ja-JP" dirty="0" smtClean="0"/>
+              <a:t>My cards</a:t>
+            </a:r>
+            <a:endParaRPr kumimoji="1" lang="ja-JP" altLang="en-US" dirty="0"/>
+          </a:p>
+        </p:txBody>
+      </p:sp>
+      <p:sp>
+        <p:nvSpPr>
+          <p:cNvPr id="4" name="正方形/長方形 3"/>
+          <p:cNvSpPr/>
+          <p:nvPr/>
+        </p:nvSpPr>
+        <p:spPr>
+          <a:xfrm>
+            <a:off x="6084168" y="1268760"/>
+            <a:ext cx="648072" cy="1512168"/>
+          </a:xfrm>
+          <a:prstGeom prst="rect">
+            <a:avLst/>
+          </a:prstGeom>
+          <a:solidFill>
+            <a:srgbClr val="FFC000"/>
+          </a:solidFill>
+        </p:spPr>
+        <p:style>
+          <a:lnRef idx="2">
+            <a:schemeClr val="accent1">
+              <a:shade val="50000"/>
+            </a:schemeClr>
+          </a:lnRef>
+          <a:fillRef idx="1">
+            <a:schemeClr val="accent1"/>
+          </a:fillRef>
+          <a:effectRef idx="0">
+            <a:schemeClr val="accent1"/>
+          </a:effectRef>
+          <a:fontRef idx="minor">
+            <a:schemeClr val="lt1"/>
+          </a:fontRef>
+        </p:style>
+        <p:txBody>
+          <a:bodyPr rtlCol="0" anchor="ctr"/>
+          <a:lstStyle/>
+          <a:p>
+            <a:pPr algn="ctr"/>
+            <a:r>
+              <a:rPr kumimoji="1" lang="en-US" altLang="ja-JP" dirty="0" smtClean="0"/>
+              <a:t>Users</a:t>
+            </a:r>
+            <a:endParaRPr kumimoji="1" lang="ja-JP" altLang="en-US" dirty="0"/>
+          </a:p>
+        </p:txBody>
+      </p:sp>
+      <p:sp>
+        <p:nvSpPr>
+          <p:cNvPr id="10" name="正方形/長方形 9"/>
+          <p:cNvSpPr/>
+          <p:nvPr/>
+        </p:nvSpPr>
+        <p:spPr>
+          <a:xfrm>
+            <a:off x="1115616" y="4365104"/>
+            <a:ext cx="432048" cy="648072"/>
+          </a:xfrm>
+          <a:prstGeom prst="rect">
+            <a:avLst/>
+          </a:prstGeom>
+          <a:solidFill>
+            <a:schemeClr val="bg1">
+              <a:lumMod val="65000"/>
+            </a:schemeClr>
+          </a:solidFill>
+        </p:spPr>
+        <p:style>
+          <a:lnRef idx="2">
+            <a:schemeClr val="accent1">
+              <a:shade val="50000"/>
+            </a:schemeClr>
+          </a:lnRef>
+          <a:fillRef idx="1">
+            <a:schemeClr val="accent1"/>
+          </a:fillRef>
+          <a:effectRef idx="0">
+            <a:schemeClr val="accent1"/>
+          </a:effectRef>
+          <a:fontRef idx="minor">
+            <a:schemeClr val="lt1"/>
+          </a:fontRef>
+        </p:style>
+        <p:txBody>
+          <a:bodyPr rtlCol="0" anchor="ctr"/>
+          <a:lstStyle/>
+          <a:p>
+            <a:pPr algn="ctr"/>
+            <a:r>
+              <a:rPr kumimoji="1" lang="en-US" altLang="ja-JP" sz="700" dirty="0" smtClean="0"/>
+              <a:t>myself</a:t>
+            </a:r>
+            <a:endParaRPr kumimoji="1" lang="ja-JP" altLang="en-US" sz="700" dirty="0"/>
+          </a:p>
+        </p:txBody>
+      </p:sp>
+      <p:sp>
+        <p:nvSpPr>
+          <p:cNvPr id="11" name="上下矢印 10"/>
+          <p:cNvSpPr/>
+          <p:nvPr/>
+        </p:nvSpPr>
+        <p:spPr>
+          <a:xfrm>
+            <a:off x="6588224" y="1268760"/>
+            <a:ext cx="144016" cy="1512168"/>
+          </a:xfrm>
+          <a:prstGeom prst="upDownArrow">
+            <a:avLst/>
+          </a:prstGeom>
+        </p:spPr>
+        <p:style>
+          <a:lnRef idx="2">
+            <a:schemeClr val="accent1">
+              <a:shade val="50000"/>
+            </a:schemeClr>
+          </a:lnRef>
+          <a:fillRef idx="1">
+            <a:schemeClr val="accent1"/>
+          </a:fillRef>
+          <a:effectRef idx="0">
+            <a:schemeClr val="accent1"/>
+          </a:effectRef>
+          <a:fontRef idx="minor">
+            <a:schemeClr val="lt1"/>
+          </a:fontRef>
+        </p:style>
+        <p:txBody>
+          <a:bodyPr rtlCol="0" anchor="ctr"/>
+          <a:lstStyle/>
+          <a:p>
+            <a:pPr algn="ctr"/>
+            <a:endParaRPr kumimoji="1" lang="ja-JP" altLang="en-US"/>
+          </a:p>
+        </p:txBody>
+      </p:sp>
+      <p:pic>
+        <p:nvPicPr>
+          <p:cNvPr id="1026" name="Picture 2" descr="G:\vim_kim.png"/>
+          <p:cNvPicPr>
+            <a:picLocks noChangeAspect="1" noChangeArrowheads="1"/>
+          </p:cNvPicPr>
+          <p:nvPr/>
+        </p:nvPicPr>
+        <p:blipFill>
+          <a:blip r:embed="rId2" cstate="print"/>
+          <a:srcRect/>
+          <a:stretch>
+            <a:fillRect/>
+          </a:stretch>
+        </p:blipFill>
+        <p:spPr bwMode="auto">
+          <a:xfrm>
+            <a:off x="1187624" y="4365104"/>
+            <a:ext cx="288032" cy="288032"/>
+          </a:xfrm>
+          <a:prstGeom prst="rect">
+            <a:avLst/>
+          </a:prstGeom>
+          <a:noFill/>
+        </p:spPr>
+      </p:pic>
+      <p:sp>
+        <p:nvSpPr>
+          <p:cNvPr id="13" name="左大かっこ 12"/>
+          <p:cNvSpPr/>
+          <p:nvPr/>
+        </p:nvSpPr>
+        <p:spPr>
+          <a:xfrm>
+            <a:off x="899592" y="1268760"/>
+            <a:ext cx="144016" cy="3744416"/>
+          </a:xfrm>
+          <a:prstGeom prst="leftBracket">
+            <a:avLst>
+              <a:gd name="adj" fmla="val 229897"/>
+            </a:avLst>
+          </a:prstGeom>
+        </p:spPr>
+        <p:style>
+          <a:lnRef idx="1">
+            <a:schemeClr val="accent1"/>
+          </a:lnRef>
+          <a:fillRef idx="0">
+            <a:schemeClr val="accent1"/>
+          </a:fillRef>
+          <a:effectRef idx="0">
+            <a:schemeClr val="accent1"/>
+          </a:effectRef>
+          <a:fontRef idx="minor">
+            <a:schemeClr val="tx1"/>
+          </a:fontRef>
+        </p:style>
+        <p:txBody>
+          <a:bodyPr rtlCol="0" anchor="ctr"/>
+          <a:lstStyle/>
+          <a:p>
+            <a:pPr algn="ctr"/>
+            <a:endParaRPr kumimoji="1" lang="ja-JP" altLang="en-US"/>
+          </a:p>
+        </p:txBody>
+      </p:sp>
+      <p:sp>
+        <p:nvSpPr>
+          <p:cNvPr id="14" name="左大かっこ 13"/>
+          <p:cNvSpPr/>
+          <p:nvPr/>
+        </p:nvSpPr>
+        <p:spPr>
+          <a:xfrm rot="5400000">
+            <a:off x="3851920" y="-1683568"/>
+            <a:ext cx="144016" cy="5616624"/>
+          </a:xfrm>
+          <a:prstGeom prst="leftBracket">
+            <a:avLst>
+              <a:gd name="adj" fmla="val 229897"/>
+            </a:avLst>
+          </a:prstGeom>
+        </p:spPr>
+        <p:style>
+          <a:lnRef idx="1">
+            <a:schemeClr val="accent1"/>
+          </a:lnRef>
+          <a:fillRef idx="0">
+            <a:schemeClr val="accent1"/>
+          </a:fillRef>
+          <a:effectRef idx="0">
+            <a:schemeClr val="accent1"/>
+          </a:effectRef>
+          <a:fontRef idx="minor">
+            <a:schemeClr val="tx1"/>
+          </a:fontRef>
+        </p:style>
+        <p:txBody>
+          <a:bodyPr rtlCol="0" anchor="ctr"/>
+          <a:lstStyle/>
+          <a:p>
+            <a:pPr algn="ctr"/>
+            <a:endParaRPr kumimoji="1" lang="ja-JP" altLang="en-US"/>
+          </a:p>
+        </p:txBody>
+      </p:sp>
+      <p:sp>
+        <p:nvSpPr>
+          <p:cNvPr id="15" name="正方形/長方形 14"/>
+          <p:cNvSpPr/>
+          <p:nvPr/>
+        </p:nvSpPr>
+        <p:spPr>
+          <a:xfrm>
+            <a:off x="1115616" y="836712"/>
+            <a:ext cx="5616624" cy="216024"/>
+          </a:xfrm>
+          <a:prstGeom prst="rect">
+            <a:avLst/>
+          </a:prstGeom>
+          <a:noFill/>
+          <a:ln>
+            <a:noFill/>
+          </a:ln>
+        </p:spPr>
+        <p:style>
+          <a:lnRef idx="2">
+            <a:schemeClr val="dk1"/>
+          </a:lnRef>
+          <a:fillRef idx="1">
+            <a:schemeClr val="lt1"/>
+          </a:fillRef>
+          <a:effectRef idx="0">
+            <a:schemeClr val="dk1"/>
+          </a:effectRef>
+          <a:fontRef idx="minor">
+            <a:schemeClr val="dk1"/>
+          </a:fontRef>
+        </p:style>
+        <p:txBody>
+          <a:bodyPr rtlCol="0" anchor="ctr"/>
+          <a:lstStyle/>
+          <a:p>
+            <a:pPr algn="ctr"/>
+            <a:r>
+              <a:rPr kumimoji="1" lang="en-US" altLang="ja-JP" dirty="0" smtClean="0"/>
+              <a:t>16</a:t>
+            </a:r>
+            <a:endParaRPr kumimoji="1" lang="ja-JP" altLang="en-US" dirty="0"/>
+          </a:p>
+        </p:txBody>
+      </p:sp>
+      <p:sp>
+        <p:nvSpPr>
+          <p:cNvPr id="16" name="正方形/長方形 15"/>
+          <p:cNvSpPr/>
+          <p:nvPr/>
+        </p:nvSpPr>
+        <p:spPr>
+          <a:xfrm>
+            <a:off x="683568" y="1268760"/>
+            <a:ext cx="216024" cy="3744416"/>
+          </a:xfrm>
+          <a:prstGeom prst="rect">
+            <a:avLst/>
+          </a:prstGeom>
+          <a:noFill/>
+          <a:ln>
+            <a:noFill/>
+          </a:ln>
+        </p:spPr>
+        <p:style>
+          <a:lnRef idx="2">
+            <a:schemeClr val="dk1"/>
+          </a:lnRef>
+          <a:fillRef idx="1">
+            <a:schemeClr val="lt1"/>
+          </a:fillRef>
+          <a:effectRef idx="0">
+            <a:schemeClr val="dk1"/>
+          </a:effectRef>
+          <a:fontRef idx="minor">
+            <a:schemeClr val="dk1"/>
+          </a:fontRef>
+        </p:style>
+        <p:txBody>
+          <a:bodyPr rtlCol="0" anchor="ctr"/>
+          <a:lstStyle/>
+          <a:p>
+            <a:pPr algn="ctr"/>
+            <a:r>
+              <a:rPr kumimoji="1" lang="en-US" altLang="ja-JP" dirty="0" smtClean="0"/>
+              <a:t>9</a:t>
+            </a:r>
+            <a:endParaRPr kumimoji="1" lang="ja-JP" altLang="en-US" dirty="0"/>
+          </a:p>
+        </p:txBody>
+      </p:sp>
+      <p:pic>
+        <p:nvPicPr>
+          <p:cNvPr id="1027" name="Picture 3" descr="G:\logo_white.png"/>
+          <p:cNvPicPr>
+            <a:picLocks noChangeAspect="1" noChangeArrowheads="1"/>
+          </p:cNvPicPr>
+          <p:nvPr/>
+        </p:nvPicPr>
+        <p:blipFill>
+          <a:blip r:embed="rId3" cstate="print"/>
+          <a:srcRect/>
+          <a:stretch>
+            <a:fillRect/>
+          </a:stretch>
+        </p:blipFill>
+        <p:spPr bwMode="auto">
+          <a:xfrm>
+            <a:off x="6228184" y="1340768"/>
+            <a:ext cx="304975" cy="288032"/>
+          </a:xfrm>
+          <a:prstGeom prst="rect">
+            <a:avLst/>
+          </a:prstGeom>
+          <a:noFill/>
+        </p:spPr>
+      </p:pic>
+      <p:pic>
+        <p:nvPicPr>
+          <p:cNvPr id="1028" name="Picture 4" descr="G:\hoge.png"/>
+          <p:cNvPicPr>
+            <a:picLocks noChangeAspect="1" noChangeArrowheads="1"/>
+          </p:cNvPicPr>
+          <p:nvPr/>
+        </p:nvPicPr>
+        <p:blipFill>
+          <a:blip r:embed="rId4" cstate="print"/>
+          <a:srcRect/>
+          <a:stretch>
+            <a:fillRect/>
+          </a:stretch>
+        </p:blipFill>
+        <p:spPr bwMode="auto">
+          <a:xfrm>
+            <a:off x="6228184" y="1628800"/>
+            <a:ext cx="288032" cy="288032"/>
+          </a:xfrm>
+          <a:prstGeom prst="rect">
+            <a:avLst/>
+          </a:prstGeom>
+          <a:noFill/>
+        </p:spPr>
+      </p:pic>
+      <p:pic>
+        <p:nvPicPr>
+          <p:cNvPr id="1029" name="Picture 5" descr="C:\Program Files (x86)\Cards.2005.01\Regular 79x123 Gifs\1.gif"/>
+          <p:cNvPicPr>
+            <a:picLocks noChangeAspect="1" noChangeArrowheads="1"/>
+          </p:cNvPicPr>
+          <p:nvPr/>
+        </p:nvPicPr>
+        <p:blipFill>
+          <a:blip r:embed="rId5" cstate="print"/>
+          <a:srcRect/>
+          <a:stretch>
+            <a:fillRect/>
+          </a:stretch>
+        </p:blipFill>
+        <p:spPr bwMode="auto">
+          <a:xfrm>
+            <a:off x="4788024" y="4437112"/>
+            <a:ext cx="349122" cy="543570"/>
+          </a:xfrm>
+          <a:prstGeom prst="rect">
+            <a:avLst/>
+          </a:prstGeom>
+          <a:noFill/>
+          <a:ln>
+            <a:solidFill>
+              <a:schemeClr val="tx1"/>
+            </a:solidFill>
+          </a:ln>
+        </p:spPr>
+      </p:pic>
+      <p:sp>
+        <p:nvSpPr>
+          <p:cNvPr id="23" name="正方形/長方形 22"/>
+          <p:cNvSpPr/>
+          <p:nvPr/>
+        </p:nvSpPr>
+        <p:spPr>
+          <a:xfrm>
+            <a:off x="6084168" y="2780928"/>
+            <a:ext cx="648072" cy="2232248"/>
+          </a:xfrm>
+          <a:prstGeom prst="rect">
+            <a:avLst/>
+          </a:prstGeom>
+          <a:solidFill>
+            <a:schemeClr val="bg1">
+              <a:lumMod val="65000"/>
+            </a:schemeClr>
+          </a:solidFill>
+        </p:spPr>
+        <p:style>
+          <a:lnRef idx="2">
+            <a:schemeClr val="accent1">
+              <a:shade val="50000"/>
+            </a:schemeClr>
+          </a:lnRef>
+          <a:fillRef idx="1">
+            <a:schemeClr val="accent1"/>
+          </a:fillRef>
+          <a:effectRef idx="0">
+            <a:schemeClr val="accent1"/>
+          </a:effectRef>
+          <a:fontRef idx="minor">
+            <a:schemeClr val="lt1"/>
+          </a:fontRef>
+        </p:style>
+        <p:txBody>
+          <a:bodyPr rtlCol="0" anchor="ctr"/>
+          <a:lstStyle/>
+          <a:p>
+            <a:pPr algn="ctr"/>
+            <a:r>
+              <a:rPr kumimoji="1" lang="en-US" altLang="ja-JP" dirty="0" smtClean="0"/>
+              <a:t>?</a:t>
+            </a:r>
+            <a:endParaRPr kumimoji="1" lang="ja-JP" altLang="en-US" dirty="0"/>
+          </a:p>
+        </p:txBody>
+      </p:sp>
+      <p:sp>
+        <p:nvSpPr>
+          <p:cNvPr id="25" name="四角形吹き出し 24"/>
+          <p:cNvSpPr/>
+          <p:nvPr/>
+        </p:nvSpPr>
+        <p:spPr>
+          <a:xfrm>
+            <a:off x="1331640" y="1412776"/>
+            <a:ext cx="4536504" cy="648072"/>
+          </a:xfrm>
+          <a:prstGeom prst="wedgeRectCallout">
+            <a:avLst>
+              <a:gd name="adj1" fmla="val 61460"/>
+              <a:gd name="adj2" fmla="val -24068"/>
+            </a:avLst>
+          </a:prstGeom>
+        </p:spPr>
+        <p:style>
+          <a:lnRef idx="2">
+            <a:schemeClr val="accent1">
+              <a:shade val="50000"/>
+            </a:schemeClr>
+          </a:lnRef>
+          <a:fillRef idx="1">
+            <a:schemeClr val="accent1"/>
+          </a:fillRef>
+          <a:effectRef idx="0">
+            <a:schemeClr val="accent1"/>
+          </a:effectRef>
+          <a:fontRef idx="minor">
+            <a:schemeClr val="lt1"/>
+          </a:fontRef>
+        </p:style>
+        <p:txBody>
+          <a:bodyPr rtlCol="0" anchor="ctr"/>
+          <a:lstStyle/>
+          <a:p>
+            <a:pPr algn="ctr"/>
+            <a:r>
+              <a:rPr lang="en-US" altLang="ja-JP" dirty="0" err="1" smtClean="0"/>
+              <a:t>Kimu’s</a:t>
+            </a:r>
+            <a:r>
+              <a:rPr lang="en-US" altLang="ja-JP" dirty="0" smtClean="0"/>
+              <a:t> cards</a:t>
+            </a:r>
+            <a:endParaRPr lang="ja-JP" altLang="en-US" dirty="0"/>
+          </a:p>
+        </p:txBody>
+      </p:sp>
+      <p:sp>
+        <p:nvSpPr>
+          <p:cNvPr id="26" name="正方形/長方形 25"/>
+          <p:cNvSpPr/>
+          <p:nvPr/>
+        </p:nvSpPr>
+        <p:spPr>
+          <a:xfrm>
+            <a:off x="4644008" y="2060848"/>
+            <a:ext cx="1224136" cy="206484"/>
+          </a:xfrm>
+          <a:prstGeom prst="rect">
+            <a:avLst/>
+          </a:prstGeom>
+          <a:solidFill>
+            <a:schemeClr val="bg1">
+              <a:lumMod val="65000"/>
+            </a:schemeClr>
+          </a:solidFill>
+        </p:spPr>
+        <p:style>
+          <a:lnRef idx="2">
+            <a:schemeClr val="accent1">
+              <a:shade val="50000"/>
+            </a:schemeClr>
+          </a:lnRef>
+          <a:fillRef idx="1">
+            <a:schemeClr val="accent1"/>
+          </a:fillRef>
+          <a:effectRef idx="0">
+            <a:schemeClr val="accent1"/>
+          </a:effectRef>
+          <a:fontRef idx="minor">
+            <a:schemeClr val="lt1"/>
+          </a:fontRef>
+        </p:style>
+        <p:txBody>
+          <a:bodyPr rtlCol="0" anchor="ctr"/>
+          <a:lstStyle/>
+          <a:p>
+            <a:pPr algn="ctr"/>
+            <a:endParaRPr lang="ja-JP" altLang="en-US" dirty="0"/>
+          </a:p>
+        </p:txBody>
+      </p:sp>
+      <p:pic>
+        <p:nvPicPr>
+          <p:cNvPr id="1030" name="Picture 6" descr="R:\shoes.png"/>
+          <p:cNvPicPr>
+            <a:picLocks noChangeAspect="1" noChangeArrowheads="1"/>
+          </p:cNvPicPr>
+          <p:nvPr/>
+        </p:nvPicPr>
+        <p:blipFill>
+          <a:blip r:embed="rId6" cstate="print"/>
+          <a:srcRect/>
+          <a:stretch>
+            <a:fillRect/>
+          </a:stretch>
+        </p:blipFill>
+        <p:spPr bwMode="auto">
+          <a:xfrm>
+            <a:off x="6012160" y="4509120"/>
+            <a:ext cx="297033" cy="360040"/>
+          </a:xfrm>
+          <a:prstGeom prst="rect">
+            <a:avLst/>
+          </a:prstGeom>
+          <a:noFill/>
+        </p:spPr>
+      </p:pic>
+      <p:pic>
+        <p:nvPicPr>
+          <p:cNvPr id="28" name="Picture 3" descr="G:\logo_white.png"/>
+          <p:cNvPicPr>
+            <a:picLocks noChangeAspect="1" noChangeArrowheads="1"/>
+          </p:cNvPicPr>
+          <p:nvPr/>
+        </p:nvPicPr>
+        <p:blipFill>
+          <a:blip r:embed="rId3" cstate="print"/>
+          <a:srcRect/>
+          <a:stretch>
+            <a:fillRect/>
+          </a:stretch>
+        </p:blipFill>
+        <p:spPr bwMode="auto">
+          <a:xfrm rot="16200000">
+            <a:off x="4718252" y="2058613"/>
+            <a:ext cx="224496" cy="212024"/>
+          </a:xfrm>
+          <a:prstGeom prst="rect">
+            <a:avLst/>
+          </a:prstGeom>
+          <a:noFill/>
+        </p:spPr>
+      </p:pic>
+      <p:pic>
+        <p:nvPicPr>
+          <p:cNvPr id="29" name="Picture 3" descr="G:\logo_white.png"/>
+          <p:cNvPicPr>
+            <a:picLocks noChangeAspect="1" noChangeArrowheads="1"/>
+          </p:cNvPicPr>
+          <p:nvPr/>
+        </p:nvPicPr>
+        <p:blipFill>
+          <a:blip r:embed="rId3" cstate="print"/>
+          <a:srcRect/>
+          <a:stretch>
+            <a:fillRect/>
+          </a:stretch>
+        </p:blipFill>
+        <p:spPr bwMode="auto">
+          <a:xfrm rot="10800000">
+            <a:off x="5004048" y="2060848"/>
+            <a:ext cx="224496" cy="212024"/>
+          </a:xfrm>
+          <a:prstGeom prst="rect">
+            <a:avLst/>
+          </a:prstGeom>
+          <a:noFill/>
+        </p:spPr>
+      </p:pic>
+      <p:pic>
+        <p:nvPicPr>
+          <p:cNvPr id="30" name="Picture 3" descr="G:\logo_white.png"/>
+          <p:cNvPicPr>
+            <a:picLocks noChangeAspect="1" noChangeArrowheads="1"/>
+          </p:cNvPicPr>
+          <p:nvPr/>
+        </p:nvPicPr>
+        <p:blipFill>
+          <a:blip r:embed="rId3" cstate="print"/>
+          <a:srcRect/>
+          <a:stretch>
+            <a:fillRect/>
+          </a:stretch>
+        </p:blipFill>
+        <p:spPr bwMode="auto">
+          <a:xfrm rot="5400000">
+            <a:off x="5285844" y="2058613"/>
+            <a:ext cx="224497" cy="212025"/>
+          </a:xfrm>
+          <a:prstGeom prst="rect">
+            <a:avLst/>
+          </a:prstGeom>
+          <a:noFill/>
+        </p:spPr>
+      </p:pic>
+      <p:sp>
+        <p:nvSpPr>
+          <p:cNvPr id="31" name="正方形/長方形 30"/>
+          <p:cNvSpPr/>
+          <p:nvPr/>
+        </p:nvSpPr>
+        <p:spPr>
+          <a:xfrm>
+            <a:off x="6372200" y="1484784"/>
+            <a:ext cx="144016" cy="144016"/>
+          </a:xfrm>
+          <a:prstGeom prst="rect">
+            <a:avLst/>
+          </a:prstGeom>
+          <a:noFill/>
+          <a:ln>
+            <a:noFill/>
+          </a:ln>
+        </p:spPr>
+        <p:style>
+          <a:lnRef idx="2">
+            <a:schemeClr val="dk1"/>
+          </a:lnRef>
+          <a:fillRef idx="1">
+            <a:schemeClr val="lt1"/>
+          </a:fillRef>
+          <a:effectRef idx="0">
+            <a:schemeClr val="dk1"/>
+          </a:effectRef>
+          <a:fontRef idx="minor">
+            <a:schemeClr val="dk1"/>
+          </a:fontRef>
+        </p:style>
+        <p:txBody>
+          <a:bodyPr wrap="none" rtlCol="0" anchor="ctr"/>
+          <a:lstStyle/>
+          <a:p>
+            <a:pPr algn="ctr"/>
+            <a:r>
+              <a:rPr kumimoji="1" lang="en-US" altLang="ja-JP" sz="800" i="1" dirty="0" smtClean="0"/>
+              <a:t>12</a:t>
+            </a:r>
+            <a:endParaRPr kumimoji="1" lang="ja-JP" altLang="en-US" sz="800" i="1" dirty="0"/>
+          </a:p>
+        </p:txBody>
+      </p:sp>
+    </p:spTree>
+  </p:cSld>
+  <p:clrMapOvr>
+    <a:masterClrMapping/>
+  </p:clrMapOvr>
+</p:sld>
+</file>
+
+<file path=ppt/slides/slide8.xml><?xml version="1.0" encoding="utf-8"?>
+<p:sld xmlns:a="http://schemas.openxmlformats.org/drawingml/2006/main" xmlns:r="http://schemas.openxmlformats.org/officeDocument/2006/relationships" xmlns:p="http://schemas.openxmlformats.org/presentationml/2006/main">
+  <p:cSld>
+    <p:spTree>
+      <p:nvGrpSpPr>
+        <p:cNvPr id="1" name=""/>
+        <p:cNvGrpSpPr/>
+        <p:nvPr/>
+      </p:nvGrpSpPr>
+      <p:grpSpPr>
+        <a:xfrm>
+          <a:off x="0" y="0"/>
+          <a:ext cx="0" cy="0"/>
+          <a:chOff x="0" y="0"/>
+          <a:chExt cx="0" cy="0"/>
+        </a:xfrm>
+      </p:grpSpPr>
+      <p:sp>
+        <p:nvSpPr>
           <p:cNvPr id="2" name="タイトル 1"/>
           <p:cNvSpPr>
             <a:spLocks noGrp="1"/>
@@ -7572,12 +8411,23 @@
             <p:ph type="title"/>
           </p:nvPr>
         </p:nvSpPr>
-        <p:spPr/>
-        <p:txBody>
-          <a:bodyPr/>
-          <a:lstStyle/>
-          <a:p>
-            <a:endParaRPr kumimoji="1" lang="ja-JP" altLang="en-US"/>
+        <p:spPr>
+          <a:xfrm>
+            <a:off x="457200" y="274638"/>
+            <a:ext cx="8229600" cy="706090"/>
+          </a:xfrm>
+        </p:spPr>
+        <p:txBody>
+          <a:bodyPr>
+            <a:normAutofit/>
+          </a:bodyPr>
+          <a:lstStyle/>
+          <a:p>
+            <a:r>
+              <a:rPr kumimoji="1" lang="ja-JP" altLang="en-US" sz="3600" dirty="0" smtClean="0"/>
+              <a:t>命名規則</a:t>
+            </a:r>
+            <a:endParaRPr kumimoji="1" lang="ja-JP" altLang="en-US" sz="3600" dirty="0"/>
           </a:p>
         </p:txBody>
       </p:sp>
@@ -7591,12 +8441,55 @@
             <p:ph idx="1"/>
           </p:nvPr>
         </p:nvSpPr>
-        <p:spPr/>
-        <p:txBody>
-          <a:bodyPr/>
-          <a:lstStyle/>
-          <a:p>
-            <a:endParaRPr kumimoji="1" lang="ja-JP" altLang="en-US"/>
+        <p:spPr>
+          <a:xfrm>
+            <a:off x="457200" y="1196752"/>
+            <a:ext cx="8229600" cy="4929411"/>
+          </a:xfrm>
+        </p:spPr>
+        <p:txBody>
+          <a:bodyPr>
+            <a:normAutofit/>
+          </a:bodyPr>
+          <a:lstStyle/>
+          <a:p>
+            <a:r>
+              <a:rPr kumimoji="1" lang="en-US" altLang="ja-JP" sz="2400" dirty="0" smtClean="0"/>
+              <a:t>Socket</a:t>
+            </a:r>
+            <a:r>
+              <a:rPr kumimoji="1" lang="ja-JP" altLang="en-US" sz="2400" dirty="0" smtClean="0"/>
+              <a:t>のメッセージ名</a:t>
+            </a:r>
+            <a:endParaRPr kumimoji="1" lang="en-US" altLang="ja-JP" sz="2400" dirty="0" smtClean="0"/>
+          </a:p>
+          <a:p>
+            <a:pPr lvl="1"/>
+            <a:r>
+              <a:rPr kumimoji="1" lang="en-US" altLang="ja-JP" sz="2000" dirty="0" smtClean="0"/>
+              <a:t>emit</a:t>
+            </a:r>
+            <a:r>
+              <a:rPr kumimoji="1" lang="ja-JP" altLang="en-US" sz="2000" dirty="0" smtClean="0"/>
+              <a:t>する側から見て、「動詞</a:t>
+            </a:r>
+            <a:r>
+              <a:rPr kumimoji="1" lang="en-US" altLang="ja-JP" sz="2000" dirty="0" smtClean="0"/>
+              <a:t>(+</a:t>
+            </a:r>
+            <a:r>
+              <a:rPr kumimoji="1" lang="ja-JP" altLang="en-US" sz="2000" dirty="0" smtClean="0"/>
+              <a:t>目的語</a:t>
+            </a:r>
+            <a:r>
+              <a:rPr kumimoji="1" lang="en-US" altLang="ja-JP" sz="2000" dirty="0" smtClean="0"/>
+              <a:t>)</a:t>
+            </a:r>
+            <a:r>
+              <a:rPr kumimoji="1" lang="ja-JP" altLang="en-US" sz="2000" dirty="0" smtClean="0"/>
+              <a:t>」で命名する</a:t>
+            </a:r>
+            <a:endParaRPr kumimoji="1" lang="ja-JP" altLang="en-US" sz="2000" dirty="0"/>
           </a:p>
         </p:txBody>
       </p:sp>

--- a/doc/design.pptx
+++ b/doc/design.pptx
@@ -5,14 +5,15 @@
     <p:sldMasterId id="2147483648" r:id="rId1"/>
   </p:sldMasterIdLst>
   <p:sldIdLst>
-    <p:sldId id="262" r:id="rId2"/>
-    <p:sldId id="256" r:id="rId3"/>
-    <p:sldId id="257" r:id="rId4"/>
-    <p:sldId id="258" r:id="rId5"/>
-    <p:sldId id="259" r:id="rId6"/>
-    <p:sldId id="263" r:id="rId7"/>
-    <p:sldId id="260" r:id="rId8"/>
-    <p:sldId id="261" r:id="rId9"/>
+    <p:sldId id="264" r:id="rId2"/>
+    <p:sldId id="262" r:id="rId3"/>
+    <p:sldId id="256" r:id="rId4"/>
+    <p:sldId id="257" r:id="rId5"/>
+    <p:sldId id="258" r:id="rId6"/>
+    <p:sldId id="259" r:id="rId7"/>
+    <p:sldId id="263" r:id="rId8"/>
+    <p:sldId id="260" r:id="rId9"/>
+    <p:sldId id="261" r:id="rId10"/>
   </p:sldIdLst>
   <p:sldSz cx="9144000" cy="6858000" type="screen4x3"/>
   <p:notesSz cx="6858000" cy="9144000"/>
@@ -296,7 +297,7 @@
             <a:fld id="{498B79AD-8EE5-4954-9813-22C614D5AEFA}" type="datetimeFigureOut">
               <a:rPr kumimoji="1" lang="ja-JP" altLang="en-US" smtClean="0"/>
               <a:pPr/>
-              <a:t>2014/4/5</a:t>
+              <a:t>2015/5/9</a:t>
             </a:fld>
             <a:endParaRPr kumimoji="1" lang="ja-JP" altLang="en-US"/>
           </a:p>
@@ -495,7 +496,7 @@
             <a:fld id="{498B79AD-8EE5-4954-9813-22C614D5AEFA}" type="datetimeFigureOut">
               <a:rPr kumimoji="1" lang="ja-JP" altLang="en-US" smtClean="0"/>
               <a:pPr/>
-              <a:t>2014/4/5</a:t>
+              <a:t>2015/5/9</a:t>
             </a:fld>
             <a:endParaRPr kumimoji="1" lang="ja-JP" altLang="en-US"/>
           </a:p>
@@ -704,7 +705,7 @@
             <a:fld id="{498B79AD-8EE5-4954-9813-22C614D5AEFA}" type="datetimeFigureOut">
               <a:rPr kumimoji="1" lang="ja-JP" altLang="en-US" smtClean="0"/>
               <a:pPr/>
-              <a:t>2014/4/5</a:t>
+              <a:t>2015/5/9</a:t>
             </a:fld>
             <a:endParaRPr kumimoji="1" lang="ja-JP" altLang="en-US"/>
           </a:p>
@@ -903,7 +904,7 @@
             <a:fld id="{498B79AD-8EE5-4954-9813-22C614D5AEFA}" type="datetimeFigureOut">
               <a:rPr kumimoji="1" lang="ja-JP" altLang="en-US" smtClean="0"/>
               <a:pPr/>
-              <a:t>2014/4/5</a:t>
+              <a:t>2015/5/9</a:t>
             </a:fld>
             <a:endParaRPr kumimoji="1" lang="ja-JP" altLang="en-US"/>
           </a:p>
@@ -1146,7 +1147,7 @@
             <a:fld id="{498B79AD-8EE5-4954-9813-22C614D5AEFA}" type="datetimeFigureOut">
               <a:rPr kumimoji="1" lang="ja-JP" altLang="en-US" smtClean="0"/>
               <a:pPr/>
-              <a:t>2014/4/5</a:t>
+              <a:t>2015/5/9</a:t>
             </a:fld>
             <a:endParaRPr kumimoji="1" lang="ja-JP" altLang="en-US"/>
           </a:p>
@@ -1495,7 +1496,7 @@
             <a:fld id="{498B79AD-8EE5-4954-9813-22C614D5AEFA}" type="datetimeFigureOut">
               <a:rPr kumimoji="1" lang="ja-JP" altLang="en-US" smtClean="0"/>
               <a:pPr/>
-              <a:t>2014/4/5</a:t>
+              <a:t>2015/5/9</a:t>
             </a:fld>
             <a:endParaRPr kumimoji="1" lang="ja-JP" altLang="en-US"/>
           </a:p>
@@ -1978,7 +1979,7 @@
             <a:fld id="{498B79AD-8EE5-4954-9813-22C614D5AEFA}" type="datetimeFigureOut">
               <a:rPr kumimoji="1" lang="ja-JP" altLang="en-US" smtClean="0"/>
               <a:pPr/>
-              <a:t>2014/4/5</a:t>
+              <a:t>2015/5/9</a:t>
             </a:fld>
             <a:endParaRPr kumimoji="1" lang="ja-JP" altLang="en-US"/>
           </a:p>
@@ -2093,7 +2094,7 @@
             <a:fld id="{498B79AD-8EE5-4954-9813-22C614D5AEFA}" type="datetimeFigureOut">
               <a:rPr kumimoji="1" lang="ja-JP" altLang="en-US" smtClean="0"/>
               <a:pPr/>
-              <a:t>2014/4/5</a:t>
+              <a:t>2015/5/9</a:t>
             </a:fld>
             <a:endParaRPr kumimoji="1" lang="ja-JP" altLang="en-US"/>
           </a:p>
@@ -2185,7 +2186,7 @@
             <a:fld id="{498B79AD-8EE5-4954-9813-22C614D5AEFA}" type="datetimeFigureOut">
               <a:rPr kumimoji="1" lang="ja-JP" altLang="en-US" smtClean="0"/>
               <a:pPr/>
-              <a:t>2014/4/5</a:t>
+              <a:t>2015/5/9</a:t>
             </a:fld>
             <a:endParaRPr kumimoji="1" lang="ja-JP" altLang="en-US"/>
           </a:p>
@@ -2491,7 +2492,7 @@
             <a:fld id="{498B79AD-8EE5-4954-9813-22C614D5AEFA}" type="datetimeFigureOut">
               <a:rPr kumimoji="1" lang="ja-JP" altLang="en-US" smtClean="0"/>
               <a:pPr/>
-              <a:t>2014/4/5</a:t>
+              <a:t>2015/5/9</a:t>
             </a:fld>
             <a:endParaRPr kumimoji="1" lang="ja-JP" altLang="en-US"/>
           </a:p>
@@ -2741,7 +2742,7 @@
             <a:fld id="{498B79AD-8EE5-4954-9813-22C614D5AEFA}" type="datetimeFigureOut">
               <a:rPr kumimoji="1" lang="ja-JP" altLang="en-US" smtClean="0"/>
               <a:pPr/>
-              <a:t>2014/4/5</a:t>
+              <a:t>2015/5/9</a:t>
             </a:fld>
             <a:endParaRPr kumimoji="1" lang="ja-JP" altLang="en-US"/>
           </a:p>
@@ -2983,7 +2984,7 @@
             <a:fld id="{498B79AD-8EE5-4954-9813-22C614D5AEFA}" type="datetimeFigureOut">
               <a:rPr kumimoji="1" lang="ja-JP" altLang="en-US" smtClean="0"/>
               <a:pPr/>
-              <a:t>2014/4/5</a:t>
+              <a:t>2015/5/9</a:t>
             </a:fld>
             <a:endParaRPr kumimoji="1" lang="ja-JP" altLang="en-US"/>
           </a:p>
@@ -3354,23 +3355,135 @@
           <a:chExt cx="0" cy="0"/>
         </a:xfrm>
       </p:grpSpPr>
-      <p:sp>
-        <p:nvSpPr>
-          <p:cNvPr id="30" name="正方形/長方形 29"/>
+      <p:cxnSp>
+        <p:nvCxnSpPr>
+          <p:cNvPr id="5" name="直線コネクタ 4"/>
+          <p:cNvCxnSpPr/>
+          <p:nvPr/>
+        </p:nvCxnSpPr>
+        <p:spPr>
+          <a:xfrm>
+            <a:off x="4572000" y="0"/>
+            <a:ext cx="0" cy="5661248"/>
+          </a:xfrm>
+          <a:prstGeom prst="line">
+            <a:avLst/>
+          </a:prstGeom>
+        </p:spPr>
+        <p:style>
+          <a:lnRef idx="1">
+            <a:schemeClr val="accent1"/>
+          </a:lnRef>
+          <a:fillRef idx="0">
+            <a:schemeClr val="accent1"/>
+          </a:fillRef>
+          <a:effectRef idx="0">
+            <a:schemeClr val="accent1"/>
+          </a:effectRef>
+          <a:fontRef idx="minor">
+            <a:schemeClr val="tx1"/>
+          </a:fontRef>
+        </p:style>
+      </p:cxnSp>
+      <p:sp>
+        <p:nvSpPr>
+          <p:cNvPr id="7" name="正方形/長方形 6"/>
           <p:cNvSpPr/>
           <p:nvPr/>
         </p:nvSpPr>
         <p:spPr>
           <a:xfrm>
-            <a:off x="899592" y="2852936"/>
-            <a:ext cx="2160240" cy="1512168"/>
+            <a:off x="107504" y="116632"/>
+            <a:ext cx="4392488" cy="288032"/>
           </a:xfrm>
           <a:prstGeom prst="rect">
             <a:avLst/>
           </a:prstGeom>
-          <a:ln w="9525">
-            <a:prstDash val="sysDot"/>
-          </a:ln>
+        </p:spPr>
+        <p:style>
+          <a:lnRef idx="1">
+            <a:schemeClr val="accent1"/>
+          </a:lnRef>
+          <a:fillRef idx="2">
+            <a:schemeClr val="accent1"/>
+          </a:fillRef>
+          <a:effectRef idx="1">
+            <a:schemeClr val="accent1"/>
+          </a:effectRef>
+          <a:fontRef idx="minor">
+            <a:schemeClr val="dk1"/>
+          </a:fontRef>
+        </p:style>
+        <p:txBody>
+          <a:bodyPr rtlCol="0" anchor="ctr"/>
+          <a:lstStyle/>
+          <a:p>
+            <a:pPr algn="ctr"/>
+            <a:r>
+              <a:rPr kumimoji="1" lang="en-US" altLang="ja-JP" sz="1400" dirty="0" smtClean="0"/>
+              <a:t>Client</a:t>
+            </a:r>
+            <a:endParaRPr kumimoji="1" lang="ja-JP" altLang="en-US" sz="1400" dirty="0"/>
+          </a:p>
+        </p:txBody>
+      </p:sp>
+      <p:sp>
+        <p:nvSpPr>
+          <p:cNvPr id="8" name="正方形/長方形 7"/>
+          <p:cNvSpPr/>
+          <p:nvPr/>
+        </p:nvSpPr>
+        <p:spPr>
+          <a:xfrm>
+            <a:off x="4644008" y="116632"/>
+            <a:ext cx="4392488" cy="288032"/>
+          </a:xfrm>
+          <a:prstGeom prst="rect">
+            <a:avLst/>
+          </a:prstGeom>
+        </p:spPr>
+        <p:style>
+          <a:lnRef idx="1">
+            <a:schemeClr val="accent3"/>
+          </a:lnRef>
+          <a:fillRef idx="2">
+            <a:schemeClr val="accent3"/>
+          </a:fillRef>
+          <a:effectRef idx="1">
+            <a:schemeClr val="accent3"/>
+          </a:effectRef>
+          <a:fontRef idx="minor">
+            <a:schemeClr val="dk1"/>
+          </a:fontRef>
+        </p:style>
+        <p:txBody>
+          <a:bodyPr rtlCol="0" anchor="ctr"/>
+          <a:lstStyle/>
+          <a:p>
+            <a:pPr algn="ctr"/>
+            <a:r>
+              <a:rPr kumimoji="1" lang="en-US" altLang="ja-JP" sz="1400" dirty="0" smtClean="0"/>
+              <a:t>Server</a:t>
+            </a:r>
+            <a:endParaRPr kumimoji="1" lang="ja-JP" altLang="en-US" sz="1400" dirty="0"/>
+          </a:p>
+        </p:txBody>
+      </p:sp>
+      <p:sp>
+        <p:nvSpPr>
+          <p:cNvPr id="9" name="正方形/長方形 8"/>
+          <p:cNvSpPr/>
+          <p:nvPr/>
+        </p:nvSpPr>
+        <p:spPr>
+          <a:xfrm>
+            <a:off x="467544" y="548680"/>
+            <a:ext cx="3744416" cy="2232248"/>
+          </a:xfrm>
+          <a:prstGeom prst="rect">
+            <a:avLst/>
+          </a:prstGeom>
+          <a:ln w="9525"/>
         </p:spPr>
         <p:style>
           <a:lnRef idx="2">
@@ -3390,17 +3503,9 @@
           <a:bodyPr wrap="none" rtlCol="0" anchor="t"/>
           <a:lstStyle/>
           <a:p>
-            <a:pPr algn="ctr"/>
             <a:r>
               <a:rPr kumimoji="1" lang="en-US" altLang="ja-JP" sz="900" dirty="0" smtClean="0"/>
-              <a:t>&lt;&lt;Group&gt;&gt;</a:t>
-            </a:r>
-          </a:p>
-          <a:p>
-            <a:pPr algn="ctr"/>
-            <a:r>
-              <a:rPr lang="en-US" altLang="ja-JP" sz="900" dirty="0" err="1" smtClean="0"/>
-              <a:t>UserList</a:t>
+              <a:t>socket</a:t>
             </a:r>
             <a:endParaRPr kumimoji="1" lang="ja-JP" altLang="en-US" sz="900" dirty="0"/>
           </a:p>
@@ -3408,21 +3513,19 @@
       </p:sp>
       <p:sp>
         <p:nvSpPr>
-          <p:cNvPr id="21" name="正方形/長方形 20"/>
+          <p:cNvPr id="12" name="正方形/長方形 11"/>
           <p:cNvSpPr/>
           <p:nvPr/>
         </p:nvSpPr>
         <p:spPr>
           <a:xfrm>
-            <a:off x="4283968" y="1484784"/>
-            <a:ext cx="4464496" cy="2592288"/>
+            <a:off x="4932040" y="548680"/>
+            <a:ext cx="3744416" cy="2232248"/>
           </a:xfrm>
           <a:prstGeom prst="rect">
             <a:avLst/>
           </a:prstGeom>
-          <a:ln w="9525">
-            <a:prstDash val="sysDot"/>
-          </a:ln>
+          <a:ln w="9525"/>
         </p:spPr>
         <p:style>
           <a:lnRef idx="2">
@@ -3442,17 +3545,9 @@
           <a:bodyPr wrap="none" rtlCol="0" anchor="t"/>
           <a:lstStyle/>
           <a:p>
-            <a:pPr algn="ctr"/>
             <a:r>
               <a:rPr kumimoji="1" lang="en-US" altLang="ja-JP" sz="900" dirty="0" smtClean="0"/>
-              <a:t>&lt;&lt;Group&gt;&gt;</a:t>
-            </a:r>
-          </a:p>
-          <a:p>
-            <a:pPr algn="ctr"/>
-            <a:r>
-              <a:rPr lang="en-US" altLang="ja-JP" sz="900" dirty="0" err="1" smtClean="0"/>
-              <a:t>CardArea</a:t>
+              <a:t>socket</a:t>
             </a:r>
             <a:endParaRPr kumimoji="1" lang="ja-JP" altLang="en-US" sz="900" dirty="0"/>
           </a:p>
@@ -3460,21 +3555,19 @@
       </p:sp>
       <p:sp>
         <p:nvSpPr>
-          <p:cNvPr id="20" name="正方形/長方形 19"/>
+          <p:cNvPr id="16" name="正方形/長方形 15"/>
           <p:cNvSpPr/>
           <p:nvPr/>
         </p:nvSpPr>
         <p:spPr>
           <a:xfrm>
-            <a:off x="3851920" y="1340768"/>
-            <a:ext cx="4464496" cy="2592288"/>
+            <a:off x="539552" y="1556792"/>
+            <a:ext cx="3600400" cy="504056"/>
           </a:xfrm>
           <a:prstGeom prst="rect">
             <a:avLst/>
           </a:prstGeom>
-          <a:ln w="9525">
-            <a:prstDash val="sysDot"/>
-          </a:ln>
+          <a:ln w="9525"/>
         </p:spPr>
         <p:style>
           <a:lnRef idx="2">
@@ -3494,17 +3587,87 @@
           <a:bodyPr wrap="none" rtlCol="0" anchor="t"/>
           <a:lstStyle/>
           <a:p>
-            <a:pPr algn="ctr"/>
             <a:r>
               <a:rPr kumimoji="1" lang="en-US" altLang="ja-JP" sz="900" dirty="0" smtClean="0"/>
-              <a:t>&lt;&lt;Group&gt;&gt;</a:t>
-            </a:r>
-          </a:p>
-          <a:p>
-            <a:pPr algn="ctr"/>
-            <a:r>
-              <a:rPr lang="en-US" altLang="ja-JP" sz="900" dirty="0" err="1" smtClean="0"/>
-              <a:t>CardArea</a:t>
+              <a:t>.on(“sync”, {</a:t>
+            </a:r>
+            <a:r>
+              <a:rPr kumimoji="1" lang="en-US" altLang="ja-JP" sz="900" i="1" dirty="0" err="1" smtClean="0"/>
+              <a:t>uuid</a:t>
+            </a:r>
+            <a:r>
+              <a:rPr kumimoji="1" lang="en-US" altLang="ja-JP" sz="900" dirty="0" smtClean="0"/>
+              <a:t>:{__</a:t>
+            </a:r>
+            <a:r>
+              <a:rPr kumimoji="1" lang="en-US" altLang="ja-JP" sz="900" smtClean="0"/>
+              <a:t>classname__:”</a:t>
+            </a:r>
+            <a:r>
+              <a:rPr lang="en-US" altLang="ja-JP" sz="900" smtClean="0"/>
+              <a:t>”,</a:t>
+            </a:r>
+            <a:r>
+              <a:rPr kumimoji="1" lang="en-US" altLang="ja-JP" sz="900" dirty="0" smtClean="0"/>
+              <a:t>members…},</a:t>
+            </a:r>
+            <a:r>
+              <a:rPr kumimoji="1" lang="en-US" altLang="ja-JP" sz="900" i="1" dirty="0" err="1" smtClean="0"/>
+              <a:t>uuid</a:t>
+            </a:r>
+            <a:r>
+              <a:rPr kumimoji="1" lang="en-US" altLang="ja-JP" sz="900" dirty="0" smtClean="0"/>
+              <a:t>:{…}})</a:t>
+            </a:r>
+            <a:endParaRPr kumimoji="1" lang="ja-JP" altLang="en-US" sz="900" dirty="0"/>
+          </a:p>
+        </p:txBody>
+      </p:sp>
+      <p:sp>
+        <p:nvSpPr>
+          <p:cNvPr id="17" name="正方形/長方形 16"/>
+          <p:cNvSpPr/>
+          <p:nvPr/>
+        </p:nvSpPr>
+        <p:spPr>
+          <a:xfrm>
+            <a:off x="5004048" y="1196752"/>
+            <a:ext cx="3600400" cy="648072"/>
+          </a:xfrm>
+          <a:prstGeom prst="rect">
+            <a:avLst/>
+          </a:prstGeom>
+          <a:ln w="9525"/>
+        </p:spPr>
+        <p:style>
+          <a:lnRef idx="2">
+            <a:schemeClr val="dk1"/>
+          </a:lnRef>
+          <a:fillRef idx="1">
+            <a:schemeClr val="lt1"/>
+          </a:fillRef>
+          <a:effectRef idx="0">
+            <a:schemeClr val="dk1"/>
+          </a:effectRef>
+          <a:fontRef idx="minor">
+            <a:schemeClr val="dk1"/>
+          </a:fontRef>
+        </p:style>
+        <p:txBody>
+          <a:bodyPr wrap="none" rtlCol="0" anchor="t"/>
+          <a:lstStyle/>
+          <a:p>
+            <a:r>
+              <a:rPr kumimoji="1" lang="en-US" altLang="ja-JP" sz="900" dirty="0" smtClean="0"/>
+              <a:t>.on(“</a:t>
+            </a:r>
+            <a:r>
+              <a:rPr kumimoji="1" lang="en-US" altLang="ja-JP" sz="900" dirty="0" err="1" smtClean="0"/>
+              <a:t>requestAll</a:t>
+            </a:r>
+            <a:r>
+              <a:rPr kumimoji="1" lang="en-US" altLang="ja-JP" sz="900" dirty="0" smtClean="0"/>
+              <a:t>”, {})	</a:t>
             </a:r>
             <a:endParaRPr kumimoji="1" lang="ja-JP" altLang="en-US" sz="900" dirty="0"/>
           </a:p>
@@ -3518,15 +3681,13 @@
         </p:nvSpPr>
         <p:spPr>
           <a:xfrm>
-            <a:off x="3419872" y="1196752"/>
-            <a:ext cx="4464496" cy="2592288"/>
+            <a:off x="5580112" y="3501008"/>
+            <a:ext cx="1368152" cy="432048"/>
           </a:xfrm>
           <a:prstGeom prst="rect">
             <a:avLst/>
           </a:prstGeom>
-          <a:ln w="9525">
-            <a:prstDash val="sysDot"/>
-          </a:ln>
+          <a:ln w="9525"/>
         </p:spPr>
         <p:style>
           <a:lnRef idx="2">
@@ -3546,17 +3707,48 @@
           <a:bodyPr wrap="none" rtlCol="0" anchor="t"/>
           <a:lstStyle/>
           <a:p>
-            <a:pPr algn="ctr"/>
+            <a:r>
+              <a:rPr kumimoji="1" lang="en-US" altLang="ja-JP" sz="900" dirty="0" err="1" smtClean="0"/>
+              <a:t>instanceB</a:t>
+            </a:r>
+            <a:r>
+              <a:rPr lang="en-US" altLang="ja-JP" sz="900" dirty="0" smtClean="0"/>
+              <a:t> (</a:t>
+            </a:r>
+            <a:r>
+              <a:rPr lang="en-US" altLang="ja-JP" sz="900" dirty="0" err="1" smtClean="0"/>
+              <a:t>uuid</a:t>
+            </a:r>
+            <a:r>
+              <a:rPr lang="en-US" altLang="ja-JP" sz="900" dirty="0" smtClean="0"/>
+              <a:t>: </a:t>
+            </a:r>
+            <a:r>
+              <a:rPr lang="en-US" altLang="ja-JP" sz="900" dirty="0" err="1" smtClean="0"/>
+              <a:t>xxxx</a:t>
+            </a:r>
+            <a:r>
+              <a:rPr lang="en-US" altLang="ja-JP" sz="900" dirty="0" smtClean="0"/>
+              <a:t>)</a:t>
+            </a:r>
+            <a:endParaRPr lang="en-US" altLang="ja-JP" sz="900" dirty="0" smtClean="0"/>
+          </a:p>
+          <a:p>
+            <a:r>
+              <a:rPr lang="en-US" altLang="ja-JP" sz="900" dirty="0" smtClean="0"/>
+              <a:t>m</a:t>
+            </a:r>
             <a:r>
               <a:rPr kumimoji="1" lang="en-US" altLang="ja-JP" sz="900" dirty="0" smtClean="0"/>
-              <a:t>&lt;&lt;Group&gt;&gt;</a:t>
-            </a:r>
-          </a:p>
-          <a:p>
-            <a:pPr algn="ctr"/>
-            <a:r>
-              <a:rPr lang="en-US" altLang="ja-JP" sz="900" dirty="0" err="1" smtClean="0"/>
-              <a:t>CardArea</a:t>
+              <a:t>embers: [</a:t>
+            </a:r>
+            <a:r>
+              <a:rPr kumimoji="1" lang="en-US" altLang="ja-JP" sz="900" dirty="0" err="1" smtClean="0"/>
+              <a:t>instanceC,D</a:t>
+            </a:r>
+            <a:r>
+              <a:rPr kumimoji="1" lang="en-US" altLang="ja-JP" sz="900" dirty="0" smtClean="0"/>
+              <a:t>]</a:t>
             </a:r>
             <a:endParaRPr kumimoji="1" lang="ja-JP" altLang="en-US" sz="900" dirty="0"/>
           </a:p>
@@ -3564,14 +3756,14 @@
       </p:sp>
       <p:sp>
         <p:nvSpPr>
-          <p:cNvPr id="4" name="正方形/長方形 3"/>
+          <p:cNvPr id="22" name="正方形/長方形 21"/>
           <p:cNvSpPr/>
           <p:nvPr/>
         </p:nvSpPr>
         <p:spPr>
           <a:xfrm>
-            <a:off x="5004048" y="332656"/>
-            <a:ext cx="864096" cy="432048"/>
+            <a:off x="5580112" y="4077072"/>
+            <a:ext cx="1368152" cy="432048"/>
           </a:xfrm>
           <a:prstGeom prst="rect">
             <a:avLst/>
@@ -3596,17 +3788,39 @@
           <a:bodyPr wrap="none" rtlCol="0" anchor="t"/>
           <a:lstStyle/>
           <a:p>
-            <a:pPr algn="ctr"/>
+            <a:r>
+              <a:rPr kumimoji="1" lang="en-US" altLang="ja-JP" sz="900" dirty="0" err="1" smtClean="0"/>
+              <a:t>instanceC</a:t>
+            </a:r>
+            <a:r>
+              <a:rPr lang="en-US" altLang="ja-JP" sz="900" dirty="0" smtClean="0"/>
+              <a:t> (</a:t>
+            </a:r>
+            <a:r>
+              <a:rPr lang="en-US" altLang="ja-JP" sz="900" dirty="0" err="1" smtClean="0"/>
+              <a:t>uuid</a:t>
+            </a:r>
+            <a:r>
+              <a:rPr lang="en-US" altLang="ja-JP" sz="900" dirty="0" smtClean="0"/>
+              <a:t>: </a:t>
+            </a:r>
+            <a:r>
+              <a:rPr lang="en-US" altLang="ja-JP" sz="900" dirty="0" err="1" smtClean="0"/>
+              <a:t>xxxx</a:t>
+            </a:r>
+            <a:r>
+              <a:rPr lang="en-US" altLang="ja-JP" sz="900" dirty="0" smtClean="0"/>
+              <a:t>)</a:t>
+            </a:r>
+          </a:p>
+          <a:p>
+            <a:r>
+              <a:rPr lang="en-US" altLang="ja-JP" sz="900" dirty="0" smtClean="0"/>
+              <a:t>attr1</a:t>
+            </a:r>
             <a:r>
               <a:rPr kumimoji="1" lang="en-US" altLang="ja-JP" sz="900" dirty="0" smtClean="0"/>
-              <a:t>&lt;&lt;Scene&gt;&gt;</a:t>
-            </a:r>
-          </a:p>
-          <a:p>
-            <a:pPr algn="ctr"/>
-            <a:r>
-              <a:rPr lang="en-US" altLang="ja-JP" sz="900" dirty="0" err="1" smtClean="0"/>
-              <a:t>GameScene</a:t>
+              <a:t>: 1234</a:t>
             </a:r>
             <a:endParaRPr kumimoji="1" lang="ja-JP" altLang="en-US" sz="900" dirty="0"/>
           </a:p>
@@ -3614,14 +3828,14 @@
       </p:sp>
       <p:sp>
         <p:nvSpPr>
-          <p:cNvPr id="5" name="正方形/長方形 4"/>
+          <p:cNvPr id="23" name="正方形/長方形 22"/>
           <p:cNvSpPr/>
           <p:nvPr/>
         </p:nvSpPr>
         <p:spPr>
           <a:xfrm>
-            <a:off x="1835696" y="332656"/>
-            <a:ext cx="864096" cy="432048"/>
+            <a:off x="5580112" y="2924944"/>
+            <a:ext cx="1368152" cy="432048"/>
           </a:xfrm>
           <a:prstGeom prst="rect">
             <a:avLst/>
@@ -3646,17 +3860,48 @@
           <a:bodyPr wrap="none" rtlCol="0" anchor="t"/>
           <a:lstStyle/>
           <a:p>
-            <a:pPr algn="ctr"/>
+            <a:r>
+              <a:rPr lang="en-US" altLang="ja-JP" sz="900" dirty="0" err="1" smtClean="0"/>
+              <a:t>instanceA</a:t>
+            </a:r>
+            <a:r>
+              <a:rPr lang="en-US" altLang="ja-JP" sz="900" dirty="0" smtClean="0"/>
+              <a:t> (</a:t>
+            </a:r>
+            <a:r>
+              <a:rPr lang="en-US" altLang="ja-JP" sz="900" dirty="0" err="1" smtClean="0"/>
+              <a:t>uuid</a:t>
+            </a:r>
+            <a:r>
+              <a:rPr lang="en-US" altLang="ja-JP" sz="900" dirty="0" smtClean="0"/>
+              <a:t>: </a:t>
+            </a:r>
+            <a:r>
+              <a:rPr lang="en-US" altLang="ja-JP" sz="900" dirty="0" err="1" smtClean="0"/>
+              <a:t>xxxx</a:t>
+            </a:r>
+            <a:r>
+              <a:rPr lang="en-US" altLang="ja-JP" sz="900" dirty="0" smtClean="0"/>
+              <a:t>)</a:t>
+            </a:r>
+            <a:endParaRPr lang="en-US" altLang="ja-JP" sz="900" dirty="0" smtClean="0"/>
+          </a:p>
+          <a:p>
+            <a:r>
+              <a:rPr lang="en-US" altLang="ja-JP" sz="900" dirty="0" smtClean="0"/>
+              <a:t>m</a:t>
+            </a:r>
             <a:r>
               <a:rPr kumimoji="1" lang="en-US" altLang="ja-JP" sz="900" dirty="0" smtClean="0"/>
-              <a:t>&lt;&lt;Scene&gt;&gt;</a:t>
-            </a:r>
-          </a:p>
-          <a:p>
-            <a:pPr algn="ctr"/>
-            <a:r>
-              <a:rPr lang="en-US" altLang="ja-JP" sz="900" dirty="0" err="1" smtClean="0"/>
-              <a:t>RoomScene</a:t>
+              <a:t>embers: [</a:t>
+            </a:r>
+            <a:r>
+              <a:rPr kumimoji="1" lang="en-US" altLang="ja-JP" sz="900" dirty="0" err="1" smtClean="0"/>
+              <a:t>instanceB</a:t>
+            </a:r>
+            <a:r>
+              <a:rPr kumimoji="1" lang="en-US" altLang="ja-JP" sz="900" dirty="0" smtClean="0"/>
+              <a:t>]</a:t>
             </a:r>
             <a:endParaRPr kumimoji="1" lang="ja-JP" altLang="en-US" sz="900" dirty="0"/>
           </a:p>
@@ -3664,14 +3909,14 @@
       </p:sp>
       <p:sp>
         <p:nvSpPr>
-          <p:cNvPr id="6" name="正方形/長方形 5"/>
+          <p:cNvPr id="24" name="正方形/長方形 23"/>
           <p:cNvSpPr/>
           <p:nvPr/>
         </p:nvSpPr>
         <p:spPr>
           <a:xfrm>
-            <a:off x="467544" y="332656"/>
-            <a:ext cx="864096" cy="432048"/>
+            <a:off x="7092280" y="4077072"/>
+            <a:ext cx="1368152" cy="432048"/>
           </a:xfrm>
           <a:prstGeom prst="rect">
             <a:avLst/>
@@ -3696,37 +3941,98 @@
           <a:bodyPr wrap="none" rtlCol="0" anchor="t"/>
           <a:lstStyle/>
           <a:p>
-            <a:pPr algn="ctr"/>
+            <a:r>
+              <a:rPr kumimoji="1" lang="en-US" altLang="ja-JP" sz="900" dirty="0" err="1" smtClean="0"/>
+              <a:t>instanceD</a:t>
+            </a:r>
+            <a:r>
+              <a:rPr lang="en-US" altLang="ja-JP" sz="900" dirty="0" smtClean="0"/>
+              <a:t> (</a:t>
+            </a:r>
+            <a:r>
+              <a:rPr lang="en-US" altLang="ja-JP" sz="900" dirty="0" err="1" smtClean="0"/>
+              <a:t>uuid</a:t>
+            </a:r>
+            <a:r>
+              <a:rPr lang="en-US" altLang="ja-JP" sz="900" dirty="0" smtClean="0"/>
+              <a:t>: </a:t>
+            </a:r>
+            <a:r>
+              <a:rPr lang="en-US" altLang="ja-JP" sz="900" dirty="0" err="1" smtClean="0"/>
+              <a:t>xxxx</a:t>
+            </a:r>
+            <a:r>
+              <a:rPr lang="en-US" altLang="ja-JP" sz="900" dirty="0" smtClean="0"/>
+              <a:t>)</a:t>
+            </a:r>
+          </a:p>
+          <a:p>
+            <a:r>
+              <a:rPr lang="en-US" altLang="ja-JP" sz="900" dirty="0" smtClean="0"/>
+              <a:t>attr1</a:t>
+            </a:r>
             <a:r>
               <a:rPr kumimoji="1" lang="en-US" altLang="ja-JP" sz="900" dirty="0" smtClean="0"/>
-              <a:t>&lt;&lt;Scene&gt;&gt;</a:t>
-            </a:r>
-          </a:p>
-          <a:p>
-            <a:pPr algn="ctr"/>
-            <a:r>
-              <a:rPr lang="en-US" altLang="ja-JP" sz="900" dirty="0" err="1" smtClean="0"/>
-              <a:t>EntranceScene</a:t>
+              <a:t>: 5678</a:t>
             </a:r>
             <a:endParaRPr kumimoji="1" lang="ja-JP" altLang="en-US" sz="900" dirty="0"/>
           </a:p>
         </p:txBody>
       </p:sp>
-      <p:sp>
-        <p:nvSpPr>
-          <p:cNvPr id="7" name="正方形/長方形 6"/>
+      <p:cxnSp>
+        <p:nvCxnSpPr>
+          <p:cNvPr id="29" name="直線矢印コネクタ 28"/>
+          <p:cNvCxnSpPr>
+            <a:stCxn id="32" idx="3"/>
+            <a:endCxn id="23" idx="1"/>
+          </p:cNvCxnSpPr>
+          <p:nvPr/>
+        </p:nvCxnSpPr>
+        <p:spPr>
+          <a:xfrm>
+            <a:off x="5364088" y="3140968"/>
+            <a:ext cx="216024" cy="0"/>
+          </a:xfrm>
+          <a:prstGeom prst="straightConnector1">
+            <a:avLst/>
+          </a:prstGeom>
+          <a:ln>
+            <a:tailEnd type="arrow"/>
+          </a:ln>
+        </p:spPr>
+        <p:style>
+          <a:lnRef idx="1">
+            <a:schemeClr val="accent1"/>
+          </a:lnRef>
+          <a:fillRef idx="0">
+            <a:schemeClr val="accent1"/>
+          </a:fillRef>
+          <a:effectRef idx="0">
+            <a:schemeClr val="accent1"/>
+          </a:effectRef>
+          <a:fontRef idx="minor">
+            <a:schemeClr val="tx1"/>
+          </a:fontRef>
+        </p:style>
+      </p:cxnSp>
+      <p:sp>
+        <p:nvSpPr>
+          <p:cNvPr id="32" name="正方形/長方形 31"/>
           <p:cNvSpPr/>
           <p:nvPr/>
         </p:nvSpPr>
         <p:spPr>
           <a:xfrm>
-            <a:off x="467544" y="1268760"/>
-            <a:ext cx="864096" cy="432048"/>
+            <a:off x="5004048" y="2996952"/>
+            <a:ext cx="360040" cy="288032"/>
           </a:xfrm>
           <a:prstGeom prst="rect">
             <a:avLst/>
           </a:prstGeom>
-          <a:ln w="9525"/>
+          <a:noFill/>
+          <a:ln w="9525">
+            <a:noFill/>
+          </a:ln>
         </p:spPr>
         <p:style>
           <a:lnRef idx="2">
@@ -3748,40 +4054,92 @@
           <a:p>
             <a:pPr algn="ctr"/>
             <a:r>
+              <a:rPr lang="en-US" altLang="ja-JP" sz="900" dirty="0" smtClean="0"/>
+              <a:t>root</a:t>
+            </a:r>
+            <a:endParaRPr kumimoji="1" lang="ja-JP" altLang="en-US" sz="900" dirty="0"/>
+          </a:p>
+        </p:txBody>
+      </p:sp>
+      <p:sp>
+        <p:nvSpPr>
+          <p:cNvPr id="33" name="正方形/長方形 32"/>
+          <p:cNvSpPr/>
+          <p:nvPr/>
+        </p:nvSpPr>
+        <p:spPr>
+          <a:xfrm>
+            <a:off x="539552" y="1196752"/>
+            <a:ext cx="3600400" cy="288032"/>
+          </a:xfrm>
+          <a:prstGeom prst="rect">
+            <a:avLst/>
+          </a:prstGeom>
+          <a:ln w="9525"/>
+        </p:spPr>
+        <p:style>
+          <a:lnRef idx="2">
+            <a:schemeClr val="dk1"/>
+          </a:lnRef>
+          <a:fillRef idx="1">
+            <a:schemeClr val="lt1"/>
+          </a:fillRef>
+          <a:effectRef idx="0">
+            <a:schemeClr val="dk1"/>
+          </a:effectRef>
+          <a:fontRef idx="minor">
+            <a:schemeClr val="dk1"/>
+          </a:fontRef>
+        </p:style>
+        <p:txBody>
+          <a:bodyPr wrap="none" rtlCol="0" anchor="t"/>
+          <a:lstStyle/>
+          <a:p>
+            <a:r>
               <a:rPr kumimoji="1" lang="en-US" altLang="ja-JP" sz="900" dirty="0" smtClean="0"/>
-              <a:t>&lt;&lt;Label&gt;&gt;</a:t>
-            </a:r>
-          </a:p>
-          <a:p>
-            <a:pPr algn="ctr"/>
-            <a:r>
-              <a:rPr lang="en-US" altLang="ja-JP" sz="900" dirty="0" smtClean="0"/>
-              <a:t>form, input</a:t>
-            </a:r>
-            <a:endParaRPr kumimoji="1" lang="ja-JP" altLang="en-US" sz="900" dirty="0"/>
+              <a:t>.emit(“request”, </a:t>
+            </a:r>
+            <a:r>
+              <a:rPr kumimoji="1" lang="en-US" altLang="ja-JP" sz="900" strike="sngStrike" dirty="0" smtClean="0"/>
+              <a:t>{</a:t>
+            </a:r>
+            <a:r>
+              <a:rPr kumimoji="1" lang="en-US" altLang="ja-JP" sz="900" strike="sngStrike" dirty="0" err="1" smtClean="0"/>
+              <a:t>uuids</a:t>
+            </a:r>
+            <a:r>
+              <a:rPr kumimoji="1" lang="en-US" altLang="ja-JP" sz="900" strike="sngStrike" dirty="0" smtClean="0"/>
+              <a:t>:[</a:t>
+            </a:r>
+            <a:r>
+              <a:rPr kumimoji="1" lang="en-US" altLang="ja-JP" sz="900" strike="sngStrike" dirty="0" err="1" smtClean="0"/>
+              <a:t>uuid_of_root</a:t>
+            </a:r>
+            <a:r>
+              <a:rPr kumimoji="1" lang="en-US" altLang="ja-JP" sz="900" strike="sngStrike" dirty="0" smtClean="0"/>
+              <a:t>]})</a:t>
+            </a:r>
+            <a:endParaRPr kumimoji="1" lang="ja-JP" altLang="en-US" sz="900" strike="sngStrike" dirty="0"/>
           </a:p>
         </p:txBody>
       </p:sp>
       <p:cxnSp>
         <p:nvCxnSpPr>
-          <p:cNvPr id="9" name="直線矢印コネクタ 8"/>
-          <p:cNvCxnSpPr>
-            <a:stCxn id="6" idx="2"/>
-            <a:endCxn id="7" idx="0"/>
-          </p:cNvCxnSpPr>
+          <p:cNvPr id="34" name="直線矢印コネクタ 33"/>
+          <p:cNvCxnSpPr/>
           <p:nvPr/>
         </p:nvCxnSpPr>
         <p:spPr>
           <a:xfrm>
-            <a:off x="899592" y="764704"/>
-            <a:ext cx="0" cy="504056"/>
+            <a:off x="4139952" y="1340768"/>
+            <a:ext cx="864096" cy="0"/>
           </a:xfrm>
           <a:prstGeom prst="straightConnector1">
             <a:avLst/>
           </a:prstGeom>
           <a:ln>
-            <a:headEnd type="diamond"/>
-            <a:tailEnd type="none"/>
+            <a:headEnd type="none" w="med" len="med"/>
+            <a:tailEnd type="arrow" w="med" len="med"/>
           </a:ln>
         </p:spPr>
         <p:style>
@@ -3799,21 +4157,94 @@
           </a:fontRef>
         </p:style>
       </p:cxnSp>
-      <p:sp>
-        <p:nvSpPr>
-          <p:cNvPr id="16" name="正方形/長方形 15"/>
+      <p:cxnSp>
+        <p:nvCxnSpPr>
+          <p:cNvPr id="36" name="直線矢印コネクタ 35"/>
+          <p:cNvCxnSpPr/>
+          <p:nvPr/>
+        </p:nvCxnSpPr>
+        <p:spPr>
+          <a:xfrm flipH="1">
+            <a:off x="4139952" y="1700808"/>
+            <a:ext cx="864096" cy="0"/>
+          </a:xfrm>
+          <a:prstGeom prst="straightConnector1">
+            <a:avLst/>
+          </a:prstGeom>
+          <a:ln>
+            <a:headEnd type="none" w="med" len="med"/>
+            <a:tailEnd type="arrow" w="med" len="med"/>
+          </a:ln>
+        </p:spPr>
+        <p:style>
+          <a:lnRef idx="1">
+            <a:schemeClr val="accent1"/>
+          </a:lnRef>
+          <a:fillRef idx="0">
+            <a:schemeClr val="accent1"/>
+          </a:fillRef>
+          <a:effectRef idx="0">
+            <a:schemeClr val="accent1"/>
+          </a:effectRef>
+          <a:fontRef idx="minor">
+            <a:schemeClr val="tx1"/>
+          </a:fontRef>
+        </p:style>
+      </p:cxnSp>
+      <p:cxnSp>
+        <p:nvCxnSpPr>
+          <p:cNvPr id="41" name="カギ線コネクタ 40"/>
+          <p:cNvCxnSpPr/>
+          <p:nvPr/>
+        </p:nvCxnSpPr>
+        <p:spPr>
+          <a:xfrm rot="10800000">
+            <a:off x="5148064" y="1340768"/>
+            <a:ext cx="1728192" cy="1512168"/>
+          </a:xfrm>
+          <a:prstGeom prst="bentConnector3">
+            <a:avLst>
+              <a:gd name="adj1" fmla="val 396"/>
+            </a:avLst>
+          </a:prstGeom>
+          <a:ln>
+            <a:prstDash val="dash"/>
+            <a:tailEnd type="arrow"/>
+          </a:ln>
+        </p:spPr>
+        <p:style>
+          <a:lnRef idx="1">
+            <a:schemeClr val="accent1"/>
+          </a:lnRef>
+          <a:fillRef idx="0">
+            <a:schemeClr val="accent1"/>
+          </a:fillRef>
+          <a:effectRef idx="0">
+            <a:schemeClr val="accent1"/>
+          </a:effectRef>
+          <a:fontRef idx="minor">
+            <a:schemeClr val="tx1"/>
+          </a:fontRef>
+        </p:style>
+      </p:cxnSp>
+      <p:sp>
+        <p:nvSpPr>
+          <p:cNvPr id="44" name="正方形/長方形 43"/>
           <p:cNvSpPr/>
           <p:nvPr/>
         </p:nvSpPr>
         <p:spPr>
           <a:xfrm>
-            <a:off x="3491880" y="1556792"/>
-            <a:ext cx="4320480" cy="2160240"/>
+            <a:off x="5076056" y="1484784"/>
+            <a:ext cx="3456384" cy="216024"/>
           </a:xfrm>
           <a:prstGeom prst="rect">
             <a:avLst/>
           </a:prstGeom>
-          <a:ln w="9525"/>
+          <a:noFill/>
+          <a:ln w="9525">
+            <a:noFill/>
+          </a:ln>
         </p:spPr>
         <p:style>
           <a:lnRef idx="2">
@@ -3833,32 +4264,94 @@
           <a:bodyPr wrap="none" rtlCol="0" anchor="t"/>
           <a:lstStyle/>
           <a:p>
-            <a:pPr algn="ctr"/>
-            <a:r>
-              <a:rPr kumimoji="1" lang="en-US" altLang="ja-JP" sz="900" dirty="0" smtClean="0"/>
-              <a:t>&lt;&lt;Sprite&gt;&gt;</a:t>
-            </a:r>
-          </a:p>
-          <a:p>
-            <a:pPr algn="ctr"/>
-            <a:r>
-              <a:rPr lang="en-US" altLang="ja-JP" sz="900" dirty="0" err="1" smtClean="0"/>
-              <a:t>CardAreaBackground</a:t>
-            </a:r>
-            <a:endParaRPr kumimoji="1" lang="ja-JP" altLang="en-US" sz="900" dirty="0"/>
-          </a:p>
-        </p:txBody>
-      </p:sp>
-      <p:sp>
-        <p:nvSpPr>
-          <p:cNvPr id="17" name="正方形/長方形 16"/>
+            <a:r>
+              <a:rPr kumimoji="1" lang="en-US" altLang="ja-JP" sz="700" dirty="0" err="1" smtClean="0"/>
+              <a:t>Syncable</a:t>
+            </a:r>
+            <a:r>
+              <a:rPr kumimoji="1" lang="ja-JP" altLang="en-US" sz="700" dirty="0" smtClean="0"/>
+              <a:t>継承クラスへの参照は、</a:t>
+            </a:r>
+            <a:r>
+              <a:rPr kumimoji="1" lang="en-US" altLang="ja-JP" sz="700" dirty="0" smtClean="0"/>
+              <a:t>{__</a:t>
+            </a:r>
+            <a:r>
+              <a:rPr kumimoji="1" lang="en-US" altLang="ja-JP" sz="700" dirty="0" err="1" smtClean="0"/>
+              <a:t>uuid</a:t>
+            </a:r>
+            <a:r>
+              <a:rPr kumimoji="1" lang="en-US" altLang="ja-JP" sz="700" dirty="0" smtClean="0"/>
+              <a:t>__: </a:t>
+            </a:r>
+            <a:r>
+              <a:rPr kumimoji="1" lang="en-US" altLang="ja-JP" sz="700" i="1" dirty="0" err="1" smtClean="0"/>
+              <a:t>uuid</a:t>
+            </a:r>
+            <a:r>
+              <a:rPr kumimoji="1" lang="en-US" altLang="ja-JP" sz="700" dirty="0" smtClean="0"/>
+              <a:t>} </a:t>
+            </a:r>
+            <a:r>
+              <a:rPr kumimoji="1" lang="ja-JP" altLang="en-US" sz="700" dirty="0" smtClean="0"/>
+              <a:t>という</a:t>
+            </a:r>
+            <a:r>
+              <a:rPr kumimoji="1" lang="en-US" altLang="ja-JP" sz="700" dirty="0" smtClean="0"/>
+              <a:t>Object</a:t>
+            </a:r>
+            <a:r>
+              <a:rPr kumimoji="1" lang="ja-JP" altLang="en-US" sz="700" dirty="0" smtClean="0"/>
+              <a:t>に置換してから送信する。</a:t>
+            </a:r>
+            <a:endParaRPr kumimoji="1" lang="ja-JP" altLang="en-US" sz="700" dirty="0"/>
+          </a:p>
+        </p:txBody>
+      </p:sp>
+      <p:cxnSp>
+        <p:nvCxnSpPr>
+          <p:cNvPr id="46" name="直線矢印コネクタ 45"/>
+          <p:cNvCxnSpPr/>
+          <p:nvPr/>
+        </p:nvCxnSpPr>
+        <p:spPr>
+          <a:xfrm>
+            <a:off x="4139952" y="2276872"/>
+            <a:ext cx="864096" cy="0"/>
+          </a:xfrm>
+          <a:prstGeom prst="straightConnector1">
+            <a:avLst/>
+          </a:prstGeom>
+          <a:ln>
+            <a:headEnd type="none" w="med" len="med"/>
+            <a:tailEnd type="arrow" w="med" len="med"/>
+          </a:ln>
+        </p:spPr>
+        <p:style>
+          <a:lnRef idx="1">
+            <a:schemeClr val="accent1"/>
+          </a:lnRef>
+          <a:fillRef idx="0">
+            <a:schemeClr val="accent1"/>
+          </a:fillRef>
+          <a:effectRef idx="0">
+            <a:schemeClr val="accent1"/>
+          </a:effectRef>
+          <a:fontRef idx="minor">
+            <a:schemeClr val="tx1"/>
+          </a:fontRef>
+        </p:style>
+      </p:cxnSp>
+      <p:sp>
+        <p:nvSpPr>
+          <p:cNvPr id="48" name="正方形/長方形 47"/>
           <p:cNvSpPr/>
           <p:nvPr/>
         </p:nvSpPr>
         <p:spPr>
           <a:xfrm>
-            <a:off x="5364088" y="2780928"/>
-            <a:ext cx="864096" cy="432048"/>
+            <a:off x="539552" y="2132856"/>
+            <a:ext cx="3600400" cy="288032"/>
           </a:xfrm>
           <a:prstGeom prst="rect">
             <a:avLst/>
@@ -3883,32 +4376,64 @@
           <a:bodyPr wrap="none" rtlCol="0" anchor="t"/>
           <a:lstStyle/>
           <a:p>
-            <a:pPr algn="ctr"/>
             <a:r>
               <a:rPr kumimoji="1" lang="en-US" altLang="ja-JP" sz="900" dirty="0" smtClean="0"/>
-              <a:t>&lt;&lt;Sprite&gt;&gt;</a:t>
-            </a:r>
-          </a:p>
-          <a:p>
-            <a:pPr algn="ctr"/>
-            <a:r>
-              <a:rPr lang="en-US" altLang="ja-JP" sz="900" dirty="0" smtClean="0"/>
-              <a:t>card</a:t>
-            </a:r>
-            <a:endParaRPr kumimoji="1" lang="ja-JP" altLang="en-US" sz="900" dirty="0"/>
-          </a:p>
-        </p:txBody>
-      </p:sp>
-      <p:sp>
-        <p:nvSpPr>
-          <p:cNvPr id="18" name="正方形/長方形 17"/>
+              <a:t>.emit(“call”, {</a:t>
+            </a:r>
+            <a:r>
+              <a:rPr kumimoji="1" lang="en-US" altLang="ja-JP" sz="900" dirty="0" err="1" smtClean="0"/>
+              <a:t>this:</a:t>
+            </a:r>
+            <a:r>
+              <a:rPr kumimoji="1" lang="en-US" altLang="ja-JP" sz="900" i="1" dirty="0" err="1" smtClean="0"/>
+              <a:t>uuid</a:t>
+            </a:r>
+            <a:r>
+              <a:rPr kumimoji="1" lang="en-US" altLang="ja-JP" sz="900" dirty="0" smtClean="0"/>
+              <a:t>, </a:t>
+            </a:r>
+            <a:r>
+              <a:rPr kumimoji="1" lang="en-US" altLang="ja-JP" sz="900" dirty="0" err="1" smtClean="0"/>
+              <a:t>func</a:t>
+            </a:r>
+            <a:r>
+              <a:rPr kumimoji="1" lang="en-US" altLang="ja-JP" sz="900" dirty="0" smtClean="0"/>
+              <a:t>:”</a:t>
+            </a:r>
+            <a:r>
+              <a:rPr kumimoji="1" lang="en-US" altLang="ja-JP" sz="900" i="1" dirty="0" err="1" smtClean="0"/>
+              <a:t>functionname</a:t>
+            </a:r>
+            <a:r>
+              <a:rPr kumimoji="1" lang="en-US" altLang="ja-JP" sz="900" i="1" dirty="0" smtClean="0"/>
+              <a:t>”</a:t>
+            </a:r>
+            <a:r>
+              <a:rPr kumimoji="1" lang="en-US" altLang="ja-JP" sz="900" dirty="0" smtClean="0"/>
+              <a:t>, </a:t>
+            </a:r>
+            <a:r>
+              <a:rPr kumimoji="1" lang="en-US" altLang="ja-JP" sz="900" dirty="0" err="1" smtClean="0"/>
+              <a:t>arg</a:t>
+            </a:r>
+            <a:r>
+              <a:rPr kumimoji="1" lang="en-US" altLang="ja-JP" sz="900" dirty="0" smtClean="0"/>
+              <a:t>:[]})</a:t>
+            </a:r>
+            <a:endParaRPr kumimoji="1" lang="ja-JP" altLang="en-US" sz="900" strike="sngStrike" dirty="0"/>
+          </a:p>
+        </p:txBody>
+      </p:sp>
+      <p:sp>
+        <p:nvSpPr>
+          <p:cNvPr id="49" name="正方形/長方形 48"/>
           <p:cNvSpPr/>
           <p:nvPr/>
         </p:nvSpPr>
         <p:spPr>
           <a:xfrm>
-            <a:off x="5292080" y="2708920"/>
-            <a:ext cx="864096" cy="432048"/>
+            <a:off x="2411760" y="4941168"/>
+            <a:ext cx="4392488" cy="936104"/>
           </a:xfrm>
           <a:prstGeom prst="rect">
             <a:avLst/>
@@ -3933,69 +4458,242 @@
           <a:bodyPr wrap="none" rtlCol="0" anchor="t"/>
           <a:lstStyle/>
           <a:p>
+            <a:pPr>
+              <a:buFont typeface="Arial" pitchFamily="34" charset="0"/>
+              <a:buChar char="•"/>
+            </a:pPr>
+            <a:r>
+              <a:rPr kumimoji="1" lang="en-US" altLang="ja-JP" sz="900" dirty="0" smtClean="0"/>
+              <a:t> client</a:t>
+            </a:r>
+            <a:r>
+              <a:rPr kumimoji="1" lang="ja-JP" altLang="en-US" sz="900" dirty="0" smtClean="0"/>
+              <a:t>と</a:t>
+            </a:r>
+            <a:r>
+              <a:rPr kumimoji="1" lang="en-US" altLang="ja-JP" sz="900" dirty="0" smtClean="0"/>
+              <a:t>server</a:t>
+            </a:r>
+            <a:r>
+              <a:rPr kumimoji="1" lang="ja-JP" altLang="en-US" sz="900" dirty="0" smtClean="0"/>
+              <a:t>で同期する属性について、</a:t>
+            </a:r>
+            <a:r>
+              <a:rPr kumimoji="1" lang="en-US" altLang="ja-JP" sz="900" dirty="0" smtClean="0"/>
+              <a:t>client</a:t>
+            </a:r>
+            <a:r>
+              <a:rPr lang="ja-JP" altLang="en-US" sz="900" dirty="0" smtClean="0"/>
+              <a:t>側</a:t>
+            </a:r>
+            <a:r>
+              <a:rPr lang="ja-JP" altLang="en-US" sz="900" dirty="0" smtClean="0"/>
+              <a:t>で変更しない。</a:t>
+            </a:r>
+            <a:endParaRPr lang="en-US" altLang="ja-JP" sz="900" dirty="0" smtClean="0"/>
+          </a:p>
+          <a:p>
+            <a:pPr>
+              <a:buFont typeface="Arial" pitchFamily="34" charset="0"/>
+              <a:buChar char="•"/>
+            </a:pPr>
+            <a:r>
+              <a:rPr kumimoji="1" lang="en-US" altLang="ja-JP" sz="900" dirty="0" smtClean="0"/>
+              <a:t> </a:t>
+            </a:r>
+            <a:r>
+              <a:rPr lang="en-US" altLang="ja-JP" sz="900" dirty="0" smtClean="0"/>
+              <a:t>client</a:t>
+            </a:r>
+            <a:r>
+              <a:rPr lang="ja-JP" altLang="en-US" sz="900" dirty="0" smtClean="0"/>
+              <a:t>で</a:t>
+            </a:r>
+            <a:r>
+              <a:rPr lang="en-US" altLang="ja-JP" sz="900" dirty="0" smtClean="0"/>
+              <a:t>instance</a:t>
+            </a:r>
+            <a:r>
+              <a:rPr lang="ja-JP" altLang="en-US" sz="900" dirty="0" smtClean="0"/>
+              <a:t>内容を変更しうるアクションは、すべて</a:t>
+            </a:r>
+            <a:r>
+              <a:rPr lang="en-US" altLang="ja-JP" sz="900" dirty="0" smtClean="0"/>
+              <a:t>RPC</a:t>
+            </a:r>
+            <a:r>
+              <a:rPr lang="ja-JP" altLang="en-US" sz="900" dirty="0" smtClean="0"/>
+              <a:t>として</a:t>
+            </a:r>
+            <a:r>
+              <a:rPr lang="en-US" altLang="ja-JP" sz="900" dirty="0" smtClean="0"/>
+              <a:t>server</a:t>
+            </a:r>
+            <a:r>
+              <a:rPr lang="ja-JP" altLang="en-US" sz="900" dirty="0" smtClean="0"/>
+              <a:t>に通知する。</a:t>
+            </a:r>
+            <a:endParaRPr lang="en-US" altLang="ja-JP" sz="900" dirty="0" smtClean="0"/>
+          </a:p>
+          <a:p>
+            <a:pPr>
+              <a:buFont typeface="Arial" pitchFamily="34" charset="0"/>
+              <a:buChar char="•"/>
+            </a:pPr>
+            <a:r>
+              <a:rPr kumimoji="1" lang="en-US" altLang="ja-JP" sz="900" dirty="0" smtClean="0"/>
+              <a:t> </a:t>
+            </a:r>
+            <a:r>
+              <a:rPr lang="en-US" altLang="ja-JP" sz="900" dirty="0" smtClean="0"/>
+              <a:t>server</a:t>
+            </a:r>
+            <a:r>
+              <a:rPr lang="ja-JP" altLang="en-US" sz="900" dirty="0" smtClean="0"/>
+              <a:t>は</a:t>
+            </a:r>
+            <a:r>
+              <a:rPr lang="ja-JP" altLang="en-US" sz="900" u="sng" dirty="0" smtClean="0"/>
+              <a:t>変更のあった</a:t>
+            </a:r>
+            <a:r>
+              <a:rPr lang="en-US" altLang="ja-JP" sz="900" u="sng" dirty="0" smtClean="0"/>
+              <a:t>instance</a:t>
+            </a:r>
+            <a:r>
+              <a:rPr lang="ja-JP" altLang="en-US" sz="900" dirty="0" smtClean="0"/>
+              <a:t>の全属性</a:t>
+            </a:r>
+            <a:r>
+              <a:rPr lang="en-US" altLang="ja-JP" sz="900" dirty="0" smtClean="0"/>
+              <a:t>(</a:t>
+            </a:r>
+            <a:r>
+              <a:rPr lang="ja-JP" altLang="en-US" sz="900" dirty="0" smtClean="0"/>
+              <a:t>ただし</a:t>
+            </a:r>
+            <a:r>
+              <a:rPr lang="en-US" altLang="ja-JP" sz="900" dirty="0" smtClean="0"/>
+              <a:t>client</a:t>
+            </a:r>
+            <a:r>
+              <a:rPr lang="ja-JP" altLang="en-US" sz="900" dirty="0" smtClean="0"/>
+              <a:t>別にフィルタすることは</a:t>
+            </a:r>
+            <a:r>
+              <a:rPr lang="en-US" altLang="ja-JP" sz="900" dirty="0" smtClean="0"/>
+              <a:t>OK)</a:t>
+            </a:r>
+            <a:r>
+              <a:rPr lang="ja-JP" altLang="en-US" sz="900" dirty="0" smtClean="0"/>
+              <a:t>を</a:t>
+            </a:r>
+            <a:r>
+              <a:rPr lang="en-US" altLang="ja-JP" sz="900" dirty="0" smtClean="0"/>
+              <a:t/>
+            </a:r>
+            <a:br>
+              <a:rPr lang="en-US" altLang="ja-JP" sz="900" dirty="0" smtClean="0"/>
+            </a:br>
+            <a:r>
+              <a:rPr lang="en-US" altLang="ja-JP" sz="900" dirty="0" smtClean="0"/>
+              <a:t>   “sync”</a:t>
+            </a:r>
+            <a:r>
+              <a:rPr lang="ja-JP" altLang="en-US" sz="900" dirty="0" smtClean="0"/>
+              <a:t>をブロードキャストする。</a:t>
+            </a:r>
+            <a:endParaRPr lang="en-US" altLang="ja-JP" sz="900" dirty="0" smtClean="0"/>
+          </a:p>
+          <a:p>
+            <a:pPr>
+              <a:buFont typeface="Arial" pitchFamily="34" charset="0"/>
+              <a:buChar char="•"/>
+            </a:pPr>
+            <a:r>
+              <a:rPr kumimoji="1" lang="en-US" altLang="ja-JP" sz="900" dirty="0" smtClean="0"/>
+              <a:t> </a:t>
+            </a:r>
+            <a:r>
+              <a:rPr kumimoji="1" lang="en-US" altLang="ja-JP" sz="900" dirty="0" smtClean="0"/>
+              <a:t>server</a:t>
+            </a:r>
+            <a:r>
+              <a:rPr kumimoji="1" lang="ja-JP" altLang="en-US" sz="900" dirty="0" smtClean="0"/>
+              <a:t>は、</a:t>
+            </a:r>
+            <a:r>
+              <a:rPr kumimoji="1" lang="en-US" altLang="ja-JP" sz="900" dirty="0" smtClean="0"/>
+              <a:t>RPC</a:t>
+            </a:r>
+            <a:r>
+              <a:rPr kumimoji="1" lang="ja-JP" altLang="en-US" sz="900" dirty="0" smtClean="0"/>
+              <a:t>の応答としてだけでなく任意のタイミングで</a:t>
+            </a:r>
+            <a:r>
+              <a:rPr kumimoji="1" lang="en-US" altLang="ja-JP" sz="900" dirty="0" smtClean="0"/>
+              <a:t>”sync”</a:t>
+            </a:r>
+            <a:r>
+              <a:rPr kumimoji="1" lang="ja-JP" altLang="en-US" sz="900" dirty="0" smtClean="0"/>
+              <a:t>を送信できる。</a:t>
+            </a:r>
+            <a:endParaRPr kumimoji="1" lang="ja-JP" altLang="en-US" sz="900" dirty="0"/>
+          </a:p>
+        </p:txBody>
+      </p:sp>
+      <p:sp>
+        <p:nvSpPr>
+          <p:cNvPr id="50" name="正方形/長方形 49"/>
+          <p:cNvSpPr/>
+          <p:nvPr/>
+        </p:nvSpPr>
+        <p:spPr>
+          <a:xfrm>
+            <a:off x="2411760" y="4581128"/>
+            <a:ext cx="4392488" cy="288032"/>
+          </a:xfrm>
+          <a:prstGeom prst="rect">
+            <a:avLst/>
+          </a:prstGeom>
+        </p:spPr>
+        <p:style>
+          <a:lnRef idx="1">
+            <a:schemeClr val="accent1"/>
+          </a:lnRef>
+          <a:fillRef idx="2">
+            <a:schemeClr val="accent1"/>
+          </a:fillRef>
+          <a:effectRef idx="1">
+            <a:schemeClr val="accent1"/>
+          </a:effectRef>
+          <a:fontRef idx="minor">
+            <a:schemeClr val="dk1"/>
+          </a:fontRef>
+        </p:style>
+        <p:txBody>
+          <a:bodyPr rtlCol="0" anchor="ctr"/>
+          <a:lstStyle/>
+          <a:p>
             <a:pPr algn="ctr"/>
             <a:r>
-              <a:rPr kumimoji="1" lang="en-US" altLang="ja-JP" sz="900" dirty="0" smtClean="0"/>
-              <a:t>&lt;&lt;Sprite&gt;&gt;</a:t>
-            </a:r>
-          </a:p>
-          <a:p>
-            <a:pPr algn="ctr"/>
-            <a:r>
-              <a:rPr lang="en-US" altLang="ja-JP" sz="900" dirty="0" smtClean="0"/>
-              <a:t>card</a:t>
-            </a:r>
-            <a:endParaRPr kumimoji="1" lang="ja-JP" altLang="en-US" sz="900" dirty="0"/>
-          </a:p>
-        </p:txBody>
-      </p:sp>
-      <p:cxnSp>
-        <p:nvCxnSpPr>
-          <p:cNvPr id="22" name="直線矢印コネクタ 21"/>
-          <p:cNvCxnSpPr>
-            <a:stCxn id="4" idx="2"/>
-            <a:endCxn id="19" idx="0"/>
-          </p:cNvCxnSpPr>
-          <p:nvPr/>
-        </p:nvCxnSpPr>
-        <p:spPr>
-          <a:xfrm>
-            <a:off x="5436096" y="764704"/>
-            <a:ext cx="216024" cy="432048"/>
-          </a:xfrm>
-          <a:prstGeom prst="straightConnector1">
-            <a:avLst/>
-          </a:prstGeom>
-          <a:ln>
-            <a:headEnd type="diamond"/>
-            <a:tailEnd type="none"/>
-          </a:ln>
-        </p:spPr>
-        <p:style>
-          <a:lnRef idx="1">
-            <a:schemeClr val="accent1"/>
-          </a:lnRef>
-          <a:fillRef idx="0">
-            <a:schemeClr val="accent1"/>
-          </a:fillRef>
-          <a:effectRef idx="0">
-            <a:schemeClr val="accent1"/>
-          </a:effectRef>
-          <a:fontRef idx="minor">
-            <a:schemeClr val="tx1"/>
-          </a:fontRef>
-        </p:style>
-      </p:cxnSp>
-      <p:sp>
-        <p:nvSpPr>
-          <p:cNvPr id="27" name="正方形/長方形 26"/>
+              <a:rPr lang="en-US" altLang="ja-JP" sz="1400" dirty="0" smtClean="0"/>
+              <a:t>Rules</a:t>
+            </a:r>
+            <a:endParaRPr kumimoji="1" lang="ja-JP" altLang="en-US" sz="1400" dirty="0"/>
+          </a:p>
+        </p:txBody>
+      </p:sp>
+      <p:sp>
+        <p:nvSpPr>
+          <p:cNvPr id="56" name="正方形/長方形 55"/>
           <p:cNvSpPr/>
           <p:nvPr/>
         </p:nvSpPr>
         <p:spPr>
           <a:xfrm>
-            <a:off x="971600" y="3212976"/>
-            <a:ext cx="2016224" cy="1080120"/>
+            <a:off x="5004048" y="2132856"/>
+            <a:ext cx="3600400" cy="288032"/>
           </a:xfrm>
           <a:prstGeom prst="rect">
             <a:avLst/>
@@ -4020,17 +4718,53 @@
           <a:bodyPr wrap="none" rtlCol="0" anchor="t"/>
           <a:lstStyle/>
           <a:p>
-            <a:pPr algn="ctr"/>
             <a:r>
               <a:rPr kumimoji="1" lang="en-US" altLang="ja-JP" sz="900" dirty="0" smtClean="0"/>
-              <a:t>&lt;&lt;Sprite&gt;&gt;</a:t>
-            </a:r>
-          </a:p>
-          <a:p>
-            <a:pPr algn="ctr"/>
+              <a:t>.on(“call</a:t>
+            </a:r>
+            <a:r>
+              <a:rPr lang="en-US" altLang="ja-JP" sz="900" dirty="0" smtClean="0"/>
+              <a:t>”, {</a:t>
+            </a:r>
             <a:r>
               <a:rPr lang="en-US" altLang="ja-JP" sz="900" dirty="0" err="1" smtClean="0"/>
-              <a:t>UserListBackground</a:t>
+              <a:t>this:</a:t>
+            </a:r>
+            <a:r>
+              <a:rPr lang="en-US" altLang="ja-JP" sz="900" i="1" dirty="0" err="1" smtClean="0"/>
+              <a:t>uuid</a:t>
+            </a:r>
+            <a:r>
+              <a:rPr lang="en-US" altLang="ja-JP" sz="900" dirty="0" smtClean="0"/>
+              <a:t>, </a:t>
+            </a:r>
+            <a:r>
+              <a:rPr lang="en-US" altLang="ja-JP" sz="900" dirty="0" err="1" smtClean="0"/>
+              <a:t>func</a:t>
+            </a:r>
+            <a:r>
+              <a:rPr lang="en-US" altLang="ja-JP" sz="900" dirty="0" smtClean="0"/>
+              <a:t>:”</a:t>
+            </a:r>
+            <a:r>
+              <a:rPr lang="en-US" altLang="ja-JP" sz="900" i="1" dirty="0" err="1" smtClean="0"/>
+              <a:t>functionname</a:t>
+            </a:r>
+            <a:r>
+              <a:rPr lang="en-US" altLang="ja-JP" sz="900" i="1" dirty="0" smtClean="0"/>
+              <a:t>”</a:t>
+            </a:r>
+            <a:r>
+              <a:rPr lang="en-US" altLang="ja-JP" sz="900" dirty="0" smtClean="0"/>
+              <a:t>, </a:t>
+            </a:r>
+            <a:r>
+              <a:rPr lang="en-US" altLang="ja-JP" sz="900" dirty="0" err="1" smtClean="0"/>
+              <a:t>arg</a:t>
+            </a:r>
+            <a:r>
+              <a:rPr lang="en-US" altLang="ja-JP" sz="900" dirty="0" smtClean="0"/>
+              <a:t>:[]})</a:t>
             </a:r>
             <a:endParaRPr kumimoji="1" lang="ja-JP" altLang="en-US" sz="900" dirty="0"/>
           </a:p>
@@ -4038,14 +4772,14 @@
       </p:sp>
       <p:sp>
         <p:nvSpPr>
-          <p:cNvPr id="31" name="正方形/長方形 30"/>
+          <p:cNvPr id="57" name="正方形/長方形 56"/>
           <p:cNvSpPr/>
           <p:nvPr/>
         </p:nvSpPr>
         <p:spPr>
           <a:xfrm>
-            <a:off x="1115616" y="3717032"/>
-            <a:ext cx="864096" cy="432048"/>
+            <a:off x="539552" y="836712"/>
+            <a:ext cx="3600400" cy="288032"/>
           </a:xfrm>
           <a:prstGeom prst="rect">
             <a:avLst/>
@@ -4070,32 +4804,24 @@
           <a:bodyPr wrap="none" rtlCol="0" anchor="t"/>
           <a:lstStyle/>
           <a:p>
-            <a:pPr algn="ctr"/>
-            <a:r>
-              <a:rPr kumimoji="1" lang="en-US" altLang="ja-JP" sz="900" dirty="0" smtClean="0"/>
-              <a:t>&lt;&lt;Sprite&gt;&gt;</a:t>
-            </a:r>
-          </a:p>
-          <a:p>
-            <a:pPr algn="ctr"/>
-            <a:r>
-              <a:rPr lang="en-US" altLang="ja-JP" sz="900" dirty="0" smtClean="0"/>
-              <a:t>User</a:t>
-            </a:r>
-            <a:endParaRPr kumimoji="1" lang="ja-JP" altLang="en-US" sz="900" dirty="0"/>
-          </a:p>
-        </p:txBody>
-      </p:sp>
-      <p:sp>
-        <p:nvSpPr>
-          <p:cNvPr id="28" name="正方形/長方形 27"/>
+            <a:r>
+              <a:rPr kumimoji="1" lang="en-US" altLang="ja-JP" sz="900" dirty="0" err="1" smtClean="0"/>
+              <a:t>Syncable.startSync</a:t>
+            </a:r>
+            <a:endParaRPr kumimoji="1" lang="ja-JP" altLang="en-US" sz="900" strike="sngStrike" dirty="0"/>
+          </a:p>
+        </p:txBody>
+      </p:sp>
+      <p:sp>
+        <p:nvSpPr>
+          <p:cNvPr id="59" name="正方形/長方形 58"/>
           <p:cNvSpPr/>
           <p:nvPr/>
         </p:nvSpPr>
         <p:spPr>
           <a:xfrm>
-            <a:off x="1043608" y="3645024"/>
-            <a:ext cx="864096" cy="432048"/>
+            <a:off x="5004048" y="836712"/>
+            <a:ext cx="3600400" cy="288032"/>
           </a:xfrm>
           <a:prstGeom prst="rect">
             <a:avLst/>
@@ -4120,19 +4846,11 @@
           <a:bodyPr wrap="none" rtlCol="0" anchor="t"/>
           <a:lstStyle/>
           <a:p>
-            <a:pPr algn="ctr"/>
-            <a:r>
-              <a:rPr kumimoji="1" lang="en-US" altLang="ja-JP" sz="900" dirty="0" smtClean="0"/>
-              <a:t>&lt;&lt;Sprite&gt;&gt;</a:t>
-            </a:r>
-          </a:p>
-          <a:p>
-            <a:pPr algn="ctr"/>
-            <a:r>
-              <a:rPr lang="en-US" altLang="ja-JP" sz="900" dirty="0" smtClean="0"/>
-              <a:t>User</a:t>
-            </a:r>
-            <a:endParaRPr kumimoji="1" lang="ja-JP" altLang="en-US" sz="900" dirty="0"/>
+            <a:r>
+              <a:rPr kumimoji="1" lang="en-US" altLang="ja-JP" sz="900" dirty="0" err="1" smtClean="0"/>
+              <a:t>Syncable.startSync</a:t>
+            </a:r>
+            <a:endParaRPr kumimoji="1" lang="ja-JP" altLang="en-US" sz="900" strike="sngStrike" dirty="0"/>
           </a:p>
         </p:txBody>
       </p:sp>
@@ -4163,173 +4881,619 @@
       </p:grpSpPr>
       <p:sp>
         <p:nvSpPr>
-          <p:cNvPr id="4" name="円/楕円 3"/>
+          <p:cNvPr id="30" name="正方形/長方形 29"/>
           <p:cNvSpPr/>
           <p:nvPr/>
         </p:nvSpPr>
         <p:spPr>
-          <a:xfrm flipH="1">
-            <a:off x="1259632" y="620688"/>
-            <a:ext cx="864096" cy="864096"/>
-          </a:xfrm>
-          <a:prstGeom prst="ellipse">
-            <a:avLst/>
-          </a:prstGeom>
-        </p:spPr>
-        <p:style>
-          <a:lnRef idx="1">
-            <a:schemeClr val="dk1"/>
-          </a:lnRef>
-          <a:fillRef idx="2">
-            <a:schemeClr val="dk1"/>
-          </a:fillRef>
-          <a:effectRef idx="1">
-            <a:schemeClr val="dk1"/>
-          </a:effectRef>
-          <a:fontRef idx="minor">
-            <a:schemeClr val="dk1"/>
-          </a:fontRef>
-        </p:style>
-        <p:txBody>
-          <a:bodyPr wrap="none" rtlCol="0" anchor="ctr"/>
+          <a:xfrm>
+            <a:off x="899592" y="2852936"/>
+            <a:ext cx="2160240" cy="1512168"/>
+          </a:xfrm>
+          <a:prstGeom prst="rect">
+            <a:avLst/>
+          </a:prstGeom>
+          <a:ln w="9525">
+            <a:prstDash val="sysDot"/>
+          </a:ln>
+        </p:spPr>
+        <p:style>
+          <a:lnRef idx="2">
+            <a:schemeClr val="dk1"/>
+          </a:lnRef>
+          <a:fillRef idx="1">
+            <a:schemeClr val="lt1"/>
+          </a:fillRef>
+          <a:effectRef idx="0">
+            <a:schemeClr val="dk1"/>
+          </a:effectRef>
+          <a:fontRef idx="minor">
+            <a:schemeClr val="dk1"/>
+          </a:fontRef>
+        </p:style>
+        <p:txBody>
+          <a:bodyPr wrap="none" rtlCol="0" anchor="t"/>
           <a:lstStyle/>
           <a:p>
             <a:pPr algn="ctr"/>
             <a:r>
-              <a:rPr kumimoji="1" lang="ja-JP" altLang="en-US" sz="1100" dirty="0" smtClean="0"/>
-              <a:t>ルーム選択</a:t>
-            </a:r>
-            <a:endParaRPr kumimoji="1" lang="en-US" altLang="ja-JP" sz="1100" dirty="0" smtClean="0"/>
+              <a:rPr kumimoji="1" lang="en-US" altLang="ja-JP" sz="900" dirty="0" smtClean="0"/>
+              <a:t>&lt;&lt;Group&gt;&gt;</a:t>
+            </a:r>
           </a:p>
           <a:p>
             <a:pPr algn="ctr"/>
             <a:r>
-              <a:rPr lang="en-US" altLang="ja-JP" sz="1100" dirty="0" smtClean="0"/>
-              <a:t>/</a:t>
-            </a:r>
-            <a:endParaRPr kumimoji="1" lang="ja-JP" altLang="en-US" sz="1100" dirty="0"/>
-          </a:p>
-        </p:txBody>
-      </p:sp>
-      <p:sp>
-        <p:nvSpPr>
-          <p:cNvPr id="5" name="円/楕円 4"/>
+              <a:rPr lang="en-US" altLang="ja-JP" sz="900" dirty="0" err="1" smtClean="0"/>
+              <a:t>UserList</a:t>
+            </a:r>
+            <a:endParaRPr kumimoji="1" lang="ja-JP" altLang="en-US" sz="900" dirty="0"/>
+          </a:p>
+        </p:txBody>
+      </p:sp>
+      <p:sp>
+        <p:nvSpPr>
+          <p:cNvPr id="21" name="正方形/長方形 20"/>
           <p:cNvSpPr/>
           <p:nvPr/>
         </p:nvSpPr>
         <p:spPr>
-          <a:xfrm flipH="1">
-            <a:off x="2699792" y="620688"/>
-            <a:ext cx="864096" cy="864096"/>
-          </a:xfrm>
-          <a:prstGeom prst="ellipse">
-            <a:avLst/>
-          </a:prstGeom>
-        </p:spPr>
-        <p:style>
-          <a:lnRef idx="1">
-            <a:schemeClr val="dk1"/>
-          </a:lnRef>
-          <a:fillRef idx="2">
-            <a:schemeClr val="dk1"/>
-          </a:fillRef>
-          <a:effectRef idx="1">
-            <a:schemeClr val="dk1"/>
-          </a:effectRef>
-          <a:fontRef idx="minor">
-            <a:schemeClr val="dk1"/>
-          </a:fontRef>
-        </p:style>
-        <p:txBody>
-          <a:bodyPr wrap="none" rtlCol="0" anchor="ctr"/>
+          <a:xfrm>
+            <a:off x="4283968" y="1484784"/>
+            <a:ext cx="4464496" cy="2592288"/>
+          </a:xfrm>
+          <a:prstGeom prst="rect">
+            <a:avLst/>
+          </a:prstGeom>
+          <a:ln w="9525">
+            <a:prstDash val="sysDot"/>
+          </a:ln>
+        </p:spPr>
+        <p:style>
+          <a:lnRef idx="2">
+            <a:schemeClr val="dk1"/>
+          </a:lnRef>
+          <a:fillRef idx="1">
+            <a:schemeClr val="lt1"/>
+          </a:fillRef>
+          <a:effectRef idx="0">
+            <a:schemeClr val="dk1"/>
+          </a:effectRef>
+          <a:fontRef idx="minor">
+            <a:schemeClr val="dk1"/>
+          </a:fontRef>
+        </p:style>
+        <p:txBody>
+          <a:bodyPr wrap="none" rtlCol="0" anchor="t"/>
           <a:lstStyle/>
           <a:p>
             <a:pPr algn="ctr"/>
             <a:r>
-              <a:rPr kumimoji="1" lang="ja-JP" altLang="en-US" sz="1100" dirty="0" smtClean="0"/>
-              <a:t>ゲーム設定</a:t>
-            </a:r>
-            <a:endParaRPr kumimoji="1" lang="en-US" altLang="ja-JP" sz="1100" dirty="0" smtClean="0"/>
+              <a:rPr kumimoji="1" lang="en-US" altLang="ja-JP" sz="900" dirty="0" smtClean="0"/>
+              <a:t>&lt;&lt;Group&gt;&gt;</a:t>
+            </a:r>
           </a:p>
           <a:p>
             <a:pPr algn="ctr"/>
             <a:r>
-              <a:rPr lang="en-US" altLang="ja-JP" sz="1100" dirty="0" smtClean="0"/>
-              <a:t>/room</a:t>
-            </a:r>
-            <a:endParaRPr kumimoji="1" lang="ja-JP" altLang="en-US" sz="1100" dirty="0"/>
-          </a:p>
-        </p:txBody>
-      </p:sp>
-      <p:sp>
-        <p:nvSpPr>
-          <p:cNvPr id="6" name="円/楕円 5"/>
+              <a:rPr lang="en-US" altLang="ja-JP" sz="900" dirty="0" err="1" smtClean="0"/>
+              <a:t>CardArea</a:t>
+            </a:r>
+            <a:endParaRPr kumimoji="1" lang="ja-JP" altLang="en-US" sz="900" dirty="0"/>
+          </a:p>
+        </p:txBody>
+      </p:sp>
+      <p:sp>
+        <p:nvSpPr>
+          <p:cNvPr id="20" name="正方形/長方形 19"/>
           <p:cNvSpPr/>
           <p:nvPr/>
         </p:nvSpPr>
         <p:spPr>
-          <a:xfrm flipH="1">
-            <a:off x="4139952" y="620688"/>
-            <a:ext cx="864096" cy="864096"/>
-          </a:xfrm>
-          <a:prstGeom prst="ellipse">
-            <a:avLst/>
-          </a:prstGeom>
-        </p:spPr>
-        <p:style>
-          <a:lnRef idx="1">
-            <a:schemeClr val="dk1"/>
-          </a:lnRef>
-          <a:fillRef idx="2">
-            <a:schemeClr val="dk1"/>
-          </a:fillRef>
-          <a:effectRef idx="1">
-            <a:schemeClr val="dk1"/>
-          </a:effectRef>
-          <a:fontRef idx="minor">
-            <a:schemeClr val="dk1"/>
-          </a:fontRef>
-        </p:style>
-        <p:txBody>
-          <a:bodyPr wrap="none" rtlCol="0" anchor="ctr"/>
+          <a:xfrm>
+            <a:off x="3851920" y="1340768"/>
+            <a:ext cx="4464496" cy="2592288"/>
+          </a:xfrm>
+          <a:prstGeom prst="rect">
+            <a:avLst/>
+          </a:prstGeom>
+          <a:ln w="9525">
+            <a:prstDash val="sysDot"/>
+          </a:ln>
+        </p:spPr>
+        <p:style>
+          <a:lnRef idx="2">
+            <a:schemeClr val="dk1"/>
+          </a:lnRef>
+          <a:fillRef idx="1">
+            <a:schemeClr val="lt1"/>
+          </a:fillRef>
+          <a:effectRef idx="0">
+            <a:schemeClr val="dk1"/>
+          </a:effectRef>
+          <a:fontRef idx="minor">
+            <a:schemeClr val="dk1"/>
+          </a:fontRef>
+        </p:style>
+        <p:txBody>
+          <a:bodyPr wrap="none" rtlCol="0" anchor="t"/>
           <a:lstStyle/>
           <a:p>
             <a:pPr algn="ctr"/>
             <a:r>
-              <a:rPr kumimoji="1" lang="ja-JP" altLang="en-US" sz="1100" dirty="0" smtClean="0"/>
-              <a:t>プレイ中</a:t>
-            </a:r>
-            <a:endParaRPr kumimoji="1" lang="en-US" altLang="ja-JP" sz="1100" dirty="0" smtClean="0"/>
+              <a:rPr kumimoji="1" lang="en-US" altLang="ja-JP" sz="900" dirty="0" smtClean="0"/>
+              <a:t>&lt;&lt;Group&gt;&gt;</a:t>
+            </a:r>
           </a:p>
           <a:p>
             <a:pPr algn="ctr"/>
             <a:r>
-              <a:rPr lang="en-US" altLang="ja-JP" sz="1100" dirty="0" smtClean="0"/>
-              <a:t>/play</a:t>
-            </a:r>
-            <a:endParaRPr kumimoji="1" lang="ja-JP" altLang="en-US" sz="1100" dirty="0"/>
+              <a:rPr lang="en-US" altLang="ja-JP" sz="900" dirty="0" err="1" smtClean="0"/>
+              <a:t>CardArea</a:t>
+            </a:r>
+            <a:endParaRPr kumimoji="1" lang="ja-JP" altLang="en-US" sz="900" dirty="0"/>
+          </a:p>
+        </p:txBody>
+      </p:sp>
+      <p:sp>
+        <p:nvSpPr>
+          <p:cNvPr id="19" name="正方形/長方形 18"/>
+          <p:cNvSpPr/>
+          <p:nvPr/>
+        </p:nvSpPr>
+        <p:spPr>
+          <a:xfrm>
+            <a:off x="3419872" y="1196752"/>
+            <a:ext cx="4464496" cy="2592288"/>
+          </a:xfrm>
+          <a:prstGeom prst="rect">
+            <a:avLst/>
+          </a:prstGeom>
+          <a:ln w="9525">
+            <a:prstDash val="sysDot"/>
+          </a:ln>
+        </p:spPr>
+        <p:style>
+          <a:lnRef idx="2">
+            <a:schemeClr val="dk1"/>
+          </a:lnRef>
+          <a:fillRef idx="1">
+            <a:schemeClr val="lt1"/>
+          </a:fillRef>
+          <a:effectRef idx="0">
+            <a:schemeClr val="dk1"/>
+          </a:effectRef>
+          <a:fontRef idx="minor">
+            <a:schemeClr val="dk1"/>
+          </a:fontRef>
+        </p:style>
+        <p:txBody>
+          <a:bodyPr wrap="none" rtlCol="0" anchor="t"/>
+          <a:lstStyle/>
+          <a:p>
+            <a:pPr algn="ctr"/>
+            <a:r>
+              <a:rPr kumimoji="1" lang="en-US" altLang="ja-JP" sz="900" dirty="0" smtClean="0"/>
+              <a:t>&lt;&lt;Group&gt;&gt;</a:t>
+            </a:r>
+          </a:p>
+          <a:p>
+            <a:pPr algn="ctr"/>
+            <a:r>
+              <a:rPr lang="en-US" altLang="ja-JP" sz="900" dirty="0" err="1" smtClean="0"/>
+              <a:t>CardArea</a:t>
+            </a:r>
+            <a:endParaRPr kumimoji="1" lang="ja-JP" altLang="en-US" sz="900" dirty="0"/>
+          </a:p>
+        </p:txBody>
+      </p:sp>
+      <p:sp>
+        <p:nvSpPr>
+          <p:cNvPr id="4" name="正方形/長方形 3"/>
+          <p:cNvSpPr/>
+          <p:nvPr/>
+        </p:nvSpPr>
+        <p:spPr>
+          <a:xfrm>
+            <a:off x="5004048" y="332656"/>
+            <a:ext cx="864096" cy="432048"/>
+          </a:xfrm>
+          <a:prstGeom prst="rect">
+            <a:avLst/>
+          </a:prstGeom>
+          <a:ln w="9525"/>
+        </p:spPr>
+        <p:style>
+          <a:lnRef idx="2">
+            <a:schemeClr val="dk1"/>
+          </a:lnRef>
+          <a:fillRef idx="1">
+            <a:schemeClr val="lt1"/>
+          </a:fillRef>
+          <a:effectRef idx="0">
+            <a:schemeClr val="dk1"/>
+          </a:effectRef>
+          <a:fontRef idx="minor">
+            <a:schemeClr val="dk1"/>
+          </a:fontRef>
+        </p:style>
+        <p:txBody>
+          <a:bodyPr wrap="none" rtlCol="0" anchor="t"/>
+          <a:lstStyle/>
+          <a:p>
+            <a:pPr algn="ctr"/>
+            <a:r>
+              <a:rPr kumimoji="1" lang="en-US" altLang="ja-JP" sz="900" dirty="0" smtClean="0"/>
+              <a:t>&lt;&lt;Scene&gt;&gt;</a:t>
+            </a:r>
+          </a:p>
+          <a:p>
+            <a:pPr algn="ctr"/>
+            <a:r>
+              <a:rPr lang="en-US" altLang="ja-JP" sz="900" dirty="0" err="1" smtClean="0"/>
+              <a:t>GameScene</a:t>
+            </a:r>
+            <a:endParaRPr kumimoji="1" lang="ja-JP" altLang="en-US" sz="900" dirty="0"/>
+          </a:p>
+        </p:txBody>
+      </p:sp>
+      <p:sp>
+        <p:nvSpPr>
+          <p:cNvPr id="5" name="正方形/長方形 4"/>
+          <p:cNvSpPr/>
+          <p:nvPr/>
+        </p:nvSpPr>
+        <p:spPr>
+          <a:xfrm>
+            <a:off x="1835696" y="332656"/>
+            <a:ext cx="864096" cy="432048"/>
+          </a:xfrm>
+          <a:prstGeom prst="rect">
+            <a:avLst/>
+          </a:prstGeom>
+          <a:ln w="9525"/>
+        </p:spPr>
+        <p:style>
+          <a:lnRef idx="2">
+            <a:schemeClr val="dk1"/>
+          </a:lnRef>
+          <a:fillRef idx="1">
+            <a:schemeClr val="lt1"/>
+          </a:fillRef>
+          <a:effectRef idx="0">
+            <a:schemeClr val="dk1"/>
+          </a:effectRef>
+          <a:fontRef idx="minor">
+            <a:schemeClr val="dk1"/>
+          </a:fontRef>
+        </p:style>
+        <p:txBody>
+          <a:bodyPr wrap="none" rtlCol="0" anchor="t"/>
+          <a:lstStyle/>
+          <a:p>
+            <a:pPr algn="ctr"/>
+            <a:r>
+              <a:rPr kumimoji="1" lang="en-US" altLang="ja-JP" sz="900" dirty="0" smtClean="0"/>
+              <a:t>&lt;&lt;Scene&gt;&gt;</a:t>
+            </a:r>
+          </a:p>
+          <a:p>
+            <a:pPr algn="ctr"/>
+            <a:r>
+              <a:rPr lang="en-US" altLang="ja-JP" sz="900" dirty="0" err="1" smtClean="0"/>
+              <a:t>RoomScene</a:t>
+            </a:r>
+            <a:endParaRPr kumimoji="1" lang="ja-JP" altLang="en-US" sz="900" dirty="0"/>
+          </a:p>
+        </p:txBody>
+      </p:sp>
+      <p:sp>
+        <p:nvSpPr>
+          <p:cNvPr id="6" name="正方形/長方形 5"/>
+          <p:cNvSpPr/>
+          <p:nvPr/>
+        </p:nvSpPr>
+        <p:spPr>
+          <a:xfrm>
+            <a:off x="467544" y="332656"/>
+            <a:ext cx="864096" cy="432048"/>
+          </a:xfrm>
+          <a:prstGeom prst="rect">
+            <a:avLst/>
+          </a:prstGeom>
+          <a:ln w="9525"/>
+        </p:spPr>
+        <p:style>
+          <a:lnRef idx="2">
+            <a:schemeClr val="dk1"/>
+          </a:lnRef>
+          <a:fillRef idx="1">
+            <a:schemeClr val="lt1"/>
+          </a:fillRef>
+          <a:effectRef idx="0">
+            <a:schemeClr val="dk1"/>
+          </a:effectRef>
+          <a:fontRef idx="minor">
+            <a:schemeClr val="dk1"/>
+          </a:fontRef>
+        </p:style>
+        <p:txBody>
+          <a:bodyPr wrap="none" rtlCol="0" anchor="t"/>
+          <a:lstStyle/>
+          <a:p>
+            <a:pPr algn="ctr"/>
+            <a:r>
+              <a:rPr kumimoji="1" lang="en-US" altLang="ja-JP" sz="900" dirty="0" smtClean="0"/>
+              <a:t>&lt;&lt;Scene&gt;&gt;</a:t>
+            </a:r>
+          </a:p>
+          <a:p>
+            <a:pPr algn="ctr"/>
+            <a:r>
+              <a:rPr lang="en-US" altLang="ja-JP" sz="900" dirty="0" err="1" smtClean="0"/>
+              <a:t>EntranceScene</a:t>
+            </a:r>
+            <a:endParaRPr kumimoji="1" lang="ja-JP" altLang="en-US" sz="900" dirty="0"/>
+          </a:p>
+        </p:txBody>
+      </p:sp>
+      <p:sp>
+        <p:nvSpPr>
+          <p:cNvPr id="7" name="正方形/長方形 6"/>
+          <p:cNvSpPr/>
+          <p:nvPr/>
+        </p:nvSpPr>
+        <p:spPr>
+          <a:xfrm>
+            <a:off x="467544" y="1268760"/>
+            <a:ext cx="864096" cy="432048"/>
+          </a:xfrm>
+          <a:prstGeom prst="rect">
+            <a:avLst/>
+          </a:prstGeom>
+          <a:ln w="9525"/>
+        </p:spPr>
+        <p:style>
+          <a:lnRef idx="2">
+            <a:schemeClr val="dk1"/>
+          </a:lnRef>
+          <a:fillRef idx="1">
+            <a:schemeClr val="lt1"/>
+          </a:fillRef>
+          <a:effectRef idx="0">
+            <a:schemeClr val="dk1"/>
+          </a:effectRef>
+          <a:fontRef idx="minor">
+            <a:schemeClr val="dk1"/>
+          </a:fontRef>
+        </p:style>
+        <p:txBody>
+          <a:bodyPr wrap="none" rtlCol="0" anchor="t"/>
+          <a:lstStyle/>
+          <a:p>
+            <a:pPr algn="ctr"/>
+            <a:r>
+              <a:rPr kumimoji="1" lang="en-US" altLang="ja-JP" sz="900" dirty="0" smtClean="0"/>
+              <a:t>&lt;&lt;Label&gt;&gt;</a:t>
+            </a:r>
+          </a:p>
+          <a:p>
+            <a:pPr algn="ctr"/>
+            <a:r>
+              <a:rPr lang="en-US" altLang="ja-JP" sz="900" dirty="0" smtClean="0"/>
+              <a:t>form, input</a:t>
+            </a:r>
+            <a:endParaRPr kumimoji="1" lang="ja-JP" altLang="en-US" sz="900" dirty="0"/>
           </a:p>
         </p:txBody>
       </p:sp>
       <p:cxnSp>
         <p:nvCxnSpPr>
-          <p:cNvPr id="8" name="直線矢印コネクタ 7"/>
+          <p:cNvPr id="9" name="直線矢印コネクタ 8"/>
+          <p:cNvCxnSpPr>
+            <a:stCxn id="6" idx="2"/>
+            <a:endCxn id="7" idx="0"/>
+          </p:cNvCxnSpPr>
+          <p:nvPr/>
+        </p:nvCxnSpPr>
+        <p:spPr>
+          <a:xfrm>
+            <a:off x="899592" y="764704"/>
+            <a:ext cx="0" cy="504056"/>
+          </a:xfrm>
+          <a:prstGeom prst="straightConnector1">
+            <a:avLst/>
+          </a:prstGeom>
+          <a:ln>
+            <a:headEnd type="diamond"/>
+            <a:tailEnd type="none"/>
+          </a:ln>
+        </p:spPr>
+        <p:style>
+          <a:lnRef idx="1">
+            <a:schemeClr val="accent1"/>
+          </a:lnRef>
+          <a:fillRef idx="0">
+            <a:schemeClr val="accent1"/>
+          </a:fillRef>
+          <a:effectRef idx="0">
+            <a:schemeClr val="accent1"/>
+          </a:effectRef>
+          <a:fontRef idx="minor">
+            <a:schemeClr val="tx1"/>
+          </a:fontRef>
+        </p:style>
+      </p:cxnSp>
+      <p:sp>
+        <p:nvSpPr>
+          <p:cNvPr id="16" name="正方形/長方形 15"/>
+          <p:cNvSpPr/>
+          <p:nvPr/>
+        </p:nvSpPr>
+        <p:spPr>
+          <a:xfrm>
+            <a:off x="3491880" y="1556792"/>
+            <a:ext cx="4320480" cy="2160240"/>
+          </a:xfrm>
+          <a:prstGeom prst="rect">
+            <a:avLst/>
+          </a:prstGeom>
+          <a:ln w="9525"/>
+        </p:spPr>
+        <p:style>
+          <a:lnRef idx="2">
+            <a:schemeClr val="dk1"/>
+          </a:lnRef>
+          <a:fillRef idx="1">
+            <a:schemeClr val="lt1"/>
+          </a:fillRef>
+          <a:effectRef idx="0">
+            <a:schemeClr val="dk1"/>
+          </a:effectRef>
+          <a:fontRef idx="minor">
+            <a:schemeClr val="dk1"/>
+          </a:fontRef>
+        </p:style>
+        <p:txBody>
+          <a:bodyPr wrap="none" rtlCol="0" anchor="t"/>
+          <a:lstStyle/>
+          <a:p>
+            <a:pPr algn="ctr"/>
+            <a:r>
+              <a:rPr kumimoji="1" lang="en-US" altLang="ja-JP" sz="900" dirty="0" smtClean="0"/>
+              <a:t>&lt;&lt;Sprite&gt;&gt;</a:t>
+            </a:r>
+          </a:p>
+          <a:p>
+            <a:pPr algn="ctr"/>
+            <a:r>
+              <a:rPr lang="en-US" altLang="ja-JP" sz="900" dirty="0" err="1" smtClean="0"/>
+              <a:t>CardAreaBackground</a:t>
+            </a:r>
+            <a:endParaRPr kumimoji="1" lang="ja-JP" altLang="en-US" sz="900" dirty="0"/>
+          </a:p>
+        </p:txBody>
+      </p:sp>
+      <p:sp>
+        <p:nvSpPr>
+          <p:cNvPr id="17" name="正方形/長方形 16"/>
+          <p:cNvSpPr/>
+          <p:nvPr/>
+        </p:nvSpPr>
+        <p:spPr>
+          <a:xfrm>
+            <a:off x="5364088" y="2780928"/>
+            <a:ext cx="864096" cy="432048"/>
+          </a:xfrm>
+          <a:prstGeom prst="rect">
+            <a:avLst/>
+          </a:prstGeom>
+          <a:ln w="9525"/>
+        </p:spPr>
+        <p:style>
+          <a:lnRef idx="2">
+            <a:schemeClr val="dk1"/>
+          </a:lnRef>
+          <a:fillRef idx="1">
+            <a:schemeClr val="lt1"/>
+          </a:fillRef>
+          <a:effectRef idx="0">
+            <a:schemeClr val="dk1"/>
+          </a:effectRef>
+          <a:fontRef idx="minor">
+            <a:schemeClr val="dk1"/>
+          </a:fontRef>
+        </p:style>
+        <p:txBody>
+          <a:bodyPr wrap="none" rtlCol="0" anchor="t"/>
+          <a:lstStyle/>
+          <a:p>
+            <a:pPr algn="ctr"/>
+            <a:r>
+              <a:rPr kumimoji="1" lang="en-US" altLang="ja-JP" sz="900" dirty="0" smtClean="0"/>
+              <a:t>&lt;&lt;Sprite&gt;&gt;</a:t>
+            </a:r>
+          </a:p>
+          <a:p>
+            <a:pPr algn="ctr"/>
+            <a:r>
+              <a:rPr lang="en-US" altLang="ja-JP" sz="900" dirty="0" smtClean="0"/>
+              <a:t>card</a:t>
+            </a:r>
+            <a:endParaRPr kumimoji="1" lang="ja-JP" altLang="en-US" sz="900" dirty="0"/>
+          </a:p>
+        </p:txBody>
+      </p:sp>
+      <p:sp>
+        <p:nvSpPr>
+          <p:cNvPr id="18" name="正方形/長方形 17"/>
+          <p:cNvSpPr/>
+          <p:nvPr/>
+        </p:nvSpPr>
+        <p:spPr>
+          <a:xfrm>
+            <a:off x="5292080" y="2708920"/>
+            <a:ext cx="864096" cy="432048"/>
+          </a:xfrm>
+          <a:prstGeom prst="rect">
+            <a:avLst/>
+          </a:prstGeom>
+          <a:ln w="9525"/>
+        </p:spPr>
+        <p:style>
+          <a:lnRef idx="2">
+            <a:schemeClr val="dk1"/>
+          </a:lnRef>
+          <a:fillRef idx="1">
+            <a:schemeClr val="lt1"/>
+          </a:fillRef>
+          <a:effectRef idx="0">
+            <a:schemeClr val="dk1"/>
+          </a:effectRef>
+          <a:fontRef idx="minor">
+            <a:schemeClr val="dk1"/>
+          </a:fontRef>
+        </p:style>
+        <p:txBody>
+          <a:bodyPr wrap="none" rtlCol="0" anchor="t"/>
+          <a:lstStyle/>
+          <a:p>
+            <a:pPr algn="ctr"/>
+            <a:r>
+              <a:rPr kumimoji="1" lang="en-US" altLang="ja-JP" sz="900" dirty="0" smtClean="0"/>
+              <a:t>&lt;&lt;Sprite&gt;&gt;</a:t>
+            </a:r>
+          </a:p>
+          <a:p>
+            <a:pPr algn="ctr"/>
+            <a:r>
+              <a:rPr lang="en-US" altLang="ja-JP" sz="900" dirty="0" smtClean="0"/>
+              <a:t>card</a:t>
+            </a:r>
+            <a:endParaRPr kumimoji="1" lang="ja-JP" altLang="en-US" sz="900" dirty="0"/>
+          </a:p>
+        </p:txBody>
+      </p:sp>
+      <p:cxnSp>
+        <p:nvCxnSpPr>
+          <p:cNvPr id="22" name="直線矢印コネクタ 21"/>
           <p:cNvCxnSpPr>
             <a:stCxn id="4" idx="2"/>
-            <a:endCxn id="5" idx="6"/>
+            <a:endCxn id="19" idx="0"/>
           </p:cNvCxnSpPr>
           <p:nvPr/>
         </p:nvCxnSpPr>
         <p:spPr>
           <a:xfrm>
-            <a:off x="2123728" y="1052736"/>
-            <a:ext cx="576064" cy="0"/>
+            <a:off x="5436096" y="764704"/>
+            <a:ext cx="216024" cy="432048"/>
           </a:xfrm>
           <a:prstGeom prst="straightConnector1">
             <a:avLst/>
           </a:prstGeom>
           <a:ln>
-            <a:tailEnd type="arrow"/>
+            <a:headEnd type="diamond"/>
+            <a:tailEnd type="none"/>
           </a:ln>
         </p:spPr>
         <p:style>
@@ -4347,223 +5511,6 @@
           </a:fontRef>
         </p:style>
       </p:cxnSp>
-      <p:cxnSp>
-        <p:nvCxnSpPr>
-          <p:cNvPr id="11" name="直線矢印コネクタ 10"/>
-          <p:cNvCxnSpPr>
-            <a:stCxn id="5" idx="1"/>
-            <a:endCxn id="6" idx="7"/>
-          </p:cNvCxnSpPr>
-          <p:nvPr/>
-        </p:nvCxnSpPr>
-        <p:spPr>
-          <a:xfrm>
-            <a:off x="3437344" y="747232"/>
-            <a:ext cx="829152" cy="0"/>
-          </a:xfrm>
-          <a:prstGeom prst="straightConnector1">
-            <a:avLst/>
-          </a:prstGeom>
-          <a:ln>
-            <a:tailEnd type="arrow"/>
-          </a:ln>
-        </p:spPr>
-        <p:style>
-          <a:lnRef idx="1">
-            <a:schemeClr val="accent1"/>
-          </a:lnRef>
-          <a:fillRef idx="0">
-            <a:schemeClr val="accent1"/>
-          </a:fillRef>
-          <a:effectRef idx="0">
-            <a:schemeClr val="accent1"/>
-          </a:effectRef>
-          <a:fontRef idx="minor">
-            <a:schemeClr val="tx1"/>
-          </a:fontRef>
-        </p:style>
-      </p:cxnSp>
-      <p:cxnSp>
-        <p:nvCxnSpPr>
-          <p:cNvPr id="14" name="直線矢印コネクタ 13"/>
-          <p:cNvCxnSpPr>
-            <a:stCxn id="6" idx="5"/>
-            <a:endCxn id="5" idx="3"/>
-          </p:cNvCxnSpPr>
-          <p:nvPr/>
-        </p:nvCxnSpPr>
-        <p:spPr>
-          <a:xfrm flipH="1">
-            <a:off x="3437344" y="1358240"/>
-            <a:ext cx="829152" cy="0"/>
-          </a:xfrm>
-          <a:prstGeom prst="straightConnector1">
-            <a:avLst/>
-          </a:prstGeom>
-          <a:ln>
-            <a:tailEnd type="arrow"/>
-          </a:ln>
-        </p:spPr>
-        <p:style>
-          <a:lnRef idx="1">
-            <a:schemeClr val="accent1"/>
-          </a:lnRef>
-          <a:fillRef idx="0">
-            <a:schemeClr val="accent1"/>
-          </a:fillRef>
-          <a:effectRef idx="0">
-            <a:schemeClr val="accent1"/>
-          </a:effectRef>
-          <a:fontRef idx="minor">
-            <a:schemeClr val="tx1"/>
-          </a:fontRef>
-        </p:style>
-      </p:cxnSp>
-      <p:cxnSp>
-        <p:nvCxnSpPr>
-          <p:cNvPr id="18" name="曲線コネクタ 17"/>
-          <p:cNvCxnSpPr>
-            <a:stCxn id="5" idx="0"/>
-            <a:endCxn id="4" idx="1"/>
-          </p:cNvCxnSpPr>
-          <p:nvPr/>
-        </p:nvCxnSpPr>
-        <p:spPr>
-          <a:xfrm rot="16200000" flipH="1" flipV="1">
-            <a:off x="2501240" y="116632"/>
-            <a:ext cx="126544" cy="1134656"/>
-          </a:xfrm>
-          <a:prstGeom prst="curvedConnector3">
-            <a:avLst>
-              <a:gd name="adj1" fmla="val -180649"/>
-            </a:avLst>
-          </a:prstGeom>
-          <a:ln>
-            <a:tailEnd type="arrow"/>
-          </a:ln>
-        </p:spPr>
-        <p:style>
-          <a:lnRef idx="1">
-            <a:schemeClr val="accent1"/>
-          </a:lnRef>
-          <a:fillRef idx="0">
-            <a:schemeClr val="accent1"/>
-          </a:fillRef>
-          <a:effectRef idx="0">
-            <a:schemeClr val="accent1"/>
-          </a:effectRef>
-          <a:fontRef idx="minor">
-            <a:schemeClr val="tx1"/>
-          </a:fontRef>
-        </p:style>
-      </p:cxnSp>
-      <p:cxnSp>
-        <p:nvCxnSpPr>
-          <p:cNvPr id="19" name="曲線コネクタ 18"/>
-          <p:cNvCxnSpPr>
-            <a:stCxn id="6" idx="0"/>
-            <a:endCxn id="4" idx="1"/>
-          </p:cNvCxnSpPr>
-          <p:nvPr/>
-        </p:nvCxnSpPr>
-        <p:spPr>
-          <a:xfrm rot="16200000" flipH="1" flipV="1">
-            <a:off x="3221320" y="-603448"/>
-            <a:ext cx="126544" cy="2574816"/>
-          </a:xfrm>
-          <a:prstGeom prst="curvedConnector3">
-            <a:avLst>
-              <a:gd name="adj1" fmla="val -416496"/>
-            </a:avLst>
-          </a:prstGeom>
-          <a:ln>
-            <a:tailEnd type="arrow"/>
-          </a:ln>
-        </p:spPr>
-        <p:style>
-          <a:lnRef idx="1">
-            <a:schemeClr val="accent1"/>
-          </a:lnRef>
-          <a:fillRef idx="0">
-            <a:schemeClr val="accent1"/>
-          </a:fillRef>
-          <a:effectRef idx="0">
-            <a:schemeClr val="accent1"/>
-          </a:effectRef>
-          <a:fontRef idx="minor">
-            <a:schemeClr val="tx1"/>
-          </a:fontRef>
-        </p:style>
-      </p:cxnSp>
-      <p:sp>
-        <p:nvSpPr>
-          <p:cNvPr id="25" name="正方形/長方形 24"/>
-          <p:cNvSpPr/>
-          <p:nvPr/>
-        </p:nvSpPr>
-        <p:spPr>
-          <a:xfrm>
-            <a:off x="2123728" y="1124744"/>
-            <a:ext cx="576064" cy="360040"/>
-          </a:xfrm>
-          <a:prstGeom prst="rect">
-            <a:avLst/>
-          </a:prstGeom>
-        </p:spPr>
-        <p:style>
-          <a:lnRef idx="1">
-            <a:schemeClr val="accent1"/>
-          </a:lnRef>
-          <a:fillRef idx="2">
-            <a:schemeClr val="accent1"/>
-          </a:fillRef>
-          <a:effectRef idx="1">
-            <a:schemeClr val="accent1"/>
-          </a:effectRef>
-          <a:fontRef idx="minor">
-            <a:schemeClr val="dk1"/>
-          </a:fontRef>
-        </p:style>
-        <p:txBody>
-          <a:bodyPr wrap="none" rtlCol="0" anchor="ctr"/>
-          <a:lstStyle/>
-          <a:p>
-            <a:pPr>
-              <a:lnSpc>
-                <a:spcPts val="800"/>
-              </a:lnSpc>
-            </a:pPr>
-            <a:r>
-              <a:rPr lang="en-US" altLang="ja-JP" sz="700" dirty="0" err="1" smtClean="0"/>
-              <a:t>user_id</a:t>
-            </a:r>
-            <a:endParaRPr lang="en-US" altLang="ja-JP" sz="700" dirty="0" smtClean="0"/>
-          </a:p>
-          <a:p>
-            <a:pPr>
-              <a:lnSpc>
-                <a:spcPts val="800"/>
-              </a:lnSpc>
-            </a:pPr>
-            <a:r>
-              <a:rPr kumimoji="1" lang="en-US" altLang="ja-JP" sz="700" dirty="0" smtClean="0"/>
-              <a:t>nickname</a:t>
-            </a:r>
-          </a:p>
-          <a:p>
-            <a:pPr>
-              <a:lnSpc>
-                <a:spcPts val="800"/>
-              </a:lnSpc>
-            </a:pPr>
-            <a:r>
-              <a:rPr lang="en-US" altLang="ja-JP" sz="700" dirty="0" err="1" smtClean="0"/>
-              <a:t>room_id</a:t>
-            </a:r>
-            <a:endParaRPr kumimoji="1" lang="en-US" altLang="ja-JP" sz="700" dirty="0" smtClean="0"/>
-          </a:p>
-        </p:txBody>
-      </p:sp>
       <p:sp>
         <p:nvSpPr>
           <p:cNvPr id="27" name="正方形/長方形 26"/>
@@ -4572,41 +5519,95 @@
         </p:nvSpPr>
         <p:spPr>
           <a:xfrm>
-            <a:off x="2123728" y="836712"/>
-            <a:ext cx="432048" cy="144016"/>
+            <a:off x="971600" y="3212976"/>
+            <a:ext cx="2016224" cy="1080120"/>
           </a:xfrm>
           <a:prstGeom prst="rect">
             <a:avLst/>
           </a:prstGeom>
-        </p:spPr>
-        <p:style>
-          <a:lnRef idx="1">
-            <a:schemeClr val="accent2"/>
-          </a:lnRef>
-          <a:fillRef idx="2">
-            <a:schemeClr val="accent2"/>
-          </a:fillRef>
-          <a:effectRef idx="1">
-            <a:schemeClr val="accent2"/>
-          </a:effectRef>
-          <a:fontRef idx="minor">
-            <a:schemeClr val="dk1"/>
-          </a:fontRef>
-        </p:style>
-        <p:txBody>
-          <a:bodyPr wrap="none" rtlCol="0" anchor="ctr"/>
-          <a:lstStyle/>
-          <a:p>
-            <a:pPr>
-              <a:lnSpc>
-                <a:spcPts val="800"/>
-              </a:lnSpc>
-            </a:pPr>
-            <a:r>
-              <a:rPr lang="en-US" altLang="ja-JP" sz="700" dirty="0" smtClean="0"/>
-              <a:t>enter</a:t>
-            </a:r>
-            <a:endParaRPr kumimoji="1" lang="en-US" altLang="ja-JP" sz="700" dirty="0" smtClean="0"/>
+          <a:ln w="9525"/>
+        </p:spPr>
+        <p:style>
+          <a:lnRef idx="2">
+            <a:schemeClr val="dk1"/>
+          </a:lnRef>
+          <a:fillRef idx="1">
+            <a:schemeClr val="lt1"/>
+          </a:fillRef>
+          <a:effectRef idx="0">
+            <a:schemeClr val="dk1"/>
+          </a:effectRef>
+          <a:fontRef idx="minor">
+            <a:schemeClr val="dk1"/>
+          </a:fontRef>
+        </p:style>
+        <p:txBody>
+          <a:bodyPr wrap="none" rtlCol="0" anchor="t"/>
+          <a:lstStyle/>
+          <a:p>
+            <a:pPr algn="ctr"/>
+            <a:r>
+              <a:rPr kumimoji="1" lang="en-US" altLang="ja-JP" sz="900" dirty="0" smtClean="0"/>
+              <a:t>&lt;&lt;Sprite&gt;&gt;</a:t>
+            </a:r>
+          </a:p>
+          <a:p>
+            <a:pPr algn="ctr"/>
+            <a:r>
+              <a:rPr lang="en-US" altLang="ja-JP" sz="900" dirty="0" err="1" smtClean="0"/>
+              <a:t>UserListBackground</a:t>
+            </a:r>
+            <a:endParaRPr kumimoji="1" lang="ja-JP" altLang="en-US" sz="900" dirty="0"/>
+          </a:p>
+        </p:txBody>
+      </p:sp>
+      <p:sp>
+        <p:nvSpPr>
+          <p:cNvPr id="31" name="正方形/長方形 30"/>
+          <p:cNvSpPr/>
+          <p:nvPr/>
+        </p:nvSpPr>
+        <p:spPr>
+          <a:xfrm>
+            <a:off x="1115616" y="3717032"/>
+            <a:ext cx="864096" cy="432048"/>
+          </a:xfrm>
+          <a:prstGeom prst="rect">
+            <a:avLst/>
+          </a:prstGeom>
+          <a:ln w="9525"/>
+        </p:spPr>
+        <p:style>
+          <a:lnRef idx="2">
+            <a:schemeClr val="dk1"/>
+          </a:lnRef>
+          <a:fillRef idx="1">
+            <a:schemeClr val="lt1"/>
+          </a:fillRef>
+          <a:effectRef idx="0">
+            <a:schemeClr val="dk1"/>
+          </a:effectRef>
+          <a:fontRef idx="minor">
+            <a:schemeClr val="dk1"/>
+          </a:fontRef>
+        </p:style>
+        <p:txBody>
+          <a:bodyPr wrap="none" rtlCol="0" anchor="t"/>
+          <a:lstStyle/>
+          <a:p>
+            <a:pPr algn="ctr"/>
+            <a:r>
+              <a:rPr kumimoji="1" lang="en-US" altLang="ja-JP" sz="900" dirty="0" smtClean="0"/>
+              <a:t>&lt;&lt;Sprite&gt;&gt;</a:t>
+            </a:r>
+          </a:p>
+          <a:p>
+            <a:pPr algn="ctr"/>
+            <a:r>
+              <a:rPr lang="en-US" altLang="ja-JP" sz="900" dirty="0" smtClean="0"/>
+              <a:t>User</a:t>
+            </a:r>
+            <a:endParaRPr kumimoji="1" lang="ja-JP" altLang="en-US" sz="900" dirty="0"/>
           </a:p>
         </p:txBody>
       </p:sp>
@@ -4618,1187 +5619,45 @@
         </p:nvSpPr>
         <p:spPr>
           <a:xfrm>
-            <a:off x="3563888" y="404664"/>
-            <a:ext cx="432048" cy="144016"/>
+            <a:off x="1043608" y="3645024"/>
+            <a:ext cx="864096" cy="432048"/>
           </a:xfrm>
           <a:prstGeom prst="rect">
             <a:avLst/>
           </a:prstGeom>
-        </p:spPr>
-        <p:style>
-          <a:lnRef idx="1">
-            <a:schemeClr val="accent2"/>
-          </a:lnRef>
-          <a:fillRef idx="2">
-            <a:schemeClr val="accent2"/>
-          </a:fillRef>
-          <a:effectRef idx="1">
-            <a:schemeClr val="accent2"/>
-          </a:effectRef>
-          <a:fontRef idx="minor">
-            <a:schemeClr val="dk1"/>
-          </a:fontRef>
-        </p:style>
-        <p:txBody>
-          <a:bodyPr wrap="none" rtlCol="0" anchor="ctr"/>
-          <a:lstStyle/>
-          <a:p>
-            <a:pPr>
-              <a:lnSpc>
-                <a:spcPts val="800"/>
-              </a:lnSpc>
-            </a:pPr>
-            <a:r>
-              <a:rPr lang="en-US" altLang="ja-JP" sz="700" dirty="0" smtClean="0"/>
-              <a:t>play</a:t>
-            </a:r>
-            <a:endParaRPr kumimoji="1" lang="en-US" altLang="ja-JP" sz="700" dirty="0" smtClean="0"/>
-          </a:p>
-        </p:txBody>
-      </p:sp>
-      <p:sp>
-        <p:nvSpPr>
-          <p:cNvPr id="26" name="正方形/長方形 25"/>
-          <p:cNvSpPr/>
-          <p:nvPr/>
-        </p:nvSpPr>
-        <p:spPr>
-          <a:xfrm>
-            <a:off x="3563888" y="548680"/>
-            <a:ext cx="576064" cy="144016"/>
-          </a:xfrm>
-          <a:prstGeom prst="rect">
-            <a:avLst/>
-          </a:prstGeom>
-        </p:spPr>
-        <p:style>
-          <a:lnRef idx="1">
-            <a:schemeClr val="accent1"/>
-          </a:lnRef>
-          <a:fillRef idx="2">
-            <a:schemeClr val="accent1"/>
-          </a:fillRef>
-          <a:effectRef idx="1">
-            <a:schemeClr val="accent1"/>
-          </a:effectRef>
-          <a:fontRef idx="minor">
-            <a:schemeClr val="dk1"/>
-          </a:fontRef>
-        </p:style>
-        <p:txBody>
-          <a:bodyPr wrap="none" rtlCol="0" anchor="ctr"/>
-          <a:lstStyle/>
-          <a:p>
-            <a:pPr>
-              <a:lnSpc>
-                <a:spcPts val="800"/>
-              </a:lnSpc>
-            </a:pPr>
-            <a:r>
-              <a:rPr lang="en-US" altLang="ja-JP" sz="700" dirty="0" err="1" smtClean="0"/>
-              <a:t>user_id</a:t>
-            </a:r>
-            <a:endParaRPr kumimoji="1" lang="en-US" altLang="ja-JP" sz="700" dirty="0" smtClean="0"/>
-          </a:p>
-        </p:txBody>
-      </p:sp>
-      <p:sp>
-        <p:nvSpPr>
-          <p:cNvPr id="30" name="正方形/長方形 29"/>
-          <p:cNvSpPr/>
-          <p:nvPr/>
-        </p:nvSpPr>
-        <p:spPr>
-          <a:xfrm>
-            <a:off x="3563888" y="1412776"/>
-            <a:ext cx="432048" cy="144016"/>
-          </a:xfrm>
-          <a:prstGeom prst="rect">
-            <a:avLst/>
-          </a:prstGeom>
-        </p:spPr>
-        <p:style>
-          <a:lnRef idx="1">
-            <a:schemeClr val="accent2"/>
-          </a:lnRef>
-          <a:fillRef idx="2">
-            <a:schemeClr val="accent2"/>
-          </a:fillRef>
-          <a:effectRef idx="1">
-            <a:schemeClr val="accent2"/>
-          </a:effectRef>
-          <a:fontRef idx="minor">
-            <a:schemeClr val="dk1"/>
-          </a:fontRef>
-        </p:style>
-        <p:txBody>
-          <a:bodyPr wrap="none" rtlCol="0" anchor="ctr"/>
-          <a:lstStyle/>
-          <a:p>
-            <a:pPr>
-              <a:lnSpc>
-                <a:spcPts val="800"/>
-              </a:lnSpc>
-            </a:pPr>
-            <a:r>
-              <a:rPr lang="en-US" altLang="ja-JP" sz="700" dirty="0" smtClean="0"/>
-              <a:t>reset</a:t>
-            </a:r>
-            <a:endParaRPr kumimoji="1" lang="en-US" altLang="ja-JP" sz="700" dirty="0" smtClean="0"/>
-          </a:p>
-        </p:txBody>
-      </p:sp>
-      <p:sp>
-        <p:nvSpPr>
-          <p:cNvPr id="29" name="正方形/長方形 28"/>
-          <p:cNvSpPr/>
-          <p:nvPr/>
-        </p:nvSpPr>
-        <p:spPr>
-          <a:xfrm>
-            <a:off x="3563888" y="1556792"/>
-            <a:ext cx="576064" cy="144016"/>
-          </a:xfrm>
-          <a:prstGeom prst="rect">
-            <a:avLst/>
-          </a:prstGeom>
-        </p:spPr>
-        <p:style>
-          <a:lnRef idx="1">
-            <a:schemeClr val="accent1"/>
-          </a:lnRef>
-          <a:fillRef idx="2">
-            <a:schemeClr val="accent1"/>
-          </a:fillRef>
-          <a:effectRef idx="1">
-            <a:schemeClr val="accent1"/>
-          </a:effectRef>
-          <a:fontRef idx="minor">
-            <a:schemeClr val="dk1"/>
-          </a:fontRef>
-        </p:style>
-        <p:txBody>
-          <a:bodyPr wrap="none" rtlCol="0" anchor="ctr"/>
-          <a:lstStyle/>
-          <a:p>
-            <a:pPr>
-              <a:lnSpc>
-                <a:spcPts val="800"/>
-              </a:lnSpc>
-            </a:pPr>
-            <a:r>
-              <a:rPr lang="en-US" altLang="ja-JP" sz="700" dirty="0" err="1" smtClean="0"/>
-              <a:t>user_id</a:t>
-            </a:r>
-            <a:endParaRPr kumimoji="1" lang="en-US" altLang="ja-JP" sz="700" dirty="0" smtClean="0"/>
-          </a:p>
-        </p:txBody>
-      </p:sp>
-      <p:sp>
-        <p:nvSpPr>
-          <p:cNvPr id="31" name="正方形/長方形 30"/>
-          <p:cNvSpPr/>
-          <p:nvPr/>
-        </p:nvSpPr>
-        <p:spPr>
-          <a:xfrm>
-            <a:off x="1979712" y="404664"/>
-            <a:ext cx="432048" cy="144016"/>
-          </a:xfrm>
-          <a:prstGeom prst="rect">
-            <a:avLst/>
-          </a:prstGeom>
-        </p:spPr>
-        <p:style>
-          <a:lnRef idx="1">
-            <a:schemeClr val="accent2"/>
-          </a:lnRef>
-          <a:fillRef idx="2">
-            <a:schemeClr val="accent2"/>
-          </a:fillRef>
-          <a:effectRef idx="1">
-            <a:schemeClr val="accent2"/>
-          </a:effectRef>
-          <a:fontRef idx="minor">
-            <a:schemeClr val="dk1"/>
-          </a:fontRef>
-        </p:style>
-        <p:txBody>
-          <a:bodyPr wrap="none" rtlCol="0" anchor="ctr"/>
-          <a:lstStyle/>
-          <a:p>
-            <a:pPr>
-              <a:lnSpc>
-                <a:spcPts val="800"/>
-              </a:lnSpc>
-            </a:pPr>
-            <a:r>
-              <a:rPr lang="en-US" altLang="ja-JP" sz="700" dirty="0" smtClean="0"/>
-              <a:t>leave</a:t>
-            </a:r>
-            <a:endParaRPr kumimoji="1" lang="en-US" altLang="ja-JP" sz="700" dirty="0" smtClean="0"/>
-          </a:p>
-        </p:txBody>
-      </p:sp>
-      <p:cxnSp>
-        <p:nvCxnSpPr>
-          <p:cNvPr id="40" name="直線矢印コネクタ 39"/>
-          <p:cNvCxnSpPr>
-            <a:endCxn id="34" idx="3"/>
-          </p:cNvCxnSpPr>
-          <p:nvPr/>
-        </p:nvCxnSpPr>
-        <p:spPr>
-          <a:xfrm flipH="1">
-            <a:off x="2339752" y="2708920"/>
-            <a:ext cx="504056" cy="288032"/>
-          </a:xfrm>
-          <a:prstGeom prst="straightConnector1">
-            <a:avLst/>
-          </a:prstGeom>
-          <a:ln>
-            <a:headEnd type="diamond" w="lg" len="lg"/>
-            <a:tailEnd type="none"/>
-          </a:ln>
-        </p:spPr>
-        <p:style>
-          <a:lnRef idx="1">
-            <a:schemeClr val="accent1"/>
-          </a:lnRef>
-          <a:fillRef idx="0">
-            <a:schemeClr val="accent1"/>
+          <a:ln w="9525"/>
+        </p:spPr>
+        <p:style>
+          <a:lnRef idx="2">
+            <a:schemeClr val="dk1"/>
+          </a:lnRef>
+          <a:fillRef idx="1">
+            <a:schemeClr val="lt1"/>
           </a:fillRef>
           <a:effectRef idx="0">
-            <a:schemeClr val="accent1"/>
-          </a:effectRef>
-          <a:fontRef idx="minor">
-            <a:schemeClr val="tx1"/>
-          </a:fontRef>
-        </p:style>
-      </p:cxnSp>
-      <p:cxnSp>
-        <p:nvCxnSpPr>
-          <p:cNvPr id="48" name="直線矢印コネクタ 47"/>
-          <p:cNvCxnSpPr>
-            <a:stCxn id="52" idx="3"/>
-            <a:endCxn id="38" idx="3"/>
-          </p:cNvCxnSpPr>
-          <p:nvPr/>
-        </p:nvCxnSpPr>
-        <p:spPr>
-          <a:xfrm flipV="1">
-            <a:off x="3419872" y="2852936"/>
-            <a:ext cx="504056" cy="576064"/>
-          </a:xfrm>
-          <a:prstGeom prst="bentConnector3">
-            <a:avLst>
-              <a:gd name="adj1" fmla="val 145352"/>
-            </a:avLst>
-          </a:prstGeom>
-          <a:ln>
-            <a:headEnd type="none" w="lg" len="lg"/>
-            <a:tailEnd type="none"/>
-          </a:ln>
-        </p:spPr>
-        <p:style>
-          <a:lnRef idx="1">
-            <a:schemeClr val="accent1"/>
-          </a:lnRef>
-          <a:fillRef idx="0">
-            <a:schemeClr val="accent1"/>
-          </a:fillRef>
-          <a:effectRef idx="0">
-            <a:schemeClr val="accent1"/>
-          </a:effectRef>
-          <a:fontRef idx="minor">
-            <a:schemeClr val="tx1"/>
-          </a:fontRef>
-        </p:style>
-      </p:cxnSp>
-      <p:sp>
-        <p:nvSpPr>
-          <p:cNvPr id="49" name="正方形/長方形 48"/>
-          <p:cNvSpPr/>
-          <p:nvPr/>
-        </p:nvSpPr>
-        <p:spPr>
-          <a:xfrm>
-            <a:off x="2915816" y="2636912"/>
-            <a:ext cx="504056" cy="144016"/>
-          </a:xfrm>
-          <a:prstGeom prst="rect">
-            <a:avLst/>
-          </a:prstGeom>
-        </p:spPr>
-        <p:style>
-          <a:lnRef idx="1">
-            <a:schemeClr val="accent1"/>
-          </a:lnRef>
-          <a:fillRef idx="2">
-            <a:schemeClr val="accent1"/>
-          </a:fillRef>
-          <a:effectRef idx="1">
-            <a:schemeClr val="accent1"/>
-          </a:effectRef>
-          <a:fontRef idx="minor">
-            <a:schemeClr val="dk1"/>
-          </a:fontRef>
-        </p:style>
-        <p:txBody>
-          <a:bodyPr wrap="none" rtlCol="0" anchor="ctr"/>
-          <a:lstStyle/>
-          <a:p>
-            <a:pPr>
-              <a:lnSpc>
-                <a:spcPts val="800"/>
-              </a:lnSpc>
-            </a:pPr>
-            <a:r>
-              <a:rPr lang="en-US" altLang="ja-JP" sz="700" i="1" dirty="0" err="1" smtClean="0"/>
-              <a:t>RoomInfo</a:t>
-            </a:r>
-            <a:endParaRPr kumimoji="1" lang="en-US" altLang="ja-JP" sz="700" i="1" dirty="0" smtClean="0"/>
-          </a:p>
-        </p:txBody>
-      </p:sp>
-      <p:sp>
-        <p:nvSpPr>
-          <p:cNvPr id="38" name="正方形/長方形 37"/>
-          <p:cNvSpPr/>
-          <p:nvPr/>
-        </p:nvSpPr>
-        <p:spPr>
-          <a:xfrm>
-            <a:off x="2915816" y="2780928"/>
-            <a:ext cx="1008112" cy="144016"/>
-          </a:xfrm>
-          <a:prstGeom prst="rect">
-            <a:avLst/>
-          </a:prstGeom>
-        </p:spPr>
-        <p:style>
-          <a:lnRef idx="1">
-            <a:schemeClr val="accent1"/>
-          </a:lnRef>
-          <a:fillRef idx="2">
-            <a:schemeClr val="accent1"/>
-          </a:fillRef>
-          <a:effectRef idx="1">
-            <a:schemeClr val="accent1"/>
-          </a:effectRef>
-          <a:fontRef idx="minor">
-            <a:schemeClr val="dk1"/>
-          </a:fontRef>
-        </p:style>
-        <p:txBody>
-          <a:bodyPr wrap="none" rtlCol="0" anchor="ctr"/>
-          <a:lstStyle/>
-          <a:p>
-            <a:pPr>
-              <a:lnSpc>
-                <a:spcPts val="800"/>
-              </a:lnSpc>
-            </a:pPr>
-            <a:r>
-              <a:rPr lang="en-US" altLang="ja-JP" sz="700" dirty="0" smtClean="0"/>
-              <a:t>users[</a:t>
-            </a:r>
-            <a:r>
-              <a:rPr lang="en-US" altLang="ja-JP" sz="700" dirty="0" err="1" smtClean="0"/>
-              <a:t>user_id</a:t>
-            </a:r>
-            <a:r>
-              <a:rPr lang="en-US" altLang="ja-JP" sz="700" dirty="0" smtClean="0"/>
-              <a:t>] : </a:t>
-            </a:r>
-            <a:r>
-              <a:rPr lang="en-US" altLang="ja-JP" sz="700" dirty="0" err="1" smtClean="0"/>
-              <a:t>Dict</a:t>
-            </a:r>
-            <a:endParaRPr kumimoji="1" lang="en-US" altLang="ja-JP" sz="700" dirty="0" smtClean="0"/>
-          </a:p>
-        </p:txBody>
-      </p:sp>
-      <p:sp>
-        <p:nvSpPr>
-          <p:cNvPr id="52" name="正方形/長方形 51"/>
-          <p:cNvSpPr/>
-          <p:nvPr/>
-        </p:nvSpPr>
-        <p:spPr>
-          <a:xfrm>
-            <a:off x="2915816" y="3356992"/>
-            <a:ext cx="504056" cy="144016"/>
-          </a:xfrm>
-          <a:prstGeom prst="rect">
-            <a:avLst/>
-          </a:prstGeom>
-        </p:spPr>
-        <p:style>
-          <a:lnRef idx="1">
-            <a:schemeClr val="accent1"/>
-          </a:lnRef>
-          <a:fillRef idx="2">
-            <a:schemeClr val="accent1"/>
-          </a:fillRef>
-          <a:effectRef idx="1">
-            <a:schemeClr val="accent1"/>
-          </a:effectRef>
-          <a:fontRef idx="minor">
-            <a:schemeClr val="dk1"/>
-          </a:fontRef>
-        </p:style>
-        <p:txBody>
-          <a:bodyPr wrap="none" rtlCol="0" anchor="ctr"/>
-          <a:lstStyle/>
-          <a:p>
-            <a:pPr>
-              <a:lnSpc>
-                <a:spcPts val="800"/>
-              </a:lnSpc>
-            </a:pPr>
-            <a:r>
-              <a:rPr lang="en-US" altLang="ja-JP" sz="700" i="1" dirty="0" err="1" smtClean="0"/>
-              <a:t>UserInfo</a:t>
-            </a:r>
-            <a:endParaRPr kumimoji="1" lang="en-US" altLang="ja-JP" sz="700" i="1" dirty="0" smtClean="0"/>
-          </a:p>
-        </p:txBody>
-      </p:sp>
-      <p:sp>
-        <p:nvSpPr>
-          <p:cNvPr id="47" name="正方形/長方形 46"/>
-          <p:cNvSpPr/>
-          <p:nvPr/>
-        </p:nvSpPr>
-        <p:spPr>
-          <a:xfrm>
-            <a:off x="2915816" y="3501008"/>
-            <a:ext cx="1008112" cy="144016"/>
-          </a:xfrm>
-          <a:prstGeom prst="rect">
-            <a:avLst/>
-          </a:prstGeom>
-        </p:spPr>
-        <p:style>
-          <a:lnRef idx="1">
-            <a:schemeClr val="accent1"/>
-          </a:lnRef>
-          <a:fillRef idx="2">
-            <a:schemeClr val="accent1"/>
-          </a:fillRef>
-          <a:effectRef idx="1">
-            <a:schemeClr val="accent1"/>
-          </a:effectRef>
-          <a:fontRef idx="minor">
-            <a:schemeClr val="dk1"/>
-          </a:fontRef>
-        </p:style>
-        <p:txBody>
-          <a:bodyPr wrap="none" rtlCol="0" anchor="ctr"/>
-          <a:lstStyle/>
-          <a:p>
-            <a:pPr>
-              <a:lnSpc>
-                <a:spcPts val="800"/>
-              </a:lnSpc>
-            </a:pPr>
-            <a:r>
-              <a:rPr lang="en-US" altLang="ja-JP" sz="700" dirty="0" smtClean="0"/>
-              <a:t>nickname</a:t>
-            </a:r>
-            <a:endParaRPr kumimoji="1" lang="en-US" altLang="ja-JP" sz="700" dirty="0" smtClean="0"/>
-          </a:p>
-        </p:txBody>
-      </p:sp>
-      <p:sp>
-        <p:nvSpPr>
-          <p:cNvPr id="53" name="正方形/長方形 52"/>
-          <p:cNvSpPr/>
-          <p:nvPr/>
-        </p:nvSpPr>
-        <p:spPr>
-          <a:xfrm>
-            <a:off x="2915816" y="3645024"/>
-            <a:ext cx="1008112" cy="144016"/>
-          </a:xfrm>
-          <a:prstGeom prst="rect">
-            <a:avLst/>
-          </a:prstGeom>
-        </p:spPr>
-        <p:style>
-          <a:lnRef idx="1">
-            <a:schemeClr val="accent1"/>
-          </a:lnRef>
-          <a:fillRef idx="2">
-            <a:schemeClr val="accent1"/>
-          </a:fillRef>
-          <a:effectRef idx="1">
-            <a:schemeClr val="accent1"/>
-          </a:effectRef>
-          <a:fontRef idx="minor">
-            <a:schemeClr val="dk1"/>
-          </a:fontRef>
-        </p:style>
-        <p:txBody>
-          <a:bodyPr wrap="none" rtlCol="0" anchor="ctr"/>
-          <a:lstStyle/>
-          <a:p>
-            <a:pPr>
-              <a:lnSpc>
-                <a:spcPts val="800"/>
-              </a:lnSpc>
-            </a:pPr>
-            <a:r>
-              <a:rPr lang="en-US" altLang="ja-JP" sz="700" dirty="0" err="1" smtClean="0"/>
-              <a:t>user_id</a:t>
-            </a:r>
-            <a:endParaRPr kumimoji="1" lang="en-US" altLang="ja-JP" sz="700" dirty="0" smtClean="0"/>
-          </a:p>
-        </p:txBody>
-      </p:sp>
-      <p:sp>
-        <p:nvSpPr>
-          <p:cNvPr id="55" name="正方形/長方形 54"/>
-          <p:cNvSpPr/>
-          <p:nvPr/>
-        </p:nvSpPr>
-        <p:spPr>
-          <a:xfrm>
-            <a:off x="2915816" y="3789040"/>
-            <a:ext cx="1008112" cy="144016"/>
-          </a:xfrm>
-          <a:prstGeom prst="rect">
-            <a:avLst/>
-          </a:prstGeom>
-        </p:spPr>
-        <p:style>
-          <a:lnRef idx="1">
-            <a:schemeClr val="accent1"/>
-          </a:lnRef>
-          <a:fillRef idx="2">
-            <a:schemeClr val="accent1"/>
-          </a:fillRef>
-          <a:effectRef idx="1">
-            <a:schemeClr val="accent1"/>
-          </a:effectRef>
-          <a:fontRef idx="minor">
-            <a:schemeClr val="dk1"/>
-          </a:fontRef>
-        </p:style>
-        <p:txBody>
-          <a:bodyPr wrap="none" rtlCol="0" anchor="ctr"/>
-          <a:lstStyle/>
-          <a:p>
-            <a:pPr>
-              <a:lnSpc>
-                <a:spcPts val="800"/>
-              </a:lnSpc>
-            </a:pPr>
-            <a:r>
-              <a:rPr lang="en-US" altLang="ja-JP" sz="700" dirty="0" err="1" smtClean="0"/>
-              <a:t>room_id</a:t>
-            </a:r>
-            <a:endParaRPr kumimoji="1" lang="en-US" altLang="ja-JP" sz="700" dirty="0" smtClean="0"/>
-          </a:p>
-        </p:txBody>
-      </p:sp>
-      <p:sp>
-        <p:nvSpPr>
-          <p:cNvPr id="56" name="正方形/長方形 55"/>
-          <p:cNvSpPr/>
-          <p:nvPr/>
-        </p:nvSpPr>
-        <p:spPr>
-          <a:xfrm>
-            <a:off x="1259632" y="2780928"/>
-            <a:ext cx="504056" cy="144016"/>
-          </a:xfrm>
-          <a:prstGeom prst="rect">
-            <a:avLst/>
-          </a:prstGeom>
-        </p:spPr>
-        <p:style>
-          <a:lnRef idx="1">
-            <a:schemeClr val="accent1"/>
-          </a:lnRef>
-          <a:fillRef idx="2">
-            <a:schemeClr val="accent1"/>
-          </a:fillRef>
-          <a:effectRef idx="1">
-            <a:schemeClr val="accent1"/>
-          </a:effectRef>
-          <a:fontRef idx="minor">
-            <a:schemeClr val="dk1"/>
-          </a:fontRef>
-        </p:style>
-        <p:txBody>
-          <a:bodyPr wrap="none" rtlCol="0" anchor="ctr"/>
-          <a:lstStyle/>
-          <a:p>
-            <a:pPr>
-              <a:lnSpc>
-                <a:spcPts val="800"/>
-              </a:lnSpc>
-            </a:pPr>
-            <a:r>
-              <a:rPr lang="en-US" altLang="ja-JP" sz="700" i="1" dirty="0" smtClean="0"/>
-              <a:t>Server DB</a:t>
-            </a:r>
-            <a:endParaRPr kumimoji="1" lang="en-US" altLang="ja-JP" sz="700" i="1" dirty="0" smtClean="0"/>
-          </a:p>
-        </p:txBody>
-      </p:sp>
-      <p:sp>
-        <p:nvSpPr>
-          <p:cNvPr id="34" name="正方形/長方形 33"/>
-          <p:cNvSpPr/>
-          <p:nvPr/>
-        </p:nvSpPr>
-        <p:spPr>
-          <a:xfrm>
-            <a:off x="1259632" y="2924944"/>
-            <a:ext cx="1080120" cy="144016"/>
-          </a:xfrm>
-          <a:prstGeom prst="rect">
-            <a:avLst/>
-          </a:prstGeom>
-        </p:spPr>
-        <p:style>
-          <a:lnRef idx="1">
-            <a:schemeClr val="accent1"/>
-          </a:lnRef>
-          <a:fillRef idx="2">
-            <a:schemeClr val="accent1"/>
-          </a:fillRef>
-          <a:effectRef idx="1">
-            <a:schemeClr val="accent1"/>
-          </a:effectRef>
-          <a:fontRef idx="minor">
-            <a:schemeClr val="dk1"/>
-          </a:fontRef>
-        </p:style>
-        <p:txBody>
-          <a:bodyPr wrap="none" rtlCol="0" anchor="ctr"/>
-          <a:lstStyle/>
-          <a:p>
-            <a:pPr>
-              <a:lnSpc>
-                <a:spcPts val="800"/>
-              </a:lnSpc>
-            </a:pPr>
-            <a:r>
-              <a:rPr lang="en-US" altLang="ja-JP" sz="700" dirty="0" smtClean="0"/>
-              <a:t>rooms[</a:t>
-            </a:r>
-            <a:r>
-              <a:rPr lang="en-US" altLang="ja-JP" sz="700" dirty="0" err="1" smtClean="0"/>
-              <a:t>room_id</a:t>
-            </a:r>
-            <a:r>
-              <a:rPr lang="en-US" altLang="ja-JP" sz="700" dirty="0" smtClean="0"/>
-              <a:t>] : </a:t>
-            </a:r>
-            <a:r>
-              <a:rPr lang="en-US" altLang="ja-JP" sz="700" dirty="0" err="1" smtClean="0"/>
-              <a:t>Dict</a:t>
-            </a:r>
-            <a:endParaRPr kumimoji="1" lang="en-US" altLang="ja-JP" sz="700" dirty="0" smtClean="0"/>
-          </a:p>
-        </p:txBody>
-      </p:sp>
-      <p:sp>
-        <p:nvSpPr>
-          <p:cNvPr id="60" name="正方形/長方形 59"/>
-          <p:cNvSpPr/>
-          <p:nvPr/>
-        </p:nvSpPr>
-        <p:spPr>
-          <a:xfrm>
-            <a:off x="2915816" y="2924944"/>
-            <a:ext cx="1008112" cy="144016"/>
-          </a:xfrm>
-          <a:prstGeom prst="rect">
-            <a:avLst/>
-          </a:prstGeom>
-        </p:spPr>
-        <p:style>
-          <a:lnRef idx="1">
-            <a:schemeClr val="accent1"/>
-          </a:lnRef>
-          <a:fillRef idx="2">
-            <a:schemeClr val="accent1"/>
-          </a:fillRef>
-          <a:effectRef idx="1">
-            <a:schemeClr val="accent1"/>
-          </a:effectRef>
-          <a:fontRef idx="minor">
-            <a:schemeClr val="dk1"/>
-          </a:fontRef>
-        </p:style>
-        <p:txBody>
-          <a:bodyPr wrap="none" rtlCol="0" anchor="ctr"/>
-          <a:lstStyle/>
-          <a:p>
-            <a:pPr>
-              <a:lnSpc>
-                <a:spcPts val="800"/>
-              </a:lnSpc>
-            </a:pPr>
-            <a:r>
-              <a:rPr lang="en-US" altLang="ja-JP" sz="700" dirty="0" smtClean="0"/>
-              <a:t>game : </a:t>
-            </a:r>
-            <a:r>
-              <a:rPr lang="en-US" altLang="ja-JP" sz="700" dirty="0" err="1" smtClean="0"/>
-              <a:t>Dict</a:t>
-            </a:r>
-            <a:endParaRPr kumimoji="1" lang="en-US" altLang="ja-JP" sz="700" dirty="0" smtClean="0"/>
-          </a:p>
-        </p:txBody>
-      </p:sp>
-      <p:sp>
-        <p:nvSpPr>
-          <p:cNvPr id="62" name="正方形/長方形 61"/>
-          <p:cNvSpPr/>
-          <p:nvPr/>
-        </p:nvSpPr>
-        <p:spPr>
-          <a:xfrm>
-            <a:off x="4499992" y="3356992"/>
-            <a:ext cx="504056" cy="144016"/>
-          </a:xfrm>
-          <a:prstGeom prst="rect">
-            <a:avLst/>
-          </a:prstGeom>
-        </p:spPr>
-        <p:style>
-          <a:lnRef idx="1">
-            <a:schemeClr val="accent1"/>
-          </a:lnRef>
-          <a:fillRef idx="2">
-            <a:schemeClr val="accent1"/>
-          </a:fillRef>
-          <a:effectRef idx="1">
-            <a:schemeClr val="accent1"/>
-          </a:effectRef>
-          <a:fontRef idx="minor">
-            <a:schemeClr val="dk1"/>
-          </a:fontRef>
-        </p:style>
-        <p:txBody>
-          <a:bodyPr wrap="none" rtlCol="0" anchor="ctr"/>
-          <a:lstStyle/>
-          <a:p>
-            <a:pPr>
-              <a:lnSpc>
-                <a:spcPts val="800"/>
-              </a:lnSpc>
-            </a:pPr>
-            <a:r>
-              <a:rPr lang="en-US" altLang="ja-JP" sz="700" i="1" dirty="0" err="1" smtClean="0"/>
-              <a:t>GameInfo</a:t>
-            </a:r>
-            <a:endParaRPr kumimoji="1" lang="en-US" altLang="ja-JP" sz="700" i="1" dirty="0" smtClean="0"/>
-          </a:p>
-        </p:txBody>
-      </p:sp>
-      <p:sp>
-        <p:nvSpPr>
-          <p:cNvPr id="39" name="正方形/長方形 38"/>
-          <p:cNvSpPr/>
-          <p:nvPr/>
-        </p:nvSpPr>
-        <p:spPr>
-          <a:xfrm>
-            <a:off x="4499992" y="3501008"/>
-            <a:ext cx="1008112" cy="144016"/>
-          </a:xfrm>
-          <a:prstGeom prst="rect">
-            <a:avLst/>
-          </a:prstGeom>
-        </p:spPr>
-        <p:style>
-          <a:lnRef idx="1">
-            <a:schemeClr val="accent1"/>
-          </a:lnRef>
-          <a:fillRef idx="2">
-            <a:schemeClr val="accent1"/>
-          </a:fillRef>
-          <a:effectRef idx="1">
-            <a:schemeClr val="accent1"/>
-          </a:effectRef>
-          <a:fontRef idx="minor">
-            <a:schemeClr val="dk1"/>
-          </a:fontRef>
-        </p:style>
-        <p:txBody>
-          <a:bodyPr wrap="none" rtlCol="0" anchor="ctr"/>
-          <a:lstStyle/>
-          <a:p>
-            <a:pPr>
-              <a:lnSpc>
-                <a:spcPts val="800"/>
-              </a:lnSpc>
-            </a:pPr>
-            <a:r>
-              <a:rPr lang="en-US" altLang="ja-JP" sz="700" dirty="0" smtClean="0"/>
-              <a:t>policies : </a:t>
-            </a:r>
-            <a:r>
-              <a:rPr lang="en-US" altLang="ja-JP" sz="700" dirty="0" err="1" smtClean="0"/>
-              <a:t>Dict</a:t>
-            </a:r>
-            <a:endParaRPr kumimoji="1" lang="en-US" altLang="ja-JP" sz="700" dirty="0" smtClean="0"/>
-          </a:p>
-        </p:txBody>
-      </p:sp>
-      <p:sp>
-        <p:nvSpPr>
-          <p:cNvPr id="61" name="正方形/長方形 60"/>
-          <p:cNvSpPr/>
-          <p:nvPr/>
-        </p:nvSpPr>
-        <p:spPr>
-          <a:xfrm>
-            <a:off x="4499992" y="3645024"/>
-            <a:ext cx="1008112" cy="144016"/>
-          </a:xfrm>
-          <a:prstGeom prst="rect">
-            <a:avLst/>
-          </a:prstGeom>
-        </p:spPr>
-        <p:style>
-          <a:lnRef idx="1">
-            <a:schemeClr val="accent1"/>
-          </a:lnRef>
-          <a:fillRef idx="2">
-            <a:schemeClr val="accent1"/>
-          </a:fillRef>
-          <a:effectRef idx="1">
-            <a:schemeClr val="accent1"/>
-          </a:effectRef>
-          <a:fontRef idx="minor">
-            <a:schemeClr val="dk1"/>
-          </a:fontRef>
-        </p:style>
-        <p:txBody>
-          <a:bodyPr wrap="none" rtlCol="0" anchor="ctr"/>
-          <a:lstStyle/>
-          <a:p>
-            <a:pPr>
-              <a:lnSpc>
-                <a:spcPts val="800"/>
-              </a:lnSpc>
-            </a:pPr>
-            <a:r>
-              <a:rPr lang="en-US" altLang="ja-JP" sz="700" dirty="0" smtClean="0"/>
-              <a:t>context : </a:t>
-            </a:r>
-            <a:r>
-              <a:rPr lang="en-US" altLang="ja-JP" sz="700" dirty="0" err="1" smtClean="0"/>
-              <a:t>Dict</a:t>
-            </a:r>
-            <a:endParaRPr kumimoji="1" lang="en-US" altLang="ja-JP" sz="700" dirty="0" smtClean="0"/>
-          </a:p>
-        </p:txBody>
-      </p:sp>
-      <p:sp>
-        <p:nvSpPr>
-          <p:cNvPr id="67" name="正方形/長方形 66"/>
-          <p:cNvSpPr/>
-          <p:nvPr/>
-        </p:nvSpPr>
-        <p:spPr>
-          <a:xfrm>
-            <a:off x="2915816" y="3933056"/>
-            <a:ext cx="1008112" cy="144016"/>
-          </a:xfrm>
-          <a:prstGeom prst="rect">
-            <a:avLst/>
-          </a:prstGeom>
-        </p:spPr>
-        <p:style>
-          <a:lnRef idx="1">
-            <a:schemeClr val="accent1"/>
-          </a:lnRef>
-          <a:fillRef idx="2">
-            <a:schemeClr val="accent1"/>
-          </a:fillRef>
-          <a:effectRef idx="1">
-            <a:schemeClr val="accent1"/>
-          </a:effectRef>
-          <a:fontRef idx="minor">
-            <a:schemeClr val="dk1"/>
-          </a:fontRef>
-        </p:style>
-        <p:txBody>
-          <a:bodyPr wrap="none" rtlCol="0" anchor="ctr"/>
-          <a:lstStyle/>
-          <a:p>
-            <a:pPr>
-              <a:lnSpc>
-                <a:spcPts val="800"/>
-              </a:lnSpc>
-            </a:pPr>
-            <a:r>
-              <a:rPr lang="en-US" altLang="ja-JP" sz="700" dirty="0" smtClean="0"/>
-              <a:t>state</a:t>
-            </a:r>
-            <a:endParaRPr kumimoji="1" lang="en-US" altLang="ja-JP" sz="700" dirty="0" smtClean="0"/>
-          </a:p>
-        </p:txBody>
-      </p:sp>
-      <p:cxnSp>
-        <p:nvCxnSpPr>
-          <p:cNvPr id="68" name="直線矢印コネクタ 67"/>
-          <p:cNvCxnSpPr>
-            <a:endCxn id="60" idx="3"/>
-          </p:cNvCxnSpPr>
-          <p:nvPr/>
-        </p:nvCxnSpPr>
-        <p:spPr>
-          <a:xfrm flipH="1" flipV="1">
-            <a:off x="3923928" y="2996952"/>
-            <a:ext cx="504056" cy="432048"/>
-          </a:xfrm>
-          <a:prstGeom prst="straightConnector1">
-            <a:avLst/>
-          </a:prstGeom>
-          <a:ln>
-            <a:headEnd type="diamond" w="lg" len="lg"/>
-            <a:tailEnd type="none"/>
-          </a:ln>
-        </p:spPr>
-        <p:style>
-          <a:lnRef idx="1">
-            <a:schemeClr val="accent1"/>
-          </a:lnRef>
-          <a:fillRef idx="0">
-            <a:schemeClr val="accent1"/>
-          </a:fillRef>
-          <a:effectRef idx="0">
-            <a:schemeClr val="accent1"/>
-          </a:effectRef>
-          <a:fontRef idx="minor">
-            <a:schemeClr val="tx1"/>
-          </a:fontRef>
-        </p:style>
-      </p:cxnSp>
-      <p:sp>
-        <p:nvSpPr>
-          <p:cNvPr id="35" name="正方形/長方形 34"/>
-          <p:cNvSpPr/>
-          <p:nvPr/>
-        </p:nvSpPr>
-        <p:spPr>
-          <a:xfrm>
-            <a:off x="1259632" y="3068960"/>
-            <a:ext cx="1080120" cy="144016"/>
-          </a:xfrm>
-          <a:prstGeom prst="rect">
-            <a:avLst/>
-          </a:prstGeom>
-        </p:spPr>
-        <p:style>
-          <a:lnRef idx="1">
-            <a:schemeClr val="accent1"/>
-          </a:lnRef>
-          <a:fillRef idx="2">
-            <a:schemeClr val="accent1"/>
-          </a:fillRef>
-          <a:effectRef idx="1">
-            <a:schemeClr val="accent1"/>
-          </a:effectRef>
-          <a:fontRef idx="minor">
-            <a:schemeClr val="dk1"/>
-          </a:fontRef>
-        </p:style>
-        <p:txBody>
-          <a:bodyPr wrap="none" rtlCol="0" anchor="ctr"/>
-          <a:lstStyle/>
-          <a:p>
-            <a:pPr>
-              <a:lnSpc>
-                <a:spcPts val="800"/>
-              </a:lnSpc>
-            </a:pPr>
-            <a:r>
-              <a:rPr lang="en-US" altLang="ja-JP" sz="700" dirty="0" smtClean="0"/>
-              <a:t>users[</a:t>
-            </a:r>
-            <a:r>
-              <a:rPr lang="en-US" altLang="ja-JP" sz="700" dirty="0" err="1" smtClean="0"/>
-              <a:t>user_id</a:t>
-            </a:r>
-            <a:r>
-              <a:rPr lang="en-US" altLang="ja-JP" sz="700" dirty="0" smtClean="0"/>
-              <a:t>] : </a:t>
-            </a:r>
-            <a:r>
-              <a:rPr lang="en-US" altLang="ja-JP" sz="700" dirty="0" err="1" smtClean="0"/>
-              <a:t>Dict</a:t>
-            </a:r>
-            <a:endParaRPr kumimoji="1" lang="en-US" altLang="ja-JP" sz="700" dirty="0" smtClean="0"/>
-          </a:p>
-        </p:txBody>
-      </p:sp>
-      <p:cxnSp>
-        <p:nvCxnSpPr>
-          <p:cNvPr id="36" name="直線矢印コネクタ 35"/>
-          <p:cNvCxnSpPr>
-            <a:endCxn id="35" idx="3"/>
-          </p:cNvCxnSpPr>
-          <p:nvPr/>
-        </p:nvCxnSpPr>
-        <p:spPr>
-          <a:xfrm flipH="1" flipV="1">
-            <a:off x="2339752" y="3140968"/>
-            <a:ext cx="504056" cy="216024"/>
-          </a:xfrm>
-          <a:prstGeom prst="straightConnector1">
-            <a:avLst/>
-          </a:prstGeom>
-          <a:ln>
-            <a:headEnd type="diamond" w="lg" len="lg"/>
-            <a:tailEnd type="none"/>
-          </a:ln>
-        </p:spPr>
-        <p:style>
-          <a:lnRef idx="1">
-            <a:schemeClr val="accent1"/>
-          </a:lnRef>
-          <a:fillRef idx="0">
-            <a:schemeClr val="accent1"/>
-          </a:fillRef>
-          <a:effectRef idx="0">
-            <a:schemeClr val="accent1"/>
-          </a:effectRef>
-          <a:fontRef idx="minor">
-            <a:schemeClr val="tx1"/>
-          </a:fontRef>
-        </p:style>
-      </p:cxnSp>
-      <p:cxnSp>
-        <p:nvCxnSpPr>
-          <p:cNvPr id="37" name="直線コネクタ 36"/>
-          <p:cNvCxnSpPr/>
-          <p:nvPr/>
-        </p:nvCxnSpPr>
-        <p:spPr>
-          <a:xfrm>
-            <a:off x="0" y="0"/>
-            <a:ext cx="9144000" cy="6858000"/>
-          </a:xfrm>
-          <a:prstGeom prst="line">
-            <a:avLst/>
-          </a:prstGeom>
-        </p:spPr>
-        <p:style>
-          <a:lnRef idx="1">
-            <a:schemeClr val="accent1"/>
-          </a:lnRef>
-          <a:fillRef idx="0">
-            <a:schemeClr val="accent1"/>
-          </a:fillRef>
-          <a:effectRef idx="0">
-            <a:schemeClr val="accent1"/>
-          </a:effectRef>
-          <a:fontRef idx="minor">
-            <a:schemeClr val="tx1"/>
-          </a:fontRef>
-        </p:style>
-      </p:cxnSp>
-      <p:cxnSp>
-        <p:nvCxnSpPr>
-          <p:cNvPr id="41" name="直線コネクタ 40"/>
-          <p:cNvCxnSpPr/>
-          <p:nvPr/>
-        </p:nvCxnSpPr>
-        <p:spPr>
-          <a:xfrm flipV="1">
-            <a:off x="0" y="0"/>
-            <a:ext cx="9144000" cy="6858000"/>
-          </a:xfrm>
-          <a:prstGeom prst="line">
-            <a:avLst/>
-          </a:prstGeom>
-        </p:spPr>
-        <p:style>
-          <a:lnRef idx="1">
-            <a:schemeClr val="accent1"/>
-          </a:lnRef>
-          <a:fillRef idx="0">
-            <a:schemeClr val="accent1"/>
-          </a:fillRef>
-          <a:effectRef idx="0">
-            <a:schemeClr val="accent1"/>
-          </a:effectRef>
-          <a:fontRef idx="minor">
-            <a:schemeClr val="tx1"/>
-          </a:fontRef>
-        </p:style>
-      </p:cxnSp>
-      <p:sp>
-        <p:nvSpPr>
-          <p:cNvPr id="42" name="正方形/長方形 41"/>
-          <p:cNvSpPr/>
-          <p:nvPr/>
-        </p:nvSpPr>
-        <p:spPr>
-          <a:xfrm>
-            <a:off x="5868144" y="2348880"/>
-            <a:ext cx="2808312" cy="792088"/>
-          </a:xfrm>
-          <a:prstGeom prst="rect">
-            <a:avLst/>
-          </a:prstGeom>
-        </p:spPr>
-        <p:style>
-          <a:lnRef idx="2">
-            <a:schemeClr val="accent1">
-              <a:shade val="50000"/>
-            </a:schemeClr>
-          </a:lnRef>
-          <a:fillRef idx="1">
-            <a:schemeClr val="accent1"/>
-          </a:fillRef>
-          <a:effectRef idx="0">
-            <a:schemeClr val="accent1"/>
-          </a:effectRef>
-          <a:fontRef idx="minor">
-            <a:schemeClr val="lt1"/>
-          </a:fontRef>
-        </p:style>
-        <p:txBody>
-          <a:bodyPr rtlCol="0" anchor="ctr"/>
+            <a:schemeClr val="dk1"/>
+          </a:effectRef>
+          <a:fontRef idx="minor">
+            <a:schemeClr val="dk1"/>
+          </a:fontRef>
+        </p:style>
+        <p:txBody>
+          <a:bodyPr wrap="none" rtlCol="0" anchor="t"/>
           <a:lstStyle/>
           <a:p>
             <a:pPr algn="ctr"/>
             <a:r>
-              <a:rPr lang="en-US" altLang="ja-JP" sz="1050" dirty="0" smtClean="0"/>
-              <a:t>2014/04/05</a:t>
+              <a:rPr kumimoji="1" lang="en-US" altLang="ja-JP" sz="900" dirty="0" smtClean="0"/>
+              <a:t>&lt;&lt;Sprite&gt;&gt;</a:t>
             </a:r>
           </a:p>
           <a:p>
             <a:pPr algn="ctr"/>
             <a:r>
-              <a:rPr kumimoji="1" lang="en-US" altLang="ja-JP" sz="1050" dirty="0" smtClean="0"/>
-              <a:t>Enchant</a:t>
-            </a:r>
-            <a:r>
-              <a:rPr kumimoji="1" lang="ja-JP" altLang="en-US" sz="1050" dirty="0" smtClean="0"/>
-              <a:t>導入に伴い</a:t>
-            </a:r>
-            <a:r>
-              <a:rPr kumimoji="1" lang="en-US" altLang="ja-JP" sz="1050" dirty="0" err="1" smtClean="0"/>
-              <a:t>obsolute</a:t>
-            </a:r>
-            <a:r>
-              <a:rPr kumimoji="1" lang="ja-JP" altLang="en-US" sz="1050" dirty="0" smtClean="0"/>
-              <a:t>に</a:t>
-            </a:r>
-            <a:endParaRPr kumimoji="1" lang="ja-JP" altLang="en-US" sz="1050" dirty="0"/>
+              <a:rPr lang="en-US" altLang="ja-JP" sz="900" dirty="0" smtClean="0"/>
+              <a:t>User</a:t>
+            </a:r>
+            <a:endParaRPr kumimoji="1" lang="ja-JP" altLang="en-US" sz="900" dirty="0"/>
           </a:p>
         </p:txBody>
       </p:sp>
@@ -5829,384 +5688,1592 @@
       </p:grpSpPr>
       <p:sp>
         <p:nvSpPr>
-          <p:cNvPr id="10" name="正方形/長方形 9"/>
+          <p:cNvPr id="4" name="円/楕円 3"/>
           <p:cNvSpPr/>
           <p:nvPr/>
         </p:nvSpPr>
         <p:spPr>
-          <a:xfrm>
-            <a:off x="5364088" y="1340768"/>
-            <a:ext cx="3528392" cy="2088232"/>
+          <a:xfrm flipH="1">
+            <a:off x="1259632" y="620688"/>
+            <a:ext cx="864096" cy="864096"/>
+          </a:xfrm>
+          <a:prstGeom prst="ellipse">
+            <a:avLst/>
+          </a:prstGeom>
+        </p:spPr>
+        <p:style>
+          <a:lnRef idx="1">
+            <a:schemeClr val="dk1"/>
+          </a:lnRef>
+          <a:fillRef idx="2">
+            <a:schemeClr val="dk1"/>
+          </a:fillRef>
+          <a:effectRef idx="1">
+            <a:schemeClr val="dk1"/>
+          </a:effectRef>
+          <a:fontRef idx="minor">
+            <a:schemeClr val="dk1"/>
+          </a:fontRef>
+        </p:style>
+        <p:txBody>
+          <a:bodyPr wrap="none" rtlCol="0" anchor="ctr"/>
+          <a:lstStyle/>
+          <a:p>
+            <a:pPr algn="ctr"/>
+            <a:r>
+              <a:rPr kumimoji="1" lang="ja-JP" altLang="en-US" sz="1100" dirty="0" smtClean="0"/>
+              <a:t>ルーム選択</a:t>
+            </a:r>
+            <a:endParaRPr kumimoji="1" lang="en-US" altLang="ja-JP" sz="1100" dirty="0" smtClean="0"/>
+          </a:p>
+          <a:p>
+            <a:pPr algn="ctr"/>
+            <a:r>
+              <a:rPr lang="en-US" altLang="ja-JP" sz="1100" dirty="0" smtClean="0"/>
+              <a:t>/</a:t>
+            </a:r>
+            <a:endParaRPr kumimoji="1" lang="ja-JP" altLang="en-US" sz="1100" dirty="0"/>
+          </a:p>
+        </p:txBody>
+      </p:sp>
+      <p:sp>
+        <p:nvSpPr>
+          <p:cNvPr id="5" name="円/楕円 4"/>
+          <p:cNvSpPr/>
+          <p:nvPr/>
+        </p:nvSpPr>
+        <p:spPr>
+          <a:xfrm flipH="1">
+            <a:off x="2699792" y="620688"/>
+            <a:ext cx="864096" cy="864096"/>
+          </a:xfrm>
+          <a:prstGeom prst="ellipse">
+            <a:avLst/>
+          </a:prstGeom>
+        </p:spPr>
+        <p:style>
+          <a:lnRef idx="1">
+            <a:schemeClr val="dk1"/>
+          </a:lnRef>
+          <a:fillRef idx="2">
+            <a:schemeClr val="dk1"/>
+          </a:fillRef>
+          <a:effectRef idx="1">
+            <a:schemeClr val="dk1"/>
+          </a:effectRef>
+          <a:fontRef idx="minor">
+            <a:schemeClr val="dk1"/>
+          </a:fontRef>
+        </p:style>
+        <p:txBody>
+          <a:bodyPr wrap="none" rtlCol="0" anchor="ctr"/>
+          <a:lstStyle/>
+          <a:p>
+            <a:pPr algn="ctr"/>
+            <a:r>
+              <a:rPr kumimoji="1" lang="ja-JP" altLang="en-US" sz="1100" dirty="0" smtClean="0"/>
+              <a:t>ゲーム設定</a:t>
+            </a:r>
+            <a:endParaRPr kumimoji="1" lang="en-US" altLang="ja-JP" sz="1100" dirty="0" smtClean="0"/>
+          </a:p>
+          <a:p>
+            <a:pPr algn="ctr"/>
+            <a:r>
+              <a:rPr lang="en-US" altLang="ja-JP" sz="1100" dirty="0" smtClean="0"/>
+              <a:t>/room</a:t>
+            </a:r>
+            <a:endParaRPr kumimoji="1" lang="ja-JP" altLang="en-US" sz="1100" dirty="0"/>
+          </a:p>
+        </p:txBody>
+      </p:sp>
+      <p:sp>
+        <p:nvSpPr>
+          <p:cNvPr id="6" name="円/楕円 5"/>
+          <p:cNvSpPr/>
+          <p:nvPr/>
+        </p:nvSpPr>
+        <p:spPr>
+          <a:xfrm flipH="1">
+            <a:off x="4139952" y="620688"/>
+            <a:ext cx="864096" cy="864096"/>
+          </a:xfrm>
+          <a:prstGeom prst="ellipse">
+            <a:avLst/>
+          </a:prstGeom>
+        </p:spPr>
+        <p:style>
+          <a:lnRef idx="1">
+            <a:schemeClr val="dk1"/>
+          </a:lnRef>
+          <a:fillRef idx="2">
+            <a:schemeClr val="dk1"/>
+          </a:fillRef>
+          <a:effectRef idx="1">
+            <a:schemeClr val="dk1"/>
+          </a:effectRef>
+          <a:fontRef idx="minor">
+            <a:schemeClr val="dk1"/>
+          </a:fontRef>
+        </p:style>
+        <p:txBody>
+          <a:bodyPr wrap="none" rtlCol="0" anchor="ctr"/>
+          <a:lstStyle/>
+          <a:p>
+            <a:pPr algn="ctr"/>
+            <a:r>
+              <a:rPr kumimoji="1" lang="ja-JP" altLang="en-US" sz="1100" dirty="0" smtClean="0"/>
+              <a:t>プレイ中</a:t>
+            </a:r>
+            <a:endParaRPr kumimoji="1" lang="en-US" altLang="ja-JP" sz="1100" dirty="0" smtClean="0"/>
+          </a:p>
+          <a:p>
+            <a:pPr algn="ctr"/>
+            <a:r>
+              <a:rPr lang="en-US" altLang="ja-JP" sz="1100" dirty="0" smtClean="0"/>
+              <a:t>/play</a:t>
+            </a:r>
+            <a:endParaRPr kumimoji="1" lang="ja-JP" altLang="en-US" sz="1100" dirty="0"/>
+          </a:p>
+        </p:txBody>
+      </p:sp>
+      <p:cxnSp>
+        <p:nvCxnSpPr>
+          <p:cNvPr id="8" name="直線矢印コネクタ 7"/>
+          <p:cNvCxnSpPr>
+            <a:stCxn id="4" idx="2"/>
+            <a:endCxn id="5" idx="6"/>
+          </p:cNvCxnSpPr>
+          <p:nvPr/>
+        </p:nvCxnSpPr>
+        <p:spPr>
+          <a:xfrm>
+            <a:off x="2123728" y="1052736"/>
+            <a:ext cx="576064" cy="0"/>
+          </a:xfrm>
+          <a:prstGeom prst="straightConnector1">
+            <a:avLst/>
+          </a:prstGeom>
+          <a:ln>
+            <a:tailEnd type="arrow"/>
+          </a:ln>
+        </p:spPr>
+        <p:style>
+          <a:lnRef idx="1">
+            <a:schemeClr val="accent1"/>
+          </a:lnRef>
+          <a:fillRef idx="0">
+            <a:schemeClr val="accent1"/>
+          </a:fillRef>
+          <a:effectRef idx="0">
+            <a:schemeClr val="accent1"/>
+          </a:effectRef>
+          <a:fontRef idx="minor">
+            <a:schemeClr val="tx1"/>
+          </a:fontRef>
+        </p:style>
+      </p:cxnSp>
+      <p:cxnSp>
+        <p:nvCxnSpPr>
+          <p:cNvPr id="11" name="直線矢印コネクタ 10"/>
+          <p:cNvCxnSpPr>
+            <a:stCxn id="5" idx="1"/>
+            <a:endCxn id="6" idx="7"/>
+          </p:cNvCxnSpPr>
+          <p:nvPr/>
+        </p:nvCxnSpPr>
+        <p:spPr>
+          <a:xfrm>
+            <a:off x="3437344" y="747232"/>
+            <a:ext cx="829152" cy="0"/>
+          </a:xfrm>
+          <a:prstGeom prst="straightConnector1">
+            <a:avLst/>
+          </a:prstGeom>
+          <a:ln>
+            <a:tailEnd type="arrow"/>
+          </a:ln>
+        </p:spPr>
+        <p:style>
+          <a:lnRef idx="1">
+            <a:schemeClr val="accent1"/>
+          </a:lnRef>
+          <a:fillRef idx="0">
+            <a:schemeClr val="accent1"/>
+          </a:fillRef>
+          <a:effectRef idx="0">
+            <a:schemeClr val="accent1"/>
+          </a:effectRef>
+          <a:fontRef idx="minor">
+            <a:schemeClr val="tx1"/>
+          </a:fontRef>
+        </p:style>
+      </p:cxnSp>
+      <p:cxnSp>
+        <p:nvCxnSpPr>
+          <p:cNvPr id="14" name="直線矢印コネクタ 13"/>
+          <p:cNvCxnSpPr>
+            <a:stCxn id="6" idx="5"/>
+            <a:endCxn id="5" idx="3"/>
+          </p:cNvCxnSpPr>
+          <p:nvPr/>
+        </p:nvCxnSpPr>
+        <p:spPr>
+          <a:xfrm flipH="1">
+            <a:off x="3437344" y="1358240"/>
+            <a:ext cx="829152" cy="0"/>
+          </a:xfrm>
+          <a:prstGeom prst="straightConnector1">
+            <a:avLst/>
+          </a:prstGeom>
+          <a:ln>
+            <a:tailEnd type="arrow"/>
+          </a:ln>
+        </p:spPr>
+        <p:style>
+          <a:lnRef idx="1">
+            <a:schemeClr val="accent1"/>
+          </a:lnRef>
+          <a:fillRef idx="0">
+            <a:schemeClr val="accent1"/>
+          </a:fillRef>
+          <a:effectRef idx="0">
+            <a:schemeClr val="accent1"/>
+          </a:effectRef>
+          <a:fontRef idx="minor">
+            <a:schemeClr val="tx1"/>
+          </a:fontRef>
+        </p:style>
+      </p:cxnSp>
+      <p:cxnSp>
+        <p:nvCxnSpPr>
+          <p:cNvPr id="18" name="曲線コネクタ 17"/>
+          <p:cNvCxnSpPr>
+            <a:stCxn id="5" idx="0"/>
+            <a:endCxn id="4" idx="1"/>
+          </p:cNvCxnSpPr>
+          <p:nvPr/>
+        </p:nvCxnSpPr>
+        <p:spPr>
+          <a:xfrm rot="16200000" flipH="1" flipV="1">
+            <a:off x="2501240" y="116632"/>
+            <a:ext cx="126544" cy="1134656"/>
+          </a:xfrm>
+          <a:prstGeom prst="curvedConnector3">
+            <a:avLst>
+              <a:gd name="adj1" fmla="val -180649"/>
+            </a:avLst>
+          </a:prstGeom>
+          <a:ln>
+            <a:tailEnd type="arrow"/>
+          </a:ln>
+        </p:spPr>
+        <p:style>
+          <a:lnRef idx="1">
+            <a:schemeClr val="accent1"/>
+          </a:lnRef>
+          <a:fillRef idx="0">
+            <a:schemeClr val="accent1"/>
+          </a:fillRef>
+          <a:effectRef idx="0">
+            <a:schemeClr val="accent1"/>
+          </a:effectRef>
+          <a:fontRef idx="minor">
+            <a:schemeClr val="tx1"/>
+          </a:fontRef>
+        </p:style>
+      </p:cxnSp>
+      <p:cxnSp>
+        <p:nvCxnSpPr>
+          <p:cNvPr id="19" name="曲線コネクタ 18"/>
+          <p:cNvCxnSpPr>
+            <a:stCxn id="6" idx="0"/>
+            <a:endCxn id="4" idx="1"/>
+          </p:cNvCxnSpPr>
+          <p:nvPr/>
+        </p:nvCxnSpPr>
+        <p:spPr>
+          <a:xfrm rot="16200000" flipH="1" flipV="1">
+            <a:off x="3221320" y="-603448"/>
+            <a:ext cx="126544" cy="2574816"/>
+          </a:xfrm>
+          <a:prstGeom prst="curvedConnector3">
+            <a:avLst>
+              <a:gd name="adj1" fmla="val -416496"/>
+            </a:avLst>
+          </a:prstGeom>
+          <a:ln>
+            <a:tailEnd type="arrow"/>
+          </a:ln>
+        </p:spPr>
+        <p:style>
+          <a:lnRef idx="1">
+            <a:schemeClr val="accent1"/>
+          </a:lnRef>
+          <a:fillRef idx="0">
+            <a:schemeClr val="accent1"/>
+          </a:fillRef>
+          <a:effectRef idx="0">
+            <a:schemeClr val="accent1"/>
+          </a:effectRef>
+          <a:fontRef idx="minor">
+            <a:schemeClr val="tx1"/>
+          </a:fontRef>
+        </p:style>
+      </p:cxnSp>
+      <p:sp>
+        <p:nvSpPr>
+          <p:cNvPr id="25" name="正方形/長方形 24"/>
+          <p:cNvSpPr/>
+          <p:nvPr/>
+        </p:nvSpPr>
+        <p:spPr>
+          <a:xfrm>
+            <a:off x="2123728" y="1124744"/>
+            <a:ext cx="576064" cy="360040"/>
           </a:xfrm>
           <a:prstGeom prst="rect">
             <a:avLst/>
           </a:prstGeom>
-          <a:solidFill>
-            <a:schemeClr val="bg2"/>
-          </a:solidFill>
-        </p:spPr>
-        <p:style>
-          <a:lnRef idx="2">
-            <a:schemeClr val="dk1"/>
-          </a:lnRef>
-          <a:fillRef idx="1">
-            <a:schemeClr val="lt1"/>
+        </p:spPr>
+        <p:style>
+          <a:lnRef idx="1">
+            <a:schemeClr val="accent1"/>
+          </a:lnRef>
+          <a:fillRef idx="2">
+            <a:schemeClr val="accent1"/>
+          </a:fillRef>
+          <a:effectRef idx="1">
+            <a:schemeClr val="accent1"/>
+          </a:effectRef>
+          <a:fontRef idx="minor">
+            <a:schemeClr val="dk1"/>
+          </a:fontRef>
+        </p:style>
+        <p:txBody>
+          <a:bodyPr wrap="none" rtlCol="0" anchor="ctr"/>
+          <a:lstStyle/>
+          <a:p>
+            <a:pPr>
+              <a:lnSpc>
+                <a:spcPts val="800"/>
+              </a:lnSpc>
+            </a:pPr>
+            <a:r>
+              <a:rPr lang="en-US" altLang="ja-JP" sz="700" dirty="0" err="1" smtClean="0"/>
+              <a:t>user_id</a:t>
+            </a:r>
+            <a:endParaRPr lang="en-US" altLang="ja-JP" sz="700" dirty="0" smtClean="0"/>
+          </a:p>
+          <a:p>
+            <a:pPr>
+              <a:lnSpc>
+                <a:spcPts val="800"/>
+              </a:lnSpc>
+            </a:pPr>
+            <a:r>
+              <a:rPr kumimoji="1" lang="en-US" altLang="ja-JP" sz="700" dirty="0" smtClean="0"/>
+              <a:t>nickname</a:t>
+            </a:r>
+          </a:p>
+          <a:p>
+            <a:pPr>
+              <a:lnSpc>
+                <a:spcPts val="800"/>
+              </a:lnSpc>
+            </a:pPr>
+            <a:r>
+              <a:rPr lang="en-US" altLang="ja-JP" sz="700" dirty="0" err="1" smtClean="0"/>
+              <a:t>room_id</a:t>
+            </a:r>
+            <a:endParaRPr kumimoji="1" lang="en-US" altLang="ja-JP" sz="700" dirty="0" smtClean="0"/>
+          </a:p>
+        </p:txBody>
+      </p:sp>
+      <p:sp>
+        <p:nvSpPr>
+          <p:cNvPr id="27" name="正方形/長方形 26"/>
+          <p:cNvSpPr/>
+          <p:nvPr/>
+        </p:nvSpPr>
+        <p:spPr>
+          <a:xfrm>
+            <a:off x="2123728" y="836712"/>
+            <a:ext cx="432048" cy="144016"/>
+          </a:xfrm>
+          <a:prstGeom prst="rect">
+            <a:avLst/>
+          </a:prstGeom>
+        </p:spPr>
+        <p:style>
+          <a:lnRef idx="1">
+            <a:schemeClr val="accent2"/>
+          </a:lnRef>
+          <a:fillRef idx="2">
+            <a:schemeClr val="accent2"/>
+          </a:fillRef>
+          <a:effectRef idx="1">
+            <a:schemeClr val="accent2"/>
+          </a:effectRef>
+          <a:fontRef idx="minor">
+            <a:schemeClr val="dk1"/>
+          </a:fontRef>
+        </p:style>
+        <p:txBody>
+          <a:bodyPr wrap="none" rtlCol="0" anchor="ctr"/>
+          <a:lstStyle/>
+          <a:p>
+            <a:pPr>
+              <a:lnSpc>
+                <a:spcPts val="800"/>
+              </a:lnSpc>
+            </a:pPr>
+            <a:r>
+              <a:rPr lang="en-US" altLang="ja-JP" sz="700" dirty="0" smtClean="0"/>
+              <a:t>enter</a:t>
+            </a:r>
+            <a:endParaRPr kumimoji="1" lang="en-US" altLang="ja-JP" sz="700" dirty="0" smtClean="0"/>
+          </a:p>
+        </p:txBody>
+      </p:sp>
+      <p:sp>
+        <p:nvSpPr>
+          <p:cNvPr id="28" name="正方形/長方形 27"/>
+          <p:cNvSpPr/>
+          <p:nvPr/>
+        </p:nvSpPr>
+        <p:spPr>
+          <a:xfrm>
+            <a:off x="3563888" y="404664"/>
+            <a:ext cx="432048" cy="144016"/>
+          </a:xfrm>
+          <a:prstGeom prst="rect">
+            <a:avLst/>
+          </a:prstGeom>
+        </p:spPr>
+        <p:style>
+          <a:lnRef idx="1">
+            <a:schemeClr val="accent2"/>
+          </a:lnRef>
+          <a:fillRef idx="2">
+            <a:schemeClr val="accent2"/>
+          </a:fillRef>
+          <a:effectRef idx="1">
+            <a:schemeClr val="accent2"/>
+          </a:effectRef>
+          <a:fontRef idx="minor">
+            <a:schemeClr val="dk1"/>
+          </a:fontRef>
+        </p:style>
+        <p:txBody>
+          <a:bodyPr wrap="none" rtlCol="0" anchor="ctr"/>
+          <a:lstStyle/>
+          <a:p>
+            <a:pPr>
+              <a:lnSpc>
+                <a:spcPts val="800"/>
+              </a:lnSpc>
+            </a:pPr>
+            <a:r>
+              <a:rPr lang="en-US" altLang="ja-JP" sz="700" dirty="0" smtClean="0"/>
+              <a:t>play</a:t>
+            </a:r>
+            <a:endParaRPr kumimoji="1" lang="en-US" altLang="ja-JP" sz="700" dirty="0" smtClean="0"/>
+          </a:p>
+        </p:txBody>
+      </p:sp>
+      <p:sp>
+        <p:nvSpPr>
+          <p:cNvPr id="26" name="正方形/長方形 25"/>
+          <p:cNvSpPr/>
+          <p:nvPr/>
+        </p:nvSpPr>
+        <p:spPr>
+          <a:xfrm>
+            <a:off x="3563888" y="548680"/>
+            <a:ext cx="576064" cy="144016"/>
+          </a:xfrm>
+          <a:prstGeom prst="rect">
+            <a:avLst/>
+          </a:prstGeom>
+        </p:spPr>
+        <p:style>
+          <a:lnRef idx="1">
+            <a:schemeClr val="accent1"/>
+          </a:lnRef>
+          <a:fillRef idx="2">
+            <a:schemeClr val="accent1"/>
+          </a:fillRef>
+          <a:effectRef idx="1">
+            <a:schemeClr val="accent1"/>
+          </a:effectRef>
+          <a:fontRef idx="minor">
+            <a:schemeClr val="dk1"/>
+          </a:fontRef>
+        </p:style>
+        <p:txBody>
+          <a:bodyPr wrap="none" rtlCol="0" anchor="ctr"/>
+          <a:lstStyle/>
+          <a:p>
+            <a:pPr>
+              <a:lnSpc>
+                <a:spcPts val="800"/>
+              </a:lnSpc>
+            </a:pPr>
+            <a:r>
+              <a:rPr lang="en-US" altLang="ja-JP" sz="700" dirty="0" err="1" smtClean="0"/>
+              <a:t>user_id</a:t>
+            </a:r>
+            <a:endParaRPr kumimoji="1" lang="en-US" altLang="ja-JP" sz="700" dirty="0" smtClean="0"/>
+          </a:p>
+        </p:txBody>
+      </p:sp>
+      <p:sp>
+        <p:nvSpPr>
+          <p:cNvPr id="30" name="正方形/長方形 29"/>
+          <p:cNvSpPr/>
+          <p:nvPr/>
+        </p:nvSpPr>
+        <p:spPr>
+          <a:xfrm>
+            <a:off x="3563888" y="1412776"/>
+            <a:ext cx="432048" cy="144016"/>
+          </a:xfrm>
+          <a:prstGeom prst="rect">
+            <a:avLst/>
+          </a:prstGeom>
+        </p:spPr>
+        <p:style>
+          <a:lnRef idx="1">
+            <a:schemeClr val="accent2"/>
+          </a:lnRef>
+          <a:fillRef idx="2">
+            <a:schemeClr val="accent2"/>
+          </a:fillRef>
+          <a:effectRef idx="1">
+            <a:schemeClr val="accent2"/>
+          </a:effectRef>
+          <a:fontRef idx="minor">
+            <a:schemeClr val="dk1"/>
+          </a:fontRef>
+        </p:style>
+        <p:txBody>
+          <a:bodyPr wrap="none" rtlCol="0" anchor="ctr"/>
+          <a:lstStyle/>
+          <a:p>
+            <a:pPr>
+              <a:lnSpc>
+                <a:spcPts val="800"/>
+              </a:lnSpc>
+            </a:pPr>
+            <a:r>
+              <a:rPr lang="en-US" altLang="ja-JP" sz="700" dirty="0" smtClean="0"/>
+              <a:t>reset</a:t>
+            </a:r>
+            <a:endParaRPr kumimoji="1" lang="en-US" altLang="ja-JP" sz="700" dirty="0" smtClean="0"/>
+          </a:p>
+        </p:txBody>
+      </p:sp>
+      <p:sp>
+        <p:nvSpPr>
+          <p:cNvPr id="29" name="正方形/長方形 28"/>
+          <p:cNvSpPr/>
+          <p:nvPr/>
+        </p:nvSpPr>
+        <p:spPr>
+          <a:xfrm>
+            <a:off x="3563888" y="1556792"/>
+            <a:ext cx="576064" cy="144016"/>
+          </a:xfrm>
+          <a:prstGeom prst="rect">
+            <a:avLst/>
+          </a:prstGeom>
+        </p:spPr>
+        <p:style>
+          <a:lnRef idx="1">
+            <a:schemeClr val="accent1"/>
+          </a:lnRef>
+          <a:fillRef idx="2">
+            <a:schemeClr val="accent1"/>
+          </a:fillRef>
+          <a:effectRef idx="1">
+            <a:schemeClr val="accent1"/>
+          </a:effectRef>
+          <a:fontRef idx="minor">
+            <a:schemeClr val="dk1"/>
+          </a:fontRef>
+        </p:style>
+        <p:txBody>
+          <a:bodyPr wrap="none" rtlCol="0" anchor="ctr"/>
+          <a:lstStyle/>
+          <a:p>
+            <a:pPr>
+              <a:lnSpc>
+                <a:spcPts val="800"/>
+              </a:lnSpc>
+            </a:pPr>
+            <a:r>
+              <a:rPr lang="en-US" altLang="ja-JP" sz="700" dirty="0" err="1" smtClean="0"/>
+              <a:t>user_id</a:t>
+            </a:r>
+            <a:endParaRPr kumimoji="1" lang="en-US" altLang="ja-JP" sz="700" dirty="0" smtClean="0"/>
+          </a:p>
+        </p:txBody>
+      </p:sp>
+      <p:sp>
+        <p:nvSpPr>
+          <p:cNvPr id="31" name="正方形/長方形 30"/>
+          <p:cNvSpPr/>
+          <p:nvPr/>
+        </p:nvSpPr>
+        <p:spPr>
+          <a:xfrm>
+            <a:off x="1979712" y="404664"/>
+            <a:ext cx="432048" cy="144016"/>
+          </a:xfrm>
+          <a:prstGeom prst="rect">
+            <a:avLst/>
+          </a:prstGeom>
+        </p:spPr>
+        <p:style>
+          <a:lnRef idx="1">
+            <a:schemeClr val="accent2"/>
+          </a:lnRef>
+          <a:fillRef idx="2">
+            <a:schemeClr val="accent2"/>
+          </a:fillRef>
+          <a:effectRef idx="1">
+            <a:schemeClr val="accent2"/>
+          </a:effectRef>
+          <a:fontRef idx="minor">
+            <a:schemeClr val="dk1"/>
+          </a:fontRef>
+        </p:style>
+        <p:txBody>
+          <a:bodyPr wrap="none" rtlCol="0" anchor="ctr"/>
+          <a:lstStyle/>
+          <a:p>
+            <a:pPr>
+              <a:lnSpc>
+                <a:spcPts val="800"/>
+              </a:lnSpc>
+            </a:pPr>
+            <a:r>
+              <a:rPr lang="en-US" altLang="ja-JP" sz="700" dirty="0" smtClean="0"/>
+              <a:t>leave</a:t>
+            </a:r>
+            <a:endParaRPr kumimoji="1" lang="en-US" altLang="ja-JP" sz="700" dirty="0" smtClean="0"/>
+          </a:p>
+        </p:txBody>
+      </p:sp>
+      <p:cxnSp>
+        <p:nvCxnSpPr>
+          <p:cNvPr id="40" name="直線矢印コネクタ 39"/>
+          <p:cNvCxnSpPr>
+            <a:endCxn id="34" idx="3"/>
+          </p:cNvCxnSpPr>
+          <p:nvPr/>
+        </p:nvCxnSpPr>
+        <p:spPr>
+          <a:xfrm flipH="1">
+            <a:off x="2339752" y="2708920"/>
+            <a:ext cx="504056" cy="288032"/>
+          </a:xfrm>
+          <a:prstGeom prst="straightConnector1">
+            <a:avLst/>
+          </a:prstGeom>
+          <a:ln>
+            <a:headEnd type="diamond" w="lg" len="lg"/>
+            <a:tailEnd type="none"/>
+          </a:ln>
+        </p:spPr>
+        <p:style>
+          <a:lnRef idx="1">
+            <a:schemeClr val="accent1"/>
+          </a:lnRef>
+          <a:fillRef idx="0">
+            <a:schemeClr val="accent1"/>
           </a:fillRef>
           <a:effectRef idx="0">
-            <a:schemeClr val="dk1"/>
-          </a:effectRef>
-          <a:fontRef idx="minor">
-            <a:schemeClr val="dk1"/>
-          </a:fontRef>
-        </p:style>
-        <p:txBody>
-          <a:bodyPr rtlCol="0" anchor="t"/>
-          <a:lstStyle/>
-          <a:p>
-            <a:r>
-              <a:rPr lang="en-US" altLang="ja-JP" dirty="0" err="1" smtClean="0"/>
-              <a:t>SharedYama</a:t>
-            </a:r>
-            <a:r>
-              <a:rPr lang="en-US" altLang="ja-JP" dirty="0" smtClean="0"/>
-              <a:t> = </a:t>
-            </a:r>
-            <a:r>
-              <a:rPr lang="en-US" altLang="ja-JP" dirty="0" err="1" smtClean="0"/>
-              <a:t>CardGroup.new</a:t>
-            </a:r>
-            <a:endParaRPr lang="en-US" altLang="ja-JP" dirty="0" smtClean="0"/>
-          </a:p>
-          <a:p>
-            <a:r>
-              <a:rPr lang="en-US" altLang="ja-JP" dirty="0" err="1" smtClean="0"/>
-              <a:t>SharedYama.user</a:t>
-            </a:r>
-            <a:r>
-              <a:rPr lang="en-US" altLang="ja-JP" dirty="0" smtClean="0"/>
-              <a:t> = everyone</a:t>
-            </a:r>
-          </a:p>
-          <a:p>
-            <a:r>
-              <a:rPr lang="ja-JP" altLang="en-US" dirty="0" smtClean="0"/>
-              <a:t>全員のユーザで同じ内容が表示される</a:t>
-            </a:r>
-            <a:endParaRPr lang="en-US" altLang="ja-JP" dirty="0" smtClean="0"/>
-          </a:p>
-          <a:p>
-            <a:endParaRPr lang="en-US" altLang="ja-JP" dirty="0" smtClean="0"/>
-          </a:p>
-          <a:p>
-            <a:r>
-              <a:rPr lang="en-US" altLang="ja-JP" dirty="0" smtClean="0"/>
-              <a:t>TODO: </a:t>
-            </a:r>
-            <a:r>
-              <a:rPr lang="ja-JP" altLang="en-US" dirty="0" smtClean="0"/>
-              <a:t>見ている方向を考慮して向きを変える？</a:t>
-            </a:r>
-            <a:endParaRPr lang="en-US" altLang="ja-JP" dirty="0" smtClean="0"/>
-          </a:p>
-          <a:p>
-            <a:endParaRPr lang="en-US" altLang="ja-JP" dirty="0" smtClean="0"/>
-          </a:p>
-          <a:p>
-            <a:endParaRPr lang="en-US" altLang="ja-JP" dirty="0" smtClean="0"/>
-          </a:p>
-          <a:p>
-            <a:endParaRPr lang="en-US" altLang="ja-JP" dirty="0" smtClean="0"/>
-          </a:p>
-          <a:p>
-            <a:endParaRPr lang="en-US" altLang="ja-JP" dirty="0" smtClean="0"/>
-          </a:p>
-          <a:p>
-            <a:endParaRPr lang="en-US" altLang="ja-JP" dirty="0" smtClean="0"/>
-          </a:p>
-        </p:txBody>
-      </p:sp>
-      <p:sp>
-        <p:nvSpPr>
-          <p:cNvPr id="2" name="正方形/長方形 1"/>
+            <a:schemeClr val="accent1"/>
+          </a:effectRef>
+          <a:fontRef idx="minor">
+            <a:schemeClr val="tx1"/>
+          </a:fontRef>
+        </p:style>
+      </p:cxnSp>
+      <p:cxnSp>
+        <p:nvCxnSpPr>
+          <p:cNvPr id="48" name="直線矢印コネクタ 47"/>
+          <p:cNvCxnSpPr>
+            <a:stCxn id="52" idx="3"/>
+            <a:endCxn id="38" idx="3"/>
+          </p:cNvCxnSpPr>
+          <p:nvPr/>
+        </p:nvCxnSpPr>
+        <p:spPr>
+          <a:xfrm flipV="1">
+            <a:off x="3419872" y="2852936"/>
+            <a:ext cx="504056" cy="576064"/>
+          </a:xfrm>
+          <a:prstGeom prst="bentConnector3">
+            <a:avLst>
+              <a:gd name="adj1" fmla="val 145352"/>
+            </a:avLst>
+          </a:prstGeom>
+          <a:ln>
+            <a:headEnd type="none" w="lg" len="lg"/>
+            <a:tailEnd type="none"/>
+          </a:ln>
+        </p:spPr>
+        <p:style>
+          <a:lnRef idx="1">
+            <a:schemeClr val="accent1"/>
+          </a:lnRef>
+          <a:fillRef idx="0">
+            <a:schemeClr val="accent1"/>
+          </a:fillRef>
+          <a:effectRef idx="0">
+            <a:schemeClr val="accent1"/>
+          </a:effectRef>
+          <a:fontRef idx="minor">
+            <a:schemeClr val="tx1"/>
+          </a:fontRef>
+        </p:style>
+      </p:cxnSp>
+      <p:sp>
+        <p:nvSpPr>
+          <p:cNvPr id="49" name="正方形/長方形 48"/>
           <p:cNvSpPr/>
           <p:nvPr/>
         </p:nvSpPr>
         <p:spPr>
           <a:xfrm>
-            <a:off x="827584" y="908720"/>
-            <a:ext cx="4176464" cy="4248472"/>
+            <a:off x="2915816" y="2636912"/>
+            <a:ext cx="504056" cy="144016"/>
           </a:xfrm>
           <a:prstGeom prst="rect">
             <a:avLst/>
           </a:prstGeom>
-          <a:solidFill>
-            <a:schemeClr val="bg2"/>
-          </a:solidFill>
-        </p:spPr>
-        <p:style>
-          <a:lnRef idx="2">
-            <a:schemeClr val="dk1"/>
-          </a:lnRef>
-          <a:fillRef idx="1">
-            <a:schemeClr val="lt1"/>
+        </p:spPr>
+        <p:style>
+          <a:lnRef idx="1">
+            <a:schemeClr val="accent1"/>
+          </a:lnRef>
+          <a:fillRef idx="2">
+            <a:schemeClr val="accent1"/>
+          </a:fillRef>
+          <a:effectRef idx="1">
+            <a:schemeClr val="accent1"/>
+          </a:effectRef>
+          <a:fontRef idx="minor">
+            <a:schemeClr val="dk1"/>
+          </a:fontRef>
+        </p:style>
+        <p:txBody>
+          <a:bodyPr wrap="none" rtlCol="0" anchor="ctr"/>
+          <a:lstStyle/>
+          <a:p>
+            <a:pPr>
+              <a:lnSpc>
+                <a:spcPts val="800"/>
+              </a:lnSpc>
+            </a:pPr>
+            <a:r>
+              <a:rPr lang="en-US" altLang="ja-JP" sz="700" i="1" dirty="0" err="1" smtClean="0"/>
+              <a:t>RoomInfo</a:t>
+            </a:r>
+            <a:endParaRPr kumimoji="1" lang="en-US" altLang="ja-JP" sz="700" i="1" dirty="0" smtClean="0"/>
+          </a:p>
+        </p:txBody>
+      </p:sp>
+      <p:sp>
+        <p:nvSpPr>
+          <p:cNvPr id="38" name="正方形/長方形 37"/>
+          <p:cNvSpPr/>
+          <p:nvPr/>
+        </p:nvSpPr>
+        <p:spPr>
+          <a:xfrm>
+            <a:off x="2915816" y="2780928"/>
+            <a:ext cx="1008112" cy="144016"/>
+          </a:xfrm>
+          <a:prstGeom prst="rect">
+            <a:avLst/>
+          </a:prstGeom>
+        </p:spPr>
+        <p:style>
+          <a:lnRef idx="1">
+            <a:schemeClr val="accent1"/>
+          </a:lnRef>
+          <a:fillRef idx="2">
+            <a:schemeClr val="accent1"/>
+          </a:fillRef>
+          <a:effectRef idx="1">
+            <a:schemeClr val="accent1"/>
+          </a:effectRef>
+          <a:fontRef idx="minor">
+            <a:schemeClr val="dk1"/>
+          </a:fontRef>
+        </p:style>
+        <p:txBody>
+          <a:bodyPr wrap="none" rtlCol="0" anchor="ctr"/>
+          <a:lstStyle/>
+          <a:p>
+            <a:pPr>
+              <a:lnSpc>
+                <a:spcPts val="800"/>
+              </a:lnSpc>
+            </a:pPr>
+            <a:r>
+              <a:rPr lang="en-US" altLang="ja-JP" sz="700" dirty="0" smtClean="0"/>
+              <a:t>users[</a:t>
+            </a:r>
+            <a:r>
+              <a:rPr lang="en-US" altLang="ja-JP" sz="700" dirty="0" err="1" smtClean="0"/>
+              <a:t>user_id</a:t>
+            </a:r>
+            <a:r>
+              <a:rPr lang="en-US" altLang="ja-JP" sz="700" dirty="0" smtClean="0"/>
+              <a:t>] : </a:t>
+            </a:r>
+            <a:r>
+              <a:rPr lang="en-US" altLang="ja-JP" sz="700" dirty="0" err="1" smtClean="0"/>
+              <a:t>Dict</a:t>
+            </a:r>
+            <a:endParaRPr kumimoji="1" lang="en-US" altLang="ja-JP" sz="700" dirty="0" smtClean="0"/>
+          </a:p>
+        </p:txBody>
+      </p:sp>
+      <p:sp>
+        <p:nvSpPr>
+          <p:cNvPr id="52" name="正方形/長方形 51"/>
+          <p:cNvSpPr/>
+          <p:nvPr/>
+        </p:nvSpPr>
+        <p:spPr>
+          <a:xfrm>
+            <a:off x="2915816" y="3356992"/>
+            <a:ext cx="504056" cy="144016"/>
+          </a:xfrm>
+          <a:prstGeom prst="rect">
+            <a:avLst/>
+          </a:prstGeom>
+        </p:spPr>
+        <p:style>
+          <a:lnRef idx="1">
+            <a:schemeClr val="accent1"/>
+          </a:lnRef>
+          <a:fillRef idx="2">
+            <a:schemeClr val="accent1"/>
+          </a:fillRef>
+          <a:effectRef idx="1">
+            <a:schemeClr val="accent1"/>
+          </a:effectRef>
+          <a:fontRef idx="minor">
+            <a:schemeClr val="dk1"/>
+          </a:fontRef>
+        </p:style>
+        <p:txBody>
+          <a:bodyPr wrap="none" rtlCol="0" anchor="ctr"/>
+          <a:lstStyle/>
+          <a:p>
+            <a:pPr>
+              <a:lnSpc>
+                <a:spcPts val="800"/>
+              </a:lnSpc>
+            </a:pPr>
+            <a:r>
+              <a:rPr lang="en-US" altLang="ja-JP" sz="700" i="1" dirty="0" err="1" smtClean="0"/>
+              <a:t>UserInfo</a:t>
+            </a:r>
+            <a:endParaRPr kumimoji="1" lang="en-US" altLang="ja-JP" sz="700" i="1" dirty="0" smtClean="0"/>
+          </a:p>
+        </p:txBody>
+      </p:sp>
+      <p:sp>
+        <p:nvSpPr>
+          <p:cNvPr id="47" name="正方形/長方形 46"/>
+          <p:cNvSpPr/>
+          <p:nvPr/>
+        </p:nvSpPr>
+        <p:spPr>
+          <a:xfrm>
+            <a:off x="2915816" y="3501008"/>
+            <a:ext cx="1008112" cy="144016"/>
+          </a:xfrm>
+          <a:prstGeom prst="rect">
+            <a:avLst/>
+          </a:prstGeom>
+        </p:spPr>
+        <p:style>
+          <a:lnRef idx="1">
+            <a:schemeClr val="accent1"/>
+          </a:lnRef>
+          <a:fillRef idx="2">
+            <a:schemeClr val="accent1"/>
+          </a:fillRef>
+          <a:effectRef idx="1">
+            <a:schemeClr val="accent1"/>
+          </a:effectRef>
+          <a:fontRef idx="minor">
+            <a:schemeClr val="dk1"/>
+          </a:fontRef>
+        </p:style>
+        <p:txBody>
+          <a:bodyPr wrap="none" rtlCol="0" anchor="ctr"/>
+          <a:lstStyle/>
+          <a:p>
+            <a:pPr>
+              <a:lnSpc>
+                <a:spcPts val="800"/>
+              </a:lnSpc>
+            </a:pPr>
+            <a:r>
+              <a:rPr lang="en-US" altLang="ja-JP" sz="700" dirty="0" smtClean="0"/>
+              <a:t>nickname</a:t>
+            </a:r>
+            <a:endParaRPr kumimoji="1" lang="en-US" altLang="ja-JP" sz="700" dirty="0" smtClean="0"/>
+          </a:p>
+        </p:txBody>
+      </p:sp>
+      <p:sp>
+        <p:nvSpPr>
+          <p:cNvPr id="53" name="正方形/長方形 52"/>
+          <p:cNvSpPr/>
+          <p:nvPr/>
+        </p:nvSpPr>
+        <p:spPr>
+          <a:xfrm>
+            <a:off x="2915816" y="3645024"/>
+            <a:ext cx="1008112" cy="144016"/>
+          </a:xfrm>
+          <a:prstGeom prst="rect">
+            <a:avLst/>
+          </a:prstGeom>
+        </p:spPr>
+        <p:style>
+          <a:lnRef idx="1">
+            <a:schemeClr val="accent1"/>
+          </a:lnRef>
+          <a:fillRef idx="2">
+            <a:schemeClr val="accent1"/>
+          </a:fillRef>
+          <a:effectRef idx="1">
+            <a:schemeClr val="accent1"/>
+          </a:effectRef>
+          <a:fontRef idx="minor">
+            <a:schemeClr val="dk1"/>
+          </a:fontRef>
+        </p:style>
+        <p:txBody>
+          <a:bodyPr wrap="none" rtlCol="0" anchor="ctr"/>
+          <a:lstStyle/>
+          <a:p>
+            <a:pPr>
+              <a:lnSpc>
+                <a:spcPts val="800"/>
+              </a:lnSpc>
+            </a:pPr>
+            <a:r>
+              <a:rPr lang="en-US" altLang="ja-JP" sz="700" dirty="0" err="1" smtClean="0"/>
+              <a:t>user_id</a:t>
+            </a:r>
+            <a:endParaRPr kumimoji="1" lang="en-US" altLang="ja-JP" sz="700" dirty="0" smtClean="0"/>
+          </a:p>
+        </p:txBody>
+      </p:sp>
+      <p:sp>
+        <p:nvSpPr>
+          <p:cNvPr id="55" name="正方形/長方形 54"/>
+          <p:cNvSpPr/>
+          <p:nvPr/>
+        </p:nvSpPr>
+        <p:spPr>
+          <a:xfrm>
+            <a:off x="2915816" y="3789040"/>
+            <a:ext cx="1008112" cy="144016"/>
+          </a:xfrm>
+          <a:prstGeom prst="rect">
+            <a:avLst/>
+          </a:prstGeom>
+        </p:spPr>
+        <p:style>
+          <a:lnRef idx="1">
+            <a:schemeClr val="accent1"/>
+          </a:lnRef>
+          <a:fillRef idx="2">
+            <a:schemeClr val="accent1"/>
+          </a:fillRef>
+          <a:effectRef idx="1">
+            <a:schemeClr val="accent1"/>
+          </a:effectRef>
+          <a:fontRef idx="minor">
+            <a:schemeClr val="dk1"/>
+          </a:fontRef>
+        </p:style>
+        <p:txBody>
+          <a:bodyPr wrap="none" rtlCol="0" anchor="ctr"/>
+          <a:lstStyle/>
+          <a:p>
+            <a:pPr>
+              <a:lnSpc>
+                <a:spcPts val="800"/>
+              </a:lnSpc>
+            </a:pPr>
+            <a:r>
+              <a:rPr lang="en-US" altLang="ja-JP" sz="700" dirty="0" err="1" smtClean="0"/>
+              <a:t>room_id</a:t>
+            </a:r>
+            <a:endParaRPr kumimoji="1" lang="en-US" altLang="ja-JP" sz="700" dirty="0" smtClean="0"/>
+          </a:p>
+        </p:txBody>
+      </p:sp>
+      <p:sp>
+        <p:nvSpPr>
+          <p:cNvPr id="56" name="正方形/長方形 55"/>
+          <p:cNvSpPr/>
+          <p:nvPr/>
+        </p:nvSpPr>
+        <p:spPr>
+          <a:xfrm>
+            <a:off x="1259632" y="2780928"/>
+            <a:ext cx="504056" cy="144016"/>
+          </a:xfrm>
+          <a:prstGeom prst="rect">
+            <a:avLst/>
+          </a:prstGeom>
+        </p:spPr>
+        <p:style>
+          <a:lnRef idx="1">
+            <a:schemeClr val="accent1"/>
+          </a:lnRef>
+          <a:fillRef idx="2">
+            <a:schemeClr val="accent1"/>
+          </a:fillRef>
+          <a:effectRef idx="1">
+            <a:schemeClr val="accent1"/>
+          </a:effectRef>
+          <a:fontRef idx="minor">
+            <a:schemeClr val="dk1"/>
+          </a:fontRef>
+        </p:style>
+        <p:txBody>
+          <a:bodyPr wrap="none" rtlCol="0" anchor="ctr"/>
+          <a:lstStyle/>
+          <a:p>
+            <a:pPr>
+              <a:lnSpc>
+                <a:spcPts val="800"/>
+              </a:lnSpc>
+            </a:pPr>
+            <a:r>
+              <a:rPr lang="en-US" altLang="ja-JP" sz="700" i="1" dirty="0" smtClean="0"/>
+              <a:t>Server DB</a:t>
+            </a:r>
+            <a:endParaRPr kumimoji="1" lang="en-US" altLang="ja-JP" sz="700" i="1" dirty="0" smtClean="0"/>
+          </a:p>
+        </p:txBody>
+      </p:sp>
+      <p:sp>
+        <p:nvSpPr>
+          <p:cNvPr id="34" name="正方形/長方形 33"/>
+          <p:cNvSpPr/>
+          <p:nvPr/>
+        </p:nvSpPr>
+        <p:spPr>
+          <a:xfrm>
+            <a:off x="1259632" y="2924944"/>
+            <a:ext cx="1080120" cy="144016"/>
+          </a:xfrm>
+          <a:prstGeom prst="rect">
+            <a:avLst/>
+          </a:prstGeom>
+        </p:spPr>
+        <p:style>
+          <a:lnRef idx="1">
+            <a:schemeClr val="accent1"/>
+          </a:lnRef>
+          <a:fillRef idx="2">
+            <a:schemeClr val="accent1"/>
+          </a:fillRef>
+          <a:effectRef idx="1">
+            <a:schemeClr val="accent1"/>
+          </a:effectRef>
+          <a:fontRef idx="minor">
+            <a:schemeClr val="dk1"/>
+          </a:fontRef>
+        </p:style>
+        <p:txBody>
+          <a:bodyPr wrap="none" rtlCol="0" anchor="ctr"/>
+          <a:lstStyle/>
+          <a:p>
+            <a:pPr>
+              <a:lnSpc>
+                <a:spcPts val="800"/>
+              </a:lnSpc>
+            </a:pPr>
+            <a:r>
+              <a:rPr lang="en-US" altLang="ja-JP" sz="700" dirty="0" smtClean="0"/>
+              <a:t>rooms[</a:t>
+            </a:r>
+            <a:r>
+              <a:rPr lang="en-US" altLang="ja-JP" sz="700" dirty="0" err="1" smtClean="0"/>
+              <a:t>room_id</a:t>
+            </a:r>
+            <a:r>
+              <a:rPr lang="en-US" altLang="ja-JP" sz="700" dirty="0" smtClean="0"/>
+              <a:t>] : </a:t>
+            </a:r>
+            <a:r>
+              <a:rPr lang="en-US" altLang="ja-JP" sz="700" dirty="0" err="1" smtClean="0"/>
+              <a:t>Dict</a:t>
+            </a:r>
+            <a:endParaRPr kumimoji="1" lang="en-US" altLang="ja-JP" sz="700" dirty="0" smtClean="0"/>
+          </a:p>
+        </p:txBody>
+      </p:sp>
+      <p:sp>
+        <p:nvSpPr>
+          <p:cNvPr id="60" name="正方形/長方形 59"/>
+          <p:cNvSpPr/>
+          <p:nvPr/>
+        </p:nvSpPr>
+        <p:spPr>
+          <a:xfrm>
+            <a:off x="2915816" y="2924944"/>
+            <a:ext cx="1008112" cy="144016"/>
+          </a:xfrm>
+          <a:prstGeom prst="rect">
+            <a:avLst/>
+          </a:prstGeom>
+        </p:spPr>
+        <p:style>
+          <a:lnRef idx="1">
+            <a:schemeClr val="accent1"/>
+          </a:lnRef>
+          <a:fillRef idx="2">
+            <a:schemeClr val="accent1"/>
+          </a:fillRef>
+          <a:effectRef idx="1">
+            <a:schemeClr val="accent1"/>
+          </a:effectRef>
+          <a:fontRef idx="minor">
+            <a:schemeClr val="dk1"/>
+          </a:fontRef>
+        </p:style>
+        <p:txBody>
+          <a:bodyPr wrap="none" rtlCol="0" anchor="ctr"/>
+          <a:lstStyle/>
+          <a:p>
+            <a:pPr>
+              <a:lnSpc>
+                <a:spcPts val="800"/>
+              </a:lnSpc>
+            </a:pPr>
+            <a:r>
+              <a:rPr lang="en-US" altLang="ja-JP" sz="700" dirty="0" smtClean="0"/>
+              <a:t>game : </a:t>
+            </a:r>
+            <a:r>
+              <a:rPr lang="en-US" altLang="ja-JP" sz="700" dirty="0" err="1" smtClean="0"/>
+              <a:t>Dict</a:t>
+            </a:r>
+            <a:endParaRPr kumimoji="1" lang="en-US" altLang="ja-JP" sz="700" dirty="0" smtClean="0"/>
+          </a:p>
+        </p:txBody>
+      </p:sp>
+      <p:sp>
+        <p:nvSpPr>
+          <p:cNvPr id="62" name="正方形/長方形 61"/>
+          <p:cNvSpPr/>
+          <p:nvPr/>
+        </p:nvSpPr>
+        <p:spPr>
+          <a:xfrm>
+            <a:off x="4499992" y="3356992"/>
+            <a:ext cx="504056" cy="144016"/>
+          </a:xfrm>
+          <a:prstGeom prst="rect">
+            <a:avLst/>
+          </a:prstGeom>
+        </p:spPr>
+        <p:style>
+          <a:lnRef idx="1">
+            <a:schemeClr val="accent1"/>
+          </a:lnRef>
+          <a:fillRef idx="2">
+            <a:schemeClr val="accent1"/>
+          </a:fillRef>
+          <a:effectRef idx="1">
+            <a:schemeClr val="accent1"/>
+          </a:effectRef>
+          <a:fontRef idx="minor">
+            <a:schemeClr val="dk1"/>
+          </a:fontRef>
+        </p:style>
+        <p:txBody>
+          <a:bodyPr wrap="none" rtlCol="0" anchor="ctr"/>
+          <a:lstStyle/>
+          <a:p>
+            <a:pPr>
+              <a:lnSpc>
+                <a:spcPts val="800"/>
+              </a:lnSpc>
+            </a:pPr>
+            <a:r>
+              <a:rPr lang="en-US" altLang="ja-JP" sz="700" i="1" dirty="0" err="1" smtClean="0"/>
+              <a:t>GameInfo</a:t>
+            </a:r>
+            <a:endParaRPr kumimoji="1" lang="en-US" altLang="ja-JP" sz="700" i="1" dirty="0" smtClean="0"/>
+          </a:p>
+        </p:txBody>
+      </p:sp>
+      <p:sp>
+        <p:nvSpPr>
+          <p:cNvPr id="39" name="正方形/長方形 38"/>
+          <p:cNvSpPr/>
+          <p:nvPr/>
+        </p:nvSpPr>
+        <p:spPr>
+          <a:xfrm>
+            <a:off x="4499992" y="3501008"/>
+            <a:ext cx="1008112" cy="144016"/>
+          </a:xfrm>
+          <a:prstGeom prst="rect">
+            <a:avLst/>
+          </a:prstGeom>
+        </p:spPr>
+        <p:style>
+          <a:lnRef idx="1">
+            <a:schemeClr val="accent1"/>
+          </a:lnRef>
+          <a:fillRef idx="2">
+            <a:schemeClr val="accent1"/>
+          </a:fillRef>
+          <a:effectRef idx="1">
+            <a:schemeClr val="accent1"/>
+          </a:effectRef>
+          <a:fontRef idx="minor">
+            <a:schemeClr val="dk1"/>
+          </a:fontRef>
+        </p:style>
+        <p:txBody>
+          <a:bodyPr wrap="none" rtlCol="0" anchor="ctr"/>
+          <a:lstStyle/>
+          <a:p>
+            <a:pPr>
+              <a:lnSpc>
+                <a:spcPts val="800"/>
+              </a:lnSpc>
+            </a:pPr>
+            <a:r>
+              <a:rPr lang="en-US" altLang="ja-JP" sz="700" dirty="0" smtClean="0"/>
+              <a:t>policies : </a:t>
+            </a:r>
+            <a:r>
+              <a:rPr lang="en-US" altLang="ja-JP" sz="700" dirty="0" err="1" smtClean="0"/>
+              <a:t>Dict</a:t>
+            </a:r>
+            <a:endParaRPr kumimoji="1" lang="en-US" altLang="ja-JP" sz="700" dirty="0" smtClean="0"/>
+          </a:p>
+        </p:txBody>
+      </p:sp>
+      <p:sp>
+        <p:nvSpPr>
+          <p:cNvPr id="61" name="正方形/長方形 60"/>
+          <p:cNvSpPr/>
+          <p:nvPr/>
+        </p:nvSpPr>
+        <p:spPr>
+          <a:xfrm>
+            <a:off x="4499992" y="3645024"/>
+            <a:ext cx="1008112" cy="144016"/>
+          </a:xfrm>
+          <a:prstGeom prst="rect">
+            <a:avLst/>
+          </a:prstGeom>
+        </p:spPr>
+        <p:style>
+          <a:lnRef idx="1">
+            <a:schemeClr val="accent1"/>
+          </a:lnRef>
+          <a:fillRef idx="2">
+            <a:schemeClr val="accent1"/>
+          </a:fillRef>
+          <a:effectRef idx="1">
+            <a:schemeClr val="accent1"/>
+          </a:effectRef>
+          <a:fontRef idx="minor">
+            <a:schemeClr val="dk1"/>
+          </a:fontRef>
+        </p:style>
+        <p:txBody>
+          <a:bodyPr wrap="none" rtlCol="0" anchor="ctr"/>
+          <a:lstStyle/>
+          <a:p>
+            <a:pPr>
+              <a:lnSpc>
+                <a:spcPts val="800"/>
+              </a:lnSpc>
+            </a:pPr>
+            <a:r>
+              <a:rPr lang="en-US" altLang="ja-JP" sz="700" dirty="0" smtClean="0"/>
+              <a:t>context : </a:t>
+            </a:r>
+            <a:r>
+              <a:rPr lang="en-US" altLang="ja-JP" sz="700" dirty="0" err="1" smtClean="0"/>
+              <a:t>Dict</a:t>
+            </a:r>
+            <a:endParaRPr kumimoji="1" lang="en-US" altLang="ja-JP" sz="700" dirty="0" smtClean="0"/>
+          </a:p>
+        </p:txBody>
+      </p:sp>
+      <p:sp>
+        <p:nvSpPr>
+          <p:cNvPr id="67" name="正方形/長方形 66"/>
+          <p:cNvSpPr/>
+          <p:nvPr/>
+        </p:nvSpPr>
+        <p:spPr>
+          <a:xfrm>
+            <a:off x="2915816" y="3933056"/>
+            <a:ext cx="1008112" cy="144016"/>
+          </a:xfrm>
+          <a:prstGeom prst="rect">
+            <a:avLst/>
+          </a:prstGeom>
+        </p:spPr>
+        <p:style>
+          <a:lnRef idx="1">
+            <a:schemeClr val="accent1"/>
+          </a:lnRef>
+          <a:fillRef idx="2">
+            <a:schemeClr val="accent1"/>
+          </a:fillRef>
+          <a:effectRef idx="1">
+            <a:schemeClr val="accent1"/>
+          </a:effectRef>
+          <a:fontRef idx="minor">
+            <a:schemeClr val="dk1"/>
+          </a:fontRef>
+        </p:style>
+        <p:txBody>
+          <a:bodyPr wrap="none" rtlCol="0" anchor="ctr"/>
+          <a:lstStyle/>
+          <a:p>
+            <a:pPr>
+              <a:lnSpc>
+                <a:spcPts val="800"/>
+              </a:lnSpc>
+            </a:pPr>
+            <a:r>
+              <a:rPr lang="en-US" altLang="ja-JP" sz="700" dirty="0" smtClean="0"/>
+              <a:t>state</a:t>
+            </a:r>
+            <a:endParaRPr kumimoji="1" lang="en-US" altLang="ja-JP" sz="700" dirty="0" smtClean="0"/>
+          </a:p>
+        </p:txBody>
+      </p:sp>
+      <p:cxnSp>
+        <p:nvCxnSpPr>
+          <p:cNvPr id="68" name="直線矢印コネクタ 67"/>
+          <p:cNvCxnSpPr>
+            <a:endCxn id="60" idx="3"/>
+          </p:cNvCxnSpPr>
+          <p:nvPr/>
+        </p:nvCxnSpPr>
+        <p:spPr>
+          <a:xfrm flipH="1" flipV="1">
+            <a:off x="3923928" y="2996952"/>
+            <a:ext cx="504056" cy="432048"/>
+          </a:xfrm>
+          <a:prstGeom prst="straightConnector1">
+            <a:avLst/>
+          </a:prstGeom>
+          <a:ln>
+            <a:headEnd type="diamond" w="lg" len="lg"/>
+            <a:tailEnd type="none"/>
+          </a:ln>
+        </p:spPr>
+        <p:style>
+          <a:lnRef idx="1">
+            <a:schemeClr val="accent1"/>
+          </a:lnRef>
+          <a:fillRef idx="0">
+            <a:schemeClr val="accent1"/>
           </a:fillRef>
           <a:effectRef idx="0">
-            <a:schemeClr val="dk1"/>
-          </a:effectRef>
-          <a:fontRef idx="minor">
-            <a:schemeClr val="dk1"/>
-          </a:fontRef>
-        </p:style>
-        <p:txBody>
-          <a:bodyPr rtlCol="0" anchor="t"/>
-          <a:lstStyle/>
-          <a:p>
-            <a:r>
-              <a:rPr lang="en-US" altLang="ja-JP" dirty="0" smtClean="0"/>
-              <a:t>Field = </a:t>
-            </a:r>
-            <a:r>
-              <a:rPr lang="en-US" altLang="ja-JP" dirty="0" err="1" smtClean="0"/>
-              <a:t>CardGroup.new</a:t>
-            </a:r>
-            <a:endParaRPr lang="en-US" altLang="ja-JP" dirty="0" smtClean="0"/>
-          </a:p>
-          <a:p>
-            <a:r>
-              <a:rPr lang="en-US" altLang="ja-JP" dirty="0" err="1" smtClean="0"/>
-              <a:t>Field.user</a:t>
-            </a:r>
-            <a:r>
-              <a:rPr lang="en-US" altLang="ja-JP" dirty="0" smtClean="0"/>
-              <a:t> = everyone</a:t>
-            </a:r>
-          </a:p>
-          <a:p>
-            <a:r>
-              <a:rPr lang="ja-JP" altLang="en-US" dirty="0" smtClean="0"/>
-              <a:t>全員のユーザで同じ内容が表示される</a:t>
-            </a:r>
-            <a:endParaRPr lang="en-US" altLang="ja-JP" dirty="0" smtClean="0"/>
-          </a:p>
-          <a:p>
-            <a:endParaRPr lang="en-US" altLang="ja-JP" dirty="0" smtClean="0"/>
-          </a:p>
-          <a:p>
-            <a:r>
-              <a:rPr lang="en-US" altLang="ja-JP" dirty="0" smtClean="0"/>
-              <a:t>TODO: </a:t>
-            </a:r>
-            <a:r>
-              <a:rPr lang="ja-JP" altLang="en-US" dirty="0" smtClean="0"/>
-              <a:t>見ている方向を考慮して向きを変える？</a:t>
-            </a:r>
-            <a:endParaRPr lang="en-US" altLang="ja-JP" dirty="0" smtClean="0"/>
-          </a:p>
-          <a:p>
-            <a:endParaRPr lang="en-US" altLang="ja-JP" dirty="0" smtClean="0"/>
-          </a:p>
-          <a:p>
-            <a:endParaRPr lang="en-US" altLang="ja-JP" dirty="0" smtClean="0"/>
-          </a:p>
-          <a:p>
-            <a:endParaRPr lang="en-US" altLang="ja-JP" dirty="0" smtClean="0"/>
-          </a:p>
-          <a:p>
-            <a:endParaRPr lang="en-US" altLang="ja-JP" dirty="0" smtClean="0"/>
-          </a:p>
-          <a:p>
-            <a:endParaRPr lang="en-US" altLang="ja-JP" dirty="0" smtClean="0"/>
-          </a:p>
-        </p:txBody>
-      </p:sp>
-      <p:sp>
-        <p:nvSpPr>
-          <p:cNvPr id="3" name="正方形/長方形 2"/>
+            <a:schemeClr val="accent1"/>
+          </a:effectRef>
+          <a:fontRef idx="minor">
+            <a:schemeClr val="tx1"/>
+          </a:fontRef>
+        </p:style>
+      </p:cxnSp>
+      <p:sp>
+        <p:nvSpPr>
+          <p:cNvPr id="35" name="正方形/長方形 34"/>
           <p:cNvSpPr/>
           <p:nvPr/>
         </p:nvSpPr>
         <p:spPr>
           <a:xfrm>
-            <a:off x="1259632" y="5445224"/>
-            <a:ext cx="5040560" cy="1008112"/>
+            <a:off x="1259632" y="3068960"/>
+            <a:ext cx="1080120" cy="144016"/>
           </a:xfrm>
           <a:prstGeom prst="rect">
             <a:avLst/>
           </a:prstGeom>
-          <a:solidFill>
-            <a:schemeClr val="accent2">
-              <a:lumMod val="20000"/>
-              <a:lumOff val="80000"/>
-            </a:schemeClr>
-          </a:solidFill>
-        </p:spPr>
-        <p:style>
-          <a:lnRef idx="2">
-            <a:schemeClr val="dk1"/>
-          </a:lnRef>
-          <a:fillRef idx="1">
-            <a:schemeClr val="lt1"/>
+        </p:spPr>
+        <p:style>
+          <a:lnRef idx="1">
+            <a:schemeClr val="accent1"/>
+          </a:lnRef>
+          <a:fillRef idx="2">
+            <a:schemeClr val="accent1"/>
+          </a:fillRef>
+          <a:effectRef idx="1">
+            <a:schemeClr val="accent1"/>
+          </a:effectRef>
+          <a:fontRef idx="minor">
+            <a:schemeClr val="dk1"/>
+          </a:fontRef>
+        </p:style>
+        <p:txBody>
+          <a:bodyPr wrap="none" rtlCol="0" anchor="ctr"/>
+          <a:lstStyle/>
+          <a:p>
+            <a:pPr>
+              <a:lnSpc>
+                <a:spcPts val="800"/>
+              </a:lnSpc>
+            </a:pPr>
+            <a:r>
+              <a:rPr lang="en-US" altLang="ja-JP" sz="700" dirty="0" smtClean="0"/>
+              <a:t>users[</a:t>
+            </a:r>
+            <a:r>
+              <a:rPr lang="en-US" altLang="ja-JP" sz="700" dirty="0" err="1" smtClean="0"/>
+              <a:t>user_id</a:t>
+            </a:r>
+            <a:r>
+              <a:rPr lang="en-US" altLang="ja-JP" sz="700" dirty="0" smtClean="0"/>
+              <a:t>] : </a:t>
+            </a:r>
+            <a:r>
+              <a:rPr lang="en-US" altLang="ja-JP" sz="700" dirty="0" err="1" smtClean="0"/>
+              <a:t>Dict</a:t>
+            </a:r>
+            <a:endParaRPr kumimoji="1" lang="en-US" altLang="ja-JP" sz="700" dirty="0" smtClean="0"/>
+          </a:p>
+        </p:txBody>
+      </p:sp>
+      <p:cxnSp>
+        <p:nvCxnSpPr>
+          <p:cNvPr id="36" name="直線矢印コネクタ 35"/>
+          <p:cNvCxnSpPr>
+            <a:endCxn id="35" idx="3"/>
+          </p:cNvCxnSpPr>
+          <p:nvPr/>
+        </p:nvCxnSpPr>
+        <p:spPr>
+          <a:xfrm flipH="1" flipV="1">
+            <a:off x="2339752" y="3140968"/>
+            <a:ext cx="504056" cy="216024"/>
+          </a:xfrm>
+          <a:prstGeom prst="straightConnector1">
+            <a:avLst/>
+          </a:prstGeom>
+          <a:ln>
+            <a:headEnd type="diamond" w="lg" len="lg"/>
+            <a:tailEnd type="none"/>
+          </a:ln>
+        </p:spPr>
+        <p:style>
+          <a:lnRef idx="1">
+            <a:schemeClr val="accent1"/>
+          </a:lnRef>
+          <a:fillRef idx="0">
+            <a:schemeClr val="accent1"/>
           </a:fillRef>
           <a:effectRef idx="0">
-            <a:schemeClr val="dk1"/>
-          </a:effectRef>
-          <a:fontRef idx="minor">
-            <a:schemeClr val="dk1"/>
-          </a:fontRef>
-        </p:style>
-        <p:txBody>
-          <a:bodyPr rtlCol="0" anchor="t"/>
-          <a:lstStyle/>
-          <a:p>
-            <a:r>
-              <a:rPr lang="en-US" altLang="ja-JP" dirty="0" smtClean="0"/>
-              <a:t>Hand = </a:t>
-            </a:r>
-            <a:r>
-              <a:rPr lang="en-US" altLang="ja-JP" dirty="0" err="1" smtClean="0"/>
-              <a:t>CardGroup.new</a:t>
-            </a:r>
-            <a:endParaRPr lang="en-US" altLang="ja-JP" dirty="0" smtClean="0"/>
-          </a:p>
-          <a:p>
-            <a:r>
-              <a:rPr kumimoji="1" lang="en-US" altLang="ja-JP" dirty="0" err="1" smtClean="0"/>
-              <a:t>Hand.user</a:t>
-            </a:r>
-            <a:r>
-              <a:rPr kumimoji="1" lang="en-US" altLang="ja-JP" dirty="0" smtClean="0"/>
-              <a:t> = xxx</a:t>
-            </a:r>
-          </a:p>
-          <a:p>
-            <a:r>
-              <a:rPr lang="ja-JP" altLang="en-US" dirty="0" smtClean="0"/>
-              <a:t>各ユーザの手札</a:t>
-            </a:r>
-            <a:r>
-              <a:rPr lang="en-US" altLang="ja-JP" dirty="0" smtClean="0"/>
-              <a:t>(</a:t>
-            </a:r>
-            <a:r>
-              <a:rPr lang="ja-JP" altLang="en-US" dirty="0" smtClean="0"/>
-              <a:t>表向き</a:t>
-            </a:r>
-            <a:r>
-              <a:rPr lang="en-US" altLang="ja-JP" dirty="0" smtClean="0"/>
-              <a:t>)</a:t>
-            </a:r>
-            <a:r>
-              <a:rPr lang="ja-JP" altLang="en-US" dirty="0" smtClean="0"/>
-              <a:t>が表示される</a:t>
-            </a:r>
-            <a:endParaRPr kumimoji="1" lang="ja-JP" altLang="en-US" dirty="0"/>
-          </a:p>
-        </p:txBody>
-      </p:sp>
-      <p:sp>
-        <p:nvSpPr>
-          <p:cNvPr id="4" name="正方形/長方形 3"/>
+            <a:schemeClr val="accent1"/>
+          </a:effectRef>
+          <a:fontRef idx="minor">
+            <a:schemeClr val="tx1"/>
+          </a:fontRef>
+        </p:style>
+      </p:cxnSp>
+      <p:cxnSp>
+        <p:nvCxnSpPr>
+          <p:cNvPr id="37" name="直線コネクタ 36"/>
+          <p:cNvCxnSpPr/>
+          <p:nvPr/>
+        </p:nvCxnSpPr>
+        <p:spPr>
+          <a:xfrm>
+            <a:off x="0" y="0"/>
+            <a:ext cx="9144000" cy="6858000"/>
+          </a:xfrm>
+          <a:prstGeom prst="line">
+            <a:avLst/>
+          </a:prstGeom>
+        </p:spPr>
+        <p:style>
+          <a:lnRef idx="1">
+            <a:schemeClr val="accent1"/>
+          </a:lnRef>
+          <a:fillRef idx="0">
+            <a:schemeClr val="accent1"/>
+          </a:fillRef>
+          <a:effectRef idx="0">
+            <a:schemeClr val="accent1"/>
+          </a:effectRef>
+          <a:fontRef idx="minor">
+            <a:schemeClr val="tx1"/>
+          </a:fontRef>
+        </p:style>
+      </p:cxnSp>
+      <p:cxnSp>
+        <p:nvCxnSpPr>
+          <p:cNvPr id="41" name="直線コネクタ 40"/>
+          <p:cNvCxnSpPr/>
+          <p:nvPr/>
+        </p:nvCxnSpPr>
+        <p:spPr>
+          <a:xfrm flipV="1">
+            <a:off x="0" y="0"/>
+            <a:ext cx="9144000" cy="6858000"/>
+          </a:xfrm>
+          <a:prstGeom prst="line">
+            <a:avLst/>
+          </a:prstGeom>
+        </p:spPr>
+        <p:style>
+          <a:lnRef idx="1">
+            <a:schemeClr val="accent1"/>
+          </a:lnRef>
+          <a:fillRef idx="0">
+            <a:schemeClr val="accent1"/>
+          </a:fillRef>
+          <a:effectRef idx="0">
+            <a:schemeClr val="accent1"/>
+          </a:effectRef>
+          <a:fontRef idx="minor">
+            <a:schemeClr val="tx1"/>
+          </a:fontRef>
+        </p:style>
+      </p:cxnSp>
+      <p:sp>
+        <p:nvSpPr>
+          <p:cNvPr id="42" name="正方形/長方形 41"/>
           <p:cNvSpPr/>
           <p:nvPr/>
         </p:nvSpPr>
         <p:spPr>
           <a:xfrm>
-            <a:off x="0" y="2420888"/>
-            <a:ext cx="3456384" cy="1584176"/>
-          </a:xfrm>
-          <a:prstGeom prst="rect">
-            <a:avLst/>
-          </a:prstGeom>
-          <a:solidFill>
-            <a:schemeClr val="accent2">
-              <a:lumMod val="20000"/>
-              <a:lumOff val="80000"/>
-            </a:schemeClr>
-          </a:solidFill>
-        </p:spPr>
-        <p:style>
-          <a:lnRef idx="2">
-            <a:schemeClr val="dk1"/>
-          </a:lnRef>
-          <a:fillRef idx="1">
-            <a:schemeClr val="lt1"/>
-          </a:fillRef>
-          <a:effectRef idx="0">
-            <a:schemeClr val="dk1"/>
-          </a:effectRef>
-          <a:fontRef idx="minor">
-            <a:schemeClr val="dk1"/>
-          </a:fontRef>
-        </p:style>
-        <p:txBody>
-          <a:bodyPr rtlCol="0" anchor="t"/>
-          <a:lstStyle/>
-          <a:p>
-            <a:r>
-              <a:rPr kumimoji="1" lang="en-US" altLang="ja-JP" dirty="0" smtClean="0"/>
-              <a:t>&lt;</a:t>
-            </a:r>
-            <a:r>
-              <a:rPr kumimoji="1" lang="ja-JP" altLang="en-US" dirty="0" smtClean="0"/>
-              <a:t>札置き場</a:t>
-            </a:r>
-            <a:r>
-              <a:rPr kumimoji="1" lang="en-US" altLang="ja-JP" dirty="0" smtClean="0"/>
-              <a:t>:</a:t>
-            </a:r>
-            <a:r>
-              <a:rPr lang="en-US" altLang="ja-JP" dirty="0" smtClean="0"/>
-              <a:t> </a:t>
-            </a:r>
-            <a:r>
-              <a:rPr lang="en-US" altLang="ja-JP" dirty="0" err="1" smtClean="0"/>
-              <a:t>CardGroup</a:t>
-            </a:r>
-            <a:r>
-              <a:rPr kumimoji="1" lang="en-US" altLang="ja-JP" dirty="0" smtClean="0"/>
-              <a:t>&gt;</a:t>
-            </a:r>
-          </a:p>
-          <a:p>
-            <a:r>
-              <a:rPr lang="en-US" altLang="ja-JP" dirty="0" smtClean="0"/>
-              <a:t>User: </a:t>
-            </a:r>
-            <a:r>
-              <a:rPr lang="ja-JP" altLang="en-US" dirty="0" smtClean="0"/>
-              <a:t>所属ユーザ</a:t>
-            </a:r>
-            <a:r>
-              <a:rPr lang="en-US" altLang="ja-JP" dirty="0" smtClean="0"/>
-              <a:t>or</a:t>
-            </a:r>
-            <a:r>
-              <a:rPr lang="ja-JP" altLang="en-US" dirty="0" smtClean="0"/>
-              <a:t>共有</a:t>
-            </a:r>
-            <a:endParaRPr lang="en-US" altLang="ja-JP" dirty="0" smtClean="0"/>
-          </a:p>
-          <a:p>
-            <a:endParaRPr lang="en-US" altLang="ja-JP" dirty="0" smtClean="0"/>
-          </a:p>
-          <a:p>
-            <a:endParaRPr lang="en-US" altLang="ja-JP" dirty="0" smtClean="0"/>
-          </a:p>
-          <a:p>
-            <a:endParaRPr lang="en-US" altLang="ja-JP" dirty="0" smtClean="0"/>
-          </a:p>
-        </p:txBody>
-      </p:sp>
-      <p:sp>
-        <p:nvSpPr>
-          <p:cNvPr id="5" name="正方形/長方形 4"/>
-          <p:cNvSpPr/>
-          <p:nvPr/>
-        </p:nvSpPr>
-        <p:spPr>
-          <a:xfrm>
-            <a:off x="5220072" y="5733256"/>
-            <a:ext cx="792088" cy="360040"/>
+            <a:off x="5868144" y="2348880"/>
+            <a:ext cx="2808312" cy="792088"/>
           </a:xfrm>
           <a:prstGeom prst="rect">
             <a:avLst/>
@@ -6234,369 +7301,32 @@
           <a:p>
             <a:pPr algn="ctr"/>
             <a:r>
-              <a:rPr kumimoji="1" lang="en-US" altLang="ja-JP" dirty="0" smtClean="0"/>
-              <a:t>Card1</a:t>
-            </a:r>
-          </a:p>
-        </p:txBody>
-      </p:sp>
-      <p:sp>
-        <p:nvSpPr>
-          <p:cNvPr id="6" name="正方形/長方形 5"/>
-          <p:cNvSpPr/>
-          <p:nvPr/>
-        </p:nvSpPr>
-        <p:spPr>
-          <a:xfrm>
-            <a:off x="1907704" y="2420888"/>
-            <a:ext cx="792088" cy="360040"/>
-          </a:xfrm>
-          <a:prstGeom prst="rect">
-            <a:avLst/>
-          </a:prstGeom>
-        </p:spPr>
-        <p:style>
-          <a:lnRef idx="2">
-            <a:schemeClr val="accent1">
-              <a:shade val="50000"/>
-            </a:schemeClr>
-          </a:lnRef>
-          <a:fillRef idx="1">
-            <a:schemeClr val="accent1"/>
-          </a:fillRef>
-          <a:effectRef idx="0">
-            <a:schemeClr val="accent1"/>
-          </a:effectRef>
-          <a:fontRef idx="minor">
-            <a:schemeClr val="lt1"/>
-          </a:fontRef>
-        </p:style>
-        <p:txBody>
-          <a:bodyPr rtlCol="0" anchor="ctr"/>
-          <a:lstStyle/>
+              <a:rPr lang="en-US" altLang="ja-JP" sz="1050" dirty="0" smtClean="0"/>
+              <a:t>2014/04/05</a:t>
+            </a:r>
+          </a:p>
           <a:p>
             <a:pPr algn="ctr"/>
             <a:r>
-              <a:rPr kumimoji="1" lang="en-US" altLang="ja-JP" dirty="0" smtClean="0"/>
-              <a:t>Card2</a:t>
-            </a:r>
-          </a:p>
-        </p:txBody>
-      </p:sp>
-      <p:sp>
-        <p:nvSpPr>
-          <p:cNvPr id="7" name="正方形/長方形 6"/>
-          <p:cNvSpPr/>
-          <p:nvPr/>
-        </p:nvSpPr>
-        <p:spPr>
-          <a:xfrm>
-            <a:off x="2915816" y="2420888"/>
-            <a:ext cx="792088" cy="360040"/>
-          </a:xfrm>
-          <a:prstGeom prst="rect">
-            <a:avLst/>
-          </a:prstGeom>
-        </p:spPr>
-        <p:style>
-          <a:lnRef idx="2">
-            <a:schemeClr val="accent1">
-              <a:shade val="50000"/>
-            </a:schemeClr>
-          </a:lnRef>
-          <a:fillRef idx="1">
-            <a:schemeClr val="accent1"/>
-          </a:fillRef>
-          <a:effectRef idx="0">
-            <a:schemeClr val="accent1"/>
-          </a:effectRef>
-          <a:fontRef idx="minor">
-            <a:schemeClr val="lt1"/>
-          </a:fontRef>
-        </p:style>
-        <p:txBody>
-          <a:bodyPr rtlCol="0" anchor="ctr"/>
-          <a:lstStyle/>
-          <a:p>
-            <a:pPr algn="ctr"/>
-            <a:r>
-              <a:rPr kumimoji="1" lang="en-US" altLang="ja-JP" dirty="0" smtClean="0"/>
-              <a:t>Card3</a:t>
-            </a:r>
-          </a:p>
-        </p:txBody>
-      </p:sp>
-      <p:sp>
-        <p:nvSpPr>
-          <p:cNvPr id="8" name="正方形/長方形 7"/>
-          <p:cNvSpPr/>
-          <p:nvPr/>
-        </p:nvSpPr>
-        <p:spPr>
-          <a:xfrm>
-            <a:off x="7668344" y="2996952"/>
-            <a:ext cx="792088" cy="360040"/>
-          </a:xfrm>
-          <a:prstGeom prst="rect">
-            <a:avLst/>
-          </a:prstGeom>
-        </p:spPr>
-        <p:style>
-          <a:lnRef idx="2">
-            <a:schemeClr val="accent1">
-              <a:shade val="50000"/>
-            </a:schemeClr>
-          </a:lnRef>
-          <a:fillRef idx="1">
-            <a:schemeClr val="accent1"/>
-          </a:fillRef>
-          <a:effectRef idx="0">
-            <a:schemeClr val="accent1"/>
-          </a:effectRef>
-          <a:fontRef idx="minor">
-            <a:schemeClr val="lt1"/>
-          </a:fontRef>
-        </p:style>
-        <p:txBody>
-          <a:bodyPr rtlCol="0" anchor="ctr"/>
-          <a:lstStyle/>
-          <a:p>
-            <a:pPr algn="ctr"/>
-            <a:r>
-              <a:rPr kumimoji="1" lang="en-US" altLang="ja-JP" dirty="0" smtClean="0"/>
-              <a:t>Card4</a:t>
-            </a:r>
-          </a:p>
-        </p:txBody>
-      </p:sp>
-      <p:sp>
-        <p:nvSpPr>
-          <p:cNvPr id="9" name="正方形/長方形 8"/>
-          <p:cNvSpPr/>
-          <p:nvPr/>
-        </p:nvSpPr>
-        <p:spPr>
-          <a:xfrm>
-            <a:off x="7452320" y="2852936"/>
-            <a:ext cx="792088" cy="360040"/>
-          </a:xfrm>
-          <a:prstGeom prst="rect">
-            <a:avLst/>
-          </a:prstGeom>
-        </p:spPr>
-        <p:style>
-          <a:lnRef idx="2">
-            <a:schemeClr val="accent1">
-              <a:shade val="50000"/>
-            </a:schemeClr>
-          </a:lnRef>
-          <a:fillRef idx="1">
-            <a:schemeClr val="accent1"/>
-          </a:fillRef>
-          <a:effectRef idx="0">
-            <a:schemeClr val="accent1"/>
-          </a:effectRef>
-          <a:fontRef idx="minor">
-            <a:schemeClr val="lt1"/>
-          </a:fontRef>
-        </p:style>
-        <p:txBody>
-          <a:bodyPr rtlCol="0" anchor="ctr"/>
-          <a:lstStyle/>
-          <a:p>
-            <a:pPr algn="ctr"/>
-            <a:r>
-              <a:rPr kumimoji="1" lang="en-US" altLang="ja-JP" dirty="0" smtClean="0"/>
-              <a:t>Card5</a:t>
-            </a:r>
-          </a:p>
-        </p:txBody>
-      </p:sp>
-      <p:sp>
-        <p:nvSpPr>
-          <p:cNvPr id="11" name="正方形/長方形 10"/>
-          <p:cNvSpPr/>
-          <p:nvPr/>
-        </p:nvSpPr>
-        <p:spPr>
-          <a:xfrm>
-            <a:off x="9324528" y="908720"/>
-            <a:ext cx="1512168" cy="648072"/>
-          </a:xfrm>
-          <a:prstGeom prst="rect">
-            <a:avLst/>
-          </a:prstGeom>
-        </p:spPr>
-        <p:style>
-          <a:lnRef idx="2">
-            <a:schemeClr val="accent1">
-              <a:shade val="50000"/>
-            </a:schemeClr>
-          </a:lnRef>
-          <a:fillRef idx="1">
-            <a:schemeClr val="accent1"/>
-          </a:fillRef>
-          <a:effectRef idx="0">
-            <a:schemeClr val="accent1"/>
-          </a:effectRef>
-          <a:fontRef idx="minor">
-            <a:schemeClr val="lt1"/>
-          </a:fontRef>
-        </p:style>
-        <p:txBody>
-          <a:bodyPr rtlCol="0" anchor="ctr"/>
-          <a:lstStyle/>
-          <a:p>
-            <a:pPr algn="ctr"/>
-            <a:endParaRPr kumimoji="1" lang="ja-JP" altLang="en-US"/>
-          </a:p>
-        </p:txBody>
-      </p:sp>
-      <p:sp>
-        <p:nvSpPr>
-          <p:cNvPr id="12" name="正方形/長方形 11"/>
-          <p:cNvSpPr/>
-          <p:nvPr/>
-        </p:nvSpPr>
-        <p:spPr>
-          <a:xfrm>
-            <a:off x="9324528" y="1556792"/>
-            <a:ext cx="1512168" cy="648072"/>
-          </a:xfrm>
-          <a:prstGeom prst="rect">
-            <a:avLst/>
-          </a:prstGeom>
-        </p:spPr>
-        <p:style>
-          <a:lnRef idx="2">
-            <a:schemeClr val="accent1">
-              <a:shade val="50000"/>
-            </a:schemeClr>
-          </a:lnRef>
-          <a:fillRef idx="1">
-            <a:schemeClr val="accent1"/>
-          </a:fillRef>
-          <a:effectRef idx="0">
-            <a:schemeClr val="accent1"/>
-          </a:effectRef>
-          <a:fontRef idx="minor">
-            <a:schemeClr val="lt1"/>
-          </a:fontRef>
-        </p:style>
-        <p:txBody>
-          <a:bodyPr rtlCol="0" anchor="ctr"/>
-          <a:lstStyle/>
-          <a:p>
-            <a:pPr algn="ctr"/>
-            <a:endParaRPr kumimoji="1" lang="ja-JP" altLang="en-US"/>
-          </a:p>
-        </p:txBody>
-      </p:sp>
-      <p:sp>
-        <p:nvSpPr>
-          <p:cNvPr id="13" name="正方形/長方形 12"/>
-          <p:cNvSpPr/>
-          <p:nvPr/>
-        </p:nvSpPr>
-        <p:spPr>
-          <a:xfrm>
-            <a:off x="251520" y="332656"/>
-            <a:ext cx="3744416" cy="504056"/>
-          </a:xfrm>
-          <a:prstGeom prst="rect">
-            <a:avLst/>
-          </a:prstGeom>
-          <a:ln>
-            <a:noFill/>
-          </a:ln>
-        </p:spPr>
-        <p:style>
-          <a:lnRef idx="2">
-            <a:schemeClr val="dk1"/>
-          </a:lnRef>
-          <a:fillRef idx="1">
-            <a:schemeClr val="lt1"/>
-          </a:fillRef>
-          <a:effectRef idx="0">
-            <a:schemeClr val="dk1"/>
-          </a:effectRef>
-          <a:fontRef idx="minor">
-            <a:schemeClr val="dk1"/>
-          </a:fontRef>
-        </p:style>
-        <p:txBody>
-          <a:bodyPr rtlCol="0" anchor="ctr"/>
-          <a:lstStyle/>
-          <a:p>
-            <a:pPr algn="ctr"/>
-            <a:r>
-              <a:rPr kumimoji="1" lang="ja-JP" altLang="en-US" dirty="0" smtClean="0"/>
-              <a:t>ルールをシステムが意識する</a:t>
-            </a:r>
-            <a:endParaRPr kumimoji="1" lang="ja-JP" altLang="en-US" dirty="0"/>
-          </a:p>
-        </p:txBody>
-      </p:sp>
-      <p:cxnSp>
-        <p:nvCxnSpPr>
-          <p:cNvPr id="15" name="直線コネクタ 14"/>
-          <p:cNvCxnSpPr/>
-          <p:nvPr/>
-        </p:nvCxnSpPr>
-        <p:spPr>
-          <a:xfrm>
-            <a:off x="0" y="0"/>
-            <a:ext cx="9144000" cy="6858000"/>
-          </a:xfrm>
-          <a:prstGeom prst="line">
-            <a:avLst/>
-          </a:prstGeom>
-        </p:spPr>
-        <p:style>
-          <a:lnRef idx="1">
-            <a:schemeClr val="accent1"/>
-          </a:lnRef>
-          <a:fillRef idx="0">
-            <a:schemeClr val="accent1"/>
-          </a:fillRef>
-          <a:effectRef idx="0">
-            <a:schemeClr val="accent1"/>
-          </a:effectRef>
-          <a:fontRef idx="minor">
-            <a:schemeClr val="tx1"/>
-          </a:fontRef>
-        </p:style>
-      </p:cxnSp>
-      <p:cxnSp>
-        <p:nvCxnSpPr>
-          <p:cNvPr id="17" name="直線コネクタ 16"/>
-          <p:cNvCxnSpPr/>
-          <p:nvPr/>
-        </p:nvCxnSpPr>
-        <p:spPr>
-          <a:xfrm flipV="1">
-            <a:off x="0" y="0"/>
-            <a:ext cx="9144000" cy="6858000"/>
-          </a:xfrm>
-          <a:prstGeom prst="line">
-            <a:avLst/>
-          </a:prstGeom>
-        </p:spPr>
-        <p:style>
-          <a:lnRef idx="1">
-            <a:schemeClr val="accent1"/>
-          </a:lnRef>
-          <a:fillRef idx="0">
-            <a:schemeClr val="accent1"/>
-          </a:fillRef>
-          <a:effectRef idx="0">
-            <a:schemeClr val="accent1"/>
-          </a:effectRef>
-          <a:fontRef idx="minor">
-            <a:schemeClr val="tx1"/>
-          </a:fontRef>
-        </p:style>
-      </p:cxnSp>
+              <a:rPr kumimoji="1" lang="en-US" altLang="ja-JP" sz="1050" dirty="0" smtClean="0"/>
+              <a:t>Enchant</a:t>
+            </a:r>
+            <a:r>
+              <a:rPr kumimoji="1" lang="ja-JP" altLang="en-US" sz="1050" dirty="0" smtClean="0"/>
+              <a:t>導入に伴い</a:t>
+            </a:r>
+            <a:r>
+              <a:rPr kumimoji="1" lang="en-US" altLang="ja-JP" sz="1050" dirty="0" err="1" smtClean="0"/>
+              <a:t>obsolute</a:t>
+            </a:r>
+            <a:r>
+              <a:rPr kumimoji="1" lang="ja-JP" altLang="en-US" sz="1050" dirty="0" smtClean="0"/>
+              <a:t>に</a:t>
+            </a:r>
+            <a:endParaRPr kumimoji="1" lang="ja-JP" altLang="en-US" sz="1050" dirty="0"/>
+          </a:p>
+        </p:txBody>
+      </p:sp>
     </p:spTree>
   </p:cSld>
   <p:clrMapOvr>
@@ -6624,54 +7354,14 @@
       </p:grpSpPr>
       <p:sp>
         <p:nvSpPr>
-          <p:cNvPr id="13" name="爆発 2 12"/>
+          <p:cNvPr id="10" name="正方形/長方形 9"/>
           <p:cNvSpPr/>
           <p:nvPr/>
         </p:nvSpPr>
         <p:spPr>
           <a:xfrm>
-            <a:off x="7740352" y="692696"/>
-            <a:ext cx="1403648" cy="936104"/>
-          </a:xfrm>
-          <a:prstGeom prst="irregularSeal2">
-            <a:avLst/>
-          </a:prstGeom>
-        </p:spPr>
-        <p:style>
-          <a:lnRef idx="2">
-            <a:schemeClr val="accent1">
-              <a:shade val="50000"/>
-            </a:schemeClr>
-          </a:lnRef>
-          <a:fillRef idx="1">
-            <a:schemeClr val="accent1"/>
-          </a:fillRef>
-          <a:effectRef idx="0">
-            <a:schemeClr val="accent1"/>
-          </a:effectRef>
-          <a:fontRef idx="minor">
-            <a:schemeClr val="lt1"/>
-          </a:fontRef>
-        </p:style>
-        <p:txBody>
-          <a:bodyPr rtlCol="0" anchor="ctr"/>
-          <a:lstStyle/>
-          <a:p>
-            <a:pPr algn="ctr"/>
-            <a:endParaRPr kumimoji="1" lang="ja-JP" altLang="en-US"/>
-          </a:p>
-        </p:txBody>
-      </p:sp>
-      <p:sp>
-        <p:nvSpPr>
-          <p:cNvPr id="3" name="正方形/長方形 2"/>
-          <p:cNvSpPr/>
-          <p:nvPr/>
-        </p:nvSpPr>
-        <p:spPr>
-          <a:xfrm>
-            <a:off x="827584" y="980728"/>
-            <a:ext cx="6912768" cy="4248472"/>
+            <a:off x="5364088" y="1340768"/>
+            <a:ext cx="3528392" cy="2088232"/>
           </a:xfrm>
           <a:prstGeom prst="rect">
             <a:avLst/>
@@ -6699,8 +7389,33 @@
           <a:lstStyle/>
           <a:p>
             <a:r>
+              <a:rPr lang="en-US" altLang="ja-JP" dirty="0" err="1" smtClean="0"/>
+              <a:t>SharedYama</a:t>
+            </a:r>
+            <a:r>
+              <a:rPr lang="en-US" altLang="ja-JP" dirty="0" smtClean="0"/>
+              <a:t> = </a:t>
+            </a:r>
+            <a:r>
+              <a:rPr lang="en-US" altLang="ja-JP" dirty="0" err="1" smtClean="0"/>
+              <a:t>CardGroup.new</a:t>
+            </a:r>
+            <a:endParaRPr lang="en-US" altLang="ja-JP" dirty="0" smtClean="0"/>
+          </a:p>
+          <a:p>
+            <a:r>
+              <a:rPr lang="en-US" altLang="ja-JP" dirty="0" err="1" smtClean="0"/>
+              <a:t>SharedYama.user</a:t>
+            </a:r>
+            <a:r>
+              <a:rPr lang="en-US" altLang="ja-JP" dirty="0" smtClean="0"/>
+              <a:t> = everyone</a:t>
+            </a:r>
+          </a:p>
+          <a:p>
+            <a:r>
               <a:rPr lang="ja-JP" altLang="en-US" dirty="0" smtClean="0"/>
-              <a:t>共有</a:t>
+              <a:t>全員のユーザで同じ内容が表示される</a:t>
             </a:r>
             <a:endParaRPr lang="en-US" altLang="ja-JP" dirty="0" smtClean="0"/>
           </a:p>
@@ -6708,6 +7423,14 @@
             <a:endParaRPr lang="en-US" altLang="ja-JP" dirty="0" smtClean="0"/>
           </a:p>
           <a:p>
+            <a:r>
+              <a:rPr lang="en-US" altLang="ja-JP" dirty="0" smtClean="0"/>
+              <a:t>TODO: </a:t>
+            </a:r>
+            <a:r>
+              <a:rPr lang="ja-JP" altLang="en-US" dirty="0" smtClean="0"/>
+              <a:t>見ている方向を考慮して向きを変える？</a:t>
+            </a:r>
             <a:endParaRPr lang="en-US" altLang="ja-JP" dirty="0" smtClean="0"/>
           </a:p>
           <a:p>
@@ -6719,22 +7442,31 @@
           <a:p>
             <a:endParaRPr lang="en-US" altLang="ja-JP" dirty="0" smtClean="0"/>
           </a:p>
-        </p:txBody>
-      </p:sp>
-      <p:sp>
-        <p:nvSpPr>
-          <p:cNvPr id="7" name="正方形/長方形 6"/>
+          <a:p>
+            <a:endParaRPr lang="en-US" altLang="ja-JP" dirty="0" smtClean="0"/>
+          </a:p>
+          <a:p>
+            <a:endParaRPr lang="en-US" altLang="ja-JP" dirty="0" smtClean="0"/>
+          </a:p>
+        </p:txBody>
+      </p:sp>
+      <p:sp>
+        <p:nvSpPr>
+          <p:cNvPr id="2" name="正方形/長方形 1"/>
           <p:cNvSpPr/>
           <p:nvPr/>
         </p:nvSpPr>
         <p:spPr>
           <a:xfrm>
-            <a:off x="1475656" y="1340768"/>
-            <a:ext cx="1152128" cy="2088232"/>
+            <a:off x="827584" y="908720"/>
+            <a:ext cx="4176464" cy="4248472"/>
           </a:xfrm>
           <a:prstGeom prst="rect">
             <a:avLst/>
           </a:prstGeom>
+          <a:solidFill>
+            <a:schemeClr val="bg2"/>
+          </a:solidFill>
         </p:spPr>
         <p:style>
           <a:lnRef idx="2">
@@ -6754,130 +7486,74 @@
           <a:bodyPr rtlCol="0" anchor="t"/>
           <a:lstStyle/>
           <a:p>
-            <a:pPr algn="ctr"/>
-            <a:r>
-              <a:rPr kumimoji="1" lang="en-US" altLang="ja-JP" dirty="0" smtClean="0"/>
-              <a:t>Group</a:t>
-            </a:r>
-          </a:p>
-          <a:p>
-            <a:pPr algn="ctr"/>
+            <a:r>
+              <a:rPr lang="en-US" altLang="ja-JP" dirty="0" smtClean="0"/>
+              <a:t>Field = </a:t>
+            </a:r>
+            <a:r>
+              <a:rPr lang="en-US" altLang="ja-JP" dirty="0" err="1" smtClean="0"/>
+              <a:t>CardGroup.new</a:t>
+            </a:r>
             <a:endParaRPr lang="en-US" altLang="ja-JP" dirty="0" smtClean="0"/>
           </a:p>
           <a:p>
-            <a:pPr algn="ctr"/>
-            <a:endParaRPr kumimoji="1" lang="en-US" altLang="ja-JP" dirty="0" smtClean="0"/>
-          </a:p>
-          <a:p>
-            <a:endParaRPr kumimoji="1" lang="en-US" altLang="ja-JP" sz="900" dirty="0" smtClean="0"/>
-          </a:p>
-          <a:p>
-            <a:r>
-              <a:rPr kumimoji="1" lang="en-US" altLang="ja-JP" sz="900" dirty="0" smtClean="0"/>
-              <a:t>1</a:t>
-            </a:r>
-            <a:r>
-              <a:rPr lang="ja-JP" altLang="en-US" sz="900" dirty="0" smtClean="0"/>
-              <a:t>番上のカード操作</a:t>
-            </a:r>
-            <a:endParaRPr lang="en-US" altLang="ja-JP" sz="900" dirty="0" smtClean="0"/>
-          </a:p>
-          <a:p>
-            <a:r>
-              <a:rPr kumimoji="1" lang="ja-JP" altLang="en-US" sz="900" dirty="0" smtClean="0"/>
-              <a:t>配る</a:t>
-            </a:r>
-            <a:endParaRPr kumimoji="1" lang="en-US" altLang="ja-JP" sz="900" dirty="0" smtClean="0"/>
-          </a:p>
-          <a:p>
-            <a:r>
-              <a:rPr lang="ja-JP" altLang="en-US" sz="900" dirty="0" smtClean="0"/>
-              <a:t>ランダムに広げる</a:t>
-            </a:r>
-            <a:endParaRPr lang="en-US" altLang="ja-JP" sz="900" dirty="0" smtClean="0"/>
-          </a:p>
-          <a:p>
-            <a:r>
-              <a:rPr kumimoji="1" lang="ja-JP" altLang="en-US" sz="900" dirty="0" smtClean="0"/>
-              <a:t>グループ内のシャッフル</a:t>
-            </a:r>
-            <a:endParaRPr kumimoji="1" lang="en-US" altLang="ja-JP" sz="900" dirty="0" smtClean="0"/>
-          </a:p>
-          <a:p>
-            <a:r>
-              <a:rPr kumimoji="1" lang="ja-JP" altLang="en-US" sz="900" dirty="0" smtClean="0"/>
-              <a:t>グループ内移動</a:t>
-            </a:r>
-            <a:endParaRPr kumimoji="1" lang="en-US" altLang="ja-JP" sz="900" dirty="0" smtClean="0"/>
-          </a:p>
-          <a:p>
-            <a:r>
-              <a:rPr lang="ja-JP" altLang="en-US" sz="900" dirty="0" smtClean="0"/>
-              <a:t>グループごと移動</a:t>
-            </a:r>
-            <a:endParaRPr kumimoji="1" lang="ja-JP" altLang="en-US" sz="900" dirty="0"/>
-          </a:p>
-        </p:txBody>
-      </p:sp>
-      <p:sp>
-        <p:nvSpPr>
-          <p:cNvPr id="2" name="正方形/長方形 1"/>
+            <a:r>
+              <a:rPr lang="en-US" altLang="ja-JP" dirty="0" err="1" smtClean="0"/>
+              <a:t>Field.user</a:t>
+            </a:r>
+            <a:r>
+              <a:rPr lang="en-US" altLang="ja-JP" dirty="0" smtClean="0"/>
+              <a:t> = everyone</a:t>
+            </a:r>
+          </a:p>
+          <a:p>
+            <a:r>
+              <a:rPr lang="ja-JP" altLang="en-US" dirty="0" smtClean="0"/>
+              <a:t>全員のユーザで同じ内容が表示される</a:t>
+            </a:r>
+            <a:endParaRPr lang="en-US" altLang="ja-JP" dirty="0" smtClean="0"/>
+          </a:p>
+          <a:p>
+            <a:endParaRPr lang="en-US" altLang="ja-JP" dirty="0" smtClean="0"/>
+          </a:p>
+          <a:p>
+            <a:r>
+              <a:rPr lang="en-US" altLang="ja-JP" dirty="0" smtClean="0"/>
+              <a:t>TODO: </a:t>
+            </a:r>
+            <a:r>
+              <a:rPr lang="ja-JP" altLang="en-US" dirty="0" smtClean="0"/>
+              <a:t>見ている方向を考慮して向きを変える？</a:t>
+            </a:r>
+            <a:endParaRPr lang="en-US" altLang="ja-JP" dirty="0" smtClean="0"/>
+          </a:p>
+          <a:p>
+            <a:endParaRPr lang="en-US" altLang="ja-JP" dirty="0" smtClean="0"/>
+          </a:p>
+          <a:p>
+            <a:endParaRPr lang="en-US" altLang="ja-JP" dirty="0" smtClean="0"/>
+          </a:p>
+          <a:p>
+            <a:endParaRPr lang="en-US" altLang="ja-JP" dirty="0" smtClean="0"/>
+          </a:p>
+          <a:p>
+            <a:endParaRPr lang="en-US" altLang="ja-JP" dirty="0" smtClean="0"/>
+          </a:p>
+          <a:p>
+            <a:endParaRPr lang="en-US" altLang="ja-JP" dirty="0" smtClean="0"/>
+          </a:p>
+        </p:txBody>
+      </p:sp>
+      <p:sp>
+        <p:nvSpPr>
+          <p:cNvPr id="3" name="正方形/長方形 2"/>
           <p:cNvSpPr/>
           <p:nvPr/>
         </p:nvSpPr>
         <p:spPr>
           <a:xfrm>
-            <a:off x="251520" y="332656"/>
-            <a:ext cx="3744416" cy="504056"/>
-          </a:xfrm>
-          <a:prstGeom prst="rect">
-            <a:avLst/>
-          </a:prstGeom>
-          <a:ln>
-            <a:noFill/>
-          </a:ln>
-        </p:spPr>
-        <p:style>
-          <a:lnRef idx="2">
-            <a:schemeClr val="dk1"/>
-          </a:lnRef>
-          <a:fillRef idx="1">
-            <a:schemeClr val="lt1"/>
-          </a:fillRef>
-          <a:effectRef idx="0">
-            <a:schemeClr val="dk1"/>
-          </a:effectRef>
-          <a:fontRef idx="minor">
-            <a:schemeClr val="dk1"/>
-          </a:fontRef>
-        </p:style>
-        <p:txBody>
-          <a:bodyPr rtlCol="0" anchor="ctr"/>
-          <a:lstStyle/>
-          <a:p>
-            <a:pPr algn="ctr"/>
-            <a:r>
-              <a:rPr kumimoji="1" lang="ja-JP" altLang="en-US" dirty="0" smtClean="0"/>
-              <a:t>ルールをシステムが意識</a:t>
-            </a:r>
-            <a:r>
-              <a:rPr lang="ja-JP" altLang="en-US" dirty="0" smtClean="0"/>
-              <a:t>しない</a:t>
-            </a:r>
-            <a:endParaRPr kumimoji="1" lang="ja-JP" altLang="en-US" dirty="0"/>
-          </a:p>
-        </p:txBody>
-      </p:sp>
-      <p:sp>
-        <p:nvSpPr>
-          <p:cNvPr id="4" name="正方形/長方形 3"/>
-          <p:cNvSpPr/>
-          <p:nvPr/>
-        </p:nvSpPr>
-        <p:spPr>
-          <a:xfrm>
-            <a:off x="827584" y="5229200"/>
-            <a:ext cx="6912768" cy="1368152"/>
+            <a:off x="1259632" y="5445224"/>
+            <a:ext cx="5040560" cy="1008112"/>
           </a:xfrm>
           <a:prstGeom prst="rect">
             <a:avLst/>
@@ -6908,8 +7584,45 @@
           <a:lstStyle/>
           <a:p>
             <a:r>
-              <a:rPr kumimoji="1" lang="ja-JP" altLang="en-US" dirty="0" smtClean="0"/>
-              <a:t>固有</a:t>
+              <a:rPr lang="en-US" altLang="ja-JP" dirty="0" smtClean="0"/>
+              <a:t>Hand = </a:t>
+            </a:r>
+            <a:r>
+              <a:rPr lang="en-US" altLang="ja-JP" dirty="0" err="1" smtClean="0"/>
+              <a:t>CardGroup.new</a:t>
+            </a:r>
+            <a:endParaRPr lang="en-US" altLang="ja-JP" dirty="0" smtClean="0"/>
+          </a:p>
+          <a:p>
+            <a:r>
+              <a:rPr kumimoji="1" lang="en-US" altLang="ja-JP" dirty="0" err="1" smtClean="0"/>
+              <a:t>Hand.user</a:t>
+            </a:r>
+            <a:r>
+              <a:rPr kumimoji="1" lang="en-US" altLang="ja-JP" dirty="0" smtClean="0"/>
+              <a:t> = xxx</a:t>
+            </a:r>
+          </a:p>
+          <a:p>
+            <a:r>
+              <a:rPr lang="ja-JP" altLang="en-US" dirty="0" smtClean="0"/>
+              <a:t>各ユーザの手札</a:t>
+            </a:r>
+            <a:r>
+              <a:rPr lang="en-US" altLang="ja-JP" dirty="0" smtClean="0"/>
+              <a:t>(</a:t>
+            </a:r>
+            <a:r>
+              <a:rPr lang="ja-JP" altLang="en-US" dirty="0" smtClean="0"/>
+              <a:t>表向き</a:t>
+            </a:r>
+            <a:r>
+              <a:rPr lang="en-US" altLang="ja-JP" dirty="0" smtClean="0"/>
+              <a:t>)</a:t>
+            </a:r>
+            <a:r>
+              <a:rPr lang="ja-JP" altLang="en-US" dirty="0" smtClean="0"/>
+              <a:t>が表示される</a:t>
             </a:r>
             <a:endParaRPr kumimoji="1" lang="ja-JP" altLang="en-US" dirty="0"/>
           </a:p>
@@ -6917,220 +7630,14 @@
       </p:sp>
       <p:sp>
         <p:nvSpPr>
-          <p:cNvPr id="5" name="正方形/長方形 4"/>
+          <p:cNvPr id="4" name="正方形/長方形 3"/>
           <p:cNvSpPr/>
           <p:nvPr/>
         </p:nvSpPr>
         <p:spPr>
           <a:xfrm>
-            <a:off x="1619672" y="1772816"/>
-            <a:ext cx="792088" cy="360040"/>
-          </a:xfrm>
-          <a:prstGeom prst="rect">
-            <a:avLst/>
-          </a:prstGeom>
-        </p:spPr>
-        <p:style>
-          <a:lnRef idx="2">
-            <a:schemeClr val="accent1">
-              <a:shade val="50000"/>
-            </a:schemeClr>
-          </a:lnRef>
-          <a:fillRef idx="1">
-            <a:schemeClr val="accent1"/>
-          </a:fillRef>
-          <a:effectRef idx="0">
-            <a:schemeClr val="accent1"/>
-          </a:effectRef>
-          <a:fontRef idx="minor">
-            <a:schemeClr val="lt1"/>
-          </a:fontRef>
-        </p:style>
-        <p:txBody>
-          <a:bodyPr rtlCol="0" anchor="ctr"/>
-          <a:lstStyle/>
-          <a:p>
-            <a:pPr algn="ctr"/>
-            <a:r>
-              <a:rPr kumimoji="1" lang="en-US" altLang="ja-JP" dirty="0" err="1" smtClean="0"/>
-              <a:t>CardN</a:t>
-            </a:r>
-            <a:endParaRPr kumimoji="1" lang="en-US" altLang="ja-JP" dirty="0" smtClean="0"/>
-          </a:p>
-        </p:txBody>
-      </p:sp>
-      <p:sp>
-        <p:nvSpPr>
-          <p:cNvPr id="6" name="正方形/長方形 5"/>
-          <p:cNvSpPr/>
-          <p:nvPr/>
-        </p:nvSpPr>
-        <p:spPr>
-          <a:xfrm>
-            <a:off x="1691680" y="1844824"/>
-            <a:ext cx="792088" cy="360040"/>
-          </a:xfrm>
-          <a:prstGeom prst="rect">
-            <a:avLst/>
-          </a:prstGeom>
-        </p:spPr>
-        <p:style>
-          <a:lnRef idx="2">
-            <a:schemeClr val="accent1">
-              <a:shade val="50000"/>
-            </a:schemeClr>
-          </a:lnRef>
-          <a:fillRef idx="1">
-            <a:schemeClr val="accent1"/>
-          </a:fillRef>
-          <a:effectRef idx="0">
-            <a:schemeClr val="accent1"/>
-          </a:effectRef>
-          <a:fontRef idx="minor">
-            <a:schemeClr val="lt1"/>
-          </a:fontRef>
-        </p:style>
-        <p:txBody>
-          <a:bodyPr rtlCol="0" anchor="ctr"/>
-          <a:lstStyle/>
-          <a:p>
-            <a:pPr algn="ctr"/>
-            <a:r>
-              <a:rPr kumimoji="1" lang="en-US" altLang="ja-JP" dirty="0" err="1" smtClean="0"/>
-              <a:t>CardN</a:t>
-            </a:r>
-            <a:endParaRPr kumimoji="1" lang="en-US" altLang="ja-JP" dirty="0" smtClean="0"/>
-          </a:p>
-        </p:txBody>
-      </p:sp>
-      <p:sp>
-        <p:nvSpPr>
-          <p:cNvPr id="8" name="正方形/長方形 7"/>
-          <p:cNvSpPr/>
-          <p:nvPr/>
-        </p:nvSpPr>
-        <p:spPr>
-          <a:xfrm>
-            <a:off x="3275856" y="1844824"/>
-            <a:ext cx="792088" cy="360040"/>
-          </a:xfrm>
-          <a:prstGeom prst="rect">
-            <a:avLst/>
-          </a:prstGeom>
-        </p:spPr>
-        <p:style>
-          <a:lnRef idx="2">
-            <a:schemeClr val="accent1">
-              <a:shade val="50000"/>
-            </a:schemeClr>
-          </a:lnRef>
-          <a:fillRef idx="1">
-            <a:schemeClr val="accent1"/>
-          </a:fillRef>
-          <a:effectRef idx="0">
-            <a:schemeClr val="accent1"/>
-          </a:effectRef>
-          <a:fontRef idx="minor">
-            <a:schemeClr val="lt1"/>
-          </a:fontRef>
-        </p:style>
-        <p:txBody>
-          <a:bodyPr rtlCol="0" anchor="ctr"/>
-          <a:lstStyle/>
-          <a:p>
-            <a:pPr algn="ctr"/>
-            <a:r>
-              <a:rPr kumimoji="1" lang="en-US" altLang="ja-JP" dirty="0" err="1" smtClean="0"/>
-              <a:t>CardN</a:t>
-            </a:r>
-            <a:endParaRPr kumimoji="1" lang="en-US" altLang="ja-JP" dirty="0" smtClean="0"/>
-          </a:p>
-        </p:txBody>
-      </p:sp>
-      <p:sp>
-        <p:nvSpPr>
-          <p:cNvPr id="9" name="正方形/長方形 8"/>
-          <p:cNvSpPr/>
-          <p:nvPr/>
-        </p:nvSpPr>
-        <p:spPr>
-          <a:xfrm>
-            <a:off x="3131840" y="1340768"/>
-            <a:ext cx="1080120" cy="1872208"/>
-          </a:xfrm>
-          <a:prstGeom prst="rect">
-            <a:avLst/>
-          </a:prstGeom>
-          <a:noFill/>
-          <a:ln>
-            <a:noFill/>
-          </a:ln>
-        </p:spPr>
-        <p:style>
-          <a:lnRef idx="2">
-            <a:schemeClr val="dk1"/>
-          </a:lnRef>
-          <a:fillRef idx="1">
-            <a:schemeClr val="lt1"/>
-          </a:fillRef>
-          <a:effectRef idx="0">
-            <a:schemeClr val="dk1"/>
-          </a:effectRef>
-          <a:fontRef idx="minor">
-            <a:schemeClr val="dk1"/>
-          </a:fontRef>
-        </p:style>
-        <p:txBody>
-          <a:bodyPr rtlCol="0" anchor="t"/>
-          <a:lstStyle/>
-          <a:p>
-            <a:pPr algn="ctr"/>
-            <a:endParaRPr kumimoji="1" lang="en-US" altLang="ja-JP" dirty="0" smtClean="0"/>
-          </a:p>
-          <a:p>
-            <a:pPr algn="ctr"/>
-            <a:endParaRPr lang="en-US" altLang="ja-JP" dirty="0" smtClean="0"/>
-          </a:p>
-          <a:p>
-            <a:pPr algn="ctr"/>
-            <a:endParaRPr kumimoji="1" lang="en-US" altLang="ja-JP" dirty="0" smtClean="0"/>
-          </a:p>
-          <a:p>
-            <a:endParaRPr kumimoji="1" lang="en-US" altLang="ja-JP" sz="900" dirty="0" smtClean="0"/>
-          </a:p>
-          <a:p>
-            <a:r>
-              <a:rPr kumimoji="1" lang="ja-JP" altLang="en-US" sz="900" dirty="0" smtClean="0"/>
-              <a:t>ひっくり返す</a:t>
-            </a:r>
-            <a:endParaRPr kumimoji="1" lang="en-US" altLang="ja-JP" sz="900" dirty="0" smtClean="0"/>
-          </a:p>
-          <a:p>
-            <a:r>
-              <a:rPr lang="ja-JP" altLang="en-US" sz="900" dirty="0" smtClean="0"/>
-              <a:t>移動</a:t>
-            </a:r>
-            <a:endParaRPr lang="en-US" altLang="ja-JP" sz="900" dirty="0" smtClean="0"/>
-          </a:p>
-          <a:p>
-            <a:r>
-              <a:rPr lang="ja-JP" altLang="en-US" sz="900" dirty="0" smtClean="0"/>
-              <a:t>特定の誰かに見せる</a:t>
-            </a:r>
-            <a:endParaRPr lang="en-US" altLang="ja-JP" sz="900" dirty="0" smtClean="0"/>
-          </a:p>
-        </p:txBody>
-      </p:sp>
-      <p:sp>
-        <p:nvSpPr>
-          <p:cNvPr id="10" name="正方形/長方形 9"/>
-          <p:cNvSpPr/>
-          <p:nvPr/>
-        </p:nvSpPr>
-        <p:spPr>
-          <a:xfrm>
-            <a:off x="7956376" y="908720"/>
-            <a:ext cx="936104" cy="648072"/>
+            <a:off x="0" y="2420888"/>
+            <a:ext cx="3456384" cy="1584176"/>
           </a:xfrm>
           <a:prstGeom prst="rect">
             <a:avLst/>
@@ -7161,25 +7668,272 @@
           <a:lstStyle/>
           <a:p>
             <a:r>
+              <a:rPr kumimoji="1" lang="en-US" altLang="ja-JP" dirty="0" smtClean="0"/>
+              <a:t>&lt;</a:t>
+            </a:r>
+            <a:r>
               <a:rPr kumimoji="1" lang="ja-JP" altLang="en-US" dirty="0" smtClean="0"/>
-              <a:t>固有</a:t>
-            </a:r>
-            <a:endParaRPr kumimoji="1" lang="en-US" altLang="ja-JP" dirty="0" smtClean="0"/>
-          </a:p>
-          <a:p>
-            <a:r>
-              <a:rPr lang="en-US" altLang="ja-JP" sz="1200" dirty="0" smtClean="0"/>
-              <a:t>(</a:t>
-            </a:r>
-            <a:r>
-              <a:rPr lang="ja-JP" altLang="en-US" sz="1200" dirty="0" smtClean="0"/>
-              <a:t>他ユーザ</a:t>
-            </a:r>
-            <a:r>
-              <a:rPr lang="en-US" altLang="ja-JP" sz="1200" dirty="0" smtClean="0"/>
-              <a:t>)</a:t>
-            </a:r>
-            <a:endParaRPr kumimoji="1" lang="ja-JP" altLang="en-US" dirty="0"/>
+              <a:t>札置き場</a:t>
+            </a:r>
+            <a:r>
+              <a:rPr kumimoji="1" lang="en-US" altLang="ja-JP" dirty="0" smtClean="0"/>
+              <a:t>:</a:t>
+            </a:r>
+            <a:r>
+              <a:rPr lang="en-US" altLang="ja-JP" dirty="0" smtClean="0"/>
+              <a:t> </a:t>
+            </a:r>
+            <a:r>
+              <a:rPr lang="en-US" altLang="ja-JP" dirty="0" err="1" smtClean="0"/>
+              <a:t>CardGroup</a:t>
+            </a:r>
+            <a:r>
+              <a:rPr kumimoji="1" lang="en-US" altLang="ja-JP" dirty="0" smtClean="0"/>
+              <a:t>&gt;</a:t>
+            </a:r>
+          </a:p>
+          <a:p>
+            <a:r>
+              <a:rPr lang="en-US" altLang="ja-JP" dirty="0" smtClean="0"/>
+              <a:t>User: </a:t>
+            </a:r>
+            <a:r>
+              <a:rPr lang="ja-JP" altLang="en-US" dirty="0" smtClean="0"/>
+              <a:t>所属ユーザ</a:t>
+            </a:r>
+            <a:r>
+              <a:rPr lang="en-US" altLang="ja-JP" dirty="0" smtClean="0"/>
+              <a:t>or</a:t>
+            </a:r>
+            <a:r>
+              <a:rPr lang="ja-JP" altLang="en-US" dirty="0" smtClean="0"/>
+              <a:t>共有</a:t>
+            </a:r>
+            <a:endParaRPr lang="en-US" altLang="ja-JP" dirty="0" smtClean="0"/>
+          </a:p>
+          <a:p>
+            <a:endParaRPr lang="en-US" altLang="ja-JP" dirty="0" smtClean="0"/>
+          </a:p>
+          <a:p>
+            <a:endParaRPr lang="en-US" altLang="ja-JP" dirty="0" smtClean="0"/>
+          </a:p>
+          <a:p>
+            <a:endParaRPr lang="en-US" altLang="ja-JP" dirty="0" smtClean="0"/>
+          </a:p>
+        </p:txBody>
+      </p:sp>
+      <p:sp>
+        <p:nvSpPr>
+          <p:cNvPr id="5" name="正方形/長方形 4"/>
+          <p:cNvSpPr/>
+          <p:nvPr/>
+        </p:nvSpPr>
+        <p:spPr>
+          <a:xfrm>
+            <a:off x="5220072" y="5733256"/>
+            <a:ext cx="792088" cy="360040"/>
+          </a:xfrm>
+          <a:prstGeom prst="rect">
+            <a:avLst/>
+          </a:prstGeom>
+        </p:spPr>
+        <p:style>
+          <a:lnRef idx="2">
+            <a:schemeClr val="accent1">
+              <a:shade val="50000"/>
+            </a:schemeClr>
+          </a:lnRef>
+          <a:fillRef idx="1">
+            <a:schemeClr val="accent1"/>
+          </a:fillRef>
+          <a:effectRef idx="0">
+            <a:schemeClr val="accent1"/>
+          </a:effectRef>
+          <a:fontRef idx="minor">
+            <a:schemeClr val="lt1"/>
+          </a:fontRef>
+        </p:style>
+        <p:txBody>
+          <a:bodyPr rtlCol="0" anchor="ctr"/>
+          <a:lstStyle/>
+          <a:p>
+            <a:pPr algn="ctr"/>
+            <a:r>
+              <a:rPr kumimoji="1" lang="en-US" altLang="ja-JP" dirty="0" smtClean="0"/>
+              <a:t>Card1</a:t>
+            </a:r>
+          </a:p>
+        </p:txBody>
+      </p:sp>
+      <p:sp>
+        <p:nvSpPr>
+          <p:cNvPr id="6" name="正方形/長方形 5"/>
+          <p:cNvSpPr/>
+          <p:nvPr/>
+        </p:nvSpPr>
+        <p:spPr>
+          <a:xfrm>
+            <a:off x="1907704" y="2420888"/>
+            <a:ext cx="792088" cy="360040"/>
+          </a:xfrm>
+          <a:prstGeom prst="rect">
+            <a:avLst/>
+          </a:prstGeom>
+        </p:spPr>
+        <p:style>
+          <a:lnRef idx="2">
+            <a:schemeClr val="accent1">
+              <a:shade val="50000"/>
+            </a:schemeClr>
+          </a:lnRef>
+          <a:fillRef idx="1">
+            <a:schemeClr val="accent1"/>
+          </a:fillRef>
+          <a:effectRef idx="0">
+            <a:schemeClr val="accent1"/>
+          </a:effectRef>
+          <a:fontRef idx="minor">
+            <a:schemeClr val="lt1"/>
+          </a:fontRef>
+        </p:style>
+        <p:txBody>
+          <a:bodyPr rtlCol="0" anchor="ctr"/>
+          <a:lstStyle/>
+          <a:p>
+            <a:pPr algn="ctr"/>
+            <a:r>
+              <a:rPr kumimoji="1" lang="en-US" altLang="ja-JP" dirty="0" smtClean="0"/>
+              <a:t>Card2</a:t>
+            </a:r>
+          </a:p>
+        </p:txBody>
+      </p:sp>
+      <p:sp>
+        <p:nvSpPr>
+          <p:cNvPr id="7" name="正方形/長方形 6"/>
+          <p:cNvSpPr/>
+          <p:nvPr/>
+        </p:nvSpPr>
+        <p:spPr>
+          <a:xfrm>
+            <a:off x="2915816" y="2420888"/>
+            <a:ext cx="792088" cy="360040"/>
+          </a:xfrm>
+          <a:prstGeom prst="rect">
+            <a:avLst/>
+          </a:prstGeom>
+        </p:spPr>
+        <p:style>
+          <a:lnRef idx="2">
+            <a:schemeClr val="accent1">
+              <a:shade val="50000"/>
+            </a:schemeClr>
+          </a:lnRef>
+          <a:fillRef idx="1">
+            <a:schemeClr val="accent1"/>
+          </a:fillRef>
+          <a:effectRef idx="0">
+            <a:schemeClr val="accent1"/>
+          </a:effectRef>
+          <a:fontRef idx="minor">
+            <a:schemeClr val="lt1"/>
+          </a:fontRef>
+        </p:style>
+        <p:txBody>
+          <a:bodyPr rtlCol="0" anchor="ctr"/>
+          <a:lstStyle/>
+          <a:p>
+            <a:pPr algn="ctr"/>
+            <a:r>
+              <a:rPr kumimoji="1" lang="en-US" altLang="ja-JP" dirty="0" smtClean="0"/>
+              <a:t>Card3</a:t>
+            </a:r>
+          </a:p>
+        </p:txBody>
+      </p:sp>
+      <p:sp>
+        <p:nvSpPr>
+          <p:cNvPr id="8" name="正方形/長方形 7"/>
+          <p:cNvSpPr/>
+          <p:nvPr/>
+        </p:nvSpPr>
+        <p:spPr>
+          <a:xfrm>
+            <a:off x="7668344" y="2996952"/>
+            <a:ext cx="792088" cy="360040"/>
+          </a:xfrm>
+          <a:prstGeom prst="rect">
+            <a:avLst/>
+          </a:prstGeom>
+        </p:spPr>
+        <p:style>
+          <a:lnRef idx="2">
+            <a:schemeClr val="accent1">
+              <a:shade val="50000"/>
+            </a:schemeClr>
+          </a:lnRef>
+          <a:fillRef idx="1">
+            <a:schemeClr val="accent1"/>
+          </a:fillRef>
+          <a:effectRef idx="0">
+            <a:schemeClr val="accent1"/>
+          </a:effectRef>
+          <a:fontRef idx="minor">
+            <a:schemeClr val="lt1"/>
+          </a:fontRef>
+        </p:style>
+        <p:txBody>
+          <a:bodyPr rtlCol="0" anchor="ctr"/>
+          <a:lstStyle/>
+          <a:p>
+            <a:pPr algn="ctr"/>
+            <a:r>
+              <a:rPr kumimoji="1" lang="en-US" altLang="ja-JP" dirty="0" smtClean="0"/>
+              <a:t>Card4</a:t>
+            </a:r>
+          </a:p>
+        </p:txBody>
+      </p:sp>
+      <p:sp>
+        <p:nvSpPr>
+          <p:cNvPr id="9" name="正方形/長方形 8"/>
+          <p:cNvSpPr/>
+          <p:nvPr/>
+        </p:nvSpPr>
+        <p:spPr>
+          <a:xfrm>
+            <a:off x="7452320" y="2852936"/>
+            <a:ext cx="792088" cy="360040"/>
+          </a:xfrm>
+          <a:prstGeom prst="rect">
+            <a:avLst/>
+          </a:prstGeom>
+        </p:spPr>
+        <p:style>
+          <a:lnRef idx="2">
+            <a:schemeClr val="accent1">
+              <a:shade val="50000"/>
+            </a:schemeClr>
+          </a:lnRef>
+          <a:fillRef idx="1">
+            <a:schemeClr val="accent1"/>
+          </a:fillRef>
+          <a:effectRef idx="0">
+            <a:schemeClr val="accent1"/>
+          </a:effectRef>
+          <a:fontRef idx="minor">
+            <a:schemeClr val="lt1"/>
+          </a:fontRef>
+        </p:style>
+        <p:txBody>
+          <a:bodyPr rtlCol="0" anchor="ctr"/>
+          <a:lstStyle/>
+          <a:p>
+            <a:pPr algn="ctr"/>
+            <a:r>
+              <a:rPr kumimoji="1" lang="en-US" altLang="ja-JP" dirty="0" smtClean="0"/>
+              <a:t>Card5</a:t>
+            </a:r>
           </a:p>
         </p:txBody>
       </p:sp>
@@ -7191,18 +7945,95 @@
         </p:nvSpPr>
         <p:spPr>
           <a:xfrm>
-            <a:off x="7956376" y="1628800"/>
-            <a:ext cx="936104" cy="648072"/>
+            <a:off x="9324528" y="908720"/>
+            <a:ext cx="1512168" cy="648072"/>
           </a:xfrm>
           <a:prstGeom prst="rect">
             <a:avLst/>
           </a:prstGeom>
-          <a:solidFill>
-            <a:schemeClr val="accent2">
-              <a:lumMod val="20000"/>
-              <a:lumOff val="80000"/>
+        </p:spPr>
+        <p:style>
+          <a:lnRef idx="2">
+            <a:schemeClr val="accent1">
+              <a:shade val="50000"/>
             </a:schemeClr>
-          </a:solidFill>
+          </a:lnRef>
+          <a:fillRef idx="1">
+            <a:schemeClr val="accent1"/>
+          </a:fillRef>
+          <a:effectRef idx="0">
+            <a:schemeClr val="accent1"/>
+          </a:effectRef>
+          <a:fontRef idx="minor">
+            <a:schemeClr val="lt1"/>
+          </a:fontRef>
+        </p:style>
+        <p:txBody>
+          <a:bodyPr rtlCol="0" anchor="ctr"/>
+          <a:lstStyle/>
+          <a:p>
+            <a:pPr algn="ctr"/>
+            <a:endParaRPr kumimoji="1" lang="ja-JP" altLang="en-US"/>
+          </a:p>
+        </p:txBody>
+      </p:sp>
+      <p:sp>
+        <p:nvSpPr>
+          <p:cNvPr id="12" name="正方形/長方形 11"/>
+          <p:cNvSpPr/>
+          <p:nvPr/>
+        </p:nvSpPr>
+        <p:spPr>
+          <a:xfrm>
+            <a:off x="9324528" y="1556792"/>
+            <a:ext cx="1512168" cy="648072"/>
+          </a:xfrm>
+          <a:prstGeom prst="rect">
+            <a:avLst/>
+          </a:prstGeom>
+        </p:spPr>
+        <p:style>
+          <a:lnRef idx="2">
+            <a:schemeClr val="accent1">
+              <a:shade val="50000"/>
+            </a:schemeClr>
+          </a:lnRef>
+          <a:fillRef idx="1">
+            <a:schemeClr val="accent1"/>
+          </a:fillRef>
+          <a:effectRef idx="0">
+            <a:schemeClr val="accent1"/>
+          </a:effectRef>
+          <a:fontRef idx="minor">
+            <a:schemeClr val="lt1"/>
+          </a:fontRef>
+        </p:style>
+        <p:txBody>
+          <a:bodyPr rtlCol="0" anchor="ctr"/>
+          <a:lstStyle/>
+          <a:p>
+            <a:pPr algn="ctr"/>
+            <a:endParaRPr kumimoji="1" lang="ja-JP" altLang="en-US"/>
+          </a:p>
+        </p:txBody>
+      </p:sp>
+      <p:sp>
+        <p:nvSpPr>
+          <p:cNvPr id="13" name="正方形/長方形 12"/>
+          <p:cNvSpPr/>
+          <p:nvPr/>
+        </p:nvSpPr>
+        <p:spPr>
+          <a:xfrm>
+            <a:off x="251520" y="332656"/>
+            <a:ext cx="3744416" cy="504056"/>
+          </a:xfrm>
+          <a:prstGeom prst="rect">
+            <a:avLst/>
+          </a:prstGeom>
+          <a:ln>
+            <a:noFill/>
+          </a:ln>
         </p:spPr>
         <p:style>
           <a:lnRef idx="2">
@@ -7219,94 +8050,78 @@
           </a:fontRef>
         </p:style>
         <p:txBody>
-          <a:bodyPr rtlCol="0" anchor="t"/>
-          <a:lstStyle/>
-          <a:p>
+          <a:bodyPr rtlCol="0" anchor="ctr"/>
+          <a:lstStyle/>
+          <a:p>
+            <a:pPr algn="ctr"/>
             <a:r>
               <a:rPr kumimoji="1" lang="ja-JP" altLang="en-US" dirty="0" smtClean="0"/>
-              <a:t>固有</a:t>
-            </a:r>
-            <a:endParaRPr kumimoji="1" lang="en-US" altLang="ja-JP" dirty="0" smtClean="0"/>
-          </a:p>
-          <a:p>
-            <a:r>
-              <a:rPr lang="en-US" altLang="ja-JP" sz="1200" dirty="0" smtClean="0"/>
-              <a:t>(</a:t>
-            </a:r>
-            <a:r>
-              <a:rPr lang="ja-JP" altLang="en-US" sz="1200" dirty="0" smtClean="0"/>
-              <a:t>他ユーザ</a:t>
-            </a:r>
-            <a:r>
-              <a:rPr lang="en-US" altLang="ja-JP" sz="1200" dirty="0" smtClean="0"/>
-              <a:t>)</a:t>
+              <a:t>ルールをシステムが意識する</a:t>
             </a:r>
             <a:endParaRPr kumimoji="1" lang="ja-JP" altLang="en-US" dirty="0"/>
           </a:p>
         </p:txBody>
       </p:sp>
-      <p:sp>
-        <p:nvSpPr>
-          <p:cNvPr id="12" name="正方形/長方形 11"/>
-          <p:cNvSpPr/>
-          <p:nvPr/>
-        </p:nvSpPr>
-        <p:spPr>
-          <a:xfrm>
-            <a:off x="7956376" y="2348880"/>
-            <a:ext cx="936104" cy="648072"/>
-          </a:xfrm>
-          <a:prstGeom prst="rect">
-            <a:avLst/>
-          </a:prstGeom>
-          <a:solidFill>
-            <a:schemeClr val="accent2">
-              <a:lumMod val="20000"/>
-              <a:lumOff val="80000"/>
-            </a:schemeClr>
-          </a:solidFill>
-        </p:spPr>
-        <p:style>
-          <a:lnRef idx="2">
-            <a:schemeClr val="dk1"/>
-          </a:lnRef>
-          <a:fillRef idx="1">
-            <a:schemeClr val="lt1"/>
+      <p:cxnSp>
+        <p:nvCxnSpPr>
+          <p:cNvPr id="15" name="直線コネクタ 14"/>
+          <p:cNvCxnSpPr/>
+          <p:nvPr/>
+        </p:nvCxnSpPr>
+        <p:spPr>
+          <a:xfrm>
+            <a:off x="0" y="0"/>
+            <a:ext cx="9144000" cy="6858000"/>
+          </a:xfrm>
+          <a:prstGeom prst="line">
+            <a:avLst/>
+          </a:prstGeom>
+        </p:spPr>
+        <p:style>
+          <a:lnRef idx="1">
+            <a:schemeClr val="accent1"/>
+          </a:lnRef>
+          <a:fillRef idx="0">
+            <a:schemeClr val="accent1"/>
           </a:fillRef>
           <a:effectRef idx="0">
-            <a:schemeClr val="dk1"/>
-          </a:effectRef>
-          <a:fontRef idx="minor">
-            <a:schemeClr val="dk1"/>
-          </a:fontRef>
-        </p:style>
-        <p:txBody>
-          <a:bodyPr rtlCol="0" anchor="t"/>
-          <a:lstStyle/>
-          <a:p>
-            <a:r>
-              <a:rPr kumimoji="1" lang="ja-JP" altLang="en-US" dirty="0" smtClean="0"/>
-              <a:t>固有</a:t>
-            </a:r>
-            <a:endParaRPr kumimoji="1" lang="en-US" altLang="ja-JP" dirty="0" smtClean="0"/>
-          </a:p>
-          <a:p>
-            <a:r>
-              <a:rPr lang="en-US" altLang="ja-JP" sz="1200" dirty="0" smtClean="0"/>
-              <a:t>(</a:t>
-            </a:r>
-            <a:r>
-              <a:rPr lang="ja-JP" altLang="en-US" sz="1200" dirty="0" smtClean="0"/>
-              <a:t>他ユーザ</a:t>
-            </a:r>
-            <a:r>
-              <a:rPr lang="en-US" altLang="ja-JP" sz="1200" dirty="0" smtClean="0"/>
-              <a:t>)</a:t>
-            </a:r>
-            <a:endParaRPr kumimoji="1" lang="ja-JP" altLang="en-US" dirty="0"/>
-          </a:p>
-        </p:txBody>
-      </p:sp>
+            <a:schemeClr val="accent1"/>
+          </a:effectRef>
+          <a:fontRef idx="minor">
+            <a:schemeClr val="tx1"/>
+          </a:fontRef>
+        </p:style>
+      </p:cxnSp>
+      <p:cxnSp>
+        <p:nvCxnSpPr>
+          <p:cNvPr id="17" name="直線コネクタ 16"/>
+          <p:cNvCxnSpPr/>
+          <p:nvPr/>
+        </p:nvCxnSpPr>
+        <p:spPr>
+          <a:xfrm flipV="1">
+            <a:off x="0" y="0"/>
+            <a:ext cx="9144000" cy="6858000"/>
+          </a:xfrm>
+          <a:prstGeom prst="line">
+            <a:avLst/>
+          </a:prstGeom>
+        </p:spPr>
+        <p:style>
+          <a:lnRef idx="1">
+            <a:schemeClr val="accent1"/>
+          </a:lnRef>
+          <a:fillRef idx="0">
+            <a:schemeClr val="accent1"/>
+          </a:fillRef>
+          <a:effectRef idx="0">
+            <a:schemeClr val="accent1"/>
+          </a:effectRef>
+          <a:fontRef idx="minor">
+            <a:schemeClr val="tx1"/>
+          </a:fontRef>
+        </p:style>
+      </p:cxnSp>
     </p:spTree>
   </p:cSld>
   <p:clrMapOvr>
@@ -7334,28 +8149,280 @@
       </p:grpSpPr>
       <p:sp>
         <p:nvSpPr>
+          <p:cNvPr id="13" name="爆発 2 12"/>
+          <p:cNvSpPr/>
+          <p:nvPr/>
+        </p:nvSpPr>
+        <p:spPr>
+          <a:xfrm>
+            <a:off x="7740352" y="692696"/>
+            <a:ext cx="1403648" cy="936104"/>
+          </a:xfrm>
+          <a:prstGeom prst="irregularSeal2">
+            <a:avLst/>
+          </a:prstGeom>
+        </p:spPr>
+        <p:style>
+          <a:lnRef idx="2">
+            <a:schemeClr val="accent1">
+              <a:shade val="50000"/>
+            </a:schemeClr>
+          </a:lnRef>
+          <a:fillRef idx="1">
+            <a:schemeClr val="accent1"/>
+          </a:fillRef>
+          <a:effectRef idx="0">
+            <a:schemeClr val="accent1"/>
+          </a:effectRef>
+          <a:fontRef idx="minor">
+            <a:schemeClr val="lt1"/>
+          </a:fontRef>
+        </p:style>
+        <p:txBody>
+          <a:bodyPr rtlCol="0" anchor="ctr"/>
+          <a:lstStyle/>
+          <a:p>
+            <a:pPr algn="ctr"/>
+            <a:endParaRPr kumimoji="1" lang="ja-JP" altLang="en-US"/>
+          </a:p>
+        </p:txBody>
+      </p:sp>
+      <p:sp>
+        <p:nvSpPr>
+          <p:cNvPr id="3" name="正方形/長方形 2"/>
+          <p:cNvSpPr/>
+          <p:nvPr/>
+        </p:nvSpPr>
+        <p:spPr>
+          <a:xfrm>
+            <a:off x="827584" y="980728"/>
+            <a:ext cx="6912768" cy="4248472"/>
+          </a:xfrm>
+          <a:prstGeom prst="rect">
+            <a:avLst/>
+          </a:prstGeom>
+          <a:solidFill>
+            <a:schemeClr val="bg2"/>
+          </a:solidFill>
+        </p:spPr>
+        <p:style>
+          <a:lnRef idx="2">
+            <a:schemeClr val="dk1"/>
+          </a:lnRef>
+          <a:fillRef idx="1">
+            <a:schemeClr val="lt1"/>
+          </a:fillRef>
+          <a:effectRef idx="0">
+            <a:schemeClr val="dk1"/>
+          </a:effectRef>
+          <a:fontRef idx="minor">
+            <a:schemeClr val="dk1"/>
+          </a:fontRef>
+        </p:style>
+        <p:txBody>
+          <a:bodyPr rtlCol="0" anchor="t"/>
+          <a:lstStyle/>
+          <a:p>
+            <a:r>
+              <a:rPr lang="ja-JP" altLang="en-US" dirty="0" smtClean="0"/>
+              <a:t>共有</a:t>
+            </a:r>
+            <a:endParaRPr lang="en-US" altLang="ja-JP" dirty="0" smtClean="0"/>
+          </a:p>
+          <a:p>
+            <a:endParaRPr lang="en-US" altLang="ja-JP" dirty="0" smtClean="0"/>
+          </a:p>
+          <a:p>
+            <a:endParaRPr lang="en-US" altLang="ja-JP" dirty="0" smtClean="0"/>
+          </a:p>
+          <a:p>
+            <a:endParaRPr lang="en-US" altLang="ja-JP" dirty="0" smtClean="0"/>
+          </a:p>
+          <a:p>
+            <a:endParaRPr lang="en-US" altLang="ja-JP" dirty="0" smtClean="0"/>
+          </a:p>
+          <a:p>
+            <a:endParaRPr lang="en-US" altLang="ja-JP" dirty="0" smtClean="0"/>
+          </a:p>
+        </p:txBody>
+      </p:sp>
+      <p:sp>
+        <p:nvSpPr>
+          <p:cNvPr id="7" name="正方形/長方形 6"/>
+          <p:cNvSpPr/>
+          <p:nvPr/>
+        </p:nvSpPr>
+        <p:spPr>
+          <a:xfrm>
+            <a:off x="1475656" y="1340768"/>
+            <a:ext cx="1152128" cy="2088232"/>
+          </a:xfrm>
+          <a:prstGeom prst="rect">
+            <a:avLst/>
+          </a:prstGeom>
+        </p:spPr>
+        <p:style>
+          <a:lnRef idx="2">
+            <a:schemeClr val="dk1"/>
+          </a:lnRef>
+          <a:fillRef idx="1">
+            <a:schemeClr val="lt1"/>
+          </a:fillRef>
+          <a:effectRef idx="0">
+            <a:schemeClr val="dk1"/>
+          </a:effectRef>
+          <a:fontRef idx="minor">
+            <a:schemeClr val="dk1"/>
+          </a:fontRef>
+        </p:style>
+        <p:txBody>
+          <a:bodyPr rtlCol="0" anchor="t"/>
+          <a:lstStyle/>
+          <a:p>
+            <a:pPr algn="ctr"/>
+            <a:r>
+              <a:rPr kumimoji="1" lang="en-US" altLang="ja-JP" dirty="0" smtClean="0"/>
+              <a:t>Group</a:t>
+            </a:r>
+          </a:p>
+          <a:p>
+            <a:pPr algn="ctr"/>
+            <a:endParaRPr lang="en-US" altLang="ja-JP" dirty="0" smtClean="0"/>
+          </a:p>
+          <a:p>
+            <a:pPr algn="ctr"/>
+            <a:endParaRPr kumimoji="1" lang="en-US" altLang="ja-JP" dirty="0" smtClean="0"/>
+          </a:p>
+          <a:p>
+            <a:endParaRPr kumimoji="1" lang="en-US" altLang="ja-JP" sz="900" dirty="0" smtClean="0"/>
+          </a:p>
+          <a:p>
+            <a:r>
+              <a:rPr kumimoji="1" lang="en-US" altLang="ja-JP" sz="900" dirty="0" smtClean="0"/>
+              <a:t>1</a:t>
+            </a:r>
+            <a:r>
+              <a:rPr lang="ja-JP" altLang="en-US" sz="900" dirty="0" smtClean="0"/>
+              <a:t>番上のカード操作</a:t>
+            </a:r>
+            <a:endParaRPr lang="en-US" altLang="ja-JP" sz="900" dirty="0" smtClean="0"/>
+          </a:p>
+          <a:p>
+            <a:r>
+              <a:rPr kumimoji="1" lang="ja-JP" altLang="en-US" sz="900" dirty="0" smtClean="0"/>
+              <a:t>配る</a:t>
+            </a:r>
+            <a:endParaRPr kumimoji="1" lang="en-US" altLang="ja-JP" sz="900" dirty="0" smtClean="0"/>
+          </a:p>
+          <a:p>
+            <a:r>
+              <a:rPr lang="ja-JP" altLang="en-US" sz="900" dirty="0" smtClean="0"/>
+              <a:t>ランダムに広げる</a:t>
+            </a:r>
+            <a:endParaRPr lang="en-US" altLang="ja-JP" sz="900" dirty="0" smtClean="0"/>
+          </a:p>
+          <a:p>
+            <a:r>
+              <a:rPr kumimoji="1" lang="ja-JP" altLang="en-US" sz="900" dirty="0" smtClean="0"/>
+              <a:t>グループ内のシャッフル</a:t>
+            </a:r>
+            <a:endParaRPr kumimoji="1" lang="en-US" altLang="ja-JP" sz="900" dirty="0" smtClean="0"/>
+          </a:p>
+          <a:p>
+            <a:r>
+              <a:rPr kumimoji="1" lang="ja-JP" altLang="en-US" sz="900" dirty="0" smtClean="0"/>
+              <a:t>グループ内移動</a:t>
+            </a:r>
+            <a:endParaRPr kumimoji="1" lang="en-US" altLang="ja-JP" sz="900" dirty="0" smtClean="0"/>
+          </a:p>
+          <a:p>
+            <a:r>
+              <a:rPr lang="ja-JP" altLang="en-US" sz="900" dirty="0" smtClean="0"/>
+              <a:t>グループごと移動</a:t>
+            </a:r>
+            <a:endParaRPr kumimoji="1" lang="ja-JP" altLang="en-US" sz="900" dirty="0"/>
+          </a:p>
+        </p:txBody>
+      </p:sp>
+      <p:sp>
+        <p:nvSpPr>
           <p:cNvPr id="2" name="正方形/長方形 1"/>
           <p:cNvSpPr/>
           <p:nvPr/>
         </p:nvSpPr>
         <p:spPr>
           <a:xfrm>
-            <a:off x="611560" y="764704"/>
-            <a:ext cx="3600400" cy="1872208"/>
+            <a:off x="251520" y="332656"/>
+            <a:ext cx="3744416" cy="504056"/>
           </a:xfrm>
           <a:prstGeom prst="rect">
             <a:avLst/>
           </a:prstGeom>
-        </p:spPr>
-        <p:style>
-          <a:lnRef idx="1">
-            <a:schemeClr val="accent1"/>
-          </a:lnRef>
-          <a:fillRef idx="2">
-            <a:schemeClr val="accent1"/>
-          </a:fillRef>
-          <a:effectRef idx="1">
-            <a:schemeClr val="accent1"/>
+          <a:ln>
+            <a:noFill/>
+          </a:ln>
+        </p:spPr>
+        <p:style>
+          <a:lnRef idx="2">
+            <a:schemeClr val="dk1"/>
+          </a:lnRef>
+          <a:fillRef idx="1">
+            <a:schemeClr val="lt1"/>
+          </a:fillRef>
+          <a:effectRef idx="0">
+            <a:schemeClr val="dk1"/>
+          </a:effectRef>
+          <a:fontRef idx="minor">
+            <a:schemeClr val="dk1"/>
+          </a:fontRef>
+        </p:style>
+        <p:txBody>
+          <a:bodyPr rtlCol="0" anchor="ctr"/>
+          <a:lstStyle/>
+          <a:p>
+            <a:pPr algn="ctr"/>
+            <a:r>
+              <a:rPr kumimoji="1" lang="ja-JP" altLang="en-US" dirty="0" smtClean="0"/>
+              <a:t>ルールをシステムが意識</a:t>
+            </a:r>
+            <a:r>
+              <a:rPr lang="ja-JP" altLang="en-US" dirty="0" smtClean="0"/>
+              <a:t>しない</a:t>
+            </a:r>
+            <a:endParaRPr kumimoji="1" lang="ja-JP" altLang="en-US" dirty="0"/>
+          </a:p>
+        </p:txBody>
+      </p:sp>
+      <p:sp>
+        <p:nvSpPr>
+          <p:cNvPr id="4" name="正方形/長方形 3"/>
+          <p:cNvSpPr/>
+          <p:nvPr/>
+        </p:nvSpPr>
+        <p:spPr>
+          <a:xfrm>
+            <a:off x="827584" y="5229200"/>
+            <a:ext cx="6912768" cy="1368152"/>
+          </a:xfrm>
+          <a:prstGeom prst="rect">
+            <a:avLst/>
+          </a:prstGeom>
+          <a:solidFill>
+            <a:schemeClr val="accent2">
+              <a:lumMod val="20000"/>
+              <a:lumOff val="80000"/>
+            </a:schemeClr>
+          </a:solidFill>
+        </p:spPr>
+        <p:style>
+          <a:lnRef idx="2">
+            <a:schemeClr val="dk1"/>
+          </a:lnRef>
+          <a:fillRef idx="1">
+            <a:schemeClr val="lt1"/>
+          </a:fillRef>
+          <a:effectRef idx="0">
+            <a:schemeClr val="dk1"/>
           </a:effectRef>
           <a:fontRef idx="minor">
             <a:schemeClr val="dk1"/>
@@ -7366,164 +8433,402 @@
           <a:lstStyle/>
           <a:p>
             <a:r>
-              <a:rPr kumimoji="1" lang="en-US" altLang="ja-JP" dirty="0" smtClean="0"/>
-              <a:t>Card</a:t>
-            </a:r>
-          </a:p>
-          <a:p>
-            <a:r>
-              <a:rPr lang="en-US" altLang="ja-JP" sz="1200" dirty="0" err="1" smtClean="0"/>
-              <a:t>card_id</a:t>
-            </a:r>
+              <a:rPr kumimoji="1" lang="ja-JP" altLang="en-US" dirty="0" smtClean="0"/>
+              <a:t>固有</a:t>
+            </a:r>
+            <a:endParaRPr kumimoji="1" lang="ja-JP" altLang="en-US" dirty="0"/>
+          </a:p>
+        </p:txBody>
+      </p:sp>
+      <p:sp>
+        <p:nvSpPr>
+          <p:cNvPr id="5" name="正方形/長方形 4"/>
+          <p:cNvSpPr/>
+          <p:nvPr/>
+        </p:nvSpPr>
+        <p:spPr>
+          <a:xfrm>
+            <a:off x="1619672" y="1772816"/>
+            <a:ext cx="792088" cy="360040"/>
+          </a:xfrm>
+          <a:prstGeom prst="rect">
+            <a:avLst/>
+          </a:prstGeom>
+        </p:spPr>
+        <p:style>
+          <a:lnRef idx="2">
+            <a:schemeClr val="accent1">
+              <a:shade val="50000"/>
+            </a:schemeClr>
+          </a:lnRef>
+          <a:fillRef idx="1">
+            <a:schemeClr val="accent1"/>
+          </a:fillRef>
+          <a:effectRef idx="0">
+            <a:schemeClr val="accent1"/>
+          </a:effectRef>
+          <a:fontRef idx="minor">
+            <a:schemeClr val="lt1"/>
+          </a:fontRef>
+        </p:style>
+        <p:txBody>
+          <a:bodyPr rtlCol="0" anchor="ctr"/>
+          <a:lstStyle/>
+          <a:p>
+            <a:pPr algn="ctr"/>
+            <a:r>
+              <a:rPr kumimoji="1" lang="en-US" altLang="ja-JP" dirty="0" err="1" smtClean="0"/>
+              <a:t>CardN</a:t>
+            </a:r>
+            <a:endParaRPr kumimoji="1" lang="en-US" altLang="ja-JP" dirty="0" smtClean="0"/>
+          </a:p>
+        </p:txBody>
+      </p:sp>
+      <p:sp>
+        <p:nvSpPr>
+          <p:cNvPr id="6" name="正方形/長方形 5"/>
+          <p:cNvSpPr/>
+          <p:nvPr/>
+        </p:nvSpPr>
+        <p:spPr>
+          <a:xfrm>
+            <a:off x="1691680" y="1844824"/>
+            <a:ext cx="792088" cy="360040"/>
+          </a:xfrm>
+          <a:prstGeom prst="rect">
+            <a:avLst/>
+          </a:prstGeom>
+        </p:spPr>
+        <p:style>
+          <a:lnRef idx="2">
+            <a:schemeClr val="accent1">
+              <a:shade val="50000"/>
+            </a:schemeClr>
+          </a:lnRef>
+          <a:fillRef idx="1">
+            <a:schemeClr val="accent1"/>
+          </a:fillRef>
+          <a:effectRef idx="0">
+            <a:schemeClr val="accent1"/>
+          </a:effectRef>
+          <a:fontRef idx="minor">
+            <a:schemeClr val="lt1"/>
+          </a:fontRef>
+        </p:style>
+        <p:txBody>
+          <a:bodyPr rtlCol="0" anchor="ctr"/>
+          <a:lstStyle/>
+          <a:p>
+            <a:pPr algn="ctr"/>
+            <a:r>
+              <a:rPr kumimoji="1" lang="en-US" altLang="ja-JP" dirty="0" err="1" smtClean="0"/>
+              <a:t>CardN</a:t>
+            </a:r>
+            <a:endParaRPr kumimoji="1" lang="en-US" altLang="ja-JP" dirty="0" smtClean="0"/>
+          </a:p>
+        </p:txBody>
+      </p:sp>
+      <p:sp>
+        <p:nvSpPr>
+          <p:cNvPr id="8" name="正方形/長方形 7"/>
+          <p:cNvSpPr/>
+          <p:nvPr/>
+        </p:nvSpPr>
+        <p:spPr>
+          <a:xfrm>
+            <a:off x="3275856" y="1844824"/>
+            <a:ext cx="792088" cy="360040"/>
+          </a:xfrm>
+          <a:prstGeom prst="rect">
+            <a:avLst/>
+          </a:prstGeom>
+        </p:spPr>
+        <p:style>
+          <a:lnRef idx="2">
+            <a:schemeClr val="accent1">
+              <a:shade val="50000"/>
+            </a:schemeClr>
+          </a:lnRef>
+          <a:fillRef idx="1">
+            <a:schemeClr val="accent1"/>
+          </a:fillRef>
+          <a:effectRef idx="0">
+            <a:schemeClr val="accent1"/>
+          </a:effectRef>
+          <a:fontRef idx="minor">
+            <a:schemeClr val="lt1"/>
+          </a:fontRef>
+        </p:style>
+        <p:txBody>
+          <a:bodyPr rtlCol="0" anchor="ctr"/>
+          <a:lstStyle/>
+          <a:p>
+            <a:pPr algn="ctr"/>
+            <a:r>
+              <a:rPr kumimoji="1" lang="en-US" altLang="ja-JP" dirty="0" err="1" smtClean="0"/>
+              <a:t>CardN</a:t>
+            </a:r>
+            <a:endParaRPr kumimoji="1" lang="en-US" altLang="ja-JP" dirty="0" smtClean="0"/>
+          </a:p>
+        </p:txBody>
+      </p:sp>
+      <p:sp>
+        <p:nvSpPr>
+          <p:cNvPr id="9" name="正方形/長方形 8"/>
+          <p:cNvSpPr/>
+          <p:nvPr/>
+        </p:nvSpPr>
+        <p:spPr>
+          <a:xfrm>
+            <a:off x="3131840" y="1340768"/>
+            <a:ext cx="1080120" cy="1872208"/>
+          </a:xfrm>
+          <a:prstGeom prst="rect">
+            <a:avLst/>
+          </a:prstGeom>
+          <a:noFill/>
+          <a:ln>
+            <a:noFill/>
+          </a:ln>
+        </p:spPr>
+        <p:style>
+          <a:lnRef idx="2">
+            <a:schemeClr val="dk1"/>
+          </a:lnRef>
+          <a:fillRef idx="1">
+            <a:schemeClr val="lt1"/>
+          </a:fillRef>
+          <a:effectRef idx="0">
+            <a:schemeClr val="dk1"/>
+          </a:effectRef>
+          <a:fontRef idx="minor">
+            <a:schemeClr val="dk1"/>
+          </a:fontRef>
+        </p:style>
+        <p:txBody>
+          <a:bodyPr rtlCol="0" anchor="t"/>
+          <a:lstStyle/>
+          <a:p>
+            <a:pPr algn="ctr"/>
+            <a:endParaRPr kumimoji="1" lang="en-US" altLang="ja-JP" dirty="0" smtClean="0"/>
+          </a:p>
+          <a:p>
+            <a:pPr algn="ctr"/>
+            <a:endParaRPr lang="en-US" altLang="ja-JP" dirty="0" smtClean="0"/>
+          </a:p>
+          <a:p>
+            <a:pPr algn="ctr"/>
+            <a:endParaRPr kumimoji="1" lang="en-US" altLang="ja-JP" dirty="0" smtClean="0"/>
+          </a:p>
+          <a:p>
+            <a:endParaRPr kumimoji="1" lang="en-US" altLang="ja-JP" sz="900" dirty="0" smtClean="0"/>
+          </a:p>
+          <a:p>
+            <a:r>
+              <a:rPr kumimoji="1" lang="ja-JP" altLang="en-US" sz="900" dirty="0" smtClean="0"/>
+              <a:t>ひっくり返す</a:t>
+            </a:r>
+            <a:endParaRPr kumimoji="1" lang="en-US" altLang="ja-JP" sz="900" dirty="0" smtClean="0"/>
+          </a:p>
+          <a:p>
+            <a:r>
+              <a:rPr lang="ja-JP" altLang="en-US" sz="900" dirty="0" smtClean="0"/>
+              <a:t>移動</a:t>
+            </a:r>
+            <a:endParaRPr lang="en-US" altLang="ja-JP" sz="900" dirty="0" smtClean="0"/>
+          </a:p>
+          <a:p>
+            <a:r>
+              <a:rPr lang="ja-JP" altLang="en-US" sz="900" dirty="0" smtClean="0"/>
+              <a:t>特定の誰かに見せる</a:t>
+            </a:r>
+            <a:endParaRPr lang="en-US" altLang="ja-JP" sz="900" dirty="0" smtClean="0"/>
+          </a:p>
+        </p:txBody>
+      </p:sp>
+      <p:sp>
+        <p:nvSpPr>
+          <p:cNvPr id="10" name="正方形/長方形 9"/>
+          <p:cNvSpPr/>
+          <p:nvPr/>
+        </p:nvSpPr>
+        <p:spPr>
+          <a:xfrm>
+            <a:off x="7956376" y="908720"/>
+            <a:ext cx="936104" cy="648072"/>
+          </a:xfrm>
+          <a:prstGeom prst="rect">
+            <a:avLst/>
+          </a:prstGeom>
+          <a:solidFill>
+            <a:schemeClr val="accent2">
+              <a:lumMod val="20000"/>
+              <a:lumOff val="80000"/>
+            </a:schemeClr>
+          </a:solidFill>
+        </p:spPr>
+        <p:style>
+          <a:lnRef idx="2">
+            <a:schemeClr val="dk1"/>
+          </a:lnRef>
+          <a:fillRef idx="1">
+            <a:schemeClr val="lt1"/>
+          </a:fillRef>
+          <a:effectRef idx="0">
+            <a:schemeClr val="dk1"/>
+          </a:effectRef>
+          <a:fontRef idx="minor">
+            <a:schemeClr val="dk1"/>
+          </a:fontRef>
+        </p:style>
+        <p:txBody>
+          <a:bodyPr rtlCol="0" anchor="t"/>
+          <a:lstStyle/>
+          <a:p>
+            <a:r>
+              <a:rPr kumimoji="1" lang="ja-JP" altLang="en-US" dirty="0" smtClean="0"/>
+              <a:t>固有</a:t>
+            </a:r>
+            <a:endParaRPr kumimoji="1" lang="en-US" altLang="ja-JP" dirty="0" smtClean="0"/>
+          </a:p>
+          <a:p>
             <a:r>
               <a:rPr lang="en-US" altLang="ja-JP" sz="1200" dirty="0" smtClean="0"/>
-              <a:t>:</a:t>
+              <a:t>(</a:t>
             </a:r>
             <a:r>
               <a:rPr lang="ja-JP" altLang="en-US" sz="1200" dirty="0" smtClean="0"/>
-              <a:t>カード固有</a:t>
-            </a:r>
-            <a:r>
-              <a:rPr lang="en-US" altLang="ja-JP" sz="1200" dirty="0" smtClean="0"/>
-              <a:t>ID (</a:t>
-            </a:r>
-            <a:r>
-              <a:rPr lang="ja-JP" altLang="en-US" sz="1200" dirty="0" smtClean="0"/>
-              <a:t>同じカード</a:t>
-            </a:r>
-            <a:r>
-              <a:rPr lang="en-US" altLang="ja-JP" sz="1200" dirty="0" smtClean="0"/>
-              <a:t>2</a:t>
-            </a:r>
-            <a:r>
-              <a:rPr lang="ja-JP" altLang="en-US" sz="1200" dirty="0" smtClean="0"/>
-              <a:t>枚でも別番号</a:t>
+              <a:t>他ユーザ</a:t>
             </a:r>
             <a:r>
               <a:rPr lang="en-US" altLang="ja-JP" sz="1200" dirty="0" smtClean="0"/>
               <a:t>)</a:t>
             </a:r>
-          </a:p>
-          <a:p>
-            <a:r>
-              <a:rPr lang="en-US" altLang="ja-JP" sz="1200" dirty="0" err="1" smtClean="0"/>
-              <a:t>image_ids</a:t>
-            </a:r>
-            <a:r>
-              <a:rPr lang="en-US" altLang="ja-JP" sz="1200" dirty="0" smtClean="0"/>
-              <a:t>:[closed</a:t>
-            </a:r>
-            <a:r>
-              <a:rPr lang="ja-JP" altLang="en-US" sz="1200" dirty="0" smtClean="0"/>
-              <a:t>状態の</a:t>
-            </a:r>
-            <a:r>
-              <a:rPr lang="en-US" altLang="ja-JP" sz="1200" dirty="0" err="1" smtClean="0"/>
-              <a:t>ID,opened</a:t>
-            </a:r>
-            <a:r>
-              <a:rPr lang="ja-JP" altLang="en-US" sz="1200" dirty="0" smtClean="0"/>
-              <a:t>状態の</a:t>
-            </a:r>
-            <a:r>
-              <a:rPr lang="en-US" altLang="ja-JP" sz="1200" dirty="0" smtClean="0"/>
-              <a:t>ID]</a:t>
-            </a:r>
-          </a:p>
-          <a:p>
-            <a:r>
-              <a:rPr lang="en-US" altLang="ja-JP" sz="1200" dirty="0" err="1" smtClean="0"/>
-              <a:t>x,y</a:t>
-            </a:r>
-            <a:r>
-              <a:rPr lang="en-US" altLang="ja-JP" sz="1200" dirty="0" smtClean="0"/>
-              <a:t>:</a:t>
-            </a:r>
-            <a:r>
-              <a:rPr lang="ja-JP" altLang="en-US" sz="1200" dirty="0" smtClean="0"/>
-              <a:t>座標</a:t>
-            </a:r>
+            <a:endParaRPr kumimoji="1" lang="ja-JP" altLang="en-US" dirty="0"/>
+          </a:p>
+        </p:txBody>
+      </p:sp>
+      <p:sp>
+        <p:nvSpPr>
+          <p:cNvPr id="11" name="正方形/長方形 10"/>
+          <p:cNvSpPr/>
+          <p:nvPr/>
+        </p:nvSpPr>
+        <p:spPr>
+          <a:xfrm>
+            <a:off x="7956376" y="1628800"/>
+            <a:ext cx="936104" cy="648072"/>
+          </a:xfrm>
+          <a:prstGeom prst="rect">
+            <a:avLst/>
+          </a:prstGeom>
+          <a:solidFill>
+            <a:schemeClr val="accent2">
+              <a:lumMod val="20000"/>
+              <a:lumOff val="80000"/>
+            </a:schemeClr>
+          </a:solidFill>
+        </p:spPr>
+        <p:style>
+          <a:lnRef idx="2">
+            <a:schemeClr val="dk1"/>
+          </a:lnRef>
+          <a:fillRef idx="1">
+            <a:schemeClr val="lt1"/>
+          </a:fillRef>
+          <a:effectRef idx="0">
+            <a:schemeClr val="dk1"/>
+          </a:effectRef>
+          <a:fontRef idx="minor">
+            <a:schemeClr val="dk1"/>
+          </a:fontRef>
+        </p:style>
+        <p:txBody>
+          <a:bodyPr rtlCol="0" anchor="t"/>
+          <a:lstStyle/>
+          <a:p>
+            <a:r>
+              <a:rPr kumimoji="1" lang="ja-JP" altLang="en-US" dirty="0" smtClean="0"/>
+              <a:t>固有</a:t>
+            </a:r>
+            <a:endParaRPr kumimoji="1" lang="en-US" altLang="ja-JP" dirty="0" smtClean="0"/>
+          </a:p>
+          <a:p>
             <a:r>
               <a:rPr lang="en-US" altLang="ja-JP" sz="1200" dirty="0" smtClean="0"/>
               <a:t>(</a:t>
             </a:r>
             <a:r>
               <a:rPr lang="ja-JP" altLang="en-US" sz="1200" dirty="0" smtClean="0"/>
-              <a:t>ピクセル</a:t>
+              <a:t>他ユーザ</a:t>
             </a:r>
             <a:r>
               <a:rPr lang="en-US" altLang="ja-JP" sz="1200" dirty="0" smtClean="0"/>
               <a:t>)</a:t>
             </a:r>
-          </a:p>
-          <a:p>
-            <a:r>
-              <a:rPr lang="en-US" altLang="ja-JP" sz="1200" dirty="0" smtClean="0"/>
-              <a:t>z:</a:t>
-            </a:r>
-            <a:r>
-              <a:rPr lang="ja-JP" altLang="en-US" sz="1200" dirty="0" smtClean="0"/>
-              <a:t>表示順</a:t>
-            </a:r>
+            <a:endParaRPr kumimoji="1" lang="ja-JP" altLang="en-US" dirty="0"/>
+          </a:p>
+        </p:txBody>
+      </p:sp>
+      <p:sp>
+        <p:nvSpPr>
+          <p:cNvPr id="12" name="正方形/長方形 11"/>
+          <p:cNvSpPr/>
+          <p:nvPr/>
+        </p:nvSpPr>
+        <p:spPr>
+          <a:xfrm>
+            <a:off x="7956376" y="2348880"/>
+            <a:ext cx="936104" cy="648072"/>
+          </a:xfrm>
+          <a:prstGeom prst="rect">
+            <a:avLst/>
+          </a:prstGeom>
+          <a:solidFill>
+            <a:schemeClr val="accent2">
+              <a:lumMod val="20000"/>
+              <a:lumOff val="80000"/>
+            </a:schemeClr>
+          </a:solidFill>
+        </p:spPr>
+        <p:style>
+          <a:lnRef idx="2">
+            <a:schemeClr val="dk1"/>
+          </a:lnRef>
+          <a:fillRef idx="1">
+            <a:schemeClr val="lt1"/>
+          </a:fillRef>
+          <a:effectRef idx="0">
+            <a:schemeClr val="dk1"/>
+          </a:effectRef>
+          <a:fontRef idx="minor">
+            <a:schemeClr val="dk1"/>
+          </a:fontRef>
+        </p:style>
+        <p:txBody>
+          <a:bodyPr rtlCol="0" anchor="t"/>
+          <a:lstStyle/>
+          <a:p>
+            <a:r>
+              <a:rPr kumimoji="1" lang="ja-JP" altLang="en-US" dirty="0" smtClean="0"/>
+              <a:t>固有</a:t>
+            </a:r>
+            <a:endParaRPr kumimoji="1" lang="en-US" altLang="ja-JP" dirty="0" smtClean="0"/>
+          </a:p>
+          <a:p>
             <a:r>
               <a:rPr lang="en-US" altLang="ja-JP" sz="1200" dirty="0" smtClean="0"/>
               <a:t>(</a:t>
             </a:r>
             <a:r>
               <a:rPr lang="ja-JP" altLang="en-US" sz="1200" dirty="0" smtClean="0"/>
-              <a:t>大きいほど手前</a:t>
+              <a:t>他ユーザ</a:t>
             </a:r>
             <a:r>
               <a:rPr lang="en-US" altLang="ja-JP" sz="1200" dirty="0" smtClean="0"/>
               <a:t>)</a:t>
             </a:r>
-          </a:p>
-          <a:p>
-            <a:r>
-              <a:rPr lang="en-US" altLang="ja-JP" sz="1200" dirty="0" smtClean="0"/>
-              <a:t>opened:</a:t>
-            </a:r>
-            <a:r>
-              <a:rPr lang="ja-JP" altLang="en-US" sz="1200" dirty="0" smtClean="0"/>
-              <a:t>開いた状態かどうか</a:t>
-            </a:r>
-            <a:endParaRPr lang="en-US" altLang="ja-JP" sz="1200" dirty="0" smtClean="0"/>
-          </a:p>
-          <a:p>
-            <a:r>
-              <a:rPr lang="en-US" altLang="ja-JP" sz="1200" dirty="0" smtClean="0"/>
-              <a:t>user:</a:t>
-            </a:r>
-            <a:r>
-              <a:rPr lang="ja-JP" altLang="en-US" sz="1200" dirty="0" smtClean="0"/>
-              <a:t>所有ユーザ</a:t>
-            </a:r>
-            <a:r>
-              <a:rPr lang="en-US" altLang="ja-JP" sz="1200" dirty="0" smtClean="0"/>
-              <a:t>(null</a:t>
-            </a:r>
-            <a:r>
-              <a:rPr lang="ja-JP" altLang="en-US" sz="1200" dirty="0" smtClean="0"/>
-              <a:t>なら共有</a:t>
-            </a:r>
-            <a:r>
-              <a:rPr lang="en-US" altLang="ja-JP" sz="1200" dirty="0" smtClean="0"/>
-              <a:t>)</a:t>
-            </a:r>
-          </a:p>
-          <a:p>
-            <a:r>
-              <a:rPr lang="en-US" altLang="ja-JP" sz="1200" dirty="0" err="1" smtClean="0"/>
-              <a:t>group:TODO</a:t>
-            </a:r>
-            <a:endParaRPr lang="en-US" altLang="ja-JP" sz="1200" dirty="0" smtClean="0"/>
-          </a:p>
-          <a:p>
-            <a:r>
-              <a:rPr lang="en-US" altLang="ja-JP" sz="1200" dirty="0" err="1" smtClean="0"/>
-              <a:t>zgroup:TODO</a:t>
-            </a:r>
-            <a:endParaRPr lang="en-US" altLang="ja-JP" sz="1200" dirty="0" smtClean="0"/>
+            <a:endParaRPr kumimoji="1" lang="ja-JP" altLang="en-US" dirty="0"/>
           </a:p>
         </p:txBody>
       </p:sp>
@@ -7552,6 +8857,201 @@
           <a:chExt cx="0" cy="0"/>
         </a:xfrm>
       </p:grpSpPr>
+      <p:sp>
+        <p:nvSpPr>
+          <p:cNvPr id="2" name="正方形/長方形 1"/>
+          <p:cNvSpPr/>
+          <p:nvPr/>
+        </p:nvSpPr>
+        <p:spPr>
+          <a:xfrm>
+            <a:off x="611560" y="764704"/>
+            <a:ext cx="3600400" cy="1872208"/>
+          </a:xfrm>
+          <a:prstGeom prst="rect">
+            <a:avLst/>
+          </a:prstGeom>
+        </p:spPr>
+        <p:style>
+          <a:lnRef idx="1">
+            <a:schemeClr val="accent1"/>
+          </a:lnRef>
+          <a:fillRef idx="2">
+            <a:schemeClr val="accent1"/>
+          </a:fillRef>
+          <a:effectRef idx="1">
+            <a:schemeClr val="accent1"/>
+          </a:effectRef>
+          <a:fontRef idx="minor">
+            <a:schemeClr val="dk1"/>
+          </a:fontRef>
+        </p:style>
+        <p:txBody>
+          <a:bodyPr rtlCol="0" anchor="t"/>
+          <a:lstStyle/>
+          <a:p>
+            <a:r>
+              <a:rPr kumimoji="1" lang="en-US" altLang="ja-JP" dirty="0" smtClean="0"/>
+              <a:t>Card</a:t>
+            </a:r>
+          </a:p>
+          <a:p>
+            <a:r>
+              <a:rPr lang="en-US" altLang="ja-JP" sz="1200" dirty="0" err="1" smtClean="0"/>
+              <a:t>card_id</a:t>
+            </a:r>
+            <a:r>
+              <a:rPr lang="en-US" altLang="ja-JP" sz="1200" dirty="0" smtClean="0"/>
+              <a:t>:</a:t>
+            </a:r>
+            <a:r>
+              <a:rPr lang="ja-JP" altLang="en-US" sz="1200" dirty="0" smtClean="0"/>
+              <a:t>カード固有</a:t>
+            </a:r>
+            <a:r>
+              <a:rPr lang="en-US" altLang="ja-JP" sz="1200" dirty="0" smtClean="0"/>
+              <a:t>ID (</a:t>
+            </a:r>
+            <a:r>
+              <a:rPr lang="ja-JP" altLang="en-US" sz="1200" dirty="0" smtClean="0"/>
+              <a:t>同じカード</a:t>
+            </a:r>
+            <a:r>
+              <a:rPr lang="en-US" altLang="ja-JP" sz="1200" dirty="0" smtClean="0"/>
+              <a:t>2</a:t>
+            </a:r>
+            <a:r>
+              <a:rPr lang="ja-JP" altLang="en-US" sz="1200" dirty="0" smtClean="0"/>
+              <a:t>枚でも別番号</a:t>
+            </a:r>
+            <a:r>
+              <a:rPr lang="en-US" altLang="ja-JP" sz="1200" dirty="0" smtClean="0"/>
+              <a:t>)</a:t>
+            </a:r>
+          </a:p>
+          <a:p>
+            <a:r>
+              <a:rPr lang="en-US" altLang="ja-JP" sz="1200" dirty="0" err="1" smtClean="0"/>
+              <a:t>image_ids</a:t>
+            </a:r>
+            <a:r>
+              <a:rPr lang="en-US" altLang="ja-JP" sz="1200" dirty="0" smtClean="0"/>
+              <a:t>:[closed</a:t>
+            </a:r>
+            <a:r>
+              <a:rPr lang="ja-JP" altLang="en-US" sz="1200" dirty="0" smtClean="0"/>
+              <a:t>状態の</a:t>
+            </a:r>
+            <a:r>
+              <a:rPr lang="en-US" altLang="ja-JP" sz="1200" dirty="0" err="1" smtClean="0"/>
+              <a:t>ID,opened</a:t>
+            </a:r>
+            <a:r>
+              <a:rPr lang="ja-JP" altLang="en-US" sz="1200" dirty="0" smtClean="0"/>
+              <a:t>状態の</a:t>
+            </a:r>
+            <a:r>
+              <a:rPr lang="en-US" altLang="ja-JP" sz="1200" dirty="0" smtClean="0"/>
+              <a:t>ID]</a:t>
+            </a:r>
+          </a:p>
+          <a:p>
+            <a:r>
+              <a:rPr lang="en-US" altLang="ja-JP" sz="1200" dirty="0" err="1" smtClean="0"/>
+              <a:t>x,y</a:t>
+            </a:r>
+            <a:r>
+              <a:rPr lang="en-US" altLang="ja-JP" sz="1200" dirty="0" smtClean="0"/>
+              <a:t>:</a:t>
+            </a:r>
+            <a:r>
+              <a:rPr lang="ja-JP" altLang="en-US" sz="1200" dirty="0" smtClean="0"/>
+              <a:t>座標</a:t>
+            </a:r>
+            <a:r>
+              <a:rPr lang="en-US" altLang="ja-JP" sz="1200" dirty="0" smtClean="0"/>
+              <a:t>(</a:t>
+            </a:r>
+            <a:r>
+              <a:rPr lang="ja-JP" altLang="en-US" sz="1200" dirty="0" smtClean="0"/>
+              <a:t>ピクセル</a:t>
+            </a:r>
+            <a:r>
+              <a:rPr lang="en-US" altLang="ja-JP" sz="1200" dirty="0" smtClean="0"/>
+              <a:t>)</a:t>
+            </a:r>
+          </a:p>
+          <a:p>
+            <a:r>
+              <a:rPr lang="en-US" altLang="ja-JP" sz="1200" dirty="0" smtClean="0"/>
+              <a:t>z:</a:t>
+            </a:r>
+            <a:r>
+              <a:rPr lang="ja-JP" altLang="en-US" sz="1200" dirty="0" smtClean="0"/>
+              <a:t>表示順</a:t>
+            </a:r>
+            <a:r>
+              <a:rPr lang="en-US" altLang="ja-JP" sz="1200" dirty="0" smtClean="0"/>
+              <a:t>(</a:t>
+            </a:r>
+            <a:r>
+              <a:rPr lang="ja-JP" altLang="en-US" sz="1200" dirty="0" smtClean="0"/>
+              <a:t>大きいほど手前</a:t>
+            </a:r>
+            <a:r>
+              <a:rPr lang="en-US" altLang="ja-JP" sz="1200" dirty="0" smtClean="0"/>
+              <a:t>)</a:t>
+            </a:r>
+          </a:p>
+          <a:p>
+            <a:r>
+              <a:rPr lang="en-US" altLang="ja-JP" sz="1200" dirty="0" smtClean="0"/>
+              <a:t>opened:</a:t>
+            </a:r>
+            <a:r>
+              <a:rPr lang="ja-JP" altLang="en-US" sz="1200" dirty="0" smtClean="0"/>
+              <a:t>開いた状態かどうか</a:t>
+            </a:r>
+            <a:endParaRPr lang="en-US" altLang="ja-JP" sz="1200" dirty="0" smtClean="0"/>
+          </a:p>
+          <a:p>
+            <a:r>
+              <a:rPr lang="en-US" altLang="ja-JP" sz="1200" dirty="0" smtClean="0"/>
+              <a:t>user:</a:t>
+            </a:r>
+            <a:r>
+              <a:rPr lang="ja-JP" altLang="en-US" sz="1200" dirty="0" smtClean="0"/>
+              <a:t>所有ユーザ</a:t>
+            </a:r>
+            <a:r>
+              <a:rPr lang="en-US" altLang="ja-JP" sz="1200" dirty="0" smtClean="0"/>
+              <a:t>(null</a:t>
+            </a:r>
+            <a:r>
+              <a:rPr lang="ja-JP" altLang="en-US" sz="1200" dirty="0" smtClean="0"/>
+              <a:t>なら共有</a:t>
+            </a:r>
+            <a:r>
+              <a:rPr lang="en-US" altLang="ja-JP" sz="1200" dirty="0" smtClean="0"/>
+              <a:t>)</a:t>
+            </a:r>
+          </a:p>
+          <a:p>
+            <a:r>
+              <a:rPr lang="en-US" altLang="ja-JP" sz="1200" dirty="0" err="1" smtClean="0"/>
+              <a:t>group:TODO</a:t>
+            </a:r>
+            <a:endParaRPr lang="en-US" altLang="ja-JP" sz="1200" dirty="0" smtClean="0"/>
+          </a:p>
+          <a:p>
+            <a:r>
+              <a:rPr lang="en-US" altLang="ja-JP" sz="1200" dirty="0" err="1" smtClean="0"/>
+              <a:t>zgroup:TODO</a:t>
+            </a:r>
+            <a:endParaRPr lang="en-US" altLang="ja-JP" sz="1200" dirty="0" smtClean="0"/>
+          </a:p>
+        </p:txBody>
+      </p:sp>
     </p:spTree>
   </p:cSld>
   <p:clrMapOvr>
@@ -7577,6 +9077,31 @@
           <a:chExt cx="0" cy="0"/>
         </a:xfrm>
       </p:grpSpPr>
+    </p:spTree>
+  </p:cSld>
+  <p:clrMapOvr>
+    <a:masterClrMapping/>
+  </p:clrMapOvr>
+</p:sld>
+</file>
+
+<file path=ppt/slides/slide8.xml><?xml version="1.0" encoding="utf-8"?>
+<p:sld xmlns:a="http://schemas.openxmlformats.org/drawingml/2006/main" xmlns:r="http://schemas.openxmlformats.org/officeDocument/2006/relationships" xmlns:p="http://schemas.openxmlformats.org/presentationml/2006/main">
+  <p:cSld>
+    <p:spTree>
+      <p:nvGrpSpPr>
+        <p:cNvPr id="1" name=""/>
+        <p:cNvGrpSpPr/>
+        <p:nvPr/>
+      </p:nvGrpSpPr>
+      <p:grpSpPr>
+        <a:xfrm>
+          <a:off x="0" y="0"/>
+          <a:ext cx="0" cy="0"/>
+          <a:chOff x="0" y="0"/>
+          <a:chExt cx="0" cy="0"/>
+        </a:xfrm>
+      </p:grpSpPr>
       <p:sp>
         <p:nvSpPr>
           <p:cNvPr id="2" name="正方形/長方形 1"/>
@@ -8384,7 +9909,7 @@
 </p:sld>
 </file>
 
-<file path=ppt/slides/slide8.xml><?xml version="1.0" encoding="utf-8"?>
+<file path=ppt/slides/slide9.xml><?xml version="1.0" encoding="utf-8"?>
 <p:sld xmlns:a="http://schemas.openxmlformats.org/drawingml/2006/main" xmlns:r="http://schemas.openxmlformats.org/officeDocument/2006/relationships" xmlns:p="http://schemas.openxmlformats.org/presentationml/2006/main">
   <p:cSld>
     <p:spTree>
